--- a/Отчет_4_сем/Презентация Фейзуллин 201.pptx
+++ b/Отчет_4_сем/Презентация Фейзуллин 201.pptx
@@ -5,7 +5,7 @@
     <p:sldMasterId id="2147483648" r:id="rId1"/>
   </p:sldMasterIdLst>
   <p:notesMasterIdLst>
-    <p:notesMasterId r:id="rId15"/>
+    <p:notesMasterId r:id="rId17"/>
   </p:notesMasterIdLst>
   <p:sldIdLst>
     <p:sldId id="257" r:id="rId2"/>
@@ -14,13 +14,15 @@
     <p:sldId id="320" r:id="rId5"/>
     <p:sldId id="321" r:id="rId6"/>
     <p:sldId id="322" r:id="rId7"/>
-    <p:sldId id="323" r:id="rId8"/>
-    <p:sldId id="324" r:id="rId9"/>
-    <p:sldId id="325" r:id="rId10"/>
-    <p:sldId id="326" r:id="rId11"/>
-    <p:sldId id="327" r:id="rId12"/>
-    <p:sldId id="328" r:id="rId13"/>
-    <p:sldId id="329" r:id="rId14"/>
+    <p:sldId id="331" r:id="rId8"/>
+    <p:sldId id="323" r:id="rId9"/>
+    <p:sldId id="330" r:id="rId10"/>
+    <p:sldId id="324" r:id="rId11"/>
+    <p:sldId id="325" r:id="rId12"/>
+    <p:sldId id="326" r:id="rId13"/>
+    <p:sldId id="327" r:id="rId14"/>
+    <p:sldId id="328" r:id="rId15"/>
+    <p:sldId id="329" r:id="rId16"/>
   </p:sldIdLst>
   <p:sldSz cx="12192000" cy="6858000"/>
   <p:notesSz cx="6858000" cy="9144000"/>
@@ -209,7 +211,7 @@
           <a:p>
             <a:fld id="{8B82A444-7A35-48DA-B328-982FA082261C}" type="datetimeFigureOut">
               <a:rPr lang="ru-RU" smtClean="0"/>
-              <a:t>29.12.2022</a:t>
+              <a:t>23.05.2023</a:t>
             </a:fld>
             <a:endParaRPr lang="ru-RU"/>
           </a:p>
@@ -2005,43 +2007,264 @@
           <a:bodyPr/>
           <a:lstStyle/>
           <a:p>
-            <a:r>
-              <a:rPr lang="ru-RU" dirty="0"/>
-              <a:t>Описание экспериментальной установки</a:t>
-            </a:r>
-            <a:r>
-              <a:rPr lang="en-US" dirty="0"/>
-              <a:t>:</a:t>
-            </a:r>
-          </a:p>
-          <a:p>
-            <a:r>
-              <a:rPr lang="en-US" dirty="0"/>
-              <a:t>	1) </a:t>
-            </a:r>
-            <a:r>
-              <a:rPr lang="ru-RU" dirty="0"/>
-              <a:t>Для оценки каждого подхода проводилась кросс – валидация с усреднением результатов</a:t>
-            </a:r>
-            <a:endParaRPr lang="en-US" dirty="0"/>
-          </a:p>
-          <a:p>
-            <a:r>
-              <a:rPr lang="en-US" dirty="0"/>
-              <a:t>	2) </a:t>
-            </a:r>
-            <a:r>
-              <a:rPr lang="ru-RU" dirty="0"/>
-              <a:t>Для всех методов, кроме базовой модели, используется дерево решений в модификации градиентного </a:t>
-            </a:r>
-            <a:r>
-              <a:rPr lang="ru-RU" dirty="0" err="1"/>
-              <a:t>бустинга</a:t>
-            </a:r>
-            <a:r>
-              <a:rPr lang="ru-RU" dirty="0"/>
+            <a:pPr algn="l">
+              <a:lnSpc>
+                <a:spcPct val="107000"/>
+              </a:lnSpc>
+              <a:spcBef>
+                <a:spcPts val="200"/>
+              </a:spcBef>
+            </a:pPr>
+            <a:r>
+              <a:rPr lang="en-US" sz="1800" b="1" dirty="0" err="1">
+                <a:solidFill>
+                  <a:srgbClr val="1F3763"/>
+                </a:solidFill>
+                <a:effectLst/>
+                <a:latin typeface="Times New Roman" panose="02020603050405020304" pitchFamily="18" charset="0"/>
+                <a:ea typeface="Times New Roman" panose="02020603050405020304" pitchFamily="18" charset="0"/>
+                <a:cs typeface="Times New Roman" panose="02020603050405020304" pitchFamily="18" charset="0"/>
+              </a:rPr>
+              <a:t>UpLift</a:t>
+            </a:r>
+            <a:r>
+              <a:rPr lang="ru-RU" sz="1800" b="1" dirty="0">
+                <a:solidFill>
+                  <a:srgbClr val="1F3763"/>
+                </a:solidFill>
+                <a:effectLst/>
+                <a:latin typeface="Times New Roman" panose="02020603050405020304" pitchFamily="18" charset="0"/>
+                <a:ea typeface="Times New Roman" panose="02020603050405020304" pitchFamily="18" charset="0"/>
+                <a:cs typeface="Times New Roman" panose="02020603050405020304" pitchFamily="18" charset="0"/>
+              </a:rPr>
+              <a:t> кривая (</a:t>
+            </a:r>
+            <a:r>
+              <a:rPr lang="en-US" sz="1800" b="1" dirty="0" err="1">
+                <a:solidFill>
+                  <a:srgbClr val="1F3763"/>
+                </a:solidFill>
+                <a:effectLst/>
+                <a:latin typeface="Times New Roman" panose="02020603050405020304" pitchFamily="18" charset="0"/>
+                <a:ea typeface="Times New Roman" panose="02020603050405020304" pitchFamily="18" charset="0"/>
+                <a:cs typeface="Times New Roman" panose="02020603050405020304" pitchFamily="18" charset="0"/>
+              </a:rPr>
+              <a:t>UpLift</a:t>
+            </a:r>
+            <a:r>
+              <a:rPr lang="en-US" sz="1800" b="1" dirty="0">
+                <a:solidFill>
+                  <a:srgbClr val="1F3763"/>
+                </a:solidFill>
+                <a:effectLst/>
+                <a:latin typeface="Times New Roman" panose="02020603050405020304" pitchFamily="18" charset="0"/>
+                <a:ea typeface="Times New Roman" panose="02020603050405020304" pitchFamily="18" charset="0"/>
+                <a:cs typeface="Times New Roman" panose="02020603050405020304" pitchFamily="18" charset="0"/>
+              </a:rPr>
+              <a:t> Curve</a:t>
+            </a:r>
+            <a:r>
+              <a:rPr lang="ru-RU" sz="1800" b="1" dirty="0">
+                <a:solidFill>
+                  <a:srgbClr val="1F3763"/>
+                </a:solidFill>
+                <a:effectLst/>
+                <a:latin typeface="Times New Roman" panose="02020603050405020304" pitchFamily="18" charset="0"/>
+                <a:ea typeface="Times New Roman" panose="02020603050405020304" pitchFamily="18" charset="0"/>
+                <a:cs typeface="Times New Roman" panose="02020603050405020304" pitchFamily="18" charset="0"/>
+              </a:rPr>
+              <a:t>)</a:t>
+            </a:r>
+            <a:r>
+              <a:rPr lang="ru-RU" sz="1800" b="1" dirty="0">
+                <a:solidFill>
+                  <a:srgbClr val="1F3763"/>
+                </a:solidFill>
+                <a:effectLst/>
+                <a:latin typeface="Calibri Light" panose="020F0302020204030204" pitchFamily="34" charset="0"/>
+                <a:ea typeface="Times New Roman" panose="02020603050405020304" pitchFamily="18" charset="0"/>
+                <a:cs typeface="Times New Roman" panose="02020603050405020304" pitchFamily="18" charset="0"/>
+              </a:rPr>
+              <a:t> - </a:t>
+            </a:r>
+            <a:r>
+              <a:rPr lang="ru-RU" sz="1800" dirty="0">
+                <a:effectLst/>
+                <a:latin typeface="Times New Roman" panose="02020603050405020304" pitchFamily="18" charset="0"/>
+                <a:ea typeface="Calibri" panose="020F0502020204030204" pitchFamily="34" charset="0"/>
+                <a:cs typeface="Times New Roman" panose="02020603050405020304" pitchFamily="18" charset="0"/>
+              </a:rPr>
+              <a:t>Данная кривая строится как функция с нарастающим итогом, где для каждой точки задается соответствующий </a:t>
+            </a:r>
+            <a:r>
+              <a:rPr lang="ru-RU" sz="1800" dirty="0" err="1">
+                <a:effectLst/>
+                <a:latin typeface="Times New Roman" panose="02020603050405020304" pitchFamily="18" charset="0"/>
+                <a:ea typeface="Calibri" panose="020F0502020204030204" pitchFamily="34" charset="0"/>
+                <a:cs typeface="Times New Roman" panose="02020603050405020304" pitchFamily="18" charset="0"/>
+              </a:rPr>
+              <a:t>UpLift</a:t>
+            </a:r>
+            <a:r>
+              <a:rPr lang="ru-RU" sz="1800" dirty="0">
+                <a:effectLst/>
+                <a:latin typeface="Times New Roman" panose="02020603050405020304" pitchFamily="18" charset="0"/>
+                <a:ea typeface="Calibri" panose="020F0502020204030204" pitchFamily="34" charset="0"/>
+                <a:cs typeface="Times New Roman" panose="02020603050405020304" pitchFamily="18" charset="0"/>
+              </a:rPr>
               <a:t>.</a:t>
             </a:r>
+          </a:p>
+          <a:p>
+            <a:pPr algn="l">
+              <a:lnSpc>
+                <a:spcPct val="107000"/>
+              </a:lnSpc>
+              <a:spcBef>
+                <a:spcPts val="200"/>
+              </a:spcBef>
+            </a:pPr>
+            <a:endParaRPr lang="ru-RU" sz="1800" dirty="0">
+              <a:effectLst/>
+              <a:latin typeface="Times New Roman" panose="02020603050405020304" pitchFamily="18" charset="0"/>
+              <a:ea typeface="Calibri" panose="020F0502020204030204" pitchFamily="34" charset="0"/>
+              <a:cs typeface="Times New Roman" panose="02020603050405020304" pitchFamily="18" charset="0"/>
+            </a:endParaRPr>
+          </a:p>
+          <a:p>
+            <a:pPr marL="0" marR="0" lvl="0" indent="0" algn="l" defTabSz="914400" rtl="0" eaLnBrk="1" fontAlgn="auto" latinLnBrk="0" hangingPunct="1">
+              <a:lnSpc>
+                <a:spcPct val="107000"/>
+              </a:lnSpc>
+              <a:spcBef>
+                <a:spcPts val="200"/>
+              </a:spcBef>
+              <a:spcAft>
+                <a:spcPts val="0"/>
+              </a:spcAft>
+              <a:buClrTx/>
+              <a:buSzTx/>
+              <a:buFontTx/>
+              <a:buNone/>
+              <a:tabLst/>
+              <a:defRPr/>
+            </a:pPr>
+            <a:r>
+              <a:rPr lang="en-US" sz="1800" b="1" dirty="0" err="1">
+                <a:solidFill>
+                  <a:srgbClr val="1F3763"/>
+                </a:solidFill>
+                <a:effectLst/>
+                <a:latin typeface="Times New Roman" panose="02020603050405020304" pitchFamily="18" charset="0"/>
+                <a:ea typeface="Times New Roman" panose="02020603050405020304" pitchFamily="18" charset="0"/>
+                <a:cs typeface="Times New Roman" panose="02020603050405020304" pitchFamily="18" charset="0"/>
+              </a:rPr>
+              <a:t>Qini</a:t>
+            </a:r>
+            <a:r>
+              <a:rPr lang="en-US" sz="1800" b="1" dirty="0">
+                <a:solidFill>
+                  <a:srgbClr val="1F3763"/>
+                </a:solidFill>
+                <a:effectLst/>
+                <a:latin typeface="Times New Roman" panose="02020603050405020304" pitchFamily="18" charset="0"/>
+                <a:ea typeface="Times New Roman" panose="02020603050405020304" pitchFamily="18" charset="0"/>
+                <a:cs typeface="Times New Roman" panose="02020603050405020304" pitchFamily="18" charset="0"/>
+              </a:rPr>
+              <a:t> </a:t>
+            </a:r>
+            <a:r>
+              <a:rPr lang="ru-RU" sz="1800" b="1" dirty="0">
+                <a:solidFill>
+                  <a:srgbClr val="1F3763"/>
+                </a:solidFill>
+                <a:effectLst/>
+                <a:latin typeface="Times New Roman" panose="02020603050405020304" pitchFamily="18" charset="0"/>
+                <a:ea typeface="Times New Roman" panose="02020603050405020304" pitchFamily="18" charset="0"/>
+                <a:cs typeface="Times New Roman" panose="02020603050405020304" pitchFamily="18" charset="0"/>
+              </a:rPr>
+              <a:t>кривая</a:t>
+            </a:r>
+            <a:r>
+              <a:rPr lang="ru-RU" sz="1800" b="1" dirty="0">
+                <a:solidFill>
+                  <a:srgbClr val="1F3763"/>
+                </a:solidFill>
+                <a:effectLst/>
+                <a:latin typeface="Calibri Light" panose="020F0302020204030204" pitchFamily="34" charset="0"/>
+                <a:ea typeface="Times New Roman" panose="02020603050405020304" pitchFamily="18" charset="0"/>
+                <a:cs typeface="Times New Roman" panose="02020603050405020304" pitchFamily="18" charset="0"/>
+              </a:rPr>
+              <a:t> - </a:t>
+            </a:r>
+            <a:r>
+              <a:rPr lang="ru-RU" sz="1800" dirty="0">
+                <a:effectLst/>
+                <a:latin typeface="Times New Roman" panose="02020603050405020304" pitchFamily="18" charset="0"/>
+                <a:ea typeface="Calibri" panose="020F0502020204030204" pitchFamily="34" charset="0"/>
+                <a:cs typeface="Times New Roman" panose="02020603050405020304" pitchFamily="18" charset="0"/>
+              </a:rPr>
+              <a:t>Данную функцию можно выразить через </a:t>
+            </a:r>
+            <a:r>
+              <a:rPr lang="ru-RU" sz="1800" dirty="0" err="1">
+                <a:effectLst/>
+                <a:latin typeface="Times New Roman" panose="02020603050405020304" pitchFamily="18" charset="0"/>
+                <a:ea typeface="Calibri" panose="020F0502020204030204" pitchFamily="34" charset="0"/>
+                <a:cs typeface="Times New Roman" panose="02020603050405020304" pitchFamily="18" charset="0"/>
+              </a:rPr>
+              <a:t>UpLift</a:t>
+            </a:r>
+            <a:r>
+              <a:rPr lang="ru-RU" sz="1800" dirty="0">
+                <a:effectLst/>
+                <a:latin typeface="Times New Roman" panose="02020603050405020304" pitchFamily="18" charset="0"/>
+                <a:ea typeface="Calibri" panose="020F0502020204030204" pitchFamily="34" charset="0"/>
+                <a:cs typeface="Times New Roman" panose="02020603050405020304" pitchFamily="18" charset="0"/>
+              </a:rPr>
+              <a:t> кривую. Данная кривая будет полезна в тех случаях, когда рабочая группа кратно превышает размер контрольной группы, с чем можно столкнуться во время исследования модели при внедрении в бизнес, когда у компании есть бюджет на произведение коммуникаций со всей клиентской базой и чтобы не упускать потенциальный доход, контрольная группа выделяется как можно меньше.</a:t>
+            </a:r>
+            <a:endParaRPr lang="ru-RU" sz="1800" dirty="0">
+              <a:effectLst/>
+              <a:latin typeface="Calibri" panose="020F0502020204030204" pitchFamily="34" charset="0"/>
+              <a:ea typeface="Calibri" panose="020F0502020204030204" pitchFamily="34" charset="0"/>
+              <a:cs typeface="Times New Roman" panose="02020603050405020304" pitchFamily="18" charset="0"/>
+            </a:endParaRPr>
+          </a:p>
+          <a:p>
+            <a:pPr algn="l">
+              <a:lnSpc>
+                <a:spcPct val="107000"/>
+              </a:lnSpc>
+              <a:spcBef>
+                <a:spcPts val="200"/>
+              </a:spcBef>
+            </a:pPr>
+            <a:endParaRPr lang="ru-RU" sz="1800" dirty="0">
+              <a:effectLst/>
+              <a:latin typeface="Calibri" panose="020F0502020204030204" pitchFamily="34" charset="0"/>
+              <a:ea typeface="Calibri" panose="020F0502020204030204" pitchFamily="34" charset="0"/>
+              <a:cs typeface="Times New Roman" panose="02020603050405020304" pitchFamily="18" charset="0"/>
+            </a:endParaRPr>
+          </a:p>
+          <a:p>
+            <a:pPr algn="l">
+              <a:lnSpc>
+                <a:spcPct val="107000"/>
+              </a:lnSpc>
+              <a:spcBef>
+                <a:spcPts val="200"/>
+              </a:spcBef>
+            </a:pPr>
+            <a:endParaRPr lang="ru-RU" sz="1800" dirty="0">
+              <a:effectLst/>
+              <a:latin typeface="Calibri" panose="020F0502020204030204" pitchFamily="34" charset="0"/>
+              <a:ea typeface="Calibri" panose="020F0502020204030204" pitchFamily="34" charset="0"/>
+              <a:cs typeface="Times New Roman" panose="02020603050405020304" pitchFamily="18" charset="0"/>
+            </a:endParaRPr>
+          </a:p>
+          <a:p>
+            <a:endParaRPr lang="ru-RU" dirty="0"/>
           </a:p>
         </p:txBody>
       </p:sp>
@@ -2071,7 +2294,247 @@
     </p:spTree>
     <p:extLst>
       <p:ext uri="{BB962C8B-B14F-4D97-AF65-F5344CB8AC3E}">
+        <p14:creationId xmlns:p14="http://schemas.microsoft.com/office/powerpoint/2010/main" val="3953390390"/>
+      </p:ext>
+    </p:extLst>
+  </p:cSld>
+  <p:clrMapOvr>
+    <a:masterClrMapping/>
+  </p:clrMapOvr>
+</p:notes>
+</file>
+
+<file path=ppt/notesSlides/notesSlide6.xml><?xml version="1.0" encoding="utf-8"?>
+<p:notes xmlns:a="http://schemas.openxmlformats.org/drawingml/2006/main" xmlns:r="http://schemas.openxmlformats.org/officeDocument/2006/relationships" xmlns:p="http://schemas.openxmlformats.org/presentationml/2006/main">
+  <p:cSld>
+    <p:spTree>
+      <p:nvGrpSpPr>
+        <p:cNvPr id="1" name=""/>
+        <p:cNvGrpSpPr/>
+        <p:nvPr/>
+      </p:nvGrpSpPr>
+      <p:grpSpPr>
+        <a:xfrm>
+          <a:off x="0" y="0"/>
+          <a:ext cx="0" cy="0"/>
+          <a:chOff x="0" y="0"/>
+          <a:chExt cx="0" cy="0"/>
+        </a:xfrm>
+      </p:grpSpPr>
+      <p:sp>
+        <p:nvSpPr>
+          <p:cNvPr id="2" name="Образ слайда 1"/>
+          <p:cNvSpPr>
+            <a:spLocks noGrp="1" noRot="1" noChangeAspect="1"/>
+          </p:cNvSpPr>
+          <p:nvPr>
+            <p:ph type="sldImg"/>
+          </p:nvPr>
+        </p:nvSpPr>
+        <p:spPr/>
+      </p:sp>
+      <p:sp>
+        <p:nvSpPr>
+          <p:cNvPr id="3" name="Заметки 2"/>
+          <p:cNvSpPr>
+            <a:spLocks noGrp="1"/>
+          </p:cNvSpPr>
+          <p:nvPr>
+            <p:ph type="body" idx="1"/>
+          </p:nvPr>
+        </p:nvSpPr>
+        <p:spPr/>
+        <p:txBody>
+          <a:bodyPr/>
+          <a:lstStyle/>
+          <a:p>
+            <a:r>
+              <a:rPr lang="ru-RU" dirty="0"/>
+              <a:t>Описание экспериментальной установки</a:t>
+            </a:r>
+            <a:r>
+              <a:rPr lang="en-US" dirty="0"/>
+              <a:t>:</a:t>
+            </a:r>
+          </a:p>
+          <a:p>
+            <a:r>
+              <a:rPr lang="en-US" dirty="0"/>
+              <a:t>	1) </a:t>
+            </a:r>
+            <a:r>
+              <a:rPr lang="ru-RU" dirty="0"/>
+              <a:t>Для оценки каждого подхода проводилась кросс – валидация с усреднением результатов</a:t>
+            </a:r>
+            <a:endParaRPr lang="en-US" dirty="0"/>
+          </a:p>
+          <a:p>
+            <a:r>
+              <a:rPr lang="en-US" dirty="0"/>
+              <a:t>	2) </a:t>
+            </a:r>
+            <a:r>
+              <a:rPr lang="ru-RU" dirty="0"/>
+              <a:t>Для всех методов, кроме базовой модели, используется дерево решений в модификации градиентного </a:t>
+            </a:r>
+            <a:r>
+              <a:rPr lang="ru-RU" dirty="0" err="1"/>
+              <a:t>бустинга</a:t>
+            </a:r>
+            <a:r>
+              <a:rPr lang="ru-RU" dirty="0"/>
+              <a:t>.</a:t>
+            </a:r>
+          </a:p>
+        </p:txBody>
+      </p:sp>
+      <p:sp>
+        <p:nvSpPr>
+          <p:cNvPr id="4" name="Номер слайда 3"/>
+          <p:cNvSpPr>
+            <a:spLocks noGrp="1"/>
+          </p:cNvSpPr>
+          <p:nvPr>
+            <p:ph type="sldNum" sz="quarter" idx="5"/>
+          </p:nvPr>
+        </p:nvSpPr>
+        <p:spPr/>
+        <p:txBody>
+          <a:bodyPr/>
+          <a:lstStyle/>
+          <a:p>
+            <a:fld id="{19BEF0AD-2EB4-4EDF-B0D5-693549730528}" type="slidenum">
+              <a:rPr lang="ru-RU" smtClean="0"/>
+              <a:t>8</a:t>
+            </a:fld>
+            <a:endParaRPr lang="ru-RU"/>
+          </a:p>
+        </p:txBody>
+      </p:sp>
+    </p:spTree>
+    <p:extLst>
+      <p:ext uri="{BB962C8B-B14F-4D97-AF65-F5344CB8AC3E}">
         <p14:creationId xmlns:p14="http://schemas.microsoft.com/office/powerpoint/2010/main" val="2147388208"/>
+      </p:ext>
+    </p:extLst>
+  </p:cSld>
+  <p:clrMapOvr>
+    <a:masterClrMapping/>
+  </p:clrMapOvr>
+</p:notes>
+</file>
+
+<file path=ppt/notesSlides/notesSlide7.xml><?xml version="1.0" encoding="utf-8"?>
+<p:notes xmlns:a="http://schemas.openxmlformats.org/drawingml/2006/main" xmlns:r="http://schemas.openxmlformats.org/officeDocument/2006/relationships" xmlns:p="http://schemas.openxmlformats.org/presentationml/2006/main">
+  <p:cSld>
+    <p:spTree>
+      <p:nvGrpSpPr>
+        <p:cNvPr id="1" name=""/>
+        <p:cNvGrpSpPr/>
+        <p:nvPr/>
+      </p:nvGrpSpPr>
+      <p:grpSpPr>
+        <a:xfrm>
+          <a:off x="0" y="0"/>
+          <a:ext cx="0" cy="0"/>
+          <a:chOff x="0" y="0"/>
+          <a:chExt cx="0" cy="0"/>
+        </a:xfrm>
+      </p:grpSpPr>
+      <p:sp>
+        <p:nvSpPr>
+          <p:cNvPr id="2" name="Образ слайда 1"/>
+          <p:cNvSpPr>
+            <a:spLocks noGrp="1" noRot="1" noChangeAspect="1"/>
+          </p:cNvSpPr>
+          <p:nvPr>
+            <p:ph type="sldImg"/>
+          </p:nvPr>
+        </p:nvSpPr>
+        <p:spPr/>
+      </p:sp>
+      <p:sp>
+        <p:nvSpPr>
+          <p:cNvPr id="3" name="Заметки 2"/>
+          <p:cNvSpPr>
+            <a:spLocks noGrp="1"/>
+          </p:cNvSpPr>
+          <p:nvPr>
+            <p:ph type="body" idx="1"/>
+          </p:nvPr>
+        </p:nvSpPr>
+        <p:spPr/>
+        <p:txBody>
+          <a:bodyPr/>
+          <a:lstStyle/>
+          <a:p>
+            <a:r>
+              <a:rPr lang="ru-RU" dirty="0"/>
+              <a:t>Описание экспериментальной установки</a:t>
+            </a:r>
+            <a:r>
+              <a:rPr lang="en-US" dirty="0"/>
+              <a:t>:</a:t>
+            </a:r>
+          </a:p>
+          <a:p>
+            <a:r>
+              <a:rPr lang="en-US" dirty="0"/>
+              <a:t>	1) </a:t>
+            </a:r>
+            <a:r>
+              <a:rPr lang="ru-RU" dirty="0"/>
+              <a:t>Для оценки каждого подхода проводилась кросс – валидация с усреднением результатов</a:t>
+            </a:r>
+            <a:endParaRPr lang="en-US" dirty="0"/>
+          </a:p>
+          <a:p>
+            <a:r>
+              <a:rPr lang="en-US" dirty="0"/>
+              <a:t>	2) </a:t>
+            </a:r>
+            <a:r>
+              <a:rPr lang="ru-RU" dirty="0"/>
+              <a:t>Для всех методов, кроме базовой модели, используется дерево решений в модификации градиентного </a:t>
+            </a:r>
+            <a:r>
+              <a:rPr lang="ru-RU" dirty="0" err="1"/>
+              <a:t>бустинга</a:t>
+            </a:r>
+            <a:r>
+              <a:rPr lang="ru-RU" dirty="0"/>
+              <a:t>.</a:t>
+            </a:r>
+          </a:p>
+        </p:txBody>
+      </p:sp>
+      <p:sp>
+        <p:nvSpPr>
+          <p:cNvPr id="4" name="Номер слайда 3"/>
+          <p:cNvSpPr>
+            <a:spLocks noGrp="1"/>
+          </p:cNvSpPr>
+          <p:nvPr>
+            <p:ph type="sldNum" sz="quarter" idx="5"/>
+          </p:nvPr>
+        </p:nvSpPr>
+        <p:spPr/>
+        <p:txBody>
+          <a:bodyPr/>
+          <a:lstStyle/>
+          <a:p>
+            <a:fld id="{19BEF0AD-2EB4-4EDF-B0D5-693549730528}" type="slidenum">
+              <a:rPr lang="ru-RU" smtClean="0"/>
+              <a:t>9</a:t>
+            </a:fld>
+            <a:endParaRPr lang="ru-RU"/>
+          </a:p>
+        </p:txBody>
+      </p:sp>
+    </p:spTree>
+    <p:extLst>
+      <p:ext uri="{BB962C8B-B14F-4D97-AF65-F5344CB8AC3E}">
+        <p14:creationId xmlns:p14="http://schemas.microsoft.com/office/powerpoint/2010/main" val="4250001742"/>
       </p:ext>
     </p:extLst>
   </p:cSld>
@@ -2228,7 +2691,7 @@
           <a:p>
             <a:fld id="{CE67568C-EEB0-4DC9-AE5A-BF4C8292B1DF}" type="datetime1">
               <a:rPr lang="ru-RU" smtClean="0"/>
-              <a:t>29.12.2022</a:t>
+              <a:t>23.05.2023</a:t>
             </a:fld>
             <a:endParaRPr lang="ru-RU"/>
           </a:p>
@@ -2426,7 +2889,7 @@
           <a:p>
             <a:fld id="{C4BCE22F-461D-4E3B-B90B-D4C17BCF6E04}" type="datetime1">
               <a:rPr lang="ru-RU" smtClean="0"/>
-              <a:t>29.12.2022</a:t>
+              <a:t>23.05.2023</a:t>
             </a:fld>
             <a:endParaRPr lang="ru-RU"/>
           </a:p>
@@ -2634,7 +3097,7 @@
           <a:p>
             <a:fld id="{028FC9C9-A8BF-46D2-98A4-CE15F9706EAE}" type="datetime1">
               <a:rPr lang="ru-RU" smtClean="0"/>
-              <a:t>29.12.2022</a:t>
+              <a:t>23.05.2023</a:t>
             </a:fld>
             <a:endParaRPr lang="ru-RU"/>
           </a:p>
@@ -2832,7 +3295,7 @@
           <a:p>
             <a:fld id="{770671C5-343A-4A74-90BB-AB4D9057279E}" type="datetime1">
               <a:rPr lang="ru-RU" smtClean="0"/>
-              <a:t>29.12.2022</a:t>
+              <a:t>23.05.2023</a:t>
             </a:fld>
             <a:endParaRPr lang="ru-RU"/>
           </a:p>
@@ -3107,7 +3570,7 @@
           <a:p>
             <a:fld id="{28B5E58E-4B59-4D10-9A36-7ED0BF0785C6}" type="datetime1">
               <a:rPr lang="ru-RU" smtClean="0"/>
-              <a:t>29.12.2022</a:t>
+              <a:t>23.05.2023</a:t>
             </a:fld>
             <a:endParaRPr lang="ru-RU"/>
           </a:p>
@@ -3372,7 +3835,7 @@
           <a:p>
             <a:fld id="{DC25EC56-5D0F-4611-9C3E-3F31AA54334B}" type="datetime1">
               <a:rPr lang="ru-RU" smtClean="0"/>
-              <a:t>29.12.2022</a:t>
+              <a:t>23.05.2023</a:t>
             </a:fld>
             <a:endParaRPr lang="ru-RU"/>
           </a:p>
@@ -3784,7 +4247,7 @@
           <a:p>
             <a:fld id="{ED8BC0DC-C970-4224-9EFA-620AE9FAD989}" type="datetime1">
               <a:rPr lang="ru-RU" smtClean="0"/>
-              <a:t>29.12.2022</a:t>
+              <a:t>23.05.2023</a:t>
             </a:fld>
             <a:endParaRPr lang="ru-RU"/>
           </a:p>
@@ -3925,7 +4388,7 @@
           <a:p>
             <a:fld id="{6844A4C7-31A3-4CCF-A082-0BC587FAFA97}" type="datetime1">
               <a:rPr lang="ru-RU" smtClean="0"/>
-              <a:t>29.12.2022</a:t>
+              <a:t>23.05.2023</a:t>
             </a:fld>
             <a:endParaRPr lang="ru-RU"/>
           </a:p>
@@ -4038,7 +4501,7 @@
           <a:p>
             <a:fld id="{F2B5C3C2-8785-490F-A029-E7A1F5933CCC}" type="datetime1">
               <a:rPr lang="ru-RU" smtClean="0"/>
-              <a:t>29.12.2022</a:t>
+              <a:t>23.05.2023</a:t>
             </a:fld>
             <a:endParaRPr lang="ru-RU"/>
           </a:p>
@@ -4349,7 +4812,7 @@
           <a:p>
             <a:fld id="{DC305C70-E31D-40A7-AB55-3CC66D2EF180}" type="datetime1">
               <a:rPr lang="ru-RU" smtClean="0"/>
-              <a:t>29.12.2022</a:t>
+              <a:t>23.05.2023</a:t>
             </a:fld>
             <a:endParaRPr lang="ru-RU"/>
           </a:p>
@@ -4637,7 +5100,7 @@
           <a:p>
             <a:fld id="{36E32BBB-8024-4478-85B9-8FD1214F01FB}" type="datetime1">
               <a:rPr lang="ru-RU" smtClean="0"/>
-              <a:t>29.12.2022</a:t>
+              <a:t>23.05.2023</a:t>
             </a:fld>
             <a:endParaRPr lang="ru-RU"/>
           </a:p>
@@ -4878,7 +5341,7 @@
           <a:p>
             <a:fld id="{4AE75D13-07A0-4EE3-BCA2-6F181395B3CF}" type="datetime1">
               <a:rPr lang="ru-RU" smtClean="0"/>
-              <a:t>29.12.2022</a:t>
+              <a:t>23.05.2023</a:t>
             </a:fld>
             <a:endParaRPr lang="ru-RU"/>
           </a:p>
@@ -6116,6 +6579,263 @@
           <p:cNvPr id="2" name="Заголовок 1">
             <a:extLst>
               <a:ext uri="{FF2B5EF4-FFF2-40B4-BE49-F238E27FC236}">
+                <a16:creationId xmlns:a16="http://schemas.microsoft.com/office/drawing/2014/main" id="{CB7CDD7E-E1F1-F205-EB73-5EC1B83642EB}"/>
+              </a:ext>
+            </a:extLst>
+          </p:cNvPr>
+          <p:cNvSpPr>
+            <a:spLocks noGrp="1"/>
+          </p:cNvSpPr>
+          <p:nvPr>
+            <p:ph type="title"/>
+          </p:nvPr>
+        </p:nvSpPr>
+        <p:spPr/>
+        <p:txBody>
+          <a:bodyPr/>
+          <a:lstStyle/>
+          <a:p>
+            <a:r>
+              <a:rPr lang="ru-RU" dirty="0">
+                <a:latin typeface="Times New Roman" panose="02020603050405020304" pitchFamily="18" charset="0"/>
+                <a:cs typeface="Times New Roman" panose="02020603050405020304" pitchFamily="18" charset="0"/>
+              </a:rPr>
+              <a:t>Выводы</a:t>
+            </a:r>
+          </a:p>
+        </p:txBody>
+      </p:sp>
+      <p:sp>
+        <p:nvSpPr>
+          <p:cNvPr id="3" name="Объект 2">
+            <a:extLst>
+              <a:ext uri="{FF2B5EF4-FFF2-40B4-BE49-F238E27FC236}">
+                <a16:creationId xmlns:a16="http://schemas.microsoft.com/office/drawing/2014/main" id="{8578077A-CC37-95E7-F493-7E3402293580}"/>
+              </a:ext>
+            </a:extLst>
+          </p:cNvPr>
+          <p:cNvSpPr>
+            <a:spLocks noGrp="1"/>
+          </p:cNvSpPr>
+          <p:nvPr>
+            <p:ph idx="1"/>
+          </p:nvPr>
+        </p:nvSpPr>
+        <p:spPr/>
+        <p:txBody>
+          <a:bodyPr/>
+          <a:lstStyle/>
+          <a:p>
+            <a:r>
+              <a:rPr lang="ru-RU" dirty="0">
+                <a:latin typeface="Times New Roman" panose="02020603050405020304" pitchFamily="18" charset="0"/>
+                <a:cs typeface="Times New Roman" panose="02020603050405020304" pitchFamily="18" charset="0"/>
+              </a:rPr>
+              <a:t>Новые показатели начисления и списания бонусов, и их производные, благоприятно сказались на метриках моделей.</a:t>
+            </a:r>
+          </a:p>
+          <a:p>
+            <a:endParaRPr lang="ru-RU" dirty="0">
+              <a:latin typeface="Times New Roman" panose="02020603050405020304" pitchFamily="18" charset="0"/>
+              <a:cs typeface="Times New Roman" panose="02020603050405020304" pitchFamily="18" charset="0"/>
+            </a:endParaRPr>
+          </a:p>
+          <a:p>
+            <a:r>
+              <a:rPr lang="ru-RU" dirty="0">
+                <a:latin typeface="Times New Roman" panose="02020603050405020304" pitchFamily="18" charset="0"/>
+                <a:cs typeface="Times New Roman" panose="02020603050405020304" pitchFamily="18" charset="0"/>
+              </a:rPr>
+              <a:t>Качество модели очень зависит от ее архитектуры и </a:t>
+            </a:r>
+            <a:r>
+              <a:rPr lang="ru-RU" dirty="0" err="1">
+                <a:latin typeface="Times New Roman" panose="02020603050405020304" pitchFamily="18" charset="0"/>
+                <a:cs typeface="Times New Roman" panose="02020603050405020304" pitchFamily="18" charset="0"/>
+              </a:rPr>
+              <a:t>гипер</a:t>
+            </a:r>
+            <a:r>
+              <a:rPr lang="ru-RU" dirty="0">
+                <a:latin typeface="Times New Roman" panose="02020603050405020304" pitchFamily="18" charset="0"/>
+                <a:cs typeface="Times New Roman" panose="02020603050405020304" pitchFamily="18" charset="0"/>
+              </a:rPr>
+              <a:t>-параметров.</a:t>
+            </a:r>
+          </a:p>
+          <a:p>
+            <a:endParaRPr lang="ru-RU" dirty="0">
+              <a:latin typeface="Times New Roman" panose="02020603050405020304" pitchFamily="18" charset="0"/>
+              <a:cs typeface="Times New Roman" panose="02020603050405020304" pitchFamily="18" charset="0"/>
+            </a:endParaRPr>
+          </a:p>
+          <a:p>
+            <a:r>
+              <a:rPr lang="ru-RU" dirty="0">
+                <a:latin typeface="Times New Roman" panose="02020603050405020304" pitchFamily="18" charset="0"/>
+                <a:cs typeface="Times New Roman" panose="02020603050405020304" pitchFamily="18" charset="0"/>
+              </a:rPr>
+              <a:t>Для дальнейшего улучшения модели нужно модернизировать автоматический поиск наилучшей архитектуры и оптимизации </a:t>
+            </a:r>
+            <a:r>
+              <a:rPr lang="ru-RU" dirty="0" err="1">
+                <a:latin typeface="Times New Roman" panose="02020603050405020304" pitchFamily="18" charset="0"/>
+                <a:cs typeface="Times New Roman" panose="02020603050405020304" pitchFamily="18" charset="0"/>
+              </a:rPr>
+              <a:t>гипер</a:t>
+            </a:r>
+            <a:r>
+              <a:rPr lang="ru-RU" dirty="0">
+                <a:latin typeface="Times New Roman" panose="02020603050405020304" pitchFamily="18" charset="0"/>
+                <a:cs typeface="Times New Roman" panose="02020603050405020304" pitchFamily="18" charset="0"/>
+              </a:rPr>
+              <a:t>-параметров под задачу </a:t>
+            </a:r>
+            <a:r>
+              <a:rPr lang="en-US" dirty="0" err="1">
+                <a:latin typeface="Times New Roman" panose="02020603050405020304" pitchFamily="18" charset="0"/>
+                <a:cs typeface="Times New Roman" panose="02020603050405020304" pitchFamily="18" charset="0"/>
+              </a:rPr>
+              <a:t>UpLift</a:t>
+            </a:r>
+            <a:endParaRPr lang="ru-RU" dirty="0">
+              <a:latin typeface="Times New Roman" panose="02020603050405020304" pitchFamily="18" charset="0"/>
+              <a:cs typeface="Times New Roman" panose="02020603050405020304" pitchFamily="18" charset="0"/>
+            </a:endParaRPr>
+          </a:p>
+        </p:txBody>
+      </p:sp>
+      <p:sp>
+        <p:nvSpPr>
+          <p:cNvPr id="4" name="Номер слайда 3">
+            <a:extLst>
+              <a:ext uri="{FF2B5EF4-FFF2-40B4-BE49-F238E27FC236}">
+                <a16:creationId xmlns:a16="http://schemas.microsoft.com/office/drawing/2014/main" id="{CE52B047-EF3A-1656-1980-42A1D1F09BBE}"/>
+              </a:ext>
+            </a:extLst>
+          </p:cNvPr>
+          <p:cNvSpPr>
+            <a:spLocks noGrp="1"/>
+          </p:cNvSpPr>
+          <p:nvPr>
+            <p:ph type="sldNum" sz="quarter" idx="12"/>
+          </p:nvPr>
+        </p:nvSpPr>
+        <p:spPr/>
+        <p:txBody>
+          <a:bodyPr/>
+          <a:lstStyle/>
+          <a:p>
+            <a:fld id="{DD52A6CB-90DA-4351-BF49-99661FABD7B0}" type="slidenum">
+              <a:rPr lang="ru-RU" sz="2000" smtClean="0"/>
+              <a:t>10</a:t>
+            </a:fld>
+            <a:endParaRPr lang="ru-RU" sz="2000" dirty="0"/>
+          </a:p>
+        </p:txBody>
+      </p:sp>
+    </p:spTree>
+    <p:extLst>
+      <p:ext uri="{BB962C8B-B14F-4D97-AF65-F5344CB8AC3E}">
+        <p14:creationId xmlns:p14="http://schemas.microsoft.com/office/powerpoint/2010/main" val="879443761"/>
+      </p:ext>
+    </p:extLst>
+  </p:cSld>
+  <p:clrMapOvr>
+    <a:masterClrMapping/>
+  </p:clrMapOvr>
+</p:sld>
+</file>
+
+<file path=ppt/slides/slide11.xml><?xml version="1.0" encoding="utf-8"?>
+<p:sld xmlns:a="http://schemas.openxmlformats.org/drawingml/2006/main" xmlns:r="http://schemas.openxmlformats.org/officeDocument/2006/relationships" xmlns:p="http://schemas.openxmlformats.org/presentationml/2006/main">
+  <p:cSld>
+    <p:spTree>
+      <p:nvGrpSpPr>
+        <p:cNvPr id="1" name=""/>
+        <p:cNvGrpSpPr/>
+        <p:nvPr/>
+      </p:nvGrpSpPr>
+      <p:grpSpPr>
+        <a:xfrm>
+          <a:off x="0" y="0"/>
+          <a:ext cx="0" cy="0"/>
+          <a:chOff x="0" y="0"/>
+          <a:chExt cx="0" cy="0"/>
+        </a:xfrm>
+      </p:grpSpPr>
+      <p:sp>
+        <p:nvSpPr>
+          <p:cNvPr id="2" name="Заголовок 1">
+            <a:extLst>
+              <a:ext uri="{FF2B5EF4-FFF2-40B4-BE49-F238E27FC236}">
+                <a16:creationId xmlns:a16="http://schemas.microsoft.com/office/drawing/2014/main" id="{6BFE0A30-4D38-85F2-D995-15FB88B9C96C}"/>
+              </a:ext>
+            </a:extLst>
+          </p:cNvPr>
+          <p:cNvSpPr>
+            <a:spLocks noGrp="1"/>
+          </p:cNvSpPr>
+          <p:nvPr>
+            <p:ph type="title"/>
+          </p:nvPr>
+        </p:nvSpPr>
+        <p:spPr>
+          <a:xfrm>
+            <a:off x="908538" y="2615956"/>
+            <a:ext cx="10515600" cy="1325563"/>
+          </a:xfrm>
+        </p:spPr>
+        <p:txBody>
+          <a:bodyPr/>
+          <a:lstStyle/>
+          <a:p>
+            <a:pPr algn="ctr"/>
+            <a:r>
+              <a:rPr lang="ru-RU" dirty="0">
+                <a:latin typeface="Times New Roman" panose="02020603050405020304" pitchFamily="18" charset="0"/>
+                <a:cs typeface="Times New Roman" panose="02020603050405020304" pitchFamily="18" charset="0"/>
+              </a:rPr>
+              <a:t>Спасибо за внимание !</a:t>
+            </a:r>
+          </a:p>
+        </p:txBody>
+      </p:sp>
+    </p:spTree>
+    <p:extLst>
+      <p:ext uri="{BB962C8B-B14F-4D97-AF65-F5344CB8AC3E}">
+        <p14:creationId xmlns:p14="http://schemas.microsoft.com/office/powerpoint/2010/main" val="1726137589"/>
+      </p:ext>
+    </p:extLst>
+  </p:cSld>
+  <p:clrMapOvr>
+    <a:masterClrMapping/>
+  </p:clrMapOvr>
+</p:sld>
+</file>
+
+<file path=ppt/slides/slide12.xml><?xml version="1.0" encoding="utf-8"?>
+<p:sld xmlns:a="http://schemas.openxmlformats.org/drawingml/2006/main" xmlns:r="http://schemas.openxmlformats.org/officeDocument/2006/relationships" xmlns:p="http://schemas.openxmlformats.org/presentationml/2006/main">
+  <p:cSld>
+    <p:spTree>
+      <p:nvGrpSpPr>
+        <p:cNvPr id="1" name=""/>
+        <p:cNvGrpSpPr/>
+        <p:nvPr/>
+      </p:nvGrpSpPr>
+      <p:grpSpPr>
+        <a:xfrm>
+          <a:off x="0" y="0"/>
+          <a:ext cx="0" cy="0"/>
+          <a:chOff x="0" y="0"/>
+          <a:chExt cx="0" cy="0"/>
+        </a:xfrm>
+      </p:grpSpPr>
+      <p:sp>
+        <p:nvSpPr>
+          <p:cNvPr id="2" name="Заголовок 1">
+            <a:extLst>
+              <a:ext uri="{FF2B5EF4-FFF2-40B4-BE49-F238E27FC236}">
                 <a16:creationId xmlns:a16="http://schemas.microsoft.com/office/drawing/2014/main" id="{BDC9BE10-D1FA-FE3B-3CDE-11915BBC8AA9}"/>
               </a:ext>
             </a:extLst>
@@ -6214,7 +6934,7 @@
           <a:p>
             <a:fld id="{DD52A6CB-90DA-4351-BF49-99661FABD7B0}" type="slidenum">
               <a:rPr lang="ru-RU" smtClean="0"/>
-              <a:t>10</a:t>
+              <a:t>12</a:t>
             </a:fld>
             <a:endParaRPr lang="ru-RU"/>
           </a:p>
@@ -6321,7 +7041,7 @@
 </p:sld>
 </file>
 
-<file path=ppt/slides/slide11.xml><?xml version="1.0" encoding="utf-8"?>
+<file path=ppt/slides/slide13.xml><?xml version="1.0" encoding="utf-8"?>
 <p:sld xmlns:a="http://schemas.openxmlformats.org/drawingml/2006/main" xmlns:r="http://schemas.openxmlformats.org/officeDocument/2006/relationships" xmlns:p="http://schemas.openxmlformats.org/presentationml/2006/main">
   <p:cSld>
     <p:spTree>
@@ -6435,7 +7155,7 @@
           <a:p>
             <a:fld id="{DD52A6CB-90DA-4351-BF49-99661FABD7B0}" type="slidenum">
               <a:rPr lang="ru-RU" smtClean="0"/>
-              <a:t>11</a:t>
+              <a:t>13</a:t>
             </a:fld>
             <a:endParaRPr lang="ru-RU"/>
           </a:p>
@@ -6542,7 +7262,7 @@
 </p:sld>
 </file>
 
-<file path=ppt/slides/slide12.xml><?xml version="1.0" encoding="utf-8"?>
+<file path=ppt/slides/slide14.xml><?xml version="1.0" encoding="utf-8"?>
 <p:sld xmlns:a="http://schemas.openxmlformats.org/drawingml/2006/main" xmlns:r="http://schemas.openxmlformats.org/officeDocument/2006/relationships" xmlns:p="http://schemas.openxmlformats.org/presentationml/2006/main">
   <p:cSld>
     <p:spTree>
@@ -6656,7 +7376,7 @@
           <a:p>
             <a:fld id="{DD52A6CB-90DA-4351-BF49-99661FABD7B0}" type="slidenum">
               <a:rPr lang="ru-RU" smtClean="0"/>
-              <a:t>12</a:t>
+              <a:t>14</a:t>
             </a:fld>
             <a:endParaRPr lang="ru-RU"/>
           </a:p>
@@ -6757,7 +7477,7 @@
 </p:sld>
 </file>
 
-<file path=ppt/slides/slide13.xml><?xml version="1.0" encoding="utf-8"?>
+<file path=ppt/slides/slide15.xml><?xml version="1.0" encoding="utf-8"?>
 <p:sld xmlns:a="http://schemas.openxmlformats.org/drawingml/2006/main" xmlns:r="http://schemas.openxmlformats.org/officeDocument/2006/relationships" xmlns:p="http://schemas.openxmlformats.org/presentationml/2006/main">
   <p:cSld>
     <p:spTree>
@@ -6882,7 +7602,7 @@
           <a:p>
             <a:fld id="{DD52A6CB-90DA-4351-BF49-99661FABD7B0}" type="slidenum">
               <a:rPr lang="ru-RU" smtClean="0"/>
-              <a:t>13</a:t>
+              <a:t>15</a:t>
             </a:fld>
             <a:endParaRPr lang="ru-RU"/>
           </a:p>
@@ -7028,103 +7748,6 @@
       </p:sp>
       <p:sp>
         <p:nvSpPr>
-          <p:cNvPr id="9" name="TextBox 8">
-            <a:extLst>
-              <a:ext uri="{FF2B5EF4-FFF2-40B4-BE49-F238E27FC236}">
-                <a16:creationId xmlns:a16="http://schemas.microsoft.com/office/drawing/2014/main" id="{10E92DD4-F3E4-4ED9-BA7E-BB910A8E4C37}"/>
-              </a:ext>
-            </a:extLst>
-          </p:cNvPr>
-          <p:cNvSpPr txBox="1"/>
-          <p:nvPr/>
-        </p:nvSpPr>
-        <p:spPr>
-          <a:xfrm>
-            <a:off x="632299" y="1478604"/>
-            <a:ext cx="11070076" cy="1143070"/>
-          </a:xfrm>
-          <a:prstGeom prst="rect">
-            <a:avLst/>
-          </a:prstGeom>
-          <a:noFill/>
-        </p:spPr>
-        <p:txBody>
-          <a:bodyPr wrap="square" rtlCol="0">
-            <a:spAutoFit/>
-          </a:bodyPr>
-          <a:lstStyle/>
-          <a:p>
-            <a:pPr marL="285750" indent="-285750">
-              <a:lnSpc>
-                <a:spcPct val="150000"/>
-              </a:lnSpc>
-              <a:buFont typeface="Arial" panose="020B0604020202020204" pitchFamily="34" charset="0"/>
-              <a:buChar char="•"/>
-            </a:pPr>
-            <a:r>
-              <a:rPr lang="ru-RU" sz="2400" dirty="0">
-                <a:latin typeface="Times New Roman" panose="02020603050405020304" pitchFamily="18" charset="0"/>
-                <a:cs typeface="Times New Roman" panose="02020603050405020304" pitchFamily="18" charset="0"/>
-              </a:rPr>
-              <a:t>Актуальность данной работы появилась с ростом потребительской экономики</a:t>
-            </a:r>
-          </a:p>
-          <a:p>
-            <a:pPr marL="285750" indent="-285750">
-              <a:lnSpc>
-                <a:spcPct val="150000"/>
-              </a:lnSpc>
-              <a:buFont typeface="Arial" panose="020B0604020202020204" pitchFamily="34" charset="0"/>
-              <a:buChar char="•"/>
-            </a:pPr>
-            <a:r>
-              <a:rPr lang="ru-RU" sz="2400" dirty="0">
-                <a:latin typeface="Times New Roman" panose="02020603050405020304" pitchFamily="18" charset="0"/>
-                <a:cs typeface="Times New Roman" panose="02020603050405020304" pitchFamily="18" charset="0"/>
-              </a:rPr>
-              <a:t>Реализация данной задачи возможна благодаря массовой цифровизации</a:t>
-            </a:r>
-          </a:p>
-        </p:txBody>
-      </p:sp>
-      <p:pic>
-        <p:nvPicPr>
-          <p:cNvPr id="5" name="Рисунок 4">
-            <a:extLst>
-              <a:ext uri="{FF2B5EF4-FFF2-40B4-BE49-F238E27FC236}">
-                <a16:creationId xmlns:a16="http://schemas.microsoft.com/office/drawing/2014/main" id="{1CBD631C-F6DD-470C-AA1B-178C1A9406D0}"/>
-              </a:ext>
-            </a:extLst>
-          </p:cNvPr>
-          <p:cNvPicPr>
-            <a:picLocks noChangeAspect="1"/>
-          </p:cNvPicPr>
-          <p:nvPr/>
-        </p:nvPicPr>
-        <p:blipFill>
-          <a:blip r:embed="rId3">
-            <a:extLst>
-              <a:ext uri="{28A0092B-C50C-407E-A947-70E740481C1C}">
-                <a14:useLocalDpi xmlns:a14="http://schemas.microsoft.com/office/drawing/2010/main" val="0"/>
-              </a:ext>
-            </a:extLst>
-          </a:blip>
-          <a:stretch>
-            <a:fillRect/>
-          </a:stretch>
-        </p:blipFill>
-        <p:spPr>
-          <a:xfrm>
-            <a:off x="2109537" y="2927514"/>
-            <a:ext cx="7972926" cy="3114424"/>
-          </a:xfrm>
-          <a:prstGeom prst="rect">
-            <a:avLst/>
-          </a:prstGeom>
-        </p:spPr>
-      </p:pic>
-      <p:sp>
-        <p:nvSpPr>
           <p:cNvPr id="3" name="Номер слайда 2">
             <a:extLst>
               <a:ext uri="{FF2B5EF4-FFF2-40B4-BE49-F238E27FC236}">
@@ -7157,6 +7780,270 @@
           </a:p>
         </p:txBody>
       </p:sp>
+      <p:sp>
+        <p:nvSpPr>
+          <p:cNvPr id="4" name="Заголовок 1">
+            <a:extLst>
+              <a:ext uri="{FF2B5EF4-FFF2-40B4-BE49-F238E27FC236}">
+                <a16:creationId xmlns:a16="http://schemas.microsoft.com/office/drawing/2014/main" id="{18FA0099-699B-CC18-0547-C7CAF9BEFFF0}"/>
+              </a:ext>
+            </a:extLst>
+          </p:cNvPr>
+          <p:cNvSpPr txBox="1">
+            <a:spLocks/>
+          </p:cNvSpPr>
+          <p:nvPr/>
+        </p:nvSpPr>
+        <p:spPr>
+          <a:xfrm>
+            <a:off x="999566" y="1679647"/>
+            <a:ext cx="3937891" cy="808554"/>
+          </a:xfrm>
+          <a:prstGeom prst="rect">
+            <a:avLst/>
+          </a:prstGeom>
+        </p:spPr>
+        <p:txBody>
+          <a:bodyPr vert="horz" lIns="91440" tIns="45720" rIns="91440" bIns="45720" rtlCol="0" anchor="ctr">
+            <a:normAutofit/>
+          </a:bodyPr>
+          <a:lstStyle>
+            <a:lvl1pPr algn="l" defTabSz="914400" rtl="0" eaLnBrk="1" latinLnBrk="0" hangingPunct="1">
+              <a:lnSpc>
+                <a:spcPct val="90000"/>
+              </a:lnSpc>
+              <a:spcBef>
+                <a:spcPct val="0"/>
+              </a:spcBef>
+              <a:buNone/>
+              <a:defRPr sz="4400" kern="1200">
+                <a:solidFill>
+                  <a:schemeClr val="tx1"/>
+                </a:solidFill>
+                <a:latin typeface="+mj-lt"/>
+                <a:ea typeface="+mj-ea"/>
+                <a:cs typeface="+mj-cs"/>
+              </a:defRPr>
+            </a:lvl1pPr>
+          </a:lstStyle>
+          <a:p>
+            <a:pPr marL="571500" indent="-571500">
+              <a:buFont typeface="Arial" panose="020B0604020202020204" pitchFamily="34" charset="0"/>
+              <a:buChar char="•"/>
+            </a:pPr>
+            <a:endParaRPr lang="ru-RU" sz="1600" dirty="0">
+              <a:latin typeface="Times New Roman" panose="02020603050405020304" pitchFamily="18" charset="0"/>
+              <a:cs typeface="Times New Roman" panose="02020603050405020304" pitchFamily="18" charset="0"/>
+            </a:endParaRPr>
+          </a:p>
+        </p:txBody>
+      </p:sp>
+      <p:sp>
+        <p:nvSpPr>
+          <p:cNvPr id="6" name="Заголовок 1">
+            <a:extLst>
+              <a:ext uri="{FF2B5EF4-FFF2-40B4-BE49-F238E27FC236}">
+                <a16:creationId xmlns:a16="http://schemas.microsoft.com/office/drawing/2014/main" id="{A0BCF6F8-3655-787B-6F5E-C29E19241052}"/>
+              </a:ext>
+            </a:extLst>
+          </p:cNvPr>
+          <p:cNvSpPr txBox="1">
+            <a:spLocks/>
+          </p:cNvSpPr>
+          <p:nvPr/>
+        </p:nvSpPr>
+        <p:spPr>
+          <a:xfrm>
+            <a:off x="483600" y="1059956"/>
+            <a:ext cx="3988191" cy="5296394"/>
+          </a:xfrm>
+          <a:prstGeom prst="rect">
+            <a:avLst/>
+          </a:prstGeom>
+        </p:spPr>
+        <p:txBody>
+          <a:bodyPr vert="horz" lIns="91440" tIns="45720" rIns="91440" bIns="45720" rtlCol="0" anchor="ctr">
+            <a:normAutofit lnSpcReduction="10000"/>
+          </a:bodyPr>
+          <a:lstStyle>
+            <a:lvl1pPr algn="l" defTabSz="914400" rtl="0" eaLnBrk="1" latinLnBrk="0" hangingPunct="1">
+              <a:lnSpc>
+                <a:spcPct val="90000"/>
+              </a:lnSpc>
+              <a:spcBef>
+                <a:spcPct val="0"/>
+              </a:spcBef>
+              <a:buNone/>
+              <a:defRPr sz="4400" kern="1200">
+                <a:solidFill>
+                  <a:schemeClr val="tx1"/>
+                </a:solidFill>
+                <a:latin typeface="+mj-lt"/>
+                <a:ea typeface="+mj-ea"/>
+                <a:cs typeface="+mj-cs"/>
+              </a:defRPr>
+            </a:lvl1pPr>
+          </a:lstStyle>
+          <a:p>
+            <a:r>
+              <a:rPr lang="ru-RU" sz="2400" dirty="0">
+                <a:latin typeface="Times New Roman" panose="02020603050405020304" pitchFamily="18" charset="0"/>
+                <a:cs typeface="Times New Roman" panose="02020603050405020304" pitchFamily="18" charset="0"/>
+              </a:rPr>
+              <a:t>Данная задача решает проблему оптимизации затрат при большом объеме клиентской базы для коммуникации</a:t>
+            </a:r>
+            <a:r>
+              <a:rPr lang="en-US" sz="2400" dirty="0">
+                <a:latin typeface="Times New Roman" panose="02020603050405020304" pitchFamily="18" charset="0"/>
+                <a:cs typeface="Times New Roman" panose="02020603050405020304" pitchFamily="18" charset="0"/>
+              </a:rPr>
+              <a:t> – </a:t>
+            </a:r>
+            <a:r>
+              <a:rPr lang="ru-RU" sz="2400" dirty="0">
+                <a:latin typeface="Times New Roman" panose="02020603050405020304" pitchFamily="18" charset="0"/>
+                <a:cs typeface="Times New Roman" panose="02020603050405020304" pitchFamily="18" charset="0"/>
+              </a:rPr>
+              <a:t>пусть коммуникация через СМС на 1 клиента стоит 3 рубля,  тогда разовая коммуникация на 1 млн. клиентов стоит уже 3 млн. рублей</a:t>
+            </a:r>
+            <a:r>
+              <a:rPr lang="en-US" sz="2400" dirty="0">
+                <a:latin typeface="Times New Roman" panose="02020603050405020304" pitchFamily="18" charset="0"/>
+                <a:cs typeface="Times New Roman" panose="02020603050405020304" pitchFamily="18" charset="0"/>
+              </a:rPr>
+              <a:t> </a:t>
+            </a:r>
+            <a:r>
+              <a:rPr lang="ru-RU" sz="2400" dirty="0">
+                <a:latin typeface="Times New Roman" panose="02020603050405020304" pitchFamily="18" charset="0"/>
+                <a:cs typeface="Times New Roman" panose="02020603050405020304" pitchFamily="18" charset="0"/>
+              </a:rPr>
+              <a:t>и появляются вопросы</a:t>
+            </a:r>
+            <a:r>
+              <a:rPr lang="en-US" sz="2400" dirty="0">
+                <a:latin typeface="Times New Roman" panose="02020603050405020304" pitchFamily="18" charset="0"/>
+                <a:cs typeface="Times New Roman" panose="02020603050405020304" pitchFamily="18" charset="0"/>
+              </a:rPr>
+              <a:t>:</a:t>
+            </a:r>
+          </a:p>
+          <a:p>
+            <a:pPr marL="342900" indent="-342900">
+              <a:buFont typeface="Arial" panose="020B0604020202020204" pitchFamily="34" charset="0"/>
+              <a:buChar char="•"/>
+            </a:pPr>
+            <a:r>
+              <a:rPr lang="ru-RU" sz="2400" dirty="0">
+                <a:latin typeface="Times New Roman" panose="02020603050405020304" pitchFamily="18" charset="0"/>
+                <a:cs typeface="Times New Roman" panose="02020603050405020304" pitchFamily="18" charset="0"/>
+              </a:rPr>
+              <a:t>Будет ли от этого экономическая выгода?</a:t>
+            </a:r>
+          </a:p>
+          <a:p>
+            <a:pPr marL="342900" indent="-342900">
+              <a:lnSpc>
+                <a:spcPct val="100000"/>
+              </a:lnSpc>
+              <a:buFont typeface="Arial" panose="020B0604020202020204" pitchFamily="34" charset="0"/>
+              <a:buChar char="•"/>
+            </a:pPr>
+            <a:r>
+              <a:rPr lang="ru-RU" sz="2400" dirty="0">
+                <a:latin typeface="Times New Roman" panose="02020603050405020304" pitchFamily="18" charset="0"/>
+                <a:cs typeface="Times New Roman" panose="02020603050405020304" pitchFamily="18" charset="0"/>
+              </a:rPr>
+              <a:t>Можно ли получить ту же прибыль</a:t>
+            </a:r>
+            <a:r>
+              <a:rPr lang="en-US" sz="2400" dirty="0">
+                <a:latin typeface="Times New Roman" panose="02020603050405020304" pitchFamily="18" charset="0"/>
+                <a:cs typeface="Times New Roman" panose="02020603050405020304" pitchFamily="18" charset="0"/>
+              </a:rPr>
+              <a:t> </a:t>
+            </a:r>
+            <a:r>
+              <a:rPr lang="ru-RU" sz="2400" dirty="0">
+                <a:latin typeface="Times New Roman" panose="02020603050405020304" pitchFamily="18" charset="0"/>
+                <a:cs typeface="Times New Roman" panose="02020603050405020304" pitchFamily="18" charset="0"/>
+              </a:rPr>
+              <a:t>от рассылки с меньшими затратами?</a:t>
+            </a:r>
+            <a:endParaRPr lang="en-US" sz="2400" dirty="0">
+              <a:latin typeface="Times New Roman" panose="02020603050405020304" pitchFamily="18" charset="0"/>
+              <a:cs typeface="Times New Roman" panose="02020603050405020304" pitchFamily="18" charset="0"/>
+            </a:endParaRPr>
+          </a:p>
+          <a:p>
+            <a:pPr lvl="1"/>
+            <a:endParaRPr lang="en-US" sz="100" dirty="0">
+              <a:latin typeface="Times New Roman" panose="02020603050405020304" pitchFamily="18" charset="0"/>
+              <a:cs typeface="Times New Roman" panose="02020603050405020304" pitchFamily="18" charset="0"/>
+            </a:endParaRPr>
+          </a:p>
+          <a:p>
+            <a:pPr marL="800100" lvl="1" indent="-342900">
+              <a:buFont typeface="Courier New" panose="02070309020205020404" pitchFamily="49" charset="0"/>
+              <a:buChar char="o"/>
+            </a:pPr>
+            <a:endParaRPr lang="en-US" sz="100" dirty="0">
+              <a:latin typeface="Times New Roman" panose="02020603050405020304" pitchFamily="18" charset="0"/>
+              <a:cs typeface="Times New Roman" panose="02020603050405020304" pitchFamily="18" charset="0"/>
+            </a:endParaRPr>
+          </a:p>
+          <a:p>
+            <a:pPr marL="800100" lvl="1" indent="-342900">
+              <a:buFont typeface="Arial" panose="020B0604020202020204" pitchFamily="34" charset="0"/>
+              <a:buChar char="•"/>
+            </a:pPr>
+            <a:endParaRPr lang="en-US" sz="100" dirty="0">
+              <a:latin typeface="Times New Roman" panose="02020603050405020304" pitchFamily="18" charset="0"/>
+              <a:cs typeface="Times New Roman" panose="02020603050405020304" pitchFamily="18" charset="0"/>
+            </a:endParaRPr>
+          </a:p>
+          <a:p>
+            <a:pPr marL="800100" lvl="1" indent="-342900">
+              <a:buFont typeface="Arial" panose="020B0604020202020204" pitchFamily="34" charset="0"/>
+              <a:buChar char="•"/>
+            </a:pPr>
+            <a:endParaRPr lang="ru-RU" sz="100" dirty="0">
+              <a:latin typeface="Times New Roman" panose="02020603050405020304" pitchFamily="18" charset="0"/>
+              <a:cs typeface="Times New Roman" panose="02020603050405020304" pitchFamily="18" charset="0"/>
+            </a:endParaRPr>
+          </a:p>
+        </p:txBody>
+      </p:sp>
+      <p:pic>
+        <p:nvPicPr>
+          <p:cNvPr id="11" name="Рисунок 10">
+            <a:extLst>
+              <a:ext uri="{FF2B5EF4-FFF2-40B4-BE49-F238E27FC236}">
+                <a16:creationId xmlns:a16="http://schemas.microsoft.com/office/drawing/2014/main" id="{309D52FE-8028-7D2F-E239-37AFDFC2F250}"/>
+              </a:ext>
+            </a:extLst>
+          </p:cNvPr>
+          <p:cNvPicPr>
+            <a:picLocks noChangeAspect="1"/>
+          </p:cNvPicPr>
+          <p:nvPr/>
+        </p:nvPicPr>
+        <p:blipFill>
+          <a:blip r:embed="rId3"/>
+          <a:stretch>
+            <a:fillRect/>
+          </a:stretch>
+        </p:blipFill>
+        <p:spPr>
+          <a:xfrm>
+            <a:off x="4471791" y="1397000"/>
+            <a:ext cx="6879562" cy="4401044"/>
+          </a:xfrm>
+          <a:prstGeom prst="rect">
+            <a:avLst/>
+          </a:prstGeom>
+        </p:spPr>
+      </p:pic>
     </p:spTree>
     <p:extLst>
       <p:ext uri="{BB962C8B-B14F-4D97-AF65-F5344CB8AC3E}">
@@ -7205,7 +8092,7 @@
         </p:nvSpPr>
         <p:spPr>
           <a:xfrm>
-            <a:off x="721790" y="266649"/>
+            <a:off x="721790" y="43725"/>
             <a:ext cx="3887788" cy="936438"/>
           </a:xfrm>
         </p:spPr>
@@ -7243,8 +8130,8 @@
         </p:nvSpPr>
         <p:spPr>
           <a:xfrm>
-            <a:off x="721790" y="1315234"/>
-            <a:ext cx="10713718" cy="1340284"/>
+            <a:off x="721790" y="891901"/>
+            <a:ext cx="10713718" cy="606699"/>
           </a:xfrm>
         </p:spPr>
         <p:txBody>
@@ -7261,43 +8148,35 @@
                 <a:ea typeface="Calibri" panose="020F0502020204030204" pitchFamily="34" charset="0"/>
                 <a:cs typeface="Times New Roman" panose="02020603050405020304" pitchFamily="18" charset="0"/>
               </a:rPr>
-              <a:t>Разработать модель</a:t>
-            </a:r>
-            <a:r>
-              <a:rPr lang="en-US" sz="2400" dirty="0">
-                <a:effectLst/>
+              <a:t>Разработать </a:t>
+            </a:r>
+            <a:r>
+              <a:rPr lang="ru-RU" sz="2400" dirty="0">
                 <a:latin typeface="Times New Roman" panose="02020603050405020304" pitchFamily="18" charset="0"/>
                 <a:ea typeface="Calibri" panose="020F0502020204030204" pitchFamily="34" charset="0"/>
-                <a:cs typeface="Times New Roman" panose="02020603050405020304" pitchFamily="18" charset="0"/>
               </a:rPr>
-              <a:t> Decision trees for uplift modeling. </a:t>
-            </a:r>
-            <a:r>
-              <a:rPr lang="ru-RU" sz="2400" dirty="0">
-                <a:effectLst/>
+              <a:t>алгоритм </a:t>
+            </a:r>
+            <a:r>
+              <a:rPr lang="en-US" sz="2400" dirty="0" err="1">
                 <a:latin typeface="Times New Roman" panose="02020603050405020304" pitchFamily="18" charset="0"/>
                 <a:ea typeface="Calibri" panose="020F0502020204030204" pitchFamily="34" charset="0"/>
-                <a:cs typeface="Times New Roman" panose="02020603050405020304" pitchFamily="18" charset="0"/>
               </a:rPr>
-              <a:t>Смоделировать обучающую выборку на основе данных для </a:t>
-            </a:r>
-            <a:r>
-              <a:rPr lang="ru-RU" sz="2400" dirty="0" err="1">
-                <a:effectLst/>
+              <a:t>UpLift</a:t>
+            </a:r>
+            <a:r>
+              <a:rPr lang="en-US" sz="2400" dirty="0">
                 <a:latin typeface="Times New Roman" panose="02020603050405020304" pitchFamily="18" charset="0"/>
                 <a:ea typeface="Calibri" panose="020F0502020204030204" pitchFamily="34" charset="0"/>
-                <a:cs typeface="Times New Roman" panose="02020603050405020304" pitchFamily="18" charset="0"/>
               </a:rPr>
-              <a:t>UpLift</a:t>
+              <a:t> </a:t>
             </a:r>
             <a:r>
               <a:rPr lang="ru-RU" sz="2400" dirty="0">
-                <a:effectLst/>
                 <a:latin typeface="Times New Roman" panose="02020603050405020304" pitchFamily="18" charset="0"/>
                 <a:ea typeface="Calibri" panose="020F0502020204030204" pitchFamily="34" charset="0"/>
-                <a:cs typeface="Times New Roman" panose="02020603050405020304" pitchFamily="18" charset="0"/>
               </a:rPr>
-              <a:t> моделирования от X5 Retail с добавлением характеристик заработка и списания бонусов.</a:t>
+              <a:t>моделирования для рекламной кампании</a:t>
             </a:r>
             <a:endParaRPr lang="ru-RU" sz="2400" dirty="0">
               <a:latin typeface="Times New Roman" panose="02020603050405020304" pitchFamily="18" charset="0"/>
@@ -7320,8 +8199,8 @@
         </p:nvSpPr>
         <p:spPr>
           <a:xfrm>
-            <a:off x="721790" y="3476613"/>
-            <a:ext cx="10217265" cy="2620397"/>
+            <a:off x="721790" y="1570509"/>
+            <a:ext cx="11537943" cy="4154984"/>
           </a:xfrm>
           <a:prstGeom prst="rect">
             <a:avLst/>
@@ -7343,9 +8222,6 @@
           </a:p>
           <a:p>
             <a:pPr marL="803275" indent="-268288">
-              <a:lnSpc>
-                <a:spcPct val="150000"/>
-              </a:lnSpc>
               <a:buFont typeface="Arial" panose="020B0604020202020204" pitchFamily="34" charset="0"/>
               <a:buChar char="•"/>
             </a:pPr>
@@ -7354,16 +8230,24 @@
                 <a:latin typeface="Times New Roman" panose="02020603050405020304" pitchFamily="18" charset="0"/>
                 <a:cs typeface="Times New Roman" panose="02020603050405020304" pitchFamily="18" charset="0"/>
               </a:rPr>
-              <a:t>Описание набора данных;</a:t>
-            </a:r>
-          </a:p>
-          <a:p>
-            <a:pPr marL="803275" indent="-268288">
-              <a:lnSpc>
-                <a:spcPct val="150000"/>
-              </a:lnSpc>
-              <a:buFont typeface="Arial" panose="020B0604020202020204" pitchFamily="34" charset="0"/>
-              <a:buChar char="•"/>
+              <a:t> Исследование решений задачи на открытых данных </a:t>
+            </a:r>
+            <a:r>
+              <a:rPr lang="en-US" sz="2400" dirty="0">
+                <a:latin typeface="Times New Roman" panose="02020603050405020304" pitchFamily="18" charset="0"/>
+                <a:cs typeface="Times New Roman" panose="02020603050405020304" pitchFamily="18" charset="0"/>
+              </a:rPr>
+              <a:t>X5-Retail</a:t>
+            </a:r>
+            <a:endParaRPr lang="ru-RU" sz="2400" dirty="0">
+              <a:latin typeface="Times New Roman" panose="02020603050405020304" pitchFamily="18" charset="0"/>
+              <a:cs typeface="Times New Roman" panose="02020603050405020304" pitchFamily="18" charset="0"/>
+            </a:endParaRPr>
+          </a:p>
+          <a:p>
+            <a:pPr marL="1335087" lvl="1" indent="-342900">
+              <a:buFont typeface="Courier New" panose="02070309020205020404" pitchFamily="49" charset="0"/>
+              <a:buChar char="o"/>
             </a:pPr>
             <a:r>
               <a:rPr lang="ru-RU" sz="2400" dirty="0">
@@ -7374,12 +8258,9 @@
             </a:r>
           </a:p>
           <a:p>
-            <a:pPr marL="803275" indent="-268288">
-              <a:lnSpc>
-                <a:spcPct val="150000"/>
-              </a:lnSpc>
-              <a:buFont typeface="Arial" panose="020B0604020202020204" pitchFamily="34" charset="0"/>
-              <a:buChar char="•"/>
+            <a:pPr marL="1335087" lvl="1" indent="-342900">
+              <a:buFont typeface="Courier New" panose="02070309020205020404" pitchFamily="49" charset="0"/>
+              <a:buChar char="o"/>
             </a:pPr>
             <a:r>
               <a:rPr lang="ru-RU" sz="2400" dirty="0">
@@ -7401,12 +8282,9 @@
             </a:endParaRPr>
           </a:p>
           <a:p>
-            <a:pPr marL="803275" indent="-268288">
-              <a:lnSpc>
-                <a:spcPct val="150000"/>
-              </a:lnSpc>
-              <a:buFont typeface="Arial" panose="020B0604020202020204" pitchFamily="34" charset="0"/>
-              <a:buChar char="•"/>
+            <a:pPr marL="1335087" lvl="1" indent="-342900">
+              <a:buFont typeface="Courier New" panose="02070309020205020404" pitchFamily="49" charset="0"/>
+              <a:buChar char="o"/>
             </a:pPr>
             <a:r>
               <a:rPr lang="ru-RU" sz="2400" dirty="0">
@@ -7415,6 +8293,87 @@
               </a:rPr>
               <a:t>Сравнение полученных результатов.</a:t>
             </a:r>
+            <a:endParaRPr lang="en-US" sz="2400" dirty="0">
+              <a:latin typeface="Times New Roman" panose="02020603050405020304" pitchFamily="18" charset="0"/>
+              <a:cs typeface="Times New Roman" panose="02020603050405020304" pitchFamily="18" charset="0"/>
+            </a:endParaRPr>
+          </a:p>
+          <a:p>
+            <a:pPr marL="877887" indent="-342900">
+              <a:buFont typeface="Arial" panose="020B0604020202020204" pitchFamily="34" charset="0"/>
+              <a:buChar char="•"/>
+            </a:pPr>
+            <a:r>
+              <a:rPr lang="ru-RU" sz="2400" dirty="0">
+                <a:latin typeface="Times New Roman" panose="02020603050405020304" pitchFamily="18" charset="0"/>
+                <a:cs typeface="Times New Roman" panose="02020603050405020304" pitchFamily="18" charset="0"/>
+              </a:rPr>
+              <a:t>Исследование решений задачи на собственных данных ретейл компании косметики и парфюмерии</a:t>
+            </a:r>
+          </a:p>
+          <a:p>
+            <a:pPr marL="1335087" lvl="1" indent="-342900">
+              <a:buFont typeface="Courier New" panose="02070309020205020404" pitchFamily="49" charset="0"/>
+              <a:buChar char="o"/>
+            </a:pPr>
+            <a:r>
+              <a:rPr lang="ru-RU" sz="2400" dirty="0">
+                <a:latin typeface="Times New Roman" panose="02020603050405020304" pitchFamily="18" charset="0"/>
+                <a:cs typeface="Times New Roman" panose="02020603050405020304" pitchFamily="18" charset="0"/>
+              </a:rPr>
+              <a:t>Выбор метрик качества;</a:t>
+            </a:r>
+          </a:p>
+          <a:p>
+            <a:pPr marL="1335087" lvl="1" indent="-342900">
+              <a:buFont typeface="Courier New" panose="02070309020205020404" pitchFamily="49" charset="0"/>
+              <a:buChar char="o"/>
+            </a:pPr>
+            <a:r>
+              <a:rPr lang="ru-RU" sz="2400" dirty="0">
+                <a:latin typeface="Times New Roman" panose="02020603050405020304" pitchFamily="18" charset="0"/>
+                <a:cs typeface="Times New Roman" panose="02020603050405020304" pitchFamily="18" charset="0"/>
+              </a:rPr>
+              <a:t>Выбор используемых моделей и исследование их качества работы</a:t>
+            </a:r>
+            <a:r>
+              <a:rPr lang="en-US" sz="2400" dirty="0">
+                <a:latin typeface="Times New Roman" panose="02020603050405020304" pitchFamily="18" charset="0"/>
+                <a:cs typeface="Times New Roman" panose="02020603050405020304" pitchFamily="18" charset="0"/>
+              </a:rPr>
+              <a:t>;</a:t>
+            </a:r>
+            <a:endParaRPr lang="ru-RU" sz="2400" dirty="0">
+              <a:latin typeface="Times New Roman" panose="02020603050405020304" pitchFamily="18" charset="0"/>
+              <a:cs typeface="Times New Roman" panose="02020603050405020304" pitchFamily="18" charset="0"/>
+            </a:endParaRPr>
+          </a:p>
+          <a:p>
+            <a:pPr marL="1335087" lvl="1" indent="-342900">
+              <a:buFont typeface="Courier New" panose="02070309020205020404" pitchFamily="49" charset="0"/>
+              <a:buChar char="o"/>
+            </a:pPr>
+            <a:r>
+              <a:rPr lang="ru-RU" sz="2400" dirty="0">
+                <a:latin typeface="Times New Roman" panose="02020603050405020304" pitchFamily="18" charset="0"/>
+                <a:cs typeface="Times New Roman" panose="02020603050405020304" pitchFamily="18" charset="0"/>
+              </a:rPr>
+              <a:t>Сравнение полученных результатов.</a:t>
+            </a:r>
+            <a:endParaRPr lang="en-US" sz="2400" dirty="0">
+              <a:latin typeface="Times New Roman" panose="02020603050405020304" pitchFamily="18" charset="0"/>
+              <a:cs typeface="Times New Roman" panose="02020603050405020304" pitchFamily="18" charset="0"/>
+            </a:endParaRPr>
+          </a:p>
+          <a:p>
+            <a:pPr marL="877887" indent="-342900">
+              <a:buFont typeface="Arial" panose="020B0604020202020204" pitchFamily="34" charset="0"/>
+              <a:buChar char="•"/>
+            </a:pPr>
+            <a:endParaRPr lang="ru-RU" sz="2400" dirty="0">
+              <a:latin typeface="Times New Roman" panose="02020603050405020304" pitchFamily="18" charset="0"/>
+              <a:cs typeface="Times New Roman" panose="02020603050405020304" pitchFamily="18" charset="0"/>
+            </a:endParaRPr>
           </a:p>
         </p:txBody>
       </p:sp>
@@ -7501,7 +8460,7 @@
         </p:spPr>
         <p:txBody>
           <a:bodyPr>
-            <a:normAutofit/>
+            <a:normAutofit fontScale="90000"/>
           </a:bodyPr>
           <a:lstStyle/>
           <a:p>
@@ -7510,8 +8469,19 @@
                 <a:latin typeface="Times New Roman" panose="02020603050405020304" pitchFamily="18" charset="0"/>
                 <a:cs typeface="Times New Roman" panose="02020603050405020304" pitchFamily="18" charset="0"/>
               </a:rPr>
-              <a:t>Описание набора данных</a:t>
-            </a:r>
+              <a:t>Описание набора данных </a:t>
+            </a:r>
+            <a:r>
+              <a:rPr lang="en-US" sz="4000" dirty="0">
+                <a:latin typeface="Times New Roman" panose="02020603050405020304" pitchFamily="18" charset="0"/>
+                <a:cs typeface="Times New Roman" panose="02020603050405020304" pitchFamily="18" charset="0"/>
+              </a:rPr>
+              <a:t>X5</a:t>
+            </a:r>
+            <a:endParaRPr lang="ru-RU" sz="4000" dirty="0">
+              <a:latin typeface="Times New Roman" panose="02020603050405020304" pitchFamily="18" charset="0"/>
+              <a:cs typeface="Times New Roman" panose="02020603050405020304" pitchFamily="18" charset="0"/>
+            </a:endParaRPr>
           </a:p>
         </p:txBody>
       </p:sp>
@@ -7529,7 +8499,7 @@
         </p:nvSpPr>
         <p:spPr>
           <a:xfrm>
-            <a:off x="719847" y="1332689"/>
+            <a:off x="722749" y="1007501"/>
             <a:ext cx="5909554" cy="3693319"/>
           </a:xfrm>
           <a:prstGeom prst="rect">
@@ -7722,41 +8692,6 @@
           </a:p>
         </p:txBody>
       </p:sp>
-      <p:pic>
-        <p:nvPicPr>
-          <p:cNvPr id="11" name="Рисунок 10">
-            <a:extLst>
-              <a:ext uri="{FF2B5EF4-FFF2-40B4-BE49-F238E27FC236}">
-                <a16:creationId xmlns:a16="http://schemas.microsoft.com/office/drawing/2014/main" id="{1780FD14-AB59-0760-BEF6-B0B5A62BA11F}"/>
-              </a:ext>
-            </a:extLst>
-          </p:cNvPr>
-          <p:cNvPicPr>
-            <a:picLocks noChangeAspect="1"/>
-          </p:cNvPicPr>
-          <p:nvPr/>
-        </p:nvPicPr>
-        <p:blipFill rotWithShape="1">
-          <a:blip r:embed="rId3">
-            <a:extLst>
-              <a:ext uri="{28A0092B-C50C-407E-A947-70E740481C1C}">
-                <a14:useLocalDpi xmlns:a14="http://schemas.microsoft.com/office/drawing/2010/main" val="0"/>
-              </a:ext>
-            </a:extLst>
-          </a:blip>
-          <a:srcRect r="33377"/>
-          <a:stretch/>
-        </p:blipFill>
-        <p:spPr>
-          <a:xfrm>
-            <a:off x="6800231" y="54358"/>
-            <a:ext cx="5227425" cy="1869132"/>
-          </a:xfrm>
-          <a:prstGeom prst="rect">
-            <a:avLst/>
-          </a:prstGeom>
-        </p:spPr>
-      </p:pic>
       <p:pic>
         <p:nvPicPr>
           <p:cNvPr id="14" name="Рисунок 13">
@@ -7772,7 +8707,7 @@
           <p:nvPr/>
         </p:nvPicPr>
         <p:blipFill>
-          <a:blip r:embed="rId4"/>
+          <a:blip r:embed="rId3"/>
           <a:stretch>
             <a:fillRect/>
           </a:stretch>
@@ -7802,14 +8737,14 @@
           <p:nvPr/>
         </p:nvPicPr>
         <p:blipFill>
-          <a:blip r:embed="rId5"/>
+          <a:blip r:embed="rId4"/>
           <a:stretch>
             <a:fillRect/>
           </a:stretch>
         </p:blipFill>
         <p:spPr>
           <a:xfrm>
-            <a:off x="6800379" y="2007402"/>
+            <a:off x="6632303" y="1169202"/>
             <a:ext cx="5057165" cy="1077348"/>
           </a:xfrm>
           <a:prstGeom prst="rect">
@@ -7832,13 +8767,13 @@
           <p:nvPr/>
         </p:nvPicPr>
         <p:blipFill rotWithShape="1">
-          <a:blip r:embed="rId6"/>
+          <a:blip r:embed="rId5"/>
           <a:srcRect l="9340"/>
           <a:stretch/>
         </p:blipFill>
         <p:spPr bwMode="auto">
           <a:xfrm>
-            <a:off x="8301225" y="3286360"/>
+            <a:off x="8131892" y="2803136"/>
             <a:ext cx="2225435" cy="1414460"/>
           </a:xfrm>
           <a:prstGeom prst="rect">
@@ -8038,7 +8973,7 @@
                 <a:latin typeface="Times New Roman" panose="02020603050405020304" pitchFamily="18" charset="0"/>
                 <a:cs typeface="Times New Roman" panose="02020603050405020304" pitchFamily="18" charset="0"/>
               </a:rPr>
-              <a:t>Метрики качества - 1</a:t>
+              <a:t>Показатели качества моделирования - 1</a:t>
             </a:r>
           </a:p>
         </p:txBody>
@@ -9216,7 +10151,7 @@
                           <a:ea typeface="Calibri" panose="020F0502020204030204" pitchFamily="34" charset="0"/>
                           <a:cs typeface="Times New Roman" panose="02020603050405020304" pitchFamily="18" charset="0"/>
                         </a:rPr>
-                        <m:t>−м интервале </m:t>
+                        <m:t>−м интервале проц</m:t>
                       </m:r>
                       <m:r>
                         <a:rPr lang="ru-RU" sz="1800" i="1">
@@ -9225,7 +10160,7 @@
                           <a:ea typeface="Calibri" panose="020F0502020204030204" pitchFamily="34" charset="0"/>
                           <a:cs typeface="Times New Roman" panose="02020603050405020304" pitchFamily="18" charset="0"/>
                         </a:rPr>
-                        <m:t>процентилей (0%</m:t>
+                        <m:t>ентилей (0%−10%, 11</m:t>
                       </m:r>
                       <m:r>
                         <a:rPr lang="ru-RU" sz="1800" b="0" i="1" smtClean="0">
@@ -9234,7 +10169,7 @@
                           <a:ea typeface="Calibri" panose="020F0502020204030204" pitchFamily="34" charset="0"/>
                           <a:cs typeface="Times New Roman" panose="02020603050405020304" pitchFamily="18" charset="0"/>
                         </a:rPr>
-                        <m:t>−10%, 11%−20% и т.д.).</m:t>
+                        <m:t>%−20% и т.д.).</m:t>
                       </m:r>
                     </m:oMath>
                   </m:oMathPara>
@@ -9487,7 +10422,7 @@
                 <a:latin typeface="Times New Roman" panose="02020603050405020304" pitchFamily="18" charset="0"/>
                 <a:cs typeface="Times New Roman" panose="02020603050405020304" pitchFamily="18" charset="0"/>
               </a:rPr>
-              <a:t>Метрики качества - 2</a:t>
+              <a:t>Показатели качества моделирования - 2</a:t>
             </a:r>
           </a:p>
         </p:txBody>
@@ -12291,7 +13226,7 @@
           <p:cNvPr id="2" name="Заголовок 1">
             <a:extLst>
               <a:ext uri="{FF2B5EF4-FFF2-40B4-BE49-F238E27FC236}">
-                <a16:creationId xmlns:a16="http://schemas.microsoft.com/office/drawing/2014/main" id="{5A9EDCCB-C9F9-D8F2-4BDB-29276D58193A}"/>
+                <a16:creationId xmlns:a16="http://schemas.microsoft.com/office/drawing/2014/main" id="{A71A4107-51FC-FB11-A7DB-DD47B7B58BE8}"/>
               </a:ext>
             </a:extLst>
           </p:cNvPr>
@@ -12302,10 +13237,15 @@
             <p:ph type="title"/>
           </p:nvPr>
         </p:nvSpPr>
-        <p:spPr/>
+        <p:spPr>
+          <a:xfrm>
+            <a:off x="838200" y="118941"/>
+            <a:ext cx="10515600" cy="461352"/>
+          </a:xfrm>
+        </p:spPr>
         <p:txBody>
           <a:bodyPr>
-            <a:normAutofit/>
+            <a:noAutofit/>
           </a:bodyPr>
           <a:lstStyle/>
           <a:p>
@@ -12314,55 +13254,66 @@
                 <a:latin typeface="Times New Roman" panose="02020603050405020304" pitchFamily="18" charset="0"/>
                 <a:cs typeface="Times New Roman" panose="02020603050405020304" pitchFamily="18" charset="0"/>
               </a:rPr>
-              <a:t>Выбор используемых моделей и исследование их качества работы</a:t>
-            </a:r>
-            <a:r>
-              <a:rPr lang="en-US" sz="4000" dirty="0">
+              <a:t>Структуры моделей </a:t>
+            </a:r>
+            <a:r>
+              <a:rPr lang="en-US" sz="4000" dirty="0" err="1">
                 <a:latin typeface="Times New Roman" panose="02020603050405020304" pitchFamily="18" charset="0"/>
                 <a:cs typeface="Times New Roman" panose="02020603050405020304" pitchFamily="18" charset="0"/>
               </a:rPr>
-              <a:t>.</a:t>
-            </a:r>
-            <a:endParaRPr lang="ru-RU" sz="4000" dirty="0"/>
+              <a:t>UpLift</a:t>
+            </a:r>
+            <a:endParaRPr lang="ru-RU" sz="4000" dirty="0">
+              <a:latin typeface="Times New Roman" panose="02020603050405020304" pitchFamily="18" charset="0"/>
+              <a:cs typeface="Times New Roman" panose="02020603050405020304" pitchFamily="18" charset="0"/>
+            </a:endParaRPr>
           </a:p>
         </p:txBody>
       </p:sp>
-      <p:pic>
-        <p:nvPicPr>
-          <p:cNvPr id="8" name="Рисунок 7">
+      <p:sp>
+        <p:nvSpPr>
+          <p:cNvPr id="5" name="Объект 4">
             <a:extLst>
               <a:ext uri="{FF2B5EF4-FFF2-40B4-BE49-F238E27FC236}">
-                <a16:creationId xmlns:a16="http://schemas.microsoft.com/office/drawing/2014/main" id="{6B210FDA-2EB6-970C-5BBF-BE8133B19266}"/>
+                <a16:creationId xmlns:a16="http://schemas.microsoft.com/office/drawing/2014/main" id="{8E307828-F91E-AD5B-1045-FB7269C9D075}"/>
               </a:ext>
             </a:extLst>
           </p:cNvPr>
-          <p:cNvPicPr>
-            <a:picLocks noChangeAspect="1"/>
-          </p:cNvPicPr>
-          <p:nvPr/>
-        </p:nvPicPr>
-        <p:blipFill>
-          <a:blip r:embed="rId3"/>
-          <a:stretch>
-            <a:fillRect/>
-          </a:stretch>
-        </p:blipFill>
+          <p:cNvSpPr>
+            <a:spLocks noGrp="1"/>
+          </p:cNvSpPr>
+          <p:nvPr>
+            <p:ph idx="1"/>
+          </p:nvPr>
+        </p:nvSpPr>
         <p:spPr>
           <a:xfrm>
-            <a:off x="1679688" y="2172003"/>
-            <a:ext cx="8832623" cy="1674665"/>
+            <a:off x="838200" y="677008"/>
+            <a:ext cx="10515600" cy="5499955"/>
           </a:xfrm>
-          <a:prstGeom prst="rect">
-            <a:avLst/>
-          </a:prstGeom>
         </p:spPr>
-      </p:pic>
+        <p:txBody>
+          <a:bodyPr/>
+          <a:lstStyle/>
+          <a:p>
+            <a:pPr marL="457200" lvl="1" indent="0">
+              <a:buNone/>
+            </a:pPr>
+            <a:endParaRPr lang="ru-RU" sz="1400" dirty="0">
+              <a:effectLst/>
+              <a:latin typeface="Times New Roman" panose="02020603050405020304" pitchFamily="18" charset="0"/>
+              <a:ea typeface="Times New Roman" panose="02020603050405020304" pitchFamily="18" charset="0"/>
+              <a:cs typeface="Times New Roman" panose="02020603050405020304" pitchFamily="18" charset="0"/>
+            </a:endParaRPr>
+          </a:p>
+        </p:txBody>
+      </p:sp>
       <p:sp>
         <p:nvSpPr>
-          <p:cNvPr id="9" name="Номер слайда 8">
+          <p:cNvPr id="6" name="Номер слайда 5">
             <a:extLst>
               <a:ext uri="{FF2B5EF4-FFF2-40B4-BE49-F238E27FC236}">
-                <a16:creationId xmlns:a16="http://schemas.microsoft.com/office/drawing/2014/main" id="{FC3A69AA-2D2B-5E5A-69DA-0C8CA48C2FC1}"/>
+                <a16:creationId xmlns:a16="http://schemas.microsoft.com/office/drawing/2014/main" id="{5D32CA80-9B1C-24FA-7114-2B8EA7541462}"/>
               </a:ext>
             </a:extLst>
           </p:cNvPr>
@@ -12389,7 +13340,7 @@
     </p:spTree>
     <p:extLst>
       <p:ext uri="{BB962C8B-B14F-4D97-AF65-F5344CB8AC3E}">
-        <p14:creationId xmlns:p14="http://schemas.microsoft.com/office/powerpoint/2010/main" val="2713943564"/>
+        <p14:creationId xmlns:p14="http://schemas.microsoft.com/office/powerpoint/2010/main" val="637627660"/>
       </p:ext>
     </p:extLst>
   </p:cSld>
@@ -12421,7 +13372,7 @@
           <p:cNvPr id="2" name="Заголовок 1">
             <a:extLst>
               <a:ext uri="{FF2B5EF4-FFF2-40B4-BE49-F238E27FC236}">
-                <a16:creationId xmlns:a16="http://schemas.microsoft.com/office/drawing/2014/main" id="{CB7CDD7E-E1F1-F205-EB73-5EC1B83642EB}"/>
+                <a16:creationId xmlns:a16="http://schemas.microsoft.com/office/drawing/2014/main" id="{5A9EDCCB-C9F9-D8F2-4BDB-29276D58193A}"/>
               </a:ext>
             </a:extLst>
           </p:cNvPr>
@@ -12434,125 +13385,35 @@
         </p:nvSpPr>
         <p:spPr/>
         <p:txBody>
-          <a:bodyPr/>
+          <a:bodyPr>
+            <a:normAutofit/>
+          </a:bodyPr>
           <a:lstStyle/>
           <a:p>
             <a:r>
-              <a:rPr lang="ru-RU" dirty="0">
+              <a:rPr lang="ru-RU" sz="4000" dirty="0">
                 <a:latin typeface="Times New Roman" panose="02020603050405020304" pitchFamily="18" charset="0"/>
                 <a:cs typeface="Times New Roman" panose="02020603050405020304" pitchFamily="18" charset="0"/>
               </a:rPr>
-              <a:t>Выводы</a:t>
-            </a:r>
+              <a:t>Выбор используемых моделей и исследование их качества работы – </a:t>
+            </a:r>
+            <a:r>
+              <a:rPr lang="en-US" sz="4000" dirty="0">
+                <a:latin typeface="Times New Roman" panose="02020603050405020304" pitchFamily="18" charset="0"/>
+                <a:cs typeface="Times New Roman" panose="02020603050405020304" pitchFamily="18" charset="0"/>
+              </a:rPr>
+              <a:t>X5-Retail.</a:t>
+            </a:r>
+            <a:endParaRPr lang="ru-RU" sz="4000" dirty="0"/>
           </a:p>
         </p:txBody>
       </p:sp>
       <p:sp>
         <p:nvSpPr>
-          <p:cNvPr id="3" name="Объект 2">
+          <p:cNvPr id="9" name="Номер слайда 8">
             <a:extLst>
               <a:ext uri="{FF2B5EF4-FFF2-40B4-BE49-F238E27FC236}">
-                <a16:creationId xmlns:a16="http://schemas.microsoft.com/office/drawing/2014/main" id="{8578077A-CC37-95E7-F493-7E3402293580}"/>
-              </a:ext>
-            </a:extLst>
-          </p:cNvPr>
-          <p:cNvSpPr>
-            <a:spLocks noGrp="1"/>
-          </p:cNvSpPr>
-          <p:nvPr>
-            <p:ph idx="1"/>
-          </p:nvPr>
-        </p:nvSpPr>
-        <p:spPr/>
-        <p:txBody>
-          <a:bodyPr/>
-          <a:lstStyle/>
-          <a:p>
-            <a:r>
-              <a:rPr lang="ru-RU" dirty="0">
-                <a:latin typeface="Times New Roman" panose="02020603050405020304" pitchFamily="18" charset="0"/>
-                <a:cs typeface="Times New Roman" panose="02020603050405020304" pitchFamily="18" charset="0"/>
-              </a:rPr>
-              <a:t>Новые показатели начисления и списания бонусов, и их производные, благоприятно сказались на метриках моделей.</a:t>
-            </a:r>
-          </a:p>
-          <a:p>
-            <a:endParaRPr lang="ru-RU" dirty="0">
-              <a:latin typeface="Times New Roman" panose="02020603050405020304" pitchFamily="18" charset="0"/>
-              <a:cs typeface="Times New Roman" panose="02020603050405020304" pitchFamily="18" charset="0"/>
-            </a:endParaRPr>
-          </a:p>
-          <a:p>
-            <a:r>
-              <a:rPr lang="ru-RU" dirty="0">
-                <a:latin typeface="Times New Roman" panose="02020603050405020304" pitchFamily="18" charset="0"/>
-                <a:cs typeface="Times New Roman" panose="02020603050405020304" pitchFamily="18" charset="0"/>
-              </a:rPr>
-              <a:t>Качество модели очень зависит от ее архитектуры и </a:t>
-            </a:r>
-            <a:r>
-              <a:rPr lang="ru-RU" dirty="0" err="1">
-                <a:latin typeface="Times New Roman" panose="02020603050405020304" pitchFamily="18" charset="0"/>
-                <a:cs typeface="Times New Roman" panose="02020603050405020304" pitchFamily="18" charset="0"/>
-              </a:rPr>
-              <a:t>гипер</a:t>
-            </a:r>
-            <a:r>
-              <a:rPr lang="ru-RU" dirty="0">
-                <a:latin typeface="Times New Roman" panose="02020603050405020304" pitchFamily="18" charset="0"/>
-                <a:cs typeface="Times New Roman" panose="02020603050405020304" pitchFamily="18" charset="0"/>
-              </a:rPr>
-              <a:t>-параметров.</a:t>
-            </a:r>
-          </a:p>
-          <a:p>
-            <a:endParaRPr lang="ru-RU" dirty="0">
-              <a:latin typeface="Times New Roman" panose="02020603050405020304" pitchFamily="18" charset="0"/>
-              <a:cs typeface="Times New Roman" panose="02020603050405020304" pitchFamily="18" charset="0"/>
-            </a:endParaRPr>
-          </a:p>
-          <a:p>
-            <a:r>
-              <a:rPr lang="ru-RU" dirty="0">
-                <a:latin typeface="Times New Roman" panose="02020603050405020304" pitchFamily="18" charset="0"/>
-                <a:cs typeface="Times New Roman" panose="02020603050405020304" pitchFamily="18" charset="0"/>
-              </a:rPr>
-              <a:t>Для дальнейшего улучшения модели нужно модернизировать автоматический поиск наилучшей архитектуры и оптимизации </a:t>
-            </a:r>
-            <a:r>
-              <a:rPr lang="ru-RU" dirty="0" err="1">
-                <a:latin typeface="Times New Roman" panose="02020603050405020304" pitchFamily="18" charset="0"/>
-                <a:cs typeface="Times New Roman" panose="02020603050405020304" pitchFamily="18" charset="0"/>
-              </a:rPr>
-              <a:t>гипер</a:t>
-            </a:r>
-            <a:r>
-              <a:rPr lang="ru-RU" dirty="0">
-                <a:latin typeface="Times New Roman" panose="02020603050405020304" pitchFamily="18" charset="0"/>
-                <a:cs typeface="Times New Roman" panose="02020603050405020304" pitchFamily="18" charset="0"/>
-              </a:rPr>
-              <a:t>-параметров под задачу </a:t>
-            </a:r>
-            <a:r>
-              <a:rPr lang="en-US" dirty="0" err="1">
-                <a:latin typeface="Times New Roman" panose="02020603050405020304" pitchFamily="18" charset="0"/>
-                <a:cs typeface="Times New Roman" panose="02020603050405020304" pitchFamily="18" charset="0"/>
-              </a:rPr>
-              <a:t>UpLift</a:t>
-            </a:r>
-            <a:endParaRPr lang="ru-RU" dirty="0">
-              <a:latin typeface="Times New Roman" panose="02020603050405020304" pitchFamily="18" charset="0"/>
-              <a:cs typeface="Times New Roman" panose="02020603050405020304" pitchFamily="18" charset="0"/>
-            </a:endParaRPr>
-          </a:p>
-        </p:txBody>
-      </p:sp>
-      <p:sp>
-        <p:nvSpPr>
-          <p:cNvPr id="4" name="Номер слайда 3">
-            <a:extLst>
-              <a:ext uri="{FF2B5EF4-FFF2-40B4-BE49-F238E27FC236}">
-                <a16:creationId xmlns:a16="http://schemas.microsoft.com/office/drawing/2014/main" id="{CE52B047-EF3A-1656-1980-42A1D1F09BBE}"/>
+                <a16:creationId xmlns:a16="http://schemas.microsoft.com/office/drawing/2014/main" id="{FC3A69AA-2D2B-5E5A-69DA-0C8CA48C2FC1}"/>
               </a:ext>
             </a:extLst>
           </p:cNvPr>
@@ -12576,10 +13437,40 @@
           </a:p>
         </p:txBody>
       </p:sp>
+      <p:pic>
+        <p:nvPicPr>
+          <p:cNvPr id="12" name="Рисунок 11">
+            <a:extLst>
+              <a:ext uri="{FF2B5EF4-FFF2-40B4-BE49-F238E27FC236}">
+                <a16:creationId xmlns:a16="http://schemas.microsoft.com/office/drawing/2014/main" id="{BD168732-29D6-C5B9-DF5C-BF224BF40912}"/>
+              </a:ext>
+            </a:extLst>
+          </p:cNvPr>
+          <p:cNvPicPr>
+            <a:picLocks noChangeAspect="1"/>
+          </p:cNvPicPr>
+          <p:nvPr/>
+        </p:nvPicPr>
+        <p:blipFill>
+          <a:blip r:embed="rId3"/>
+          <a:stretch>
+            <a:fillRect/>
+          </a:stretch>
+        </p:blipFill>
+        <p:spPr>
+          <a:xfrm>
+            <a:off x="637090" y="1690688"/>
+            <a:ext cx="10917819" cy="1608741"/>
+          </a:xfrm>
+          <a:prstGeom prst="rect">
+            <a:avLst/>
+          </a:prstGeom>
+        </p:spPr>
+      </p:pic>
     </p:spTree>
     <p:extLst>
       <p:ext uri="{BB962C8B-B14F-4D97-AF65-F5344CB8AC3E}">
-        <p14:creationId xmlns:p14="http://schemas.microsoft.com/office/powerpoint/2010/main" val="879443761"/>
+        <p14:creationId xmlns:p14="http://schemas.microsoft.com/office/powerpoint/2010/main" val="2713943564"/>
       </p:ext>
     </p:extLst>
   </p:cSld>
@@ -12611,7 +13502,7 @@
           <p:cNvPr id="2" name="Заголовок 1">
             <a:extLst>
               <a:ext uri="{FF2B5EF4-FFF2-40B4-BE49-F238E27FC236}">
-                <a16:creationId xmlns:a16="http://schemas.microsoft.com/office/drawing/2014/main" id="{6BFE0A30-4D38-85F2-D995-15FB88B9C96C}"/>
+                <a16:creationId xmlns:a16="http://schemas.microsoft.com/office/drawing/2014/main" id="{5A9EDCCB-C9F9-D8F2-4BDB-29276D58193A}"/>
               </a:ext>
             </a:extLst>
           </p:cNvPr>
@@ -12622,31 +13513,94 @@
             <p:ph type="title"/>
           </p:nvPr>
         </p:nvSpPr>
-        <p:spPr>
-          <a:xfrm>
-            <a:off x="908538" y="2615956"/>
-            <a:ext cx="10515600" cy="1325563"/>
-          </a:xfrm>
-        </p:spPr>
+        <p:spPr/>
+        <p:txBody>
+          <a:bodyPr>
+            <a:normAutofit/>
+          </a:bodyPr>
+          <a:lstStyle/>
+          <a:p>
+            <a:r>
+              <a:rPr lang="ru-RU" sz="4000" dirty="0">
+                <a:latin typeface="Times New Roman" panose="02020603050405020304" pitchFamily="18" charset="0"/>
+                <a:cs typeface="Times New Roman" panose="02020603050405020304" pitchFamily="18" charset="0"/>
+              </a:rPr>
+              <a:t>Выбор используемых моделей и исследование их качества работы – собственные данные</a:t>
+            </a:r>
+            <a:r>
+              <a:rPr lang="en-US" sz="4000" dirty="0">
+                <a:latin typeface="Times New Roman" panose="02020603050405020304" pitchFamily="18" charset="0"/>
+                <a:cs typeface="Times New Roman" panose="02020603050405020304" pitchFamily="18" charset="0"/>
+              </a:rPr>
+              <a:t>.</a:t>
+            </a:r>
+            <a:endParaRPr lang="ru-RU" sz="4000" dirty="0"/>
+          </a:p>
+        </p:txBody>
+      </p:sp>
+      <p:sp>
+        <p:nvSpPr>
+          <p:cNvPr id="9" name="Номер слайда 8">
+            <a:extLst>
+              <a:ext uri="{FF2B5EF4-FFF2-40B4-BE49-F238E27FC236}">
+                <a16:creationId xmlns:a16="http://schemas.microsoft.com/office/drawing/2014/main" id="{FC3A69AA-2D2B-5E5A-69DA-0C8CA48C2FC1}"/>
+              </a:ext>
+            </a:extLst>
+          </p:cNvPr>
+          <p:cNvSpPr>
+            <a:spLocks noGrp="1"/>
+          </p:cNvSpPr>
+          <p:nvPr>
+            <p:ph type="sldNum" sz="quarter" idx="12"/>
+          </p:nvPr>
+        </p:nvSpPr>
+        <p:spPr/>
         <p:txBody>
           <a:bodyPr/>
           <a:lstStyle/>
           <a:p>
-            <a:pPr algn="ctr"/>
-            <a:r>
-              <a:rPr lang="ru-RU" dirty="0">
-                <a:latin typeface="Times New Roman" panose="02020603050405020304" pitchFamily="18" charset="0"/>
-                <a:cs typeface="Times New Roman" panose="02020603050405020304" pitchFamily="18" charset="0"/>
-              </a:rPr>
-              <a:t>Спасибо за внимание !</a:t>
-            </a:r>
+            <a:fld id="{DD52A6CB-90DA-4351-BF49-99661FABD7B0}" type="slidenum">
+              <a:rPr lang="ru-RU" sz="2000" smtClean="0"/>
+              <a:t>9</a:t>
+            </a:fld>
+            <a:endParaRPr lang="ru-RU" sz="2000" dirty="0"/>
           </a:p>
         </p:txBody>
       </p:sp>
+      <p:pic>
+        <p:nvPicPr>
+          <p:cNvPr id="12" name="Рисунок 11">
+            <a:extLst>
+              <a:ext uri="{FF2B5EF4-FFF2-40B4-BE49-F238E27FC236}">
+                <a16:creationId xmlns:a16="http://schemas.microsoft.com/office/drawing/2014/main" id="{99E22416-B5C9-3E40-A0EC-C11AD97BAC5E}"/>
+              </a:ext>
+            </a:extLst>
+          </p:cNvPr>
+          <p:cNvPicPr>
+            <a:picLocks noChangeAspect="1"/>
+          </p:cNvPicPr>
+          <p:nvPr/>
+        </p:nvPicPr>
+        <p:blipFill>
+          <a:blip r:embed="rId3"/>
+          <a:stretch>
+            <a:fillRect/>
+          </a:stretch>
+        </p:blipFill>
+        <p:spPr>
+          <a:xfrm>
+            <a:off x="643466" y="1690688"/>
+            <a:ext cx="10414000" cy="2105256"/>
+          </a:xfrm>
+          <a:prstGeom prst="rect">
+            <a:avLst/>
+          </a:prstGeom>
+        </p:spPr>
+      </p:pic>
     </p:spTree>
     <p:extLst>
       <p:ext uri="{BB962C8B-B14F-4D97-AF65-F5344CB8AC3E}">
-        <p14:creationId xmlns:p14="http://schemas.microsoft.com/office/powerpoint/2010/main" val="1726137589"/>
+        <p14:creationId xmlns:p14="http://schemas.microsoft.com/office/powerpoint/2010/main" val="2472524947"/>
       </p:ext>
     </p:extLst>
   </p:cSld>

--- a/Отчет_4_сем/Презентация Фейзуллин 201.pptx
+++ b/Отчет_4_сем/Презентация Фейзуллин 201.pptx
@@ -5,24 +5,32 @@
     <p:sldMasterId id="2147483648" r:id="rId1"/>
   </p:sldMasterIdLst>
   <p:notesMasterIdLst>
-    <p:notesMasterId r:id="rId17"/>
+    <p:notesMasterId r:id="rId25"/>
   </p:notesMasterIdLst>
   <p:sldIdLst>
     <p:sldId id="257" r:id="rId2"/>
     <p:sldId id="317" r:id="rId3"/>
     <p:sldId id="319" r:id="rId4"/>
     <p:sldId id="320" r:id="rId5"/>
-    <p:sldId id="321" r:id="rId6"/>
-    <p:sldId id="322" r:id="rId7"/>
-    <p:sldId id="331" r:id="rId8"/>
-    <p:sldId id="323" r:id="rId9"/>
-    <p:sldId id="330" r:id="rId10"/>
-    <p:sldId id="324" r:id="rId11"/>
-    <p:sldId id="325" r:id="rId12"/>
-    <p:sldId id="326" r:id="rId13"/>
-    <p:sldId id="327" r:id="rId14"/>
-    <p:sldId id="328" r:id="rId15"/>
-    <p:sldId id="329" r:id="rId16"/>
+    <p:sldId id="332" r:id="rId6"/>
+    <p:sldId id="321" r:id="rId7"/>
+    <p:sldId id="322" r:id="rId8"/>
+    <p:sldId id="331" r:id="rId9"/>
+    <p:sldId id="323" r:id="rId10"/>
+    <p:sldId id="330" r:id="rId11"/>
+    <p:sldId id="324" r:id="rId12"/>
+    <p:sldId id="325" r:id="rId13"/>
+    <p:sldId id="326" r:id="rId14"/>
+    <p:sldId id="327" r:id="rId15"/>
+    <p:sldId id="328" r:id="rId16"/>
+    <p:sldId id="329" r:id="rId17"/>
+    <p:sldId id="333" r:id="rId18"/>
+    <p:sldId id="337" r:id="rId19"/>
+    <p:sldId id="334" r:id="rId20"/>
+    <p:sldId id="335" r:id="rId21"/>
+    <p:sldId id="338" r:id="rId22"/>
+    <p:sldId id="336" r:id="rId23"/>
+    <p:sldId id="339" r:id="rId24"/>
   </p:sldIdLst>
   <p:sldSz cx="12192000" cy="6858000"/>
   <p:notesSz cx="6858000" cy="9144000"/>
@@ -700,6 +708,93 @@
         </p:nvSpPr>
         <p:spPr/>
       </p:sp>
+      <p:sp>
+        <p:nvSpPr>
+          <p:cNvPr id="3" name="Заметки 2"/>
+          <p:cNvSpPr>
+            <a:spLocks noGrp="1"/>
+          </p:cNvSpPr>
+          <p:nvPr>
+            <p:ph type="body" idx="1"/>
+          </p:nvPr>
+        </p:nvSpPr>
+        <p:spPr/>
+        <p:txBody>
+          <a:bodyPr/>
+          <a:lstStyle/>
+          <a:p>
+            <a:pPr marL="0" indent="0">
+              <a:buNone/>
+            </a:pPr>
+            <a:endParaRPr lang="en-US" dirty="0"/>
+          </a:p>
+        </p:txBody>
+      </p:sp>
+      <p:sp>
+        <p:nvSpPr>
+          <p:cNvPr id="4" name="Номер слайда 3"/>
+          <p:cNvSpPr>
+            <a:spLocks noGrp="1"/>
+          </p:cNvSpPr>
+          <p:nvPr>
+            <p:ph type="sldNum" sz="quarter" idx="5"/>
+          </p:nvPr>
+        </p:nvSpPr>
+        <p:spPr/>
+        <p:txBody>
+          <a:bodyPr/>
+          <a:lstStyle/>
+          <a:p>
+            <a:fld id="{19BEF0AD-2EB4-4EDF-B0D5-693549730528}" type="slidenum">
+              <a:rPr lang="ru-RU" smtClean="0"/>
+              <a:t>5</a:t>
+            </a:fld>
+            <a:endParaRPr lang="ru-RU"/>
+          </a:p>
+        </p:txBody>
+      </p:sp>
+    </p:spTree>
+    <p:extLst>
+      <p:ext uri="{BB962C8B-B14F-4D97-AF65-F5344CB8AC3E}">
+        <p14:creationId xmlns:p14="http://schemas.microsoft.com/office/powerpoint/2010/main" val="1798299780"/>
+      </p:ext>
+    </p:extLst>
+  </p:cSld>
+  <p:clrMapOvr>
+    <a:masterClrMapping/>
+  </p:clrMapOvr>
+</p:notes>
+</file>
+
+<file path=ppt/notesSlides/notesSlide4.xml><?xml version="1.0" encoding="utf-8"?>
+<p:notes xmlns:a="http://schemas.openxmlformats.org/drawingml/2006/main" xmlns:r="http://schemas.openxmlformats.org/officeDocument/2006/relationships" xmlns:p="http://schemas.openxmlformats.org/presentationml/2006/main">
+  <p:cSld>
+    <p:spTree>
+      <p:nvGrpSpPr>
+        <p:cNvPr id="1" name=""/>
+        <p:cNvGrpSpPr/>
+        <p:nvPr/>
+      </p:nvGrpSpPr>
+      <p:grpSpPr>
+        <a:xfrm>
+          <a:off x="0" y="0"/>
+          <a:ext cx="0" cy="0"/>
+          <a:chOff x="0" y="0"/>
+          <a:chExt cx="0" cy="0"/>
+        </a:xfrm>
+      </p:grpSpPr>
+      <p:sp>
+        <p:nvSpPr>
+          <p:cNvPr id="2" name="Образ слайда 1"/>
+          <p:cNvSpPr>
+            <a:spLocks noGrp="1" noRot="1" noChangeAspect="1"/>
+          </p:cNvSpPr>
+          <p:nvPr>
+            <p:ph type="sldImg"/>
+          </p:nvPr>
+        </p:nvSpPr>
+        <p:spPr/>
+      </p:sp>
       <mc:AlternateContent xmlns:mc="http://schemas.openxmlformats.org/markup-compatibility/2006" xmlns:a14="http://schemas.microsoft.com/office/drawing/2010/main">
         <mc:Choice Requires="a14">
           <p:sp>
@@ -735,7 +830,7 @@
                   <a:defRPr/>
                 </a:pPr>
                 <a:r>
-                  <a:rPr lang="en-US" sz="1800" dirty="0" err="1">
+                  <a:rPr lang="en-US" sz="1800" dirty="0">
                     <a:effectLst/>
                     <a:latin typeface="Times New Roman" panose="02020603050405020304" pitchFamily="18" charset="0"/>
                     <a:ea typeface="Calibri" panose="020F0502020204030204" pitchFamily="34" charset="0"/>
@@ -854,19 +949,7 @@
                   <a:rPr lang="en-US" sz="1800" dirty="0">
                     <a:latin typeface="Times New Roman" panose="02020603050405020304" pitchFamily="18" charset="0"/>
                   </a:rPr>
-                  <a:t> </a:t>
-                </a:r>
-                <a:r>
-                  <a:rPr lang="en-US" sz="1800" dirty="0" err="1">
-                    <a:latin typeface="Times New Roman" panose="02020603050405020304" pitchFamily="18" charset="0"/>
-                  </a:rPr>
-                  <a:t>UpLift</a:t>
-                </a:r>
-                <a:r>
-                  <a:rPr lang="en-US" sz="1800" dirty="0">
-                    <a:latin typeface="Times New Roman" panose="02020603050405020304" pitchFamily="18" charset="0"/>
-                  </a:rPr>
-                  <a:t> </a:t>
+                  <a:t> UpLift </a:t>
                 </a:r>
                 <a:r>
                   <a:rPr lang="ru-RU" sz="1800" dirty="0">
@@ -913,7 +996,7 @@
                   <a:t>Выборка сортируется по прогнозу </a:t>
                 </a:r>
                 <a:r>
-                  <a:rPr lang="en-US" sz="1800" dirty="0" err="1">
+                  <a:rPr lang="en-US" sz="1800" dirty="0">
                     <a:effectLst/>
                     <a:latin typeface="Times New Roman" panose="02020603050405020304" pitchFamily="18" charset="0"/>
                     <a:ea typeface="Calibri" panose="020F0502020204030204" pitchFamily="34" charset="0"/>
@@ -1603,7 +1686,7 @@
           <a:p>
             <a:fld id="{19BEF0AD-2EB4-4EDF-B0D5-693549730528}" type="slidenum">
               <a:rPr lang="ru-RU" smtClean="0"/>
-              <a:t>5</a:t>
+              <a:t>6</a:t>
             </a:fld>
             <a:endParaRPr lang="ru-RU"/>
           </a:p>
@@ -1613,347 +1696,6 @@
     <p:extLst>
       <p:ext uri="{BB962C8B-B14F-4D97-AF65-F5344CB8AC3E}">
         <p14:creationId xmlns:p14="http://schemas.microsoft.com/office/powerpoint/2010/main" val="3204605866"/>
-      </p:ext>
-    </p:extLst>
-  </p:cSld>
-  <p:clrMapOvr>
-    <a:masterClrMapping/>
-  </p:clrMapOvr>
-</p:notes>
-</file>
-
-<file path=ppt/notesSlides/notesSlide4.xml><?xml version="1.0" encoding="utf-8"?>
-<p:notes xmlns:a="http://schemas.openxmlformats.org/drawingml/2006/main" xmlns:r="http://schemas.openxmlformats.org/officeDocument/2006/relationships" xmlns:p="http://schemas.openxmlformats.org/presentationml/2006/main">
-  <p:cSld>
-    <p:spTree>
-      <p:nvGrpSpPr>
-        <p:cNvPr id="1" name=""/>
-        <p:cNvGrpSpPr/>
-        <p:nvPr/>
-      </p:nvGrpSpPr>
-      <p:grpSpPr>
-        <a:xfrm>
-          <a:off x="0" y="0"/>
-          <a:ext cx="0" cy="0"/>
-          <a:chOff x="0" y="0"/>
-          <a:chExt cx="0" cy="0"/>
-        </a:xfrm>
-      </p:grpSpPr>
-      <p:sp>
-        <p:nvSpPr>
-          <p:cNvPr id="2" name="Образ слайда 1"/>
-          <p:cNvSpPr>
-            <a:spLocks noGrp="1" noRot="1" noChangeAspect="1"/>
-          </p:cNvSpPr>
-          <p:nvPr>
-            <p:ph type="sldImg"/>
-          </p:nvPr>
-        </p:nvSpPr>
-        <p:spPr/>
-      </p:sp>
-      <p:sp>
-        <p:nvSpPr>
-          <p:cNvPr id="3" name="Заметки 2"/>
-          <p:cNvSpPr>
-            <a:spLocks noGrp="1"/>
-          </p:cNvSpPr>
-          <p:nvPr>
-            <p:ph type="body" idx="1"/>
-          </p:nvPr>
-        </p:nvSpPr>
-        <p:spPr/>
-        <p:txBody>
-          <a:bodyPr/>
-          <a:lstStyle/>
-          <a:p>
-            <a:pPr algn="l">
-              <a:lnSpc>
-                <a:spcPct val="107000"/>
-              </a:lnSpc>
-              <a:spcBef>
-                <a:spcPts val="200"/>
-              </a:spcBef>
-            </a:pPr>
-            <a:r>
-              <a:rPr lang="en-US" sz="1800" b="1" dirty="0" err="1">
-                <a:solidFill>
-                  <a:srgbClr val="1F3763"/>
-                </a:solidFill>
-                <a:effectLst/>
-                <a:latin typeface="Times New Roman" panose="02020603050405020304" pitchFamily="18" charset="0"/>
-                <a:ea typeface="Times New Roman" panose="02020603050405020304" pitchFamily="18" charset="0"/>
-                <a:cs typeface="Times New Roman" panose="02020603050405020304" pitchFamily="18" charset="0"/>
-              </a:rPr>
-              <a:t>UpLift</a:t>
-            </a:r>
-            <a:r>
-              <a:rPr lang="ru-RU" sz="1800" b="1" dirty="0">
-                <a:solidFill>
-                  <a:srgbClr val="1F3763"/>
-                </a:solidFill>
-                <a:effectLst/>
-                <a:latin typeface="Times New Roman" panose="02020603050405020304" pitchFamily="18" charset="0"/>
-                <a:ea typeface="Times New Roman" panose="02020603050405020304" pitchFamily="18" charset="0"/>
-                <a:cs typeface="Times New Roman" panose="02020603050405020304" pitchFamily="18" charset="0"/>
-              </a:rPr>
-              <a:t> кривая (</a:t>
-            </a:r>
-            <a:r>
-              <a:rPr lang="en-US" sz="1800" b="1" dirty="0" err="1">
-                <a:solidFill>
-                  <a:srgbClr val="1F3763"/>
-                </a:solidFill>
-                <a:effectLst/>
-                <a:latin typeface="Times New Roman" panose="02020603050405020304" pitchFamily="18" charset="0"/>
-                <a:ea typeface="Times New Roman" panose="02020603050405020304" pitchFamily="18" charset="0"/>
-                <a:cs typeface="Times New Roman" panose="02020603050405020304" pitchFamily="18" charset="0"/>
-              </a:rPr>
-              <a:t>UpLift</a:t>
-            </a:r>
-            <a:r>
-              <a:rPr lang="en-US" sz="1800" b="1" dirty="0">
-                <a:solidFill>
-                  <a:srgbClr val="1F3763"/>
-                </a:solidFill>
-                <a:effectLst/>
-                <a:latin typeface="Times New Roman" panose="02020603050405020304" pitchFamily="18" charset="0"/>
-                <a:ea typeface="Times New Roman" panose="02020603050405020304" pitchFamily="18" charset="0"/>
-                <a:cs typeface="Times New Roman" panose="02020603050405020304" pitchFamily="18" charset="0"/>
-              </a:rPr>
-              <a:t> Curve</a:t>
-            </a:r>
-            <a:r>
-              <a:rPr lang="ru-RU" sz="1800" b="1" dirty="0">
-                <a:solidFill>
-                  <a:srgbClr val="1F3763"/>
-                </a:solidFill>
-                <a:effectLst/>
-                <a:latin typeface="Times New Roman" panose="02020603050405020304" pitchFamily="18" charset="0"/>
-                <a:ea typeface="Times New Roman" panose="02020603050405020304" pitchFamily="18" charset="0"/>
-                <a:cs typeface="Times New Roman" panose="02020603050405020304" pitchFamily="18" charset="0"/>
-              </a:rPr>
-              <a:t>)</a:t>
-            </a:r>
-            <a:r>
-              <a:rPr lang="ru-RU" sz="1800" b="1" dirty="0">
-                <a:solidFill>
-                  <a:srgbClr val="1F3763"/>
-                </a:solidFill>
-                <a:effectLst/>
-                <a:latin typeface="Calibri Light" panose="020F0302020204030204" pitchFamily="34" charset="0"/>
-                <a:ea typeface="Times New Roman" panose="02020603050405020304" pitchFamily="18" charset="0"/>
-                <a:cs typeface="Times New Roman" panose="02020603050405020304" pitchFamily="18" charset="0"/>
-              </a:rPr>
-              <a:t> - </a:t>
-            </a:r>
-            <a:r>
-              <a:rPr lang="ru-RU" sz="1800" dirty="0">
-                <a:effectLst/>
-                <a:latin typeface="Times New Roman" panose="02020603050405020304" pitchFamily="18" charset="0"/>
-                <a:ea typeface="Calibri" panose="020F0502020204030204" pitchFamily="34" charset="0"/>
-                <a:cs typeface="Times New Roman" panose="02020603050405020304" pitchFamily="18" charset="0"/>
-              </a:rPr>
-              <a:t>Данная кривая строится как функция с нарастающим итогом, где для каждой точки задается соответствующий </a:t>
-            </a:r>
-            <a:r>
-              <a:rPr lang="ru-RU" sz="1800" dirty="0" err="1">
-                <a:effectLst/>
-                <a:latin typeface="Times New Roman" panose="02020603050405020304" pitchFamily="18" charset="0"/>
-                <a:ea typeface="Calibri" panose="020F0502020204030204" pitchFamily="34" charset="0"/>
-                <a:cs typeface="Times New Roman" panose="02020603050405020304" pitchFamily="18" charset="0"/>
-              </a:rPr>
-              <a:t>UpLift</a:t>
-            </a:r>
-            <a:r>
-              <a:rPr lang="ru-RU" sz="1800" dirty="0">
-                <a:effectLst/>
-                <a:latin typeface="Times New Roman" panose="02020603050405020304" pitchFamily="18" charset="0"/>
-                <a:ea typeface="Calibri" panose="020F0502020204030204" pitchFamily="34" charset="0"/>
-                <a:cs typeface="Times New Roman" panose="02020603050405020304" pitchFamily="18" charset="0"/>
-              </a:rPr>
-              <a:t>.</a:t>
-            </a:r>
-          </a:p>
-          <a:p>
-            <a:pPr algn="l">
-              <a:lnSpc>
-                <a:spcPct val="107000"/>
-              </a:lnSpc>
-              <a:spcBef>
-                <a:spcPts val="200"/>
-              </a:spcBef>
-            </a:pPr>
-            <a:endParaRPr lang="ru-RU" sz="1800" dirty="0">
-              <a:effectLst/>
-              <a:latin typeface="Times New Roman" panose="02020603050405020304" pitchFamily="18" charset="0"/>
-              <a:ea typeface="Calibri" panose="020F0502020204030204" pitchFamily="34" charset="0"/>
-              <a:cs typeface="Times New Roman" panose="02020603050405020304" pitchFamily="18" charset="0"/>
-            </a:endParaRPr>
-          </a:p>
-          <a:p>
-            <a:pPr marL="0" marR="0" lvl="0" indent="0" algn="l" defTabSz="914400" rtl="0" eaLnBrk="1" fontAlgn="auto" latinLnBrk="0" hangingPunct="1">
-              <a:lnSpc>
-                <a:spcPct val="107000"/>
-              </a:lnSpc>
-              <a:spcBef>
-                <a:spcPts val="200"/>
-              </a:spcBef>
-              <a:spcAft>
-                <a:spcPts val="0"/>
-              </a:spcAft>
-              <a:buClrTx/>
-              <a:buSzTx/>
-              <a:buFontTx/>
-              <a:buNone/>
-              <a:tabLst/>
-              <a:defRPr/>
-            </a:pPr>
-            <a:r>
-              <a:rPr lang="en-US" sz="1800" b="1" dirty="0" err="1">
-                <a:solidFill>
-                  <a:srgbClr val="1F3763"/>
-                </a:solidFill>
-                <a:effectLst/>
-                <a:latin typeface="Times New Roman" panose="02020603050405020304" pitchFamily="18" charset="0"/>
-                <a:ea typeface="Times New Roman" panose="02020603050405020304" pitchFamily="18" charset="0"/>
-                <a:cs typeface="Times New Roman" panose="02020603050405020304" pitchFamily="18" charset="0"/>
-              </a:rPr>
-              <a:t>Qini</a:t>
-            </a:r>
-            <a:r>
-              <a:rPr lang="en-US" sz="1800" b="1" dirty="0">
-                <a:solidFill>
-                  <a:srgbClr val="1F3763"/>
-                </a:solidFill>
-                <a:effectLst/>
-                <a:latin typeface="Times New Roman" panose="02020603050405020304" pitchFamily="18" charset="0"/>
-                <a:ea typeface="Times New Roman" panose="02020603050405020304" pitchFamily="18" charset="0"/>
-                <a:cs typeface="Times New Roman" panose="02020603050405020304" pitchFamily="18" charset="0"/>
-              </a:rPr>
-              <a:t> </a:t>
-            </a:r>
-            <a:r>
-              <a:rPr lang="ru-RU" sz="1800" b="1" dirty="0">
-                <a:solidFill>
-                  <a:srgbClr val="1F3763"/>
-                </a:solidFill>
-                <a:effectLst/>
-                <a:latin typeface="Times New Roman" panose="02020603050405020304" pitchFamily="18" charset="0"/>
-                <a:ea typeface="Times New Roman" panose="02020603050405020304" pitchFamily="18" charset="0"/>
-                <a:cs typeface="Times New Roman" panose="02020603050405020304" pitchFamily="18" charset="0"/>
-              </a:rPr>
-              <a:t>кривая</a:t>
-            </a:r>
-            <a:r>
-              <a:rPr lang="ru-RU" sz="1800" b="1" dirty="0">
-                <a:solidFill>
-                  <a:srgbClr val="1F3763"/>
-                </a:solidFill>
-                <a:effectLst/>
-                <a:latin typeface="Calibri Light" panose="020F0302020204030204" pitchFamily="34" charset="0"/>
-                <a:ea typeface="Times New Roman" panose="02020603050405020304" pitchFamily="18" charset="0"/>
-                <a:cs typeface="Times New Roman" panose="02020603050405020304" pitchFamily="18" charset="0"/>
-              </a:rPr>
-              <a:t> - </a:t>
-            </a:r>
-            <a:r>
-              <a:rPr lang="ru-RU" sz="1800" dirty="0">
-                <a:effectLst/>
-                <a:latin typeface="Times New Roman" panose="02020603050405020304" pitchFamily="18" charset="0"/>
-                <a:ea typeface="Calibri" panose="020F0502020204030204" pitchFamily="34" charset="0"/>
-                <a:cs typeface="Times New Roman" panose="02020603050405020304" pitchFamily="18" charset="0"/>
-              </a:rPr>
-              <a:t>Данную функцию можно выразить через </a:t>
-            </a:r>
-            <a:r>
-              <a:rPr lang="ru-RU" sz="1800" dirty="0" err="1">
-                <a:effectLst/>
-                <a:latin typeface="Times New Roman" panose="02020603050405020304" pitchFamily="18" charset="0"/>
-                <a:ea typeface="Calibri" panose="020F0502020204030204" pitchFamily="34" charset="0"/>
-                <a:cs typeface="Times New Roman" panose="02020603050405020304" pitchFamily="18" charset="0"/>
-              </a:rPr>
-              <a:t>UpLift</a:t>
-            </a:r>
-            <a:r>
-              <a:rPr lang="ru-RU" sz="1800" dirty="0">
-                <a:effectLst/>
-                <a:latin typeface="Times New Roman" panose="02020603050405020304" pitchFamily="18" charset="0"/>
-                <a:ea typeface="Calibri" panose="020F0502020204030204" pitchFamily="34" charset="0"/>
-                <a:cs typeface="Times New Roman" panose="02020603050405020304" pitchFamily="18" charset="0"/>
-              </a:rPr>
-              <a:t> кривую. Данная кривая будет полезна в тех случаях, когда рабочая группа кратно превышает размер контрольной группы, с чем можно столкнуться во время исследования модели при внедрении в бизнес, когда у компании есть бюджет на произведение коммуникаций со всей клиентской базой и чтобы не упускать потенциальный доход, контрольная группа выделяется как можно меньше.</a:t>
-            </a:r>
-            <a:endParaRPr lang="ru-RU" sz="1800" dirty="0">
-              <a:effectLst/>
-              <a:latin typeface="Calibri" panose="020F0502020204030204" pitchFamily="34" charset="0"/>
-              <a:ea typeface="Calibri" panose="020F0502020204030204" pitchFamily="34" charset="0"/>
-              <a:cs typeface="Times New Roman" panose="02020603050405020304" pitchFamily="18" charset="0"/>
-            </a:endParaRPr>
-          </a:p>
-          <a:p>
-            <a:pPr algn="l">
-              <a:lnSpc>
-                <a:spcPct val="107000"/>
-              </a:lnSpc>
-              <a:spcBef>
-                <a:spcPts val="200"/>
-              </a:spcBef>
-            </a:pPr>
-            <a:endParaRPr lang="ru-RU" sz="1800" dirty="0">
-              <a:effectLst/>
-              <a:latin typeface="Calibri" panose="020F0502020204030204" pitchFamily="34" charset="0"/>
-              <a:ea typeface="Calibri" panose="020F0502020204030204" pitchFamily="34" charset="0"/>
-              <a:cs typeface="Times New Roman" panose="02020603050405020304" pitchFamily="18" charset="0"/>
-            </a:endParaRPr>
-          </a:p>
-          <a:p>
-            <a:pPr algn="l">
-              <a:lnSpc>
-                <a:spcPct val="107000"/>
-              </a:lnSpc>
-              <a:spcBef>
-                <a:spcPts val="200"/>
-              </a:spcBef>
-            </a:pPr>
-            <a:endParaRPr lang="ru-RU" sz="1800" dirty="0">
-              <a:effectLst/>
-              <a:latin typeface="Calibri" panose="020F0502020204030204" pitchFamily="34" charset="0"/>
-              <a:ea typeface="Calibri" panose="020F0502020204030204" pitchFamily="34" charset="0"/>
-              <a:cs typeface="Times New Roman" panose="02020603050405020304" pitchFamily="18" charset="0"/>
-            </a:endParaRPr>
-          </a:p>
-          <a:p>
-            <a:endParaRPr lang="ru-RU" dirty="0"/>
-          </a:p>
-        </p:txBody>
-      </p:sp>
-      <p:sp>
-        <p:nvSpPr>
-          <p:cNvPr id="4" name="Номер слайда 3"/>
-          <p:cNvSpPr>
-            <a:spLocks noGrp="1"/>
-          </p:cNvSpPr>
-          <p:nvPr>
-            <p:ph type="sldNum" sz="quarter" idx="5"/>
-          </p:nvPr>
-        </p:nvSpPr>
-        <p:spPr/>
-        <p:txBody>
-          <a:bodyPr/>
-          <a:lstStyle/>
-          <a:p>
-            <a:fld id="{19BEF0AD-2EB4-4EDF-B0D5-693549730528}" type="slidenum">
-              <a:rPr lang="ru-RU" smtClean="0"/>
-              <a:t>6</a:t>
-            </a:fld>
-            <a:endParaRPr lang="ru-RU"/>
-          </a:p>
-        </p:txBody>
-      </p:sp>
-    </p:spTree>
-    <p:extLst>
-      <p:ext uri="{BB962C8B-B14F-4D97-AF65-F5344CB8AC3E}">
-        <p14:creationId xmlns:p14="http://schemas.microsoft.com/office/powerpoint/2010/main" val="4151176818"/>
       </p:ext>
     </p:extLst>
   </p:cSld>
@@ -2016,7 +1758,7 @@
               </a:spcBef>
             </a:pPr>
             <a:r>
-              <a:rPr lang="en-US" sz="1800" b="1" dirty="0" err="1">
+              <a:rPr lang="en-US" sz="1800" b="1" dirty="0">
                 <a:solidFill>
                   <a:srgbClr val="1F3763"/>
                 </a:solidFill>
@@ -2040,18 +1782,6 @@
               <a:t> кривая (</a:t>
             </a:r>
             <a:r>
-              <a:rPr lang="en-US" sz="1800" b="1" dirty="0" err="1">
-                <a:solidFill>
-                  <a:srgbClr val="1F3763"/>
-                </a:solidFill>
-                <a:effectLst/>
-                <a:latin typeface="Times New Roman" panose="02020603050405020304" pitchFamily="18" charset="0"/>
-                <a:ea typeface="Times New Roman" panose="02020603050405020304" pitchFamily="18" charset="0"/>
-                <a:cs typeface="Times New Roman" panose="02020603050405020304" pitchFamily="18" charset="0"/>
-              </a:rPr>
-              <a:t>UpLift</a:t>
-            </a:r>
-            <a:r>
               <a:rPr lang="en-US" sz="1800" b="1" dirty="0">
                 <a:solidFill>
                   <a:srgbClr val="1F3763"/>
@@ -2061,7 +1791,7 @@
                 <a:ea typeface="Times New Roman" panose="02020603050405020304" pitchFamily="18" charset="0"/>
                 <a:cs typeface="Times New Roman" panose="02020603050405020304" pitchFamily="18" charset="0"/>
               </a:rPr>
-              <a:t> Curve</a:t>
+              <a:t>UpLift Curve</a:t>
             </a:r>
             <a:r>
               <a:rPr lang="ru-RU" sz="1800" b="1" dirty="0">
@@ -2294,7 +2024,7 @@
     </p:spTree>
     <p:extLst>
       <p:ext uri="{BB962C8B-B14F-4D97-AF65-F5344CB8AC3E}">
-        <p14:creationId xmlns:p14="http://schemas.microsoft.com/office/powerpoint/2010/main" val="3953390390"/>
+        <p14:creationId xmlns:p14="http://schemas.microsoft.com/office/powerpoint/2010/main" val="4151176818"/>
       </p:ext>
     </p:extLst>
   </p:cSld>
@@ -2348,43 +2078,252 @@
           <a:bodyPr/>
           <a:lstStyle/>
           <a:p>
-            <a:r>
-              <a:rPr lang="ru-RU" dirty="0"/>
-              <a:t>Описание экспериментальной установки</a:t>
-            </a:r>
-            <a:r>
-              <a:rPr lang="en-US" dirty="0"/>
-              <a:t>:</a:t>
-            </a:r>
-          </a:p>
-          <a:p>
-            <a:r>
-              <a:rPr lang="en-US" dirty="0"/>
-              <a:t>	1) </a:t>
-            </a:r>
-            <a:r>
-              <a:rPr lang="ru-RU" dirty="0"/>
-              <a:t>Для оценки каждого подхода проводилась кросс – валидация с усреднением результатов</a:t>
-            </a:r>
-            <a:endParaRPr lang="en-US" dirty="0"/>
-          </a:p>
-          <a:p>
-            <a:r>
-              <a:rPr lang="en-US" dirty="0"/>
-              <a:t>	2) </a:t>
-            </a:r>
-            <a:r>
-              <a:rPr lang="ru-RU" dirty="0"/>
-              <a:t>Для всех методов, кроме базовой модели, используется дерево решений в модификации градиентного </a:t>
-            </a:r>
-            <a:r>
-              <a:rPr lang="ru-RU" dirty="0" err="1"/>
-              <a:t>бустинга</a:t>
-            </a:r>
-            <a:r>
-              <a:rPr lang="ru-RU" dirty="0"/>
+            <a:pPr algn="l">
+              <a:lnSpc>
+                <a:spcPct val="107000"/>
+              </a:lnSpc>
+              <a:spcBef>
+                <a:spcPts val="200"/>
+              </a:spcBef>
+            </a:pPr>
+            <a:r>
+              <a:rPr lang="en-US" sz="1800" b="1" dirty="0">
+                <a:solidFill>
+                  <a:srgbClr val="1F3763"/>
+                </a:solidFill>
+                <a:effectLst/>
+                <a:latin typeface="Times New Roman" panose="02020603050405020304" pitchFamily="18" charset="0"/>
+                <a:ea typeface="Times New Roman" panose="02020603050405020304" pitchFamily="18" charset="0"/>
+                <a:cs typeface="Times New Roman" panose="02020603050405020304" pitchFamily="18" charset="0"/>
+              </a:rPr>
+              <a:t>UpLift</a:t>
+            </a:r>
+            <a:r>
+              <a:rPr lang="ru-RU" sz="1800" b="1" dirty="0">
+                <a:solidFill>
+                  <a:srgbClr val="1F3763"/>
+                </a:solidFill>
+                <a:effectLst/>
+                <a:latin typeface="Times New Roman" panose="02020603050405020304" pitchFamily="18" charset="0"/>
+                <a:ea typeface="Times New Roman" panose="02020603050405020304" pitchFamily="18" charset="0"/>
+                <a:cs typeface="Times New Roman" panose="02020603050405020304" pitchFamily="18" charset="0"/>
+              </a:rPr>
+              <a:t> кривая (</a:t>
+            </a:r>
+            <a:r>
+              <a:rPr lang="en-US" sz="1800" b="1" dirty="0">
+                <a:solidFill>
+                  <a:srgbClr val="1F3763"/>
+                </a:solidFill>
+                <a:effectLst/>
+                <a:latin typeface="Times New Roman" panose="02020603050405020304" pitchFamily="18" charset="0"/>
+                <a:ea typeface="Times New Roman" panose="02020603050405020304" pitchFamily="18" charset="0"/>
+                <a:cs typeface="Times New Roman" panose="02020603050405020304" pitchFamily="18" charset="0"/>
+              </a:rPr>
+              <a:t>UpLift Curve</a:t>
+            </a:r>
+            <a:r>
+              <a:rPr lang="ru-RU" sz="1800" b="1" dirty="0">
+                <a:solidFill>
+                  <a:srgbClr val="1F3763"/>
+                </a:solidFill>
+                <a:effectLst/>
+                <a:latin typeface="Times New Roman" panose="02020603050405020304" pitchFamily="18" charset="0"/>
+                <a:ea typeface="Times New Roman" panose="02020603050405020304" pitchFamily="18" charset="0"/>
+                <a:cs typeface="Times New Roman" panose="02020603050405020304" pitchFamily="18" charset="0"/>
+              </a:rPr>
+              <a:t>)</a:t>
+            </a:r>
+            <a:r>
+              <a:rPr lang="ru-RU" sz="1800" b="1" dirty="0">
+                <a:solidFill>
+                  <a:srgbClr val="1F3763"/>
+                </a:solidFill>
+                <a:effectLst/>
+                <a:latin typeface="Calibri Light" panose="020F0302020204030204" pitchFamily="34" charset="0"/>
+                <a:ea typeface="Times New Roman" panose="02020603050405020304" pitchFamily="18" charset="0"/>
+                <a:cs typeface="Times New Roman" panose="02020603050405020304" pitchFamily="18" charset="0"/>
+              </a:rPr>
+              <a:t> - </a:t>
+            </a:r>
+            <a:r>
+              <a:rPr lang="ru-RU" sz="1800" dirty="0">
+                <a:effectLst/>
+                <a:latin typeface="Times New Roman" panose="02020603050405020304" pitchFamily="18" charset="0"/>
+                <a:ea typeface="Calibri" panose="020F0502020204030204" pitchFamily="34" charset="0"/>
+                <a:cs typeface="Times New Roman" panose="02020603050405020304" pitchFamily="18" charset="0"/>
+              </a:rPr>
+              <a:t>Данная кривая строится как функция с нарастающим итогом, где для каждой точки задается соответствующий </a:t>
+            </a:r>
+            <a:r>
+              <a:rPr lang="ru-RU" sz="1800" dirty="0" err="1">
+                <a:effectLst/>
+                <a:latin typeface="Times New Roman" panose="02020603050405020304" pitchFamily="18" charset="0"/>
+                <a:ea typeface="Calibri" panose="020F0502020204030204" pitchFamily="34" charset="0"/>
+                <a:cs typeface="Times New Roman" panose="02020603050405020304" pitchFamily="18" charset="0"/>
+              </a:rPr>
+              <a:t>UpLift</a:t>
+            </a:r>
+            <a:r>
+              <a:rPr lang="ru-RU" sz="1800" dirty="0">
+                <a:effectLst/>
+                <a:latin typeface="Times New Roman" panose="02020603050405020304" pitchFamily="18" charset="0"/>
+                <a:ea typeface="Calibri" panose="020F0502020204030204" pitchFamily="34" charset="0"/>
+                <a:cs typeface="Times New Roman" panose="02020603050405020304" pitchFamily="18" charset="0"/>
+              </a:rPr>
               <a:t>.</a:t>
             </a:r>
+          </a:p>
+          <a:p>
+            <a:pPr algn="l">
+              <a:lnSpc>
+                <a:spcPct val="107000"/>
+              </a:lnSpc>
+              <a:spcBef>
+                <a:spcPts val="200"/>
+              </a:spcBef>
+            </a:pPr>
+            <a:endParaRPr lang="ru-RU" sz="1800" dirty="0">
+              <a:effectLst/>
+              <a:latin typeface="Times New Roman" panose="02020603050405020304" pitchFamily="18" charset="0"/>
+              <a:ea typeface="Calibri" panose="020F0502020204030204" pitchFamily="34" charset="0"/>
+              <a:cs typeface="Times New Roman" panose="02020603050405020304" pitchFamily="18" charset="0"/>
+            </a:endParaRPr>
+          </a:p>
+          <a:p>
+            <a:pPr marL="0" marR="0" lvl="0" indent="0" algn="l" defTabSz="914400" rtl="0" eaLnBrk="1" fontAlgn="auto" latinLnBrk="0" hangingPunct="1">
+              <a:lnSpc>
+                <a:spcPct val="107000"/>
+              </a:lnSpc>
+              <a:spcBef>
+                <a:spcPts val="200"/>
+              </a:spcBef>
+              <a:spcAft>
+                <a:spcPts val="0"/>
+              </a:spcAft>
+              <a:buClrTx/>
+              <a:buSzTx/>
+              <a:buFontTx/>
+              <a:buNone/>
+              <a:tabLst/>
+              <a:defRPr/>
+            </a:pPr>
+            <a:r>
+              <a:rPr lang="en-US" sz="1800" b="1" dirty="0" err="1">
+                <a:solidFill>
+                  <a:srgbClr val="1F3763"/>
+                </a:solidFill>
+                <a:effectLst/>
+                <a:latin typeface="Times New Roman" panose="02020603050405020304" pitchFamily="18" charset="0"/>
+                <a:ea typeface="Times New Roman" panose="02020603050405020304" pitchFamily="18" charset="0"/>
+                <a:cs typeface="Times New Roman" panose="02020603050405020304" pitchFamily="18" charset="0"/>
+              </a:rPr>
+              <a:t>Qini</a:t>
+            </a:r>
+            <a:r>
+              <a:rPr lang="en-US" sz="1800" b="1" dirty="0">
+                <a:solidFill>
+                  <a:srgbClr val="1F3763"/>
+                </a:solidFill>
+                <a:effectLst/>
+                <a:latin typeface="Times New Roman" panose="02020603050405020304" pitchFamily="18" charset="0"/>
+                <a:ea typeface="Times New Roman" panose="02020603050405020304" pitchFamily="18" charset="0"/>
+                <a:cs typeface="Times New Roman" panose="02020603050405020304" pitchFamily="18" charset="0"/>
+              </a:rPr>
+              <a:t> </a:t>
+            </a:r>
+            <a:r>
+              <a:rPr lang="ru-RU" sz="1800" b="1" dirty="0">
+                <a:solidFill>
+                  <a:srgbClr val="1F3763"/>
+                </a:solidFill>
+                <a:effectLst/>
+                <a:latin typeface="Times New Roman" panose="02020603050405020304" pitchFamily="18" charset="0"/>
+                <a:ea typeface="Times New Roman" panose="02020603050405020304" pitchFamily="18" charset="0"/>
+                <a:cs typeface="Times New Roman" panose="02020603050405020304" pitchFamily="18" charset="0"/>
+              </a:rPr>
+              <a:t>кривая</a:t>
+            </a:r>
+            <a:r>
+              <a:rPr lang="ru-RU" sz="1800" b="1" dirty="0">
+                <a:solidFill>
+                  <a:srgbClr val="1F3763"/>
+                </a:solidFill>
+                <a:effectLst/>
+                <a:latin typeface="Calibri Light" panose="020F0302020204030204" pitchFamily="34" charset="0"/>
+                <a:ea typeface="Times New Roman" panose="02020603050405020304" pitchFamily="18" charset="0"/>
+                <a:cs typeface="Times New Roman" panose="02020603050405020304" pitchFamily="18" charset="0"/>
+              </a:rPr>
+              <a:t> - </a:t>
+            </a:r>
+            <a:r>
+              <a:rPr lang="ru-RU" sz="1800" dirty="0">
+                <a:effectLst/>
+                <a:latin typeface="Times New Roman" panose="02020603050405020304" pitchFamily="18" charset="0"/>
+                <a:ea typeface="Calibri" panose="020F0502020204030204" pitchFamily="34" charset="0"/>
+                <a:cs typeface="Times New Roman" panose="02020603050405020304" pitchFamily="18" charset="0"/>
+              </a:rPr>
+              <a:t>Данную функцию можно выразить через </a:t>
+            </a:r>
+            <a:r>
+              <a:rPr lang="ru-RU" sz="1800" dirty="0" err="1">
+                <a:effectLst/>
+                <a:latin typeface="Times New Roman" panose="02020603050405020304" pitchFamily="18" charset="0"/>
+                <a:ea typeface="Calibri" panose="020F0502020204030204" pitchFamily="34" charset="0"/>
+                <a:cs typeface="Times New Roman" panose="02020603050405020304" pitchFamily="18" charset="0"/>
+              </a:rPr>
+              <a:t>UpLift</a:t>
+            </a:r>
+            <a:r>
+              <a:rPr lang="ru-RU" sz="1800" dirty="0">
+                <a:effectLst/>
+                <a:latin typeface="Times New Roman" panose="02020603050405020304" pitchFamily="18" charset="0"/>
+                <a:ea typeface="Calibri" panose="020F0502020204030204" pitchFamily="34" charset="0"/>
+                <a:cs typeface="Times New Roman" panose="02020603050405020304" pitchFamily="18" charset="0"/>
+              </a:rPr>
+              <a:t> кривую. Данная кривая будет полезна в тех случаях, когда рабочая группа кратно превышает размер контрольной группы, с чем можно столкнуться во время исследования модели при внедрении в бизнес, когда у компании есть бюджет на произведение коммуникаций со всей клиентской базой и чтобы не упускать потенциальный доход, контрольная группа выделяется как можно меньше.</a:t>
+            </a:r>
+            <a:endParaRPr lang="ru-RU" sz="1800" dirty="0">
+              <a:effectLst/>
+              <a:latin typeface="Calibri" panose="020F0502020204030204" pitchFamily="34" charset="0"/>
+              <a:ea typeface="Calibri" panose="020F0502020204030204" pitchFamily="34" charset="0"/>
+              <a:cs typeface="Times New Roman" panose="02020603050405020304" pitchFamily="18" charset="0"/>
+            </a:endParaRPr>
+          </a:p>
+          <a:p>
+            <a:pPr algn="l">
+              <a:lnSpc>
+                <a:spcPct val="107000"/>
+              </a:lnSpc>
+              <a:spcBef>
+                <a:spcPts val="200"/>
+              </a:spcBef>
+            </a:pPr>
+            <a:endParaRPr lang="ru-RU" sz="1800" dirty="0">
+              <a:effectLst/>
+              <a:latin typeface="Calibri" panose="020F0502020204030204" pitchFamily="34" charset="0"/>
+              <a:ea typeface="Calibri" panose="020F0502020204030204" pitchFamily="34" charset="0"/>
+              <a:cs typeface="Times New Roman" panose="02020603050405020304" pitchFamily="18" charset="0"/>
+            </a:endParaRPr>
+          </a:p>
+          <a:p>
+            <a:pPr algn="l">
+              <a:lnSpc>
+                <a:spcPct val="107000"/>
+              </a:lnSpc>
+              <a:spcBef>
+                <a:spcPts val="200"/>
+              </a:spcBef>
+            </a:pPr>
+            <a:endParaRPr lang="ru-RU" sz="1800" dirty="0">
+              <a:effectLst/>
+              <a:latin typeface="Calibri" panose="020F0502020204030204" pitchFamily="34" charset="0"/>
+              <a:ea typeface="Calibri" panose="020F0502020204030204" pitchFamily="34" charset="0"/>
+              <a:cs typeface="Times New Roman" panose="02020603050405020304" pitchFamily="18" charset="0"/>
+            </a:endParaRPr>
+          </a:p>
+          <a:p>
+            <a:endParaRPr lang="ru-RU" dirty="0"/>
           </a:p>
         </p:txBody>
       </p:sp>
@@ -2414,7 +2353,7 @@
     </p:spTree>
     <p:extLst>
       <p:ext uri="{BB962C8B-B14F-4D97-AF65-F5344CB8AC3E}">
-        <p14:creationId xmlns:p14="http://schemas.microsoft.com/office/powerpoint/2010/main" val="2147388208"/>
+        <p14:creationId xmlns:p14="http://schemas.microsoft.com/office/powerpoint/2010/main" val="3953390390"/>
       </p:ext>
     </p:extLst>
   </p:cSld>
@@ -2526,6 +2465,126 @@
             <a:fld id="{19BEF0AD-2EB4-4EDF-B0D5-693549730528}" type="slidenum">
               <a:rPr lang="ru-RU" smtClean="0"/>
               <a:t>9</a:t>
+            </a:fld>
+            <a:endParaRPr lang="ru-RU"/>
+          </a:p>
+        </p:txBody>
+      </p:sp>
+    </p:spTree>
+    <p:extLst>
+      <p:ext uri="{BB962C8B-B14F-4D97-AF65-F5344CB8AC3E}">
+        <p14:creationId xmlns:p14="http://schemas.microsoft.com/office/powerpoint/2010/main" val="2147388208"/>
+      </p:ext>
+    </p:extLst>
+  </p:cSld>
+  <p:clrMapOvr>
+    <a:masterClrMapping/>
+  </p:clrMapOvr>
+</p:notes>
+</file>
+
+<file path=ppt/notesSlides/notesSlide8.xml><?xml version="1.0" encoding="utf-8"?>
+<p:notes xmlns:a="http://schemas.openxmlformats.org/drawingml/2006/main" xmlns:r="http://schemas.openxmlformats.org/officeDocument/2006/relationships" xmlns:p="http://schemas.openxmlformats.org/presentationml/2006/main">
+  <p:cSld>
+    <p:spTree>
+      <p:nvGrpSpPr>
+        <p:cNvPr id="1" name=""/>
+        <p:cNvGrpSpPr/>
+        <p:nvPr/>
+      </p:nvGrpSpPr>
+      <p:grpSpPr>
+        <a:xfrm>
+          <a:off x="0" y="0"/>
+          <a:ext cx="0" cy="0"/>
+          <a:chOff x="0" y="0"/>
+          <a:chExt cx="0" cy="0"/>
+        </a:xfrm>
+      </p:grpSpPr>
+      <p:sp>
+        <p:nvSpPr>
+          <p:cNvPr id="2" name="Образ слайда 1"/>
+          <p:cNvSpPr>
+            <a:spLocks noGrp="1" noRot="1" noChangeAspect="1"/>
+          </p:cNvSpPr>
+          <p:nvPr>
+            <p:ph type="sldImg"/>
+          </p:nvPr>
+        </p:nvSpPr>
+        <p:spPr/>
+      </p:sp>
+      <p:sp>
+        <p:nvSpPr>
+          <p:cNvPr id="3" name="Заметки 2"/>
+          <p:cNvSpPr>
+            <a:spLocks noGrp="1"/>
+          </p:cNvSpPr>
+          <p:nvPr>
+            <p:ph type="body" idx="1"/>
+          </p:nvPr>
+        </p:nvSpPr>
+        <p:spPr/>
+        <p:txBody>
+          <a:bodyPr/>
+          <a:lstStyle/>
+          <a:p>
+            <a:r>
+              <a:rPr lang="ru-RU" dirty="0"/>
+              <a:t>Описание экспериментальной установки</a:t>
+            </a:r>
+            <a:r>
+              <a:rPr lang="en-US" dirty="0"/>
+              <a:t>:</a:t>
+            </a:r>
+          </a:p>
+          <a:p>
+            <a:r>
+              <a:rPr lang="en-US" dirty="0"/>
+              <a:t>	1) </a:t>
+            </a:r>
+            <a:r>
+              <a:rPr lang="ru-RU" dirty="0"/>
+              <a:t>Для оценки каждого подхода проводилась кросс – валидация с усреднением результатов</a:t>
+            </a:r>
+            <a:endParaRPr lang="en-US" dirty="0"/>
+          </a:p>
+          <a:p>
+            <a:r>
+              <a:rPr lang="en-US" dirty="0"/>
+              <a:t>	2) </a:t>
+            </a:r>
+            <a:r>
+              <a:rPr lang="ru-RU" dirty="0"/>
+              <a:t>Для всех методов, кроме базовой модели, используется дерево решений в модификации градиентного </a:t>
+            </a:r>
+            <a:r>
+              <a:rPr lang="ru-RU" dirty="0" err="1"/>
+              <a:t>бустинга</a:t>
+            </a:r>
+            <a:r>
+              <a:rPr lang="ru-RU" dirty="0"/>
+              <a:t>.</a:t>
+            </a:r>
+          </a:p>
+        </p:txBody>
+      </p:sp>
+      <p:sp>
+        <p:nvSpPr>
+          <p:cNvPr id="4" name="Номер слайда 3"/>
+          <p:cNvSpPr>
+            <a:spLocks noGrp="1"/>
+          </p:cNvSpPr>
+          <p:nvPr>
+            <p:ph type="sldNum" sz="quarter" idx="5"/>
+          </p:nvPr>
+        </p:nvSpPr>
+        <p:spPr/>
+        <p:txBody>
+          <a:bodyPr/>
+          <a:lstStyle/>
+          <a:p>
+            <a:fld id="{19BEF0AD-2EB4-4EDF-B0D5-693549730528}" type="slidenum">
+              <a:rPr lang="ru-RU" smtClean="0"/>
+              <a:t>10</a:t>
             </a:fld>
             <a:endParaRPr lang="ru-RU"/>
           </a:p>
@@ -5796,18 +5855,11 @@
               <a:t>Разработка алгоритма </a:t>
             </a:r>
             <a:r>
-              <a:rPr lang="en-US" sz="3200" dirty="0" err="1">
-                <a:latin typeface="Times New Roman" panose="02020603050405020304" pitchFamily="18" charset="0"/>
-                <a:ea typeface="Calibri" panose="020F0502020204030204" pitchFamily="34" charset="0"/>
-              </a:rPr>
-              <a:t>UpLift</a:t>
-            </a:r>
-            <a:r>
               <a:rPr lang="en-US" sz="3200" dirty="0">
                 <a:latin typeface="Times New Roman" panose="02020603050405020304" pitchFamily="18" charset="0"/>
                 <a:ea typeface="Calibri" panose="020F0502020204030204" pitchFamily="34" charset="0"/>
               </a:rPr>
-              <a:t> </a:t>
+              <a:t>UpLift </a:t>
             </a:r>
             <a:r>
               <a:rPr lang="ru-RU" sz="3200" dirty="0">
@@ -6579,7 +6631,7 @@
           <p:cNvPr id="2" name="Заголовок 1">
             <a:extLst>
               <a:ext uri="{FF2B5EF4-FFF2-40B4-BE49-F238E27FC236}">
-                <a16:creationId xmlns:a16="http://schemas.microsoft.com/office/drawing/2014/main" id="{CB7CDD7E-E1F1-F205-EB73-5EC1B83642EB}"/>
+                <a16:creationId xmlns:a16="http://schemas.microsoft.com/office/drawing/2014/main" id="{5A9EDCCB-C9F9-D8F2-4BDB-29276D58193A}"/>
               </a:ext>
             </a:extLst>
           </p:cNvPr>
@@ -6592,125 +6644,35 @@
         </p:nvSpPr>
         <p:spPr/>
         <p:txBody>
-          <a:bodyPr/>
+          <a:bodyPr>
+            <a:normAutofit/>
+          </a:bodyPr>
           <a:lstStyle/>
           <a:p>
             <a:r>
-              <a:rPr lang="ru-RU" dirty="0">
+              <a:rPr lang="ru-RU" sz="4000" dirty="0">
                 <a:latin typeface="Times New Roman" panose="02020603050405020304" pitchFamily="18" charset="0"/>
                 <a:cs typeface="Times New Roman" panose="02020603050405020304" pitchFamily="18" charset="0"/>
               </a:rPr>
-              <a:t>Выводы</a:t>
-            </a:r>
+              <a:t>Выбор используемых моделей и исследование их качества работы – собственные данные</a:t>
+            </a:r>
+            <a:r>
+              <a:rPr lang="en-US" sz="4000" dirty="0">
+                <a:latin typeface="Times New Roman" panose="02020603050405020304" pitchFamily="18" charset="0"/>
+                <a:cs typeface="Times New Roman" panose="02020603050405020304" pitchFamily="18" charset="0"/>
+              </a:rPr>
+              <a:t>.</a:t>
+            </a:r>
+            <a:endParaRPr lang="ru-RU" sz="4000" dirty="0"/>
           </a:p>
         </p:txBody>
       </p:sp>
       <p:sp>
         <p:nvSpPr>
-          <p:cNvPr id="3" name="Объект 2">
+          <p:cNvPr id="9" name="Номер слайда 8">
             <a:extLst>
               <a:ext uri="{FF2B5EF4-FFF2-40B4-BE49-F238E27FC236}">
-                <a16:creationId xmlns:a16="http://schemas.microsoft.com/office/drawing/2014/main" id="{8578077A-CC37-95E7-F493-7E3402293580}"/>
-              </a:ext>
-            </a:extLst>
-          </p:cNvPr>
-          <p:cNvSpPr>
-            <a:spLocks noGrp="1"/>
-          </p:cNvSpPr>
-          <p:nvPr>
-            <p:ph idx="1"/>
-          </p:nvPr>
-        </p:nvSpPr>
-        <p:spPr/>
-        <p:txBody>
-          <a:bodyPr/>
-          <a:lstStyle/>
-          <a:p>
-            <a:r>
-              <a:rPr lang="ru-RU" dirty="0">
-                <a:latin typeface="Times New Roman" panose="02020603050405020304" pitchFamily="18" charset="0"/>
-                <a:cs typeface="Times New Roman" panose="02020603050405020304" pitchFamily="18" charset="0"/>
-              </a:rPr>
-              <a:t>Новые показатели начисления и списания бонусов, и их производные, благоприятно сказались на метриках моделей.</a:t>
-            </a:r>
-          </a:p>
-          <a:p>
-            <a:endParaRPr lang="ru-RU" dirty="0">
-              <a:latin typeface="Times New Roman" panose="02020603050405020304" pitchFamily="18" charset="0"/>
-              <a:cs typeface="Times New Roman" panose="02020603050405020304" pitchFamily="18" charset="0"/>
-            </a:endParaRPr>
-          </a:p>
-          <a:p>
-            <a:r>
-              <a:rPr lang="ru-RU" dirty="0">
-                <a:latin typeface="Times New Roman" panose="02020603050405020304" pitchFamily="18" charset="0"/>
-                <a:cs typeface="Times New Roman" panose="02020603050405020304" pitchFamily="18" charset="0"/>
-              </a:rPr>
-              <a:t>Качество модели очень зависит от ее архитектуры и </a:t>
-            </a:r>
-            <a:r>
-              <a:rPr lang="ru-RU" dirty="0" err="1">
-                <a:latin typeface="Times New Roman" panose="02020603050405020304" pitchFamily="18" charset="0"/>
-                <a:cs typeface="Times New Roman" panose="02020603050405020304" pitchFamily="18" charset="0"/>
-              </a:rPr>
-              <a:t>гипер</a:t>
-            </a:r>
-            <a:r>
-              <a:rPr lang="ru-RU" dirty="0">
-                <a:latin typeface="Times New Roman" panose="02020603050405020304" pitchFamily="18" charset="0"/>
-                <a:cs typeface="Times New Roman" panose="02020603050405020304" pitchFamily="18" charset="0"/>
-              </a:rPr>
-              <a:t>-параметров.</a:t>
-            </a:r>
-          </a:p>
-          <a:p>
-            <a:endParaRPr lang="ru-RU" dirty="0">
-              <a:latin typeface="Times New Roman" panose="02020603050405020304" pitchFamily="18" charset="0"/>
-              <a:cs typeface="Times New Roman" panose="02020603050405020304" pitchFamily="18" charset="0"/>
-            </a:endParaRPr>
-          </a:p>
-          <a:p>
-            <a:r>
-              <a:rPr lang="ru-RU" dirty="0">
-                <a:latin typeface="Times New Roman" panose="02020603050405020304" pitchFamily="18" charset="0"/>
-                <a:cs typeface="Times New Roman" panose="02020603050405020304" pitchFamily="18" charset="0"/>
-              </a:rPr>
-              <a:t>Для дальнейшего улучшения модели нужно модернизировать автоматический поиск наилучшей архитектуры и оптимизации </a:t>
-            </a:r>
-            <a:r>
-              <a:rPr lang="ru-RU" dirty="0" err="1">
-                <a:latin typeface="Times New Roman" panose="02020603050405020304" pitchFamily="18" charset="0"/>
-                <a:cs typeface="Times New Roman" panose="02020603050405020304" pitchFamily="18" charset="0"/>
-              </a:rPr>
-              <a:t>гипер</a:t>
-            </a:r>
-            <a:r>
-              <a:rPr lang="ru-RU" dirty="0">
-                <a:latin typeface="Times New Roman" panose="02020603050405020304" pitchFamily="18" charset="0"/>
-                <a:cs typeface="Times New Roman" panose="02020603050405020304" pitchFamily="18" charset="0"/>
-              </a:rPr>
-              <a:t>-параметров под задачу </a:t>
-            </a:r>
-            <a:r>
-              <a:rPr lang="en-US" dirty="0" err="1">
-                <a:latin typeface="Times New Roman" panose="02020603050405020304" pitchFamily="18" charset="0"/>
-                <a:cs typeface="Times New Roman" panose="02020603050405020304" pitchFamily="18" charset="0"/>
-              </a:rPr>
-              <a:t>UpLift</a:t>
-            </a:r>
-            <a:endParaRPr lang="ru-RU" dirty="0">
-              <a:latin typeface="Times New Roman" panose="02020603050405020304" pitchFamily="18" charset="0"/>
-              <a:cs typeface="Times New Roman" panose="02020603050405020304" pitchFamily="18" charset="0"/>
-            </a:endParaRPr>
-          </a:p>
-        </p:txBody>
-      </p:sp>
-      <p:sp>
-        <p:nvSpPr>
-          <p:cNvPr id="4" name="Номер слайда 3">
-            <a:extLst>
-              <a:ext uri="{FF2B5EF4-FFF2-40B4-BE49-F238E27FC236}">
-                <a16:creationId xmlns:a16="http://schemas.microsoft.com/office/drawing/2014/main" id="{CE52B047-EF3A-1656-1980-42A1D1F09BBE}"/>
+                <a16:creationId xmlns:a16="http://schemas.microsoft.com/office/drawing/2014/main" id="{FC3A69AA-2D2B-5E5A-69DA-0C8CA48C2FC1}"/>
               </a:ext>
             </a:extLst>
           </p:cNvPr>
@@ -6734,10 +6696,40 @@
           </a:p>
         </p:txBody>
       </p:sp>
+      <p:pic>
+        <p:nvPicPr>
+          <p:cNvPr id="12" name="Рисунок 11">
+            <a:extLst>
+              <a:ext uri="{FF2B5EF4-FFF2-40B4-BE49-F238E27FC236}">
+                <a16:creationId xmlns:a16="http://schemas.microsoft.com/office/drawing/2014/main" id="{99E22416-B5C9-3E40-A0EC-C11AD97BAC5E}"/>
+              </a:ext>
+            </a:extLst>
+          </p:cNvPr>
+          <p:cNvPicPr>
+            <a:picLocks noChangeAspect="1"/>
+          </p:cNvPicPr>
+          <p:nvPr/>
+        </p:nvPicPr>
+        <p:blipFill>
+          <a:blip r:embed="rId3"/>
+          <a:stretch>
+            <a:fillRect/>
+          </a:stretch>
+        </p:blipFill>
+        <p:spPr>
+          <a:xfrm>
+            <a:off x="643466" y="1690688"/>
+            <a:ext cx="10414000" cy="2105256"/>
+          </a:xfrm>
+          <a:prstGeom prst="rect">
+            <a:avLst/>
+          </a:prstGeom>
+        </p:spPr>
+      </p:pic>
     </p:spTree>
     <p:extLst>
       <p:ext uri="{BB962C8B-B14F-4D97-AF65-F5344CB8AC3E}">
-        <p14:creationId xmlns:p14="http://schemas.microsoft.com/office/powerpoint/2010/main" val="879443761"/>
+        <p14:creationId xmlns:p14="http://schemas.microsoft.com/office/powerpoint/2010/main" val="2472524947"/>
       </p:ext>
     </p:extLst>
   </p:cSld>
@@ -6769,7 +6761,7 @@
           <p:cNvPr id="2" name="Заголовок 1">
             <a:extLst>
               <a:ext uri="{FF2B5EF4-FFF2-40B4-BE49-F238E27FC236}">
-                <a16:creationId xmlns:a16="http://schemas.microsoft.com/office/drawing/2014/main" id="{6BFE0A30-4D38-85F2-D995-15FB88B9C96C}"/>
+                <a16:creationId xmlns:a16="http://schemas.microsoft.com/office/drawing/2014/main" id="{CB7CDD7E-E1F1-F205-EB73-5EC1B83642EB}"/>
               </a:ext>
             </a:extLst>
           </p:cNvPr>
@@ -6780,31 +6772,214 @@
             <p:ph type="title"/>
           </p:nvPr>
         </p:nvSpPr>
+        <p:spPr/>
+        <p:txBody>
+          <a:bodyPr/>
+          <a:lstStyle/>
+          <a:p>
+            <a:r>
+              <a:rPr lang="ru-RU" dirty="0">
+                <a:latin typeface="Times New Roman" panose="02020603050405020304" pitchFamily="18" charset="0"/>
+                <a:cs typeface="Times New Roman" panose="02020603050405020304" pitchFamily="18" charset="0"/>
+              </a:rPr>
+              <a:t>Выводы</a:t>
+            </a:r>
+          </a:p>
+        </p:txBody>
+      </p:sp>
+      <p:sp>
+        <p:nvSpPr>
+          <p:cNvPr id="3" name="Объект 2">
+            <a:extLst>
+              <a:ext uri="{FF2B5EF4-FFF2-40B4-BE49-F238E27FC236}">
+                <a16:creationId xmlns:a16="http://schemas.microsoft.com/office/drawing/2014/main" id="{8578077A-CC37-95E7-F493-7E3402293580}"/>
+              </a:ext>
+            </a:extLst>
+          </p:cNvPr>
+          <p:cNvSpPr>
+            <a:spLocks noGrp="1"/>
+          </p:cNvSpPr>
+          <p:nvPr>
+            <p:ph idx="1"/>
+          </p:nvPr>
+        </p:nvSpPr>
         <p:spPr>
           <a:xfrm>
-            <a:off x="908538" y="2615956"/>
-            <a:ext cx="10515600" cy="1325563"/>
+            <a:off x="609599" y="1437745"/>
+            <a:ext cx="10854267" cy="4582055"/>
           </a:xfrm>
         </p:spPr>
         <p:txBody>
+          <a:bodyPr>
+            <a:noAutofit/>
+          </a:bodyPr>
+          <a:lstStyle/>
+          <a:p>
+            <a:pPr marR="448945" indent="0" algn="just">
+              <a:lnSpc>
+                <a:spcPct val="107000"/>
+              </a:lnSpc>
+              <a:spcAft>
+                <a:spcPts val="800"/>
+              </a:spcAft>
+              <a:buNone/>
+            </a:pPr>
+            <a:r>
+              <a:rPr lang="ru-RU" sz="2400" dirty="0">
+                <a:latin typeface="Times New Roman" panose="02020603050405020304" pitchFamily="18" charset="0"/>
+                <a:ea typeface="Calibri" panose="020F0502020204030204" pitchFamily="34" charset="0"/>
+                <a:cs typeface="Times New Roman" panose="02020603050405020304" pitchFamily="18" charset="0"/>
+              </a:rPr>
+              <a:t>	Н</a:t>
+            </a:r>
+            <a:r>
+              <a:rPr lang="ru-RU" sz="2400" dirty="0">
+                <a:effectLst/>
+                <a:latin typeface="Times New Roman" panose="02020603050405020304" pitchFamily="18" charset="0"/>
+                <a:ea typeface="Calibri" panose="020F0502020204030204" pitchFamily="34" charset="0"/>
+                <a:cs typeface="Times New Roman" panose="02020603050405020304" pitchFamily="18" charset="0"/>
+              </a:rPr>
+              <a:t>аилучшая модель дает прирост на 0.0233. Тогда вероятность покупки с применением </a:t>
+            </a:r>
+            <a:r>
+              <a:rPr lang="en-US" sz="2400" dirty="0">
+                <a:effectLst/>
+                <a:latin typeface="Times New Roman" panose="02020603050405020304" pitchFamily="18" charset="0"/>
+                <a:ea typeface="Calibri" panose="020F0502020204030204" pitchFamily="34" charset="0"/>
+                <a:cs typeface="Times New Roman" panose="02020603050405020304" pitchFamily="18" charset="0"/>
+              </a:rPr>
+              <a:t>UpLift </a:t>
+            </a:r>
+            <a:r>
+              <a:rPr lang="ru-RU" sz="2400" dirty="0">
+                <a:effectLst/>
+                <a:latin typeface="Times New Roman" panose="02020603050405020304" pitchFamily="18" charset="0"/>
+                <a:ea typeface="Calibri" panose="020F0502020204030204" pitchFamily="34" charset="0"/>
+                <a:cs typeface="Times New Roman" panose="02020603050405020304" pitchFamily="18" charset="0"/>
+              </a:rPr>
+              <a:t>модели составила бы 0.0951, далее найдем экономический прирост: 0.0233 * 473861 * 2500 = 27 602 403 руб.</a:t>
+            </a:r>
+            <a:endParaRPr lang="ru-RU" sz="2400" dirty="0">
+              <a:effectLst/>
+              <a:latin typeface="Calibri" panose="020F0502020204030204" pitchFamily="34" charset="0"/>
+              <a:ea typeface="Calibri" panose="020F0502020204030204" pitchFamily="34" charset="0"/>
+              <a:cs typeface="Times New Roman" panose="02020603050405020304" pitchFamily="18" charset="0"/>
+            </a:endParaRPr>
+          </a:p>
+          <a:p>
+            <a:pPr marR="448945" indent="0" algn="just">
+              <a:lnSpc>
+                <a:spcPct val="107000"/>
+              </a:lnSpc>
+              <a:spcAft>
+                <a:spcPts val="800"/>
+              </a:spcAft>
+              <a:buNone/>
+            </a:pPr>
+            <a:r>
+              <a:rPr lang="ru-RU" sz="2400" dirty="0">
+                <a:effectLst/>
+                <a:latin typeface="Times New Roman" panose="02020603050405020304" pitchFamily="18" charset="0"/>
+                <a:ea typeface="Calibri" panose="020F0502020204030204" pitchFamily="34" charset="0"/>
+                <a:cs typeface="Times New Roman" panose="02020603050405020304" pitchFamily="18" charset="0"/>
+              </a:rPr>
+              <a:t>	Таким образом, при сохранении объема расходов на отправку СМС, применение </a:t>
+            </a:r>
+            <a:r>
+              <a:rPr lang="en-US" sz="2400" dirty="0">
+                <a:effectLst/>
+                <a:latin typeface="Times New Roman" panose="02020603050405020304" pitchFamily="18" charset="0"/>
+                <a:ea typeface="Calibri" panose="020F0502020204030204" pitchFamily="34" charset="0"/>
+                <a:cs typeface="Times New Roman" panose="02020603050405020304" pitchFamily="18" charset="0"/>
+              </a:rPr>
+              <a:t>UpLift </a:t>
+            </a:r>
+            <a:r>
+              <a:rPr lang="ru-RU" sz="2400" dirty="0">
+                <a:effectLst/>
+                <a:latin typeface="Times New Roman" panose="02020603050405020304" pitchFamily="18" charset="0"/>
+                <a:ea typeface="Calibri" panose="020F0502020204030204" pitchFamily="34" charset="0"/>
+                <a:cs typeface="Times New Roman" panose="02020603050405020304" pitchFamily="18" charset="0"/>
+              </a:rPr>
+              <a:t>моделирования в нашем случае принесет 27.6 млн руб. дополнительной выручки при выборке в 473 861 реципиентов.</a:t>
+            </a:r>
+          </a:p>
+          <a:p>
+            <a:pPr marR="448945" indent="0" algn="just">
+              <a:lnSpc>
+                <a:spcPct val="107000"/>
+              </a:lnSpc>
+              <a:spcAft>
+                <a:spcPts val="800"/>
+              </a:spcAft>
+              <a:buNone/>
+            </a:pPr>
+            <a:r>
+              <a:rPr lang="ru-RU" sz="2400" dirty="0">
+                <a:latin typeface="Times New Roman" panose="02020603050405020304" pitchFamily="18" charset="0"/>
+                <a:ea typeface="Calibri" panose="020F0502020204030204" pitchFamily="34" charset="0"/>
+                <a:cs typeface="Times New Roman" panose="02020603050405020304" pitchFamily="18" charset="0"/>
+              </a:rPr>
+              <a:t>	Помимо этого, наглядно видно, что наилучший алгоритм может отличаться в зависимости от скрытой природ данных (для данных </a:t>
+            </a:r>
+            <a:r>
+              <a:rPr lang="en-US" sz="2400" dirty="0">
+                <a:latin typeface="Times New Roman" panose="02020603050405020304" pitchFamily="18" charset="0"/>
+                <a:ea typeface="Calibri" panose="020F0502020204030204" pitchFamily="34" charset="0"/>
+                <a:cs typeface="Times New Roman" panose="02020603050405020304" pitchFamily="18" charset="0"/>
+              </a:rPr>
+              <a:t>X5 </a:t>
+            </a:r>
+            <a:r>
+              <a:rPr lang="ru-RU" sz="2400" dirty="0">
+                <a:latin typeface="Times New Roman" panose="02020603050405020304" pitchFamily="18" charset="0"/>
+                <a:ea typeface="Calibri" panose="020F0502020204030204" pitchFamily="34" charset="0"/>
+                <a:cs typeface="Times New Roman" panose="02020603050405020304" pitchFamily="18" charset="0"/>
+              </a:rPr>
+              <a:t>наилучшей оказалось модель регрессии, а для собственных данных простейшая структура с одной независимой моделью)</a:t>
+            </a:r>
+            <a:endParaRPr lang="ru-RU" sz="2400" dirty="0">
+              <a:effectLst/>
+              <a:latin typeface="Calibri" panose="020F0502020204030204" pitchFamily="34" charset="0"/>
+              <a:ea typeface="Calibri" panose="020F0502020204030204" pitchFamily="34" charset="0"/>
+              <a:cs typeface="Times New Roman" panose="02020603050405020304" pitchFamily="18" charset="0"/>
+            </a:endParaRPr>
+          </a:p>
+        </p:txBody>
+      </p:sp>
+      <p:sp>
+        <p:nvSpPr>
+          <p:cNvPr id="4" name="Номер слайда 3">
+            <a:extLst>
+              <a:ext uri="{FF2B5EF4-FFF2-40B4-BE49-F238E27FC236}">
+                <a16:creationId xmlns:a16="http://schemas.microsoft.com/office/drawing/2014/main" id="{CE52B047-EF3A-1656-1980-42A1D1F09BBE}"/>
+              </a:ext>
+            </a:extLst>
+          </p:cNvPr>
+          <p:cNvSpPr>
+            <a:spLocks noGrp="1"/>
+          </p:cNvSpPr>
+          <p:nvPr>
+            <p:ph type="sldNum" sz="quarter" idx="12"/>
+          </p:nvPr>
+        </p:nvSpPr>
+        <p:spPr/>
+        <p:txBody>
           <a:bodyPr/>
           <a:lstStyle/>
           <a:p>
-            <a:pPr algn="ctr"/>
-            <a:r>
-              <a:rPr lang="ru-RU" dirty="0">
-                <a:latin typeface="Times New Roman" panose="02020603050405020304" pitchFamily="18" charset="0"/>
-                <a:cs typeface="Times New Roman" panose="02020603050405020304" pitchFamily="18" charset="0"/>
-              </a:rPr>
-              <a:t>Спасибо за внимание !</a:t>
-            </a:r>
+            <a:fld id="{DD52A6CB-90DA-4351-BF49-99661FABD7B0}" type="slidenum">
+              <a:rPr lang="ru-RU" sz="2000" smtClean="0"/>
+              <a:t>11</a:t>
+            </a:fld>
+            <a:endParaRPr lang="ru-RU" sz="2000" dirty="0"/>
           </a:p>
         </p:txBody>
       </p:sp>
     </p:spTree>
     <p:extLst>
       <p:ext uri="{BB962C8B-B14F-4D97-AF65-F5344CB8AC3E}">
-        <p14:creationId xmlns:p14="http://schemas.microsoft.com/office/powerpoint/2010/main" val="1726137589"/>
+        <p14:creationId xmlns:p14="http://schemas.microsoft.com/office/powerpoint/2010/main" val="879443761"/>
       </p:ext>
     </p:extLst>
   </p:cSld>
@@ -6836,6 +7011,73 @@
           <p:cNvPr id="2" name="Заголовок 1">
             <a:extLst>
               <a:ext uri="{FF2B5EF4-FFF2-40B4-BE49-F238E27FC236}">
+                <a16:creationId xmlns:a16="http://schemas.microsoft.com/office/drawing/2014/main" id="{6BFE0A30-4D38-85F2-D995-15FB88B9C96C}"/>
+              </a:ext>
+            </a:extLst>
+          </p:cNvPr>
+          <p:cNvSpPr>
+            <a:spLocks noGrp="1"/>
+          </p:cNvSpPr>
+          <p:nvPr>
+            <p:ph type="title"/>
+          </p:nvPr>
+        </p:nvSpPr>
+        <p:spPr>
+          <a:xfrm>
+            <a:off x="908538" y="2615956"/>
+            <a:ext cx="10515600" cy="1325563"/>
+          </a:xfrm>
+        </p:spPr>
+        <p:txBody>
+          <a:bodyPr/>
+          <a:lstStyle/>
+          <a:p>
+            <a:pPr algn="ctr"/>
+            <a:r>
+              <a:rPr lang="ru-RU" dirty="0">
+                <a:latin typeface="Times New Roman" panose="02020603050405020304" pitchFamily="18" charset="0"/>
+                <a:cs typeface="Times New Roman" panose="02020603050405020304" pitchFamily="18" charset="0"/>
+              </a:rPr>
+              <a:t>Спасибо за внимание !</a:t>
+            </a:r>
+          </a:p>
+        </p:txBody>
+      </p:sp>
+    </p:spTree>
+    <p:extLst>
+      <p:ext uri="{BB962C8B-B14F-4D97-AF65-F5344CB8AC3E}">
+        <p14:creationId xmlns:p14="http://schemas.microsoft.com/office/powerpoint/2010/main" val="1726137589"/>
+      </p:ext>
+    </p:extLst>
+  </p:cSld>
+  <p:clrMapOvr>
+    <a:masterClrMapping/>
+  </p:clrMapOvr>
+</p:sld>
+</file>
+
+<file path=ppt/slides/slide13.xml><?xml version="1.0" encoding="utf-8"?>
+<p:sld xmlns:a="http://schemas.openxmlformats.org/drawingml/2006/main" xmlns:r="http://schemas.openxmlformats.org/officeDocument/2006/relationships" xmlns:p="http://schemas.openxmlformats.org/presentationml/2006/main">
+  <p:cSld>
+    <p:spTree>
+      <p:nvGrpSpPr>
+        <p:cNvPr id="1" name=""/>
+        <p:cNvGrpSpPr/>
+        <p:nvPr/>
+      </p:nvGrpSpPr>
+      <p:grpSpPr>
+        <a:xfrm>
+          <a:off x="0" y="0"/>
+          <a:ext cx="0" cy="0"/>
+          <a:chOff x="0" y="0"/>
+          <a:chExt cx="0" cy="0"/>
+        </a:xfrm>
+      </p:grpSpPr>
+      <p:sp>
+        <p:nvSpPr>
+          <p:cNvPr id="2" name="Заголовок 1">
+            <a:extLst>
+              <a:ext uri="{FF2B5EF4-FFF2-40B4-BE49-F238E27FC236}">
                 <a16:creationId xmlns:a16="http://schemas.microsoft.com/office/drawing/2014/main" id="{BDC9BE10-D1FA-FE3B-3CDE-11915BBC8AA9}"/>
               </a:ext>
             </a:extLst>
@@ -6864,7 +7106,21 @@
                 <a:latin typeface="Times New Roman" panose="02020603050405020304" pitchFamily="18" charset="0"/>
                 <a:cs typeface="Times New Roman" panose="02020603050405020304" pitchFamily="18" charset="0"/>
               </a:rPr>
-              <a:t>Графические результаты работы моделей - 1</a:t>
+              <a:t>Графические результаты работы моделей на данных </a:t>
+            </a:r>
+            <a:r>
+              <a:rPr lang="en-US" dirty="0">
+                <a:latin typeface="Times New Roman" panose="02020603050405020304" pitchFamily="18" charset="0"/>
+                <a:cs typeface="Times New Roman" panose="02020603050405020304" pitchFamily="18" charset="0"/>
+              </a:rPr>
+              <a:t>X5</a:t>
+            </a:r>
+            <a:r>
+              <a:rPr lang="ru-RU" dirty="0">
+                <a:latin typeface="Times New Roman" panose="02020603050405020304" pitchFamily="18" charset="0"/>
+                <a:cs typeface="Times New Roman" panose="02020603050405020304" pitchFamily="18" charset="0"/>
+              </a:rPr>
+              <a:t> - 1</a:t>
             </a:r>
           </a:p>
         </p:txBody>
@@ -6934,7 +7190,7 @@
           <a:p>
             <a:fld id="{DD52A6CB-90DA-4351-BF49-99661FABD7B0}" type="slidenum">
               <a:rPr lang="ru-RU" smtClean="0"/>
-              <a:t>12</a:t>
+              <a:t>13</a:t>
             </a:fld>
             <a:endParaRPr lang="ru-RU"/>
           </a:p>
@@ -7041,7 +7297,7 @@
 </p:sld>
 </file>
 
-<file path=ppt/slides/slide13.xml><?xml version="1.0" encoding="utf-8"?>
+<file path=ppt/slides/slide14.xml><?xml version="1.0" encoding="utf-8"?>
 <p:sld xmlns:a="http://schemas.openxmlformats.org/drawingml/2006/main" xmlns:r="http://schemas.openxmlformats.org/officeDocument/2006/relationships" xmlns:p="http://schemas.openxmlformats.org/presentationml/2006/main">
   <p:cSld>
     <p:spTree>
@@ -7091,7 +7347,21 @@
                 <a:latin typeface="Times New Roman" panose="02020603050405020304" pitchFamily="18" charset="0"/>
                 <a:cs typeface="Times New Roman" panose="02020603050405020304" pitchFamily="18" charset="0"/>
               </a:rPr>
-              <a:t>Графические результаты работы моделей - 2</a:t>
+              <a:t>Графические результаты работы моделей на данных </a:t>
+            </a:r>
+            <a:r>
+              <a:rPr lang="en-US" dirty="0">
+                <a:latin typeface="Times New Roman" panose="02020603050405020304" pitchFamily="18" charset="0"/>
+                <a:cs typeface="Times New Roman" panose="02020603050405020304" pitchFamily="18" charset="0"/>
+              </a:rPr>
+              <a:t>X5</a:t>
+            </a:r>
+            <a:r>
+              <a:rPr lang="ru-RU" dirty="0">
+                <a:latin typeface="Times New Roman" panose="02020603050405020304" pitchFamily="18" charset="0"/>
+                <a:cs typeface="Times New Roman" panose="02020603050405020304" pitchFamily="18" charset="0"/>
+              </a:rPr>
+              <a:t> - 2</a:t>
             </a:r>
           </a:p>
         </p:txBody>
@@ -7155,7 +7425,7 @@
           <a:p>
             <a:fld id="{DD52A6CB-90DA-4351-BF49-99661FABD7B0}" type="slidenum">
               <a:rPr lang="ru-RU" smtClean="0"/>
-              <a:t>13</a:t>
+              <a:t>14</a:t>
             </a:fld>
             <a:endParaRPr lang="ru-RU"/>
           </a:p>
@@ -7262,7 +7532,7 @@
 </p:sld>
 </file>
 
-<file path=ppt/slides/slide14.xml><?xml version="1.0" encoding="utf-8"?>
+<file path=ppt/slides/slide15.xml><?xml version="1.0" encoding="utf-8"?>
 <p:sld xmlns:a="http://schemas.openxmlformats.org/drawingml/2006/main" xmlns:r="http://schemas.openxmlformats.org/officeDocument/2006/relationships" xmlns:p="http://schemas.openxmlformats.org/presentationml/2006/main">
   <p:cSld>
     <p:spTree>
@@ -7312,7 +7582,21 @@
                 <a:latin typeface="Times New Roman" panose="02020603050405020304" pitchFamily="18" charset="0"/>
                 <a:cs typeface="Times New Roman" panose="02020603050405020304" pitchFamily="18" charset="0"/>
               </a:rPr>
-              <a:t>Графические результаты работы моделей - 3</a:t>
+              <a:t>Графические результаты работы моделей на данных </a:t>
+            </a:r>
+            <a:r>
+              <a:rPr lang="en-US" dirty="0">
+                <a:latin typeface="Times New Roman" panose="02020603050405020304" pitchFamily="18" charset="0"/>
+                <a:cs typeface="Times New Roman" panose="02020603050405020304" pitchFamily="18" charset="0"/>
+              </a:rPr>
+              <a:t>X5</a:t>
+            </a:r>
+            <a:r>
+              <a:rPr lang="ru-RU" dirty="0">
+                <a:latin typeface="Times New Roman" panose="02020603050405020304" pitchFamily="18" charset="0"/>
+                <a:cs typeface="Times New Roman" panose="02020603050405020304" pitchFamily="18" charset="0"/>
+              </a:rPr>
+              <a:t> - 3</a:t>
             </a:r>
           </a:p>
         </p:txBody>
@@ -7376,7 +7660,7 @@
           <a:p>
             <a:fld id="{DD52A6CB-90DA-4351-BF49-99661FABD7B0}" type="slidenum">
               <a:rPr lang="ru-RU" smtClean="0"/>
-              <a:t>14</a:t>
+              <a:t>15</a:t>
             </a:fld>
             <a:endParaRPr lang="ru-RU"/>
           </a:p>
@@ -7477,7 +7761,7 @@
 </p:sld>
 </file>
 
-<file path=ppt/slides/slide15.xml><?xml version="1.0" encoding="utf-8"?>
+<file path=ppt/slides/slide16.xml><?xml version="1.0" encoding="utf-8"?>
 <p:sld xmlns:a="http://schemas.openxmlformats.org/drawingml/2006/main" xmlns:r="http://schemas.openxmlformats.org/officeDocument/2006/relationships" xmlns:p="http://schemas.openxmlformats.org/presentationml/2006/main">
   <p:cSld>
     <p:spTree>
@@ -7527,7 +7811,21 @@
                 <a:latin typeface="Times New Roman" panose="02020603050405020304" pitchFamily="18" charset="0"/>
                 <a:cs typeface="Times New Roman" panose="02020603050405020304" pitchFamily="18" charset="0"/>
               </a:rPr>
-              <a:t>Графические результаты работы моделей - 4</a:t>
+              <a:t>Графические результаты работы моделей на данных </a:t>
+            </a:r>
+            <a:r>
+              <a:rPr lang="en-US" dirty="0">
+                <a:latin typeface="Times New Roman" panose="02020603050405020304" pitchFamily="18" charset="0"/>
+                <a:cs typeface="Times New Roman" panose="02020603050405020304" pitchFamily="18" charset="0"/>
+              </a:rPr>
+              <a:t>X5</a:t>
+            </a:r>
+            <a:r>
+              <a:rPr lang="ru-RU" dirty="0">
+                <a:latin typeface="Times New Roman" panose="02020603050405020304" pitchFamily="18" charset="0"/>
+                <a:cs typeface="Times New Roman" panose="02020603050405020304" pitchFamily="18" charset="0"/>
+              </a:rPr>
+              <a:t> - 4</a:t>
             </a:r>
           </a:p>
         </p:txBody>
@@ -7602,7 +7900,7 @@
           <a:p>
             <a:fld id="{DD52A6CB-90DA-4351-BF49-99661FABD7B0}" type="slidenum">
               <a:rPr lang="ru-RU" smtClean="0"/>
-              <a:t>15</a:t>
+              <a:t>16</a:t>
             </a:fld>
             <a:endParaRPr lang="ru-RU"/>
           </a:p>
@@ -7682,6 +7980,1471 @@
     <p:extLst>
       <p:ext uri="{BB962C8B-B14F-4D97-AF65-F5344CB8AC3E}">
         <p14:creationId xmlns:p14="http://schemas.microsoft.com/office/powerpoint/2010/main" val="4293290727"/>
+      </p:ext>
+    </p:extLst>
+  </p:cSld>
+  <p:clrMapOvr>
+    <a:masterClrMapping/>
+  </p:clrMapOvr>
+</p:sld>
+</file>
+
+<file path=ppt/slides/slide17.xml><?xml version="1.0" encoding="utf-8"?>
+<p:sld xmlns:a="http://schemas.openxmlformats.org/drawingml/2006/main" xmlns:r="http://schemas.openxmlformats.org/officeDocument/2006/relationships" xmlns:p="http://schemas.openxmlformats.org/presentationml/2006/main">
+  <p:cSld>
+    <p:spTree>
+      <p:nvGrpSpPr>
+        <p:cNvPr id="1" name=""/>
+        <p:cNvGrpSpPr/>
+        <p:nvPr/>
+      </p:nvGrpSpPr>
+      <p:grpSpPr>
+        <a:xfrm>
+          <a:off x="0" y="0"/>
+          <a:ext cx="0" cy="0"/>
+          <a:chOff x="0" y="0"/>
+          <a:chExt cx="0" cy="0"/>
+        </a:xfrm>
+      </p:grpSpPr>
+      <p:sp>
+        <p:nvSpPr>
+          <p:cNvPr id="2" name="Заголовок 1">
+            <a:extLst>
+              <a:ext uri="{FF2B5EF4-FFF2-40B4-BE49-F238E27FC236}">
+                <a16:creationId xmlns:a16="http://schemas.microsoft.com/office/drawing/2014/main" id="{BDC9BE10-D1FA-FE3B-3CDE-11915BBC8AA9}"/>
+              </a:ext>
+            </a:extLst>
+          </p:cNvPr>
+          <p:cNvSpPr>
+            <a:spLocks noGrp="1"/>
+          </p:cNvSpPr>
+          <p:nvPr>
+            <p:ph type="title"/>
+          </p:nvPr>
+        </p:nvSpPr>
+        <p:spPr>
+          <a:xfrm>
+            <a:off x="838200" y="198071"/>
+            <a:ext cx="10515600" cy="725121"/>
+          </a:xfrm>
+        </p:spPr>
+        <p:txBody>
+          <a:bodyPr>
+            <a:normAutofit fontScale="90000"/>
+          </a:bodyPr>
+          <a:lstStyle/>
+          <a:p>
+            <a:r>
+              <a:rPr lang="ru-RU" dirty="0">
+                <a:latin typeface="Times New Roman" panose="02020603050405020304" pitchFamily="18" charset="0"/>
+                <a:cs typeface="Times New Roman" panose="02020603050405020304" pitchFamily="18" charset="0"/>
+              </a:rPr>
+              <a:t>Графические результаты работы моделей на собственных данных - 1</a:t>
+            </a:r>
+          </a:p>
+        </p:txBody>
+      </p:sp>
+      <p:sp>
+        <p:nvSpPr>
+          <p:cNvPr id="3" name="Объект 2">
+            <a:extLst>
+              <a:ext uri="{FF2B5EF4-FFF2-40B4-BE49-F238E27FC236}">
+                <a16:creationId xmlns:a16="http://schemas.microsoft.com/office/drawing/2014/main" id="{BC1F23B4-4143-F366-7562-70887AF1B651}"/>
+              </a:ext>
+            </a:extLst>
+          </p:cNvPr>
+          <p:cNvSpPr>
+            <a:spLocks noGrp="1"/>
+          </p:cNvSpPr>
+          <p:nvPr>
+            <p:ph idx="1"/>
+          </p:nvPr>
+        </p:nvSpPr>
+        <p:spPr>
+          <a:xfrm>
+            <a:off x="838200" y="1160585"/>
+            <a:ext cx="10515600" cy="5016378"/>
+          </a:xfrm>
+        </p:spPr>
+        <p:txBody>
+          <a:bodyPr/>
+          <a:lstStyle/>
+          <a:p>
+            <a:r>
+              <a:rPr lang="ru-RU" dirty="0">
+                <a:latin typeface="Times New Roman" panose="02020603050405020304" pitchFamily="18" charset="0"/>
+                <a:cs typeface="Times New Roman" panose="02020603050405020304" pitchFamily="18" charset="0"/>
+              </a:rPr>
+              <a:t>Базовая модель</a:t>
+            </a:r>
+          </a:p>
+          <a:p>
+            <a:endParaRPr lang="ru-RU" dirty="0">
+              <a:latin typeface="Times New Roman" panose="02020603050405020304" pitchFamily="18" charset="0"/>
+              <a:cs typeface="Times New Roman" panose="02020603050405020304" pitchFamily="18" charset="0"/>
+            </a:endParaRPr>
+          </a:p>
+        </p:txBody>
+      </p:sp>
+      <p:sp>
+        <p:nvSpPr>
+          <p:cNvPr id="4" name="Номер слайда 3">
+            <a:extLst>
+              <a:ext uri="{FF2B5EF4-FFF2-40B4-BE49-F238E27FC236}">
+                <a16:creationId xmlns:a16="http://schemas.microsoft.com/office/drawing/2014/main" id="{540CC0A2-5E3A-0763-D6B9-441F0E8AAE10}"/>
+              </a:ext>
+            </a:extLst>
+          </p:cNvPr>
+          <p:cNvSpPr>
+            <a:spLocks noGrp="1"/>
+          </p:cNvSpPr>
+          <p:nvPr>
+            <p:ph type="sldNum" sz="quarter" idx="12"/>
+          </p:nvPr>
+        </p:nvSpPr>
+        <p:spPr/>
+        <p:txBody>
+          <a:bodyPr/>
+          <a:lstStyle/>
+          <a:p>
+            <a:fld id="{DD52A6CB-90DA-4351-BF49-99661FABD7B0}" type="slidenum">
+              <a:rPr lang="ru-RU" smtClean="0"/>
+              <a:t>17</a:t>
+            </a:fld>
+            <a:endParaRPr lang="ru-RU"/>
+          </a:p>
+        </p:txBody>
+      </p:sp>
+      <p:pic>
+        <p:nvPicPr>
+          <p:cNvPr id="7" name="Рисунок 6">
+            <a:extLst>
+              <a:ext uri="{FF2B5EF4-FFF2-40B4-BE49-F238E27FC236}">
+                <a16:creationId xmlns:a16="http://schemas.microsoft.com/office/drawing/2014/main" id="{D236E636-EF98-6834-F781-63AF487298D5}"/>
+              </a:ext>
+            </a:extLst>
+          </p:cNvPr>
+          <p:cNvPicPr>
+            <a:picLocks noChangeAspect="1"/>
+          </p:cNvPicPr>
+          <p:nvPr/>
+        </p:nvPicPr>
+        <p:blipFill>
+          <a:blip r:embed="rId2"/>
+          <a:stretch>
+            <a:fillRect/>
+          </a:stretch>
+        </p:blipFill>
+        <p:spPr>
+          <a:xfrm>
+            <a:off x="933880" y="2006092"/>
+            <a:ext cx="10673809" cy="3566901"/>
+          </a:xfrm>
+          <a:prstGeom prst="rect">
+            <a:avLst/>
+          </a:prstGeom>
+        </p:spPr>
+      </p:pic>
+    </p:spTree>
+    <p:extLst>
+      <p:ext uri="{BB962C8B-B14F-4D97-AF65-F5344CB8AC3E}">
+        <p14:creationId xmlns:p14="http://schemas.microsoft.com/office/powerpoint/2010/main" val="2844014062"/>
+      </p:ext>
+    </p:extLst>
+  </p:cSld>
+  <p:clrMapOvr>
+    <a:masterClrMapping/>
+  </p:clrMapOvr>
+</p:sld>
+</file>
+
+<file path=ppt/slides/slide18.xml><?xml version="1.0" encoding="utf-8"?>
+<p:sld xmlns:a="http://schemas.openxmlformats.org/drawingml/2006/main" xmlns:r="http://schemas.openxmlformats.org/officeDocument/2006/relationships" xmlns:p="http://schemas.openxmlformats.org/presentationml/2006/main">
+  <p:cSld>
+    <p:spTree>
+      <p:nvGrpSpPr>
+        <p:cNvPr id="1" name=""/>
+        <p:cNvGrpSpPr/>
+        <p:nvPr/>
+      </p:nvGrpSpPr>
+      <p:grpSpPr>
+        <a:xfrm>
+          <a:off x="0" y="0"/>
+          <a:ext cx="0" cy="0"/>
+          <a:chOff x="0" y="0"/>
+          <a:chExt cx="0" cy="0"/>
+        </a:xfrm>
+      </p:grpSpPr>
+      <p:sp>
+        <p:nvSpPr>
+          <p:cNvPr id="2" name="Заголовок 1">
+            <a:extLst>
+              <a:ext uri="{FF2B5EF4-FFF2-40B4-BE49-F238E27FC236}">
+                <a16:creationId xmlns:a16="http://schemas.microsoft.com/office/drawing/2014/main" id="{BDC9BE10-D1FA-FE3B-3CDE-11915BBC8AA9}"/>
+              </a:ext>
+            </a:extLst>
+          </p:cNvPr>
+          <p:cNvSpPr>
+            <a:spLocks noGrp="1"/>
+          </p:cNvSpPr>
+          <p:nvPr>
+            <p:ph type="title"/>
+          </p:nvPr>
+        </p:nvSpPr>
+        <p:spPr>
+          <a:xfrm>
+            <a:off x="838200" y="198071"/>
+            <a:ext cx="10515600" cy="725121"/>
+          </a:xfrm>
+        </p:spPr>
+        <p:txBody>
+          <a:bodyPr>
+            <a:normAutofit fontScale="90000"/>
+          </a:bodyPr>
+          <a:lstStyle/>
+          <a:p>
+            <a:r>
+              <a:rPr lang="ru-RU" dirty="0">
+                <a:latin typeface="Times New Roman" panose="02020603050405020304" pitchFamily="18" charset="0"/>
+                <a:cs typeface="Times New Roman" panose="02020603050405020304" pitchFamily="18" charset="0"/>
+              </a:rPr>
+              <a:t>Графические результаты работы моделей на собственных данных - 2</a:t>
+            </a:r>
+          </a:p>
+        </p:txBody>
+      </p:sp>
+      <p:sp>
+        <p:nvSpPr>
+          <p:cNvPr id="3" name="Объект 2">
+            <a:extLst>
+              <a:ext uri="{FF2B5EF4-FFF2-40B4-BE49-F238E27FC236}">
+                <a16:creationId xmlns:a16="http://schemas.microsoft.com/office/drawing/2014/main" id="{BC1F23B4-4143-F366-7562-70887AF1B651}"/>
+              </a:ext>
+            </a:extLst>
+          </p:cNvPr>
+          <p:cNvSpPr>
+            <a:spLocks noGrp="1"/>
+          </p:cNvSpPr>
+          <p:nvPr>
+            <p:ph idx="1"/>
+          </p:nvPr>
+        </p:nvSpPr>
+        <p:spPr>
+          <a:xfrm>
+            <a:off x="838200" y="1160585"/>
+            <a:ext cx="10515600" cy="404663"/>
+          </a:xfrm>
+        </p:spPr>
+        <p:txBody>
+          <a:bodyPr>
+            <a:normAutofit fontScale="92500" lnSpcReduction="20000"/>
+          </a:bodyPr>
+          <a:lstStyle/>
+          <a:p>
+            <a:r>
+              <a:rPr lang="ru-RU" dirty="0">
+                <a:latin typeface="Times New Roman" panose="02020603050405020304" pitchFamily="18" charset="0"/>
+                <a:cs typeface="Times New Roman" panose="02020603050405020304" pitchFamily="18" charset="0"/>
+              </a:rPr>
+              <a:t>Решение с одной моделью</a:t>
+            </a:r>
+          </a:p>
+          <a:p>
+            <a:endParaRPr lang="ru-RU" dirty="0">
+              <a:latin typeface="Times New Roman" panose="02020603050405020304" pitchFamily="18" charset="0"/>
+              <a:cs typeface="Times New Roman" panose="02020603050405020304" pitchFamily="18" charset="0"/>
+            </a:endParaRPr>
+          </a:p>
+        </p:txBody>
+      </p:sp>
+      <p:sp>
+        <p:nvSpPr>
+          <p:cNvPr id="4" name="Номер слайда 3">
+            <a:extLst>
+              <a:ext uri="{FF2B5EF4-FFF2-40B4-BE49-F238E27FC236}">
+                <a16:creationId xmlns:a16="http://schemas.microsoft.com/office/drawing/2014/main" id="{540CC0A2-5E3A-0763-D6B9-441F0E8AAE10}"/>
+              </a:ext>
+            </a:extLst>
+          </p:cNvPr>
+          <p:cNvSpPr>
+            <a:spLocks noGrp="1"/>
+          </p:cNvSpPr>
+          <p:nvPr>
+            <p:ph type="sldNum" sz="quarter" idx="12"/>
+          </p:nvPr>
+        </p:nvSpPr>
+        <p:spPr/>
+        <p:txBody>
+          <a:bodyPr/>
+          <a:lstStyle/>
+          <a:p>
+            <a:fld id="{DD52A6CB-90DA-4351-BF49-99661FABD7B0}" type="slidenum">
+              <a:rPr lang="ru-RU" smtClean="0"/>
+              <a:t>18</a:t>
+            </a:fld>
+            <a:endParaRPr lang="ru-RU" dirty="0"/>
+          </a:p>
+        </p:txBody>
+      </p:sp>
+      <p:pic>
+        <p:nvPicPr>
+          <p:cNvPr id="1026" name="Picture 2">
+            <a:extLst>
+              <a:ext uri="{FF2B5EF4-FFF2-40B4-BE49-F238E27FC236}">
+                <a16:creationId xmlns:a16="http://schemas.microsoft.com/office/drawing/2014/main" id="{6CBBEAC6-FAC2-C035-ADC9-79B21CA81325}"/>
+              </a:ext>
+            </a:extLst>
+          </p:cNvPr>
+          <p:cNvPicPr>
+            <a:picLocks noChangeAspect="1" noChangeArrowheads="1"/>
+          </p:cNvPicPr>
+          <p:nvPr/>
+        </p:nvPicPr>
+        <p:blipFill>
+          <a:blip r:embed="rId2">
+            <a:extLst>
+              <a:ext uri="{28A0092B-C50C-407E-A947-70E740481C1C}">
+                <a14:useLocalDpi xmlns:a14="http://schemas.microsoft.com/office/drawing/2010/main" val="0"/>
+              </a:ext>
+            </a:extLst>
+          </a:blip>
+          <a:srcRect/>
+          <a:stretch>
+            <a:fillRect/>
+          </a:stretch>
+        </p:blipFill>
+        <p:spPr bwMode="auto">
+          <a:xfrm>
+            <a:off x="2838450" y="1438321"/>
+            <a:ext cx="6515100" cy="2190750"/>
+          </a:xfrm>
+          <a:prstGeom prst="rect">
+            <a:avLst/>
+          </a:prstGeom>
+          <a:noFill/>
+          <a:extLst>
+            <a:ext uri="{909E8E84-426E-40DD-AFC4-6F175D3DCCD1}">
+              <a14:hiddenFill xmlns:a14="http://schemas.microsoft.com/office/drawing/2010/main">
+                <a:solidFill>
+                  <a:srgbClr val="FFFFFF"/>
+                </a:solidFill>
+              </a14:hiddenFill>
+            </a:ext>
+          </a:extLst>
+        </p:spPr>
+      </p:pic>
+      <p:pic>
+        <p:nvPicPr>
+          <p:cNvPr id="1025" name="Рисунок 1">
+            <a:extLst>
+              <a:ext uri="{FF2B5EF4-FFF2-40B4-BE49-F238E27FC236}">
+                <a16:creationId xmlns:a16="http://schemas.microsoft.com/office/drawing/2014/main" id="{37F16A6C-53C7-AD57-864B-3B12E0AE34CD}"/>
+              </a:ext>
+            </a:extLst>
+          </p:cNvPr>
+          <p:cNvPicPr>
+            <a:picLocks noChangeAspect="1" noChangeArrowheads="1"/>
+          </p:cNvPicPr>
+          <p:nvPr/>
+        </p:nvPicPr>
+        <p:blipFill>
+          <a:blip r:embed="rId3">
+            <a:extLst>
+              <a:ext uri="{28A0092B-C50C-407E-A947-70E740481C1C}">
+                <a14:useLocalDpi xmlns:a14="http://schemas.microsoft.com/office/drawing/2010/main" val="0"/>
+              </a:ext>
+            </a:extLst>
+          </a:blip>
+          <a:srcRect/>
+          <a:stretch>
+            <a:fillRect/>
+          </a:stretch>
+        </p:blipFill>
+        <p:spPr bwMode="auto">
+          <a:xfrm>
+            <a:off x="3038474" y="4151297"/>
+            <a:ext cx="6115050" cy="2057400"/>
+          </a:xfrm>
+          <a:prstGeom prst="rect">
+            <a:avLst/>
+          </a:prstGeom>
+          <a:noFill/>
+          <a:extLst>
+            <a:ext uri="{909E8E84-426E-40DD-AFC4-6F175D3DCCD1}">
+              <a14:hiddenFill xmlns:a14="http://schemas.microsoft.com/office/drawing/2010/main">
+                <a:solidFill>
+                  <a:srgbClr val="FFFFFF"/>
+                </a:solidFill>
+              </a14:hiddenFill>
+            </a:ext>
+          </a:extLst>
+        </p:spPr>
+      </p:pic>
+      <p:sp>
+        <p:nvSpPr>
+          <p:cNvPr id="8" name="Rectangle 4">
+            <a:extLst>
+              <a:ext uri="{FF2B5EF4-FFF2-40B4-BE49-F238E27FC236}">
+                <a16:creationId xmlns:a16="http://schemas.microsoft.com/office/drawing/2014/main" id="{9F69060C-0CB1-99CE-B0C3-57D43060A7FD}"/>
+              </a:ext>
+            </a:extLst>
+          </p:cNvPr>
+          <p:cNvSpPr>
+            <a:spLocks noChangeArrowheads="1"/>
+          </p:cNvSpPr>
+          <p:nvPr/>
+        </p:nvSpPr>
+        <p:spPr bwMode="auto">
+          <a:xfrm>
+            <a:off x="3613589" y="3617795"/>
+            <a:ext cx="4964821" cy="230832"/>
+          </a:xfrm>
+          <a:prstGeom prst="rect">
+            <a:avLst/>
+          </a:prstGeom>
+          <a:noFill/>
+          <a:ln>
+            <a:noFill/>
+          </a:ln>
+          <a:effectLst/>
+          <a:extLst>
+            <a:ext uri="{909E8E84-426E-40DD-AFC4-6F175D3DCCD1}">
+              <a14:hiddenFill xmlns:a14="http://schemas.microsoft.com/office/drawing/2010/main">
+                <a:solidFill>
+                  <a:schemeClr val="accent1"/>
+                </a:solidFill>
+              </a14:hiddenFill>
+            </a:ext>
+            <a:ext uri="{91240B29-F687-4F45-9708-019B960494DF}">
+              <a14:hiddenLine xmlns:a14="http://schemas.microsoft.com/office/drawing/2010/main" w="9525">
+                <a:solidFill>
+                  <a:schemeClr val="tx1"/>
+                </a:solidFill>
+                <a:miter lim="800000"/>
+                <a:headEnd/>
+                <a:tailEnd/>
+              </a14:hiddenLine>
+            </a:ext>
+            <a:ext uri="{AF507438-7753-43E0-B8FC-AC1667EBCBE1}">
+              <a14:hiddenEffects xmlns:a14="http://schemas.microsoft.com/office/drawing/2010/main">
+                <a:effectLst>
+                  <a:outerShdw dist="35921" dir="2700000" algn="ctr" rotWithShape="0">
+                    <a:schemeClr val="bg2"/>
+                  </a:outerShdw>
+                </a:effectLst>
+              </a14:hiddenEffects>
+            </a:ext>
+          </a:extLst>
+        </p:spPr>
+        <p:txBody>
+          <a:bodyPr vert="horz" wrap="none" lIns="91440" tIns="45720" rIns="91440" bIns="45720" numCol="1" anchor="ctr" anchorCtr="0" compatLnSpc="1">
+            <a:prstTxWarp prst="textNoShape">
+              <a:avLst/>
+            </a:prstTxWarp>
+            <a:spAutoFit/>
+          </a:bodyPr>
+          <a:lstStyle>
+            <a:lvl1pPr eaLnBrk="0" fontAlgn="base" hangingPunct="0">
+              <a:spcBef>
+                <a:spcPct val="0"/>
+              </a:spcBef>
+              <a:spcAft>
+                <a:spcPct val="0"/>
+              </a:spcAft>
+              <a:defRPr>
+                <a:solidFill>
+                  <a:schemeClr val="tx1"/>
+                </a:solidFill>
+                <a:latin typeface="Arial" panose="020B0604020202020204" pitchFamily="34" charset="0"/>
+              </a:defRPr>
+            </a:lvl1pPr>
+            <a:lvl2pPr eaLnBrk="0" fontAlgn="base" hangingPunct="0">
+              <a:spcBef>
+                <a:spcPct val="0"/>
+              </a:spcBef>
+              <a:spcAft>
+                <a:spcPct val="0"/>
+              </a:spcAft>
+              <a:defRPr>
+                <a:solidFill>
+                  <a:schemeClr val="tx1"/>
+                </a:solidFill>
+                <a:latin typeface="Arial" panose="020B0604020202020204" pitchFamily="34" charset="0"/>
+              </a:defRPr>
+            </a:lvl2pPr>
+            <a:lvl3pPr eaLnBrk="0" fontAlgn="base" hangingPunct="0">
+              <a:spcBef>
+                <a:spcPct val="0"/>
+              </a:spcBef>
+              <a:spcAft>
+                <a:spcPct val="0"/>
+              </a:spcAft>
+              <a:defRPr>
+                <a:solidFill>
+                  <a:schemeClr val="tx1"/>
+                </a:solidFill>
+                <a:latin typeface="Arial" panose="020B0604020202020204" pitchFamily="34" charset="0"/>
+              </a:defRPr>
+            </a:lvl3pPr>
+            <a:lvl4pPr eaLnBrk="0" fontAlgn="base" hangingPunct="0">
+              <a:spcBef>
+                <a:spcPct val="0"/>
+              </a:spcBef>
+              <a:spcAft>
+                <a:spcPct val="0"/>
+              </a:spcAft>
+              <a:defRPr>
+                <a:solidFill>
+                  <a:schemeClr val="tx1"/>
+                </a:solidFill>
+                <a:latin typeface="Arial" panose="020B0604020202020204" pitchFamily="34" charset="0"/>
+              </a:defRPr>
+            </a:lvl4pPr>
+            <a:lvl5pPr eaLnBrk="0" fontAlgn="base" hangingPunct="0">
+              <a:spcBef>
+                <a:spcPct val="0"/>
+              </a:spcBef>
+              <a:spcAft>
+                <a:spcPct val="0"/>
+              </a:spcAft>
+              <a:defRPr>
+                <a:solidFill>
+                  <a:schemeClr val="tx1"/>
+                </a:solidFill>
+                <a:latin typeface="Arial" panose="020B0604020202020204" pitchFamily="34" charset="0"/>
+              </a:defRPr>
+            </a:lvl5pPr>
+            <a:lvl6pPr eaLnBrk="0" fontAlgn="base" hangingPunct="0">
+              <a:spcBef>
+                <a:spcPct val="0"/>
+              </a:spcBef>
+              <a:spcAft>
+                <a:spcPct val="0"/>
+              </a:spcAft>
+              <a:defRPr>
+                <a:solidFill>
+                  <a:schemeClr val="tx1"/>
+                </a:solidFill>
+                <a:latin typeface="Arial" panose="020B0604020202020204" pitchFamily="34" charset="0"/>
+              </a:defRPr>
+            </a:lvl6pPr>
+            <a:lvl7pPr eaLnBrk="0" fontAlgn="base" hangingPunct="0">
+              <a:spcBef>
+                <a:spcPct val="0"/>
+              </a:spcBef>
+              <a:spcAft>
+                <a:spcPct val="0"/>
+              </a:spcAft>
+              <a:defRPr>
+                <a:solidFill>
+                  <a:schemeClr val="tx1"/>
+                </a:solidFill>
+                <a:latin typeface="Arial" panose="020B0604020202020204" pitchFamily="34" charset="0"/>
+              </a:defRPr>
+            </a:lvl7pPr>
+            <a:lvl8pPr eaLnBrk="0" fontAlgn="base" hangingPunct="0">
+              <a:spcBef>
+                <a:spcPct val="0"/>
+              </a:spcBef>
+              <a:spcAft>
+                <a:spcPct val="0"/>
+              </a:spcAft>
+              <a:defRPr>
+                <a:solidFill>
+                  <a:schemeClr val="tx1"/>
+                </a:solidFill>
+                <a:latin typeface="Arial" panose="020B0604020202020204" pitchFamily="34" charset="0"/>
+              </a:defRPr>
+            </a:lvl8pPr>
+            <a:lvl9pPr eaLnBrk="0" fontAlgn="base" hangingPunct="0">
+              <a:spcBef>
+                <a:spcPct val="0"/>
+              </a:spcBef>
+              <a:spcAft>
+                <a:spcPct val="0"/>
+              </a:spcAft>
+              <a:defRPr>
+                <a:solidFill>
+                  <a:schemeClr val="tx1"/>
+                </a:solidFill>
+                <a:latin typeface="Arial" panose="020B0604020202020204" pitchFamily="34" charset="0"/>
+              </a:defRPr>
+            </a:lvl9pPr>
+          </a:lstStyle>
+          <a:p>
+            <a:pPr marL="0" marR="0" lvl="0" indent="0" algn="l" defTabSz="914400" rtl="0" eaLnBrk="0" fontAlgn="base" latinLnBrk="0" hangingPunct="0">
+              <a:lnSpc>
+                <a:spcPct val="100000"/>
+              </a:lnSpc>
+              <a:spcBef>
+                <a:spcPct val="0"/>
+              </a:spcBef>
+              <a:spcAft>
+                <a:spcPct val="0"/>
+              </a:spcAft>
+              <a:buClrTx/>
+              <a:buSzTx/>
+              <a:buFontTx/>
+              <a:buNone/>
+              <a:tabLst/>
+            </a:pPr>
+            <a:r>
+              <a:rPr kumimoji="0" lang="ru-RU" altLang="ru-RU" sz="900" b="0" i="1" u="none" strike="noStrike" cap="none" normalizeH="0" baseline="0" dirty="0">
+                <a:ln>
+                  <a:noFill/>
+                </a:ln>
+                <a:solidFill>
+                  <a:srgbClr val="44546A"/>
+                </a:solidFill>
+                <a:effectLst/>
+                <a:latin typeface="Calibri" panose="020F0502020204030204" pitchFamily="34" charset="0"/>
+                <a:ea typeface="Calibri" panose="020F0502020204030204" pitchFamily="34" charset="0"/>
+                <a:cs typeface="Times New Roman" panose="02020603050405020304" pitchFamily="18" charset="0"/>
+              </a:rPr>
+              <a:t>Графики кривой </a:t>
+            </a:r>
+            <a:r>
+              <a:rPr kumimoji="0" lang="en-US" altLang="ru-RU" sz="900" b="0" i="1" u="none" strike="noStrike" cap="none" normalizeH="0" baseline="0" dirty="0">
+                <a:ln>
+                  <a:noFill/>
+                </a:ln>
+                <a:solidFill>
+                  <a:srgbClr val="44546A"/>
+                </a:solidFill>
+                <a:effectLst/>
+                <a:latin typeface="Calibri" panose="020F0502020204030204" pitchFamily="34" charset="0"/>
+                <a:ea typeface="Calibri" panose="020F0502020204030204" pitchFamily="34" charset="0"/>
+                <a:cs typeface="Times New Roman" panose="02020603050405020304" pitchFamily="18" charset="0"/>
+              </a:rPr>
+              <a:t>QINI</a:t>
+            </a:r>
+            <a:r>
+              <a:rPr kumimoji="0" lang="ru-RU" altLang="ru-RU" sz="900" b="0" i="1" u="none" strike="noStrike" cap="none" normalizeH="0" baseline="0" dirty="0">
+                <a:ln>
+                  <a:noFill/>
+                </a:ln>
+                <a:solidFill>
+                  <a:srgbClr val="44546A"/>
+                </a:solidFill>
+                <a:effectLst/>
+                <a:latin typeface="Calibri" panose="020F0502020204030204" pitchFamily="34" charset="0"/>
+                <a:ea typeface="Calibri" panose="020F0502020204030204" pitchFamily="34" charset="0"/>
+                <a:cs typeface="Times New Roman" panose="02020603050405020304" pitchFamily="18" charset="0"/>
+              </a:rPr>
+              <a:t> и </a:t>
+            </a:r>
+            <a:r>
+              <a:rPr kumimoji="0" lang="en-US" altLang="ru-RU" sz="900" b="0" i="1" u="none" strike="noStrike" cap="none" normalizeH="0" baseline="0" dirty="0">
+                <a:ln>
+                  <a:noFill/>
+                </a:ln>
+                <a:solidFill>
+                  <a:srgbClr val="44546A"/>
+                </a:solidFill>
+                <a:effectLst/>
+                <a:latin typeface="Calibri" panose="020F0502020204030204" pitchFamily="34" charset="0"/>
+                <a:ea typeface="Calibri" panose="020F0502020204030204" pitchFamily="34" charset="0"/>
+                <a:cs typeface="Times New Roman" panose="02020603050405020304" pitchFamily="18" charset="0"/>
+              </a:rPr>
+              <a:t>UpLift </a:t>
+            </a:r>
+            <a:r>
+              <a:rPr kumimoji="0" lang="ru-RU" altLang="ru-RU" sz="900" b="0" i="1" u="none" strike="noStrike" cap="none" normalizeH="0" baseline="0" dirty="0">
+                <a:ln>
+                  <a:noFill/>
+                </a:ln>
+                <a:solidFill>
+                  <a:srgbClr val="44546A"/>
+                </a:solidFill>
+                <a:effectLst/>
+                <a:latin typeface="Calibri" panose="020F0502020204030204" pitchFamily="34" charset="0"/>
+                <a:ea typeface="Calibri" panose="020F0502020204030204" pitchFamily="34" charset="0"/>
+                <a:cs typeface="Times New Roman" panose="02020603050405020304" pitchFamily="18" charset="0"/>
+              </a:rPr>
+              <a:t>для результатов моделирования одной моделью в лучшем случае</a:t>
+            </a:r>
+            <a:endParaRPr kumimoji="0" lang="ru-RU" altLang="ru-RU" sz="800" b="0" i="0" u="none" strike="noStrike" cap="none" normalizeH="0" baseline="0" dirty="0">
+              <a:ln>
+                <a:noFill/>
+              </a:ln>
+              <a:solidFill>
+                <a:schemeClr val="tx1"/>
+              </a:solidFill>
+              <a:effectLst/>
+            </a:endParaRPr>
+          </a:p>
+        </p:txBody>
+      </p:sp>
+      <p:sp>
+        <p:nvSpPr>
+          <p:cNvPr id="9" name="Rectangle 5">
+            <a:extLst>
+              <a:ext uri="{FF2B5EF4-FFF2-40B4-BE49-F238E27FC236}">
+                <a16:creationId xmlns:a16="http://schemas.microsoft.com/office/drawing/2014/main" id="{11300815-9F3A-77B0-7B34-7CA23E109A43}"/>
+              </a:ext>
+            </a:extLst>
+          </p:cNvPr>
+          <p:cNvSpPr>
+            <a:spLocks noChangeArrowheads="1"/>
+          </p:cNvSpPr>
+          <p:nvPr/>
+        </p:nvSpPr>
+        <p:spPr bwMode="auto">
+          <a:xfrm>
+            <a:off x="3301999" y="6172714"/>
+            <a:ext cx="5588000" cy="230832"/>
+          </a:xfrm>
+          <a:prstGeom prst="rect">
+            <a:avLst/>
+          </a:prstGeom>
+          <a:noFill/>
+          <a:ln>
+            <a:noFill/>
+          </a:ln>
+          <a:effectLst/>
+          <a:extLst>
+            <a:ext uri="{909E8E84-426E-40DD-AFC4-6F175D3DCCD1}">
+              <a14:hiddenFill xmlns:a14="http://schemas.microsoft.com/office/drawing/2010/main">
+                <a:solidFill>
+                  <a:schemeClr val="accent1"/>
+                </a:solidFill>
+              </a14:hiddenFill>
+            </a:ext>
+            <a:ext uri="{91240B29-F687-4F45-9708-019B960494DF}">
+              <a14:hiddenLine xmlns:a14="http://schemas.microsoft.com/office/drawing/2010/main" w="9525">
+                <a:solidFill>
+                  <a:schemeClr val="tx1"/>
+                </a:solidFill>
+                <a:miter lim="800000"/>
+                <a:headEnd/>
+                <a:tailEnd/>
+              </a14:hiddenLine>
+            </a:ext>
+            <a:ext uri="{AF507438-7753-43E0-B8FC-AC1667EBCBE1}">
+              <a14:hiddenEffects xmlns:a14="http://schemas.microsoft.com/office/drawing/2010/main">
+                <a:effectLst>
+                  <a:outerShdw dist="35921" dir="2700000" algn="ctr" rotWithShape="0">
+                    <a:schemeClr val="bg2"/>
+                  </a:outerShdw>
+                </a:effectLst>
+              </a14:hiddenEffects>
+            </a:ext>
+          </a:extLst>
+        </p:spPr>
+        <p:txBody>
+          <a:bodyPr vert="horz" wrap="square" lIns="91440" tIns="45720" rIns="91440" bIns="45720" numCol="1" anchor="ctr" anchorCtr="0" compatLnSpc="1">
+            <a:prstTxWarp prst="textNoShape">
+              <a:avLst/>
+            </a:prstTxWarp>
+            <a:spAutoFit/>
+          </a:bodyPr>
+          <a:lstStyle/>
+          <a:p>
+            <a:pPr marL="0" marR="0" lvl="0" indent="0" algn="ctr" defTabSz="914400" rtl="0" eaLnBrk="0" fontAlgn="base" latinLnBrk="0" hangingPunct="0">
+              <a:lnSpc>
+                <a:spcPct val="100000"/>
+              </a:lnSpc>
+              <a:spcBef>
+                <a:spcPct val="0"/>
+              </a:spcBef>
+              <a:spcAft>
+                <a:spcPct val="0"/>
+              </a:spcAft>
+              <a:buClrTx/>
+              <a:buSzTx/>
+              <a:buFontTx/>
+              <a:buNone/>
+              <a:tabLst/>
+            </a:pPr>
+            <a:r>
+              <a:rPr kumimoji="0" lang="ru-RU" altLang="ru-RU" sz="900" b="0" i="1" u="none" strike="noStrike" cap="none" normalizeH="0" baseline="0" dirty="0">
+                <a:ln>
+                  <a:noFill/>
+                </a:ln>
+                <a:solidFill>
+                  <a:srgbClr val="44546A"/>
+                </a:solidFill>
+                <a:effectLst/>
+                <a:latin typeface="Calibri" panose="020F0502020204030204" pitchFamily="34" charset="0"/>
+                <a:ea typeface="Calibri" panose="020F0502020204030204" pitchFamily="34" charset="0"/>
+                <a:cs typeface="Times New Roman" panose="02020603050405020304" pitchFamily="18" charset="0"/>
+              </a:rPr>
+              <a:t>Графики кривой QINI и </a:t>
+            </a:r>
+            <a:r>
+              <a:rPr kumimoji="0" lang="ru-RU" altLang="ru-RU" sz="900" b="0" i="1" u="none" strike="noStrike" cap="none" normalizeH="0" baseline="0" dirty="0" err="1">
+                <a:ln>
+                  <a:noFill/>
+                </a:ln>
+                <a:solidFill>
+                  <a:srgbClr val="44546A"/>
+                </a:solidFill>
+                <a:effectLst/>
+                <a:latin typeface="Calibri" panose="020F0502020204030204" pitchFamily="34" charset="0"/>
+                <a:ea typeface="Calibri" panose="020F0502020204030204" pitchFamily="34" charset="0"/>
+                <a:cs typeface="Times New Roman" panose="02020603050405020304" pitchFamily="18" charset="0"/>
+              </a:rPr>
+              <a:t>UpLift</a:t>
+            </a:r>
+            <a:r>
+              <a:rPr kumimoji="0" lang="ru-RU" altLang="ru-RU" sz="900" b="0" i="1" u="none" strike="noStrike" cap="none" normalizeH="0" baseline="0" dirty="0">
+                <a:ln>
+                  <a:noFill/>
+                </a:ln>
+                <a:solidFill>
+                  <a:srgbClr val="44546A"/>
+                </a:solidFill>
+                <a:effectLst/>
+                <a:latin typeface="Calibri" panose="020F0502020204030204" pitchFamily="34" charset="0"/>
+                <a:ea typeface="Calibri" panose="020F0502020204030204" pitchFamily="34" charset="0"/>
+                <a:cs typeface="Times New Roman" panose="02020603050405020304" pitchFamily="18" charset="0"/>
+              </a:rPr>
+              <a:t> для результатов моделирования одной моделью в худшем случае</a:t>
+            </a:r>
+            <a:endParaRPr kumimoji="0" lang="ru-RU" altLang="ru-RU" sz="1800" b="0" i="0" u="none" strike="noStrike" cap="none" normalizeH="0" baseline="0" dirty="0">
+              <a:ln>
+                <a:noFill/>
+              </a:ln>
+              <a:solidFill>
+                <a:schemeClr val="tx1"/>
+              </a:solidFill>
+              <a:effectLst/>
+              <a:latin typeface="Arial" panose="020B0604020202020204" pitchFamily="34" charset="0"/>
+            </a:endParaRPr>
+          </a:p>
+        </p:txBody>
+      </p:sp>
+    </p:spTree>
+    <p:extLst>
+      <p:ext uri="{BB962C8B-B14F-4D97-AF65-F5344CB8AC3E}">
+        <p14:creationId xmlns:p14="http://schemas.microsoft.com/office/powerpoint/2010/main" val="4121005538"/>
+      </p:ext>
+    </p:extLst>
+  </p:cSld>
+  <p:clrMapOvr>
+    <a:masterClrMapping/>
+  </p:clrMapOvr>
+</p:sld>
+</file>
+
+<file path=ppt/slides/slide19.xml><?xml version="1.0" encoding="utf-8"?>
+<p:sld xmlns:a="http://schemas.openxmlformats.org/drawingml/2006/main" xmlns:r="http://schemas.openxmlformats.org/officeDocument/2006/relationships" xmlns:p="http://schemas.openxmlformats.org/presentationml/2006/main">
+  <p:cSld>
+    <p:spTree>
+      <p:nvGrpSpPr>
+        <p:cNvPr id="1" name=""/>
+        <p:cNvGrpSpPr/>
+        <p:nvPr/>
+      </p:nvGrpSpPr>
+      <p:grpSpPr>
+        <a:xfrm>
+          <a:off x="0" y="0"/>
+          <a:ext cx="0" cy="0"/>
+          <a:chOff x="0" y="0"/>
+          <a:chExt cx="0" cy="0"/>
+        </a:xfrm>
+      </p:grpSpPr>
+      <p:sp>
+        <p:nvSpPr>
+          <p:cNvPr id="2" name="Заголовок 1">
+            <a:extLst>
+              <a:ext uri="{FF2B5EF4-FFF2-40B4-BE49-F238E27FC236}">
+                <a16:creationId xmlns:a16="http://schemas.microsoft.com/office/drawing/2014/main" id="{BDC9BE10-D1FA-FE3B-3CDE-11915BBC8AA9}"/>
+              </a:ext>
+            </a:extLst>
+          </p:cNvPr>
+          <p:cNvSpPr>
+            <a:spLocks noGrp="1"/>
+          </p:cNvSpPr>
+          <p:nvPr>
+            <p:ph type="title"/>
+          </p:nvPr>
+        </p:nvSpPr>
+        <p:spPr>
+          <a:xfrm>
+            <a:off x="838200" y="198071"/>
+            <a:ext cx="10515600" cy="725121"/>
+          </a:xfrm>
+        </p:spPr>
+        <p:txBody>
+          <a:bodyPr>
+            <a:normAutofit fontScale="90000"/>
+          </a:bodyPr>
+          <a:lstStyle/>
+          <a:p>
+            <a:r>
+              <a:rPr lang="ru-RU" dirty="0">
+                <a:latin typeface="Times New Roman" panose="02020603050405020304" pitchFamily="18" charset="0"/>
+                <a:cs typeface="Times New Roman" panose="02020603050405020304" pitchFamily="18" charset="0"/>
+              </a:rPr>
+              <a:t>Графические результаты работы моделей на собственных данных - 3</a:t>
+            </a:r>
+          </a:p>
+        </p:txBody>
+      </p:sp>
+      <p:sp>
+        <p:nvSpPr>
+          <p:cNvPr id="3" name="Объект 2">
+            <a:extLst>
+              <a:ext uri="{FF2B5EF4-FFF2-40B4-BE49-F238E27FC236}">
+                <a16:creationId xmlns:a16="http://schemas.microsoft.com/office/drawing/2014/main" id="{BC1F23B4-4143-F366-7562-70887AF1B651}"/>
+              </a:ext>
+            </a:extLst>
+          </p:cNvPr>
+          <p:cNvSpPr>
+            <a:spLocks noGrp="1"/>
+          </p:cNvSpPr>
+          <p:nvPr>
+            <p:ph idx="1"/>
+          </p:nvPr>
+        </p:nvSpPr>
+        <p:spPr>
+          <a:xfrm>
+            <a:off x="838200" y="1160585"/>
+            <a:ext cx="10515600" cy="5016378"/>
+          </a:xfrm>
+        </p:spPr>
+        <p:txBody>
+          <a:bodyPr/>
+          <a:lstStyle/>
+          <a:p>
+            <a:r>
+              <a:rPr lang="ru-RU" dirty="0">
+                <a:latin typeface="Times New Roman" panose="02020603050405020304" pitchFamily="18" charset="0"/>
+                <a:cs typeface="Times New Roman" panose="02020603050405020304" pitchFamily="18" charset="0"/>
+              </a:rPr>
+              <a:t>Решение с двумя независимыми моделями</a:t>
+            </a:r>
+          </a:p>
+        </p:txBody>
+      </p:sp>
+      <p:sp>
+        <p:nvSpPr>
+          <p:cNvPr id="4" name="Номер слайда 3">
+            <a:extLst>
+              <a:ext uri="{FF2B5EF4-FFF2-40B4-BE49-F238E27FC236}">
+                <a16:creationId xmlns:a16="http://schemas.microsoft.com/office/drawing/2014/main" id="{540CC0A2-5E3A-0763-D6B9-441F0E8AAE10}"/>
+              </a:ext>
+            </a:extLst>
+          </p:cNvPr>
+          <p:cNvSpPr>
+            <a:spLocks noGrp="1"/>
+          </p:cNvSpPr>
+          <p:nvPr>
+            <p:ph type="sldNum" sz="quarter" idx="12"/>
+          </p:nvPr>
+        </p:nvSpPr>
+        <p:spPr/>
+        <p:txBody>
+          <a:bodyPr/>
+          <a:lstStyle/>
+          <a:p>
+            <a:fld id="{DD52A6CB-90DA-4351-BF49-99661FABD7B0}" type="slidenum">
+              <a:rPr lang="ru-RU" smtClean="0"/>
+              <a:t>19</a:t>
+            </a:fld>
+            <a:endParaRPr lang="ru-RU"/>
+          </a:p>
+        </p:txBody>
+      </p:sp>
+      <p:sp>
+        <p:nvSpPr>
+          <p:cNvPr id="9" name="Rectangle 4">
+            <a:extLst>
+              <a:ext uri="{FF2B5EF4-FFF2-40B4-BE49-F238E27FC236}">
+                <a16:creationId xmlns:a16="http://schemas.microsoft.com/office/drawing/2014/main" id="{85900933-AA6E-2FE1-6C3B-C760B8632B4C}"/>
+              </a:ext>
+            </a:extLst>
+          </p:cNvPr>
+          <p:cNvSpPr>
+            <a:spLocks noChangeArrowheads="1"/>
+          </p:cNvSpPr>
+          <p:nvPr/>
+        </p:nvSpPr>
+        <p:spPr bwMode="auto">
+          <a:xfrm>
+            <a:off x="3149274" y="3732745"/>
+            <a:ext cx="5801588" cy="230832"/>
+          </a:xfrm>
+          <a:prstGeom prst="rect">
+            <a:avLst/>
+          </a:prstGeom>
+          <a:noFill/>
+          <a:ln>
+            <a:noFill/>
+          </a:ln>
+          <a:effectLst/>
+          <a:extLst>
+            <a:ext uri="{909E8E84-426E-40DD-AFC4-6F175D3DCCD1}">
+              <a14:hiddenFill xmlns:a14="http://schemas.microsoft.com/office/drawing/2010/main">
+                <a:solidFill>
+                  <a:schemeClr val="accent1"/>
+                </a:solidFill>
+              </a14:hiddenFill>
+            </a:ext>
+            <a:ext uri="{91240B29-F687-4F45-9708-019B960494DF}">
+              <a14:hiddenLine xmlns:a14="http://schemas.microsoft.com/office/drawing/2010/main" w="9525">
+                <a:solidFill>
+                  <a:schemeClr val="tx1"/>
+                </a:solidFill>
+                <a:miter lim="800000"/>
+                <a:headEnd/>
+                <a:tailEnd/>
+              </a14:hiddenLine>
+            </a:ext>
+            <a:ext uri="{AF507438-7753-43E0-B8FC-AC1667EBCBE1}">
+              <a14:hiddenEffects xmlns:a14="http://schemas.microsoft.com/office/drawing/2010/main">
+                <a:effectLst>
+                  <a:outerShdw dist="35921" dir="2700000" algn="ctr" rotWithShape="0">
+                    <a:schemeClr val="bg2"/>
+                  </a:outerShdw>
+                </a:effectLst>
+              </a14:hiddenEffects>
+            </a:ext>
+          </a:extLst>
+        </p:spPr>
+        <p:txBody>
+          <a:bodyPr vert="horz" wrap="none" lIns="91440" tIns="45720" rIns="91440" bIns="45720" numCol="1" anchor="ctr" anchorCtr="0" compatLnSpc="1">
+            <a:prstTxWarp prst="textNoShape">
+              <a:avLst/>
+            </a:prstTxWarp>
+            <a:spAutoFit/>
+          </a:bodyPr>
+          <a:lstStyle>
+            <a:lvl1pPr eaLnBrk="0" fontAlgn="base" hangingPunct="0">
+              <a:spcBef>
+                <a:spcPct val="0"/>
+              </a:spcBef>
+              <a:spcAft>
+                <a:spcPct val="0"/>
+              </a:spcAft>
+              <a:defRPr>
+                <a:solidFill>
+                  <a:schemeClr val="tx1"/>
+                </a:solidFill>
+                <a:latin typeface="Arial" panose="020B0604020202020204" pitchFamily="34" charset="0"/>
+              </a:defRPr>
+            </a:lvl1pPr>
+            <a:lvl2pPr eaLnBrk="0" fontAlgn="base" hangingPunct="0">
+              <a:spcBef>
+                <a:spcPct val="0"/>
+              </a:spcBef>
+              <a:spcAft>
+                <a:spcPct val="0"/>
+              </a:spcAft>
+              <a:defRPr>
+                <a:solidFill>
+                  <a:schemeClr val="tx1"/>
+                </a:solidFill>
+                <a:latin typeface="Arial" panose="020B0604020202020204" pitchFamily="34" charset="0"/>
+              </a:defRPr>
+            </a:lvl2pPr>
+            <a:lvl3pPr eaLnBrk="0" fontAlgn="base" hangingPunct="0">
+              <a:spcBef>
+                <a:spcPct val="0"/>
+              </a:spcBef>
+              <a:spcAft>
+                <a:spcPct val="0"/>
+              </a:spcAft>
+              <a:defRPr>
+                <a:solidFill>
+                  <a:schemeClr val="tx1"/>
+                </a:solidFill>
+                <a:latin typeface="Arial" panose="020B0604020202020204" pitchFamily="34" charset="0"/>
+              </a:defRPr>
+            </a:lvl3pPr>
+            <a:lvl4pPr eaLnBrk="0" fontAlgn="base" hangingPunct="0">
+              <a:spcBef>
+                <a:spcPct val="0"/>
+              </a:spcBef>
+              <a:spcAft>
+                <a:spcPct val="0"/>
+              </a:spcAft>
+              <a:defRPr>
+                <a:solidFill>
+                  <a:schemeClr val="tx1"/>
+                </a:solidFill>
+                <a:latin typeface="Arial" panose="020B0604020202020204" pitchFamily="34" charset="0"/>
+              </a:defRPr>
+            </a:lvl4pPr>
+            <a:lvl5pPr eaLnBrk="0" fontAlgn="base" hangingPunct="0">
+              <a:spcBef>
+                <a:spcPct val="0"/>
+              </a:spcBef>
+              <a:spcAft>
+                <a:spcPct val="0"/>
+              </a:spcAft>
+              <a:defRPr>
+                <a:solidFill>
+                  <a:schemeClr val="tx1"/>
+                </a:solidFill>
+                <a:latin typeface="Arial" panose="020B0604020202020204" pitchFamily="34" charset="0"/>
+              </a:defRPr>
+            </a:lvl5pPr>
+            <a:lvl6pPr eaLnBrk="0" fontAlgn="base" hangingPunct="0">
+              <a:spcBef>
+                <a:spcPct val="0"/>
+              </a:spcBef>
+              <a:spcAft>
+                <a:spcPct val="0"/>
+              </a:spcAft>
+              <a:defRPr>
+                <a:solidFill>
+                  <a:schemeClr val="tx1"/>
+                </a:solidFill>
+                <a:latin typeface="Arial" panose="020B0604020202020204" pitchFamily="34" charset="0"/>
+              </a:defRPr>
+            </a:lvl6pPr>
+            <a:lvl7pPr eaLnBrk="0" fontAlgn="base" hangingPunct="0">
+              <a:spcBef>
+                <a:spcPct val="0"/>
+              </a:spcBef>
+              <a:spcAft>
+                <a:spcPct val="0"/>
+              </a:spcAft>
+              <a:defRPr>
+                <a:solidFill>
+                  <a:schemeClr val="tx1"/>
+                </a:solidFill>
+                <a:latin typeface="Arial" panose="020B0604020202020204" pitchFamily="34" charset="0"/>
+              </a:defRPr>
+            </a:lvl7pPr>
+            <a:lvl8pPr eaLnBrk="0" fontAlgn="base" hangingPunct="0">
+              <a:spcBef>
+                <a:spcPct val="0"/>
+              </a:spcBef>
+              <a:spcAft>
+                <a:spcPct val="0"/>
+              </a:spcAft>
+              <a:defRPr>
+                <a:solidFill>
+                  <a:schemeClr val="tx1"/>
+                </a:solidFill>
+                <a:latin typeface="Arial" panose="020B0604020202020204" pitchFamily="34" charset="0"/>
+              </a:defRPr>
+            </a:lvl8pPr>
+            <a:lvl9pPr eaLnBrk="0" fontAlgn="base" hangingPunct="0">
+              <a:spcBef>
+                <a:spcPct val="0"/>
+              </a:spcBef>
+              <a:spcAft>
+                <a:spcPct val="0"/>
+              </a:spcAft>
+              <a:defRPr>
+                <a:solidFill>
+                  <a:schemeClr val="tx1"/>
+                </a:solidFill>
+                <a:latin typeface="Arial" panose="020B0604020202020204" pitchFamily="34" charset="0"/>
+              </a:defRPr>
+            </a:lvl9pPr>
+          </a:lstStyle>
+          <a:p>
+            <a:pPr marL="0" marR="0" lvl="0" indent="0" algn="l" defTabSz="914400" rtl="0" eaLnBrk="0" fontAlgn="base" latinLnBrk="0" hangingPunct="0">
+              <a:lnSpc>
+                <a:spcPct val="100000"/>
+              </a:lnSpc>
+              <a:spcBef>
+                <a:spcPct val="0"/>
+              </a:spcBef>
+              <a:spcAft>
+                <a:spcPct val="0"/>
+              </a:spcAft>
+              <a:buClrTx/>
+              <a:buSzTx/>
+              <a:buFontTx/>
+              <a:buNone/>
+              <a:tabLst/>
+            </a:pPr>
+            <a:r>
+              <a:rPr kumimoji="0" lang="ru-RU" altLang="ru-RU" sz="900" b="0" i="1" u="none" strike="noStrike" cap="none" normalizeH="0" baseline="0" dirty="0">
+                <a:ln>
+                  <a:noFill/>
+                </a:ln>
+                <a:solidFill>
+                  <a:srgbClr val="44546A"/>
+                </a:solidFill>
+                <a:effectLst/>
+                <a:latin typeface="Calibri" panose="020F0502020204030204" pitchFamily="34" charset="0"/>
+                <a:ea typeface="Calibri" panose="020F0502020204030204" pitchFamily="34" charset="0"/>
+                <a:cs typeface="Times New Roman" panose="02020603050405020304" pitchFamily="18" charset="0"/>
+              </a:rPr>
+              <a:t>Графики кривой </a:t>
+            </a:r>
+            <a:r>
+              <a:rPr kumimoji="0" lang="en-US" altLang="ru-RU" sz="900" b="0" i="1" u="none" strike="noStrike" cap="none" normalizeH="0" baseline="0" dirty="0">
+                <a:ln>
+                  <a:noFill/>
+                </a:ln>
+                <a:solidFill>
+                  <a:srgbClr val="44546A"/>
+                </a:solidFill>
+                <a:effectLst/>
+                <a:latin typeface="Calibri" panose="020F0502020204030204" pitchFamily="34" charset="0"/>
+                <a:ea typeface="Calibri" panose="020F0502020204030204" pitchFamily="34" charset="0"/>
+                <a:cs typeface="Times New Roman" panose="02020603050405020304" pitchFamily="18" charset="0"/>
+              </a:rPr>
+              <a:t>QINI</a:t>
+            </a:r>
+            <a:r>
+              <a:rPr kumimoji="0" lang="ru-RU" altLang="ru-RU" sz="900" b="0" i="1" u="none" strike="noStrike" cap="none" normalizeH="0" baseline="0" dirty="0">
+                <a:ln>
+                  <a:noFill/>
+                </a:ln>
+                <a:solidFill>
+                  <a:srgbClr val="44546A"/>
+                </a:solidFill>
+                <a:effectLst/>
+                <a:latin typeface="Calibri" panose="020F0502020204030204" pitchFamily="34" charset="0"/>
+                <a:ea typeface="Calibri" panose="020F0502020204030204" pitchFamily="34" charset="0"/>
+                <a:cs typeface="Times New Roman" panose="02020603050405020304" pitchFamily="18" charset="0"/>
+              </a:rPr>
+              <a:t> и </a:t>
+            </a:r>
+            <a:r>
+              <a:rPr kumimoji="0" lang="en-US" altLang="ru-RU" sz="900" b="0" i="1" u="none" strike="noStrike" cap="none" normalizeH="0" baseline="0" dirty="0">
+                <a:ln>
+                  <a:noFill/>
+                </a:ln>
+                <a:solidFill>
+                  <a:srgbClr val="44546A"/>
+                </a:solidFill>
+                <a:effectLst/>
+                <a:latin typeface="Calibri" panose="020F0502020204030204" pitchFamily="34" charset="0"/>
+                <a:ea typeface="Calibri" panose="020F0502020204030204" pitchFamily="34" charset="0"/>
+                <a:cs typeface="Times New Roman" panose="02020603050405020304" pitchFamily="18" charset="0"/>
+              </a:rPr>
+              <a:t>UpLift </a:t>
+            </a:r>
+            <a:r>
+              <a:rPr kumimoji="0" lang="ru-RU" altLang="ru-RU" sz="900" b="0" i="1" u="none" strike="noStrike" cap="none" normalizeH="0" baseline="0" dirty="0">
+                <a:ln>
+                  <a:noFill/>
+                </a:ln>
+                <a:solidFill>
+                  <a:srgbClr val="44546A"/>
+                </a:solidFill>
+                <a:effectLst/>
+                <a:latin typeface="Calibri" panose="020F0502020204030204" pitchFamily="34" charset="0"/>
+                <a:ea typeface="Calibri" panose="020F0502020204030204" pitchFamily="34" charset="0"/>
+                <a:cs typeface="Times New Roman" panose="02020603050405020304" pitchFamily="18" charset="0"/>
+              </a:rPr>
+              <a:t>для результатов моделирования с двумя независимыми моделями в лучшем случае</a:t>
+            </a:r>
+            <a:endParaRPr kumimoji="0" lang="ru-RU" altLang="ru-RU" sz="800" b="0" i="0" u="none" strike="noStrike" cap="none" normalizeH="0" baseline="0" dirty="0">
+              <a:ln>
+                <a:noFill/>
+              </a:ln>
+              <a:solidFill>
+                <a:schemeClr val="tx1"/>
+              </a:solidFill>
+              <a:effectLst/>
+            </a:endParaRPr>
+          </a:p>
+        </p:txBody>
+      </p:sp>
+      <p:sp>
+        <p:nvSpPr>
+          <p:cNvPr id="10" name="Rectangle 5">
+            <a:extLst>
+              <a:ext uri="{FF2B5EF4-FFF2-40B4-BE49-F238E27FC236}">
+                <a16:creationId xmlns:a16="http://schemas.microsoft.com/office/drawing/2014/main" id="{1C095CDB-25B0-B3FA-D14A-326BE2D1BA78}"/>
+              </a:ext>
+            </a:extLst>
+          </p:cNvPr>
+          <p:cNvSpPr>
+            <a:spLocks noChangeArrowheads="1"/>
+          </p:cNvSpPr>
+          <p:nvPr/>
+        </p:nvSpPr>
+        <p:spPr bwMode="auto">
+          <a:xfrm>
+            <a:off x="2922594" y="6289879"/>
+            <a:ext cx="6028268" cy="230832"/>
+          </a:xfrm>
+          <a:prstGeom prst="rect">
+            <a:avLst/>
+          </a:prstGeom>
+          <a:noFill/>
+          <a:ln>
+            <a:noFill/>
+          </a:ln>
+          <a:effectLst/>
+          <a:extLst>
+            <a:ext uri="{909E8E84-426E-40DD-AFC4-6F175D3DCCD1}">
+              <a14:hiddenFill xmlns:a14="http://schemas.microsoft.com/office/drawing/2010/main">
+                <a:solidFill>
+                  <a:schemeClr val="accent1"/>
+                </a:solidFill>
+              </a14:hiddenFill>
+            </a:ext>
+            <a:ext uri="{91240B29-F687-4F45-9708-019B960494DF}">
+              <a14:hiddenLine xmlns:a14="http://schemas.microsoft.com/office/drawing/2010/main" w="9525">
+                <a:solidFill>
+                  <a:schemeClr val="tx1"/>
+                </a:solidFill>
+                <a:miter lim="800000"/>
+                <a:headEnd/>
+                <a:tailEnd/>
+              </a14:hiddenLine>
+            </a:ext>
+            <a:ext uri="{AF507438-7753-43E0-B8FC-AC1667EBCBE1}">
+              <a14:hiddenEffects xmlns:a14="http://schemas.microsoft.com/office/drawing/2010/main">
+                <a:effectLst>
+                  <a:outerShdw dist="35921" dir="2700000" algn="ctr" rotWithShape="0">
+                    <a:schemeClr val="bg2"/>
+                  </a:outerShdw>
+                </a:effectLst>
+              </a14:hiddenEffects>
+            </a:ext>
+          </a:extLst>
+        </p:spPr>
+        <p:txBody>
+          <a:bodyPr vert="horz" wrap="square" lIns="91440" tIns="45720" rIns="91440" bIns="45720" numCol="1" anchor="ctr" anchorCtr="0" compatLnSpc="1">
+            <a:prstTxWarp prst="textNoShape">
+              <a:avLst/>
+            </a:prstTxWarp>
+            <a:spAutoFit/>
+          </a:bodyPr>
+          <a:lstStyle/>
+          <a:p>
+            <a:pPr marL="0" marR="0" lvl="0" indent="0" algn="ctr" defTabSz="914400" rtl="0" eaLnBrk="0" fontAlgn="base" latinLnBrk="0" hangingPunct="0">
+              <a:lnSpc>
+                <a:spcPct val="100000"/>
+              </a:lnSpc>
+              <a:spcBef>
+                <a:spcPct val="0"/>
+              </a:spcBef>
+              <a:spcAft>
+                <a:spcPct val="0"/>
+              </a:spcAft>
+              <a:buClrTx/>
+              <a:buSzTx/>
+              <a:buFontTx/>
+              <a:buNone/>
+              <a:tabLst/>
+            </a:pPr>
+            <a:r>
+              <a:rPr kumimoji="0" lang="ru-RU" altLang="ru-RU" sz="900" b="0" i="1" u="none" strike="noStrike" cap="none" normalizeH="0" baseline="0" dirty="0">
+                <a:ln>
+                  <a:noFill/>
+                </a:ln>
+                <a:solidFill>
+                  <a:srgbClr val="44546A"/>
+                </a:solidFill>
+                <a:effectLst/>
+                <a:latin typeface="Calibri" panose="020F0502020204030204" pitchFamily="34" charset="0"/>
+                <a:ea typeface="Calibri" panose="020F0502020204030204" pitchFamily="34" charset="0"/>
+                <a:cs typeface="Times New Roman" panose="02020603050405020304" pitchFamily="18" charset="0"/>
+              </a:rPr>
+              <a:t>Графики кривой QINI и </a:t>
+            </a:r>
+            <a:r>
+              <a:rPr kumimoji="0" lang="ru-RU" altLang="ru-RU" sz="900" b="0" i="1" u="none" strike="noStrike" cap="none" normalizeH="0" baseline="0" dirty="0" err="1">
+                <a:ln>
+                  <a:noFill/>
+                </a:ln>
+                <a:solidFill>
+                  <a:srgbClr val="44546A"/>
+                </a:solidFill>
+                <a:effectLst/>
+                <a:latin typeface="Calibri" panose="020F0502020204030204" pitchFamily="34" charset="0"/>
+                <a:ea typeface="Calibri" panose="020F0502020204030204" pitchFamily="34" charset="0"/>
+                <a:cs typeface="Times New Roman" panose="02020603050405020304" pitchFamily="18" charset="0"/>
+              </a:rPr>
+              <a:t>UpLift</a:t>
+            </a:r>
+            <a:r>
+              <a:rPr kumimoji="0" lang="ru-RU" altLang="ru-RU" sz="900" b="0" i="1" u="none" strike="noStrike" cap="none" normalizeH="0" baseline="0" dirty="0">
+                <a:ln>
+                  <a:noFill/>
+                </a:ln>
+                <a:solidFill>
+                  <a:srgbClr val="44546A"/>
+                </a:solidFill>
+                <a:effectLst/>
+                <a:latin typeface="Calibri" panose="020F0502020204030204" pitchFamily="34" charset="0"/>
+                <a:ea typeface="Calibri" panose="020F0502020204030204" pitchFamily="34" charset="0"/>
+                <a:cs typeface="Times New Roman" panose="02020603050405020304" pitchFamily="18" charset="0"/>
+              </a:rPr>
+              <a:t> для результатов моделирования с двумя независимыми моделями в худшем случае</a:t>
+            </a:r>
+            <a:endParaRPr kumimoji="0" lang="ru-RU" altLang="ru-RU" sz="1800" b="0" i="0" u="none" strike="noStrike" cap="none" normalizeH="0" baseline="0" dirty="0">
+              <a:ln>
+                <a:noFill/>
+              </a:ln>
+              <a:solidFill>
+                <a:schemeClr val="tx1"/>
+              </a:solidFill>
+              <a:effectLst/>
+              <a:latin typeface="Arial" panose="020B0604020202020204" pitchFamily="34" charset="0"/>
+            </a:endParaRPr>
+          </a:p>
+        </p:txBody>
+      </p:sp>
+      <p:pic>
+        <p:nvPicPr>
+          <p:cNvPr id="11" name="Рисунок 10">
+            <a:extLst>
+              <a:ext uri="{FF2B5EF4-FFF2-40B4-BE49-F238E27FC236}">
+                <a16:creationId xmlns:a16="http://schemas.microsoft.com/office/drawing/2014/main" id="{B5004E50-0D49-809B-2594-21C90D26ABF3}"/>
+              </a:ext>
+            </a:extLst>
+          </p:cNvPr>
+          <p:cNvPicPr>
+            <a:picLocks noChangeAspect="1"/>
+          </p:cNvPicPr>
+          <p:nvPr/>
+        </p:nvPicPr>
+        <p:blipFill>
+          <a:blip r:embed="rId2"/>
+          <a:stretch>
+            <a:fillRect/>
+          </a:stretch>
+        </p:blipFill>
+        <p:spPr>
+          <a:xfrm>
+            <a:off x="2769042" y="1536616"/>
+            <a:ext cx="6653916" cy="2236152"/>
+          </a:xfrm>
+          <a:prstGeom prst="rect">
+            <a:avLst/>
+          </a:prstGeom>
+        </p:spPr>
+      </p:pic>
+      <p:pic>
+        <p:nvPicPr>
+          <p:cNvPr id="12" name="Рисунок 11">
+            <a:extLst>
+              <a:ext uri="{FF2B5EF4-FFF2-40B4-BE49-F238E27FC236}">
+                <a16:creationId xmlns:a16="http://schemas.microsoft.com/office/drawing/2014/main" id="{0F26F65B-00EC-DA04-DCA6-0CDCC1CC5ED7}"/>
+              </a:ext>
+            </a:extLst>
+          </p:cNvPr>
+          <p:cNvPicPr>
+            <a:picLocks noChangeAspect="1"/>
+          </p:cNvPicPr>
+          <p:nvPr/>
+        </p:nvPicPr>
+        <p:blipFill>
+          <a:blip r:embed="rId3"/>
+          <a:stretch>
+            <a:fillRect/>
+          </a:stretch>
+        </p:blipFill>
+        <p:spPr>
+          <a:xfrm>
+            <a:off x="2876663" y="4148799"/>
+            <a:ext cx="6120130" cy="2056765"/>
+          </a:xfrm>
+          <a:prstGeom prst="rect">
+            <a:avLst/>
+          </a:prstGeom>
+        </p:spPr>
+      </p:pic>
+    </p:spTree>
+    <p:extLst>
+      <p:ext uri="{BB962C8B-B14F-4D97-AF65-F5344CB8AC3E}">
+        <p14:creationId xmlns:p14="http://schemas.microsoft.com/office/powerpoint/2010/main" val="1298687841"/>
       </p:ext>
     </p:extLst>
   </p:cSld>
@@ -8057,6 +9820,2546 @@
 </p:sld>
 </file>
 
+<file path=ppt/slides/slide20.xml><?xml version="1.0" encoding="utf-8"?>
+<p:sld xmlns:a="http://schemas.openxmlformats.org/drawingml/2006/main" xmlns:r="http://schemas.openxmlformats.org/officeDocument/2006/relationships" xmlns:p="http://schemas.openxmlformats.org/presentationml/2006/main">
+  <p:cSld>
+    <p:spTree>
+      <p:nvGrpSpPr>
+        <p:cNvPr id="1" name=""/>
+        <p:cNvGrpSpPr/>
+        <p:nvPr/>
+      </p:nvGrpSpPr>
+      <p:grpSpPr>
+        <a:xfrm>
+          <a:off x="0" y="0"/>
+          <a:ext cx="0" cy="0"/>
+          <a:chOff x="0" y="0"/>
+          <a:chExt cx="0" cy="0"/>
+        </a:xfrm>
+      </p:grpSpPr>
+      <p:sp>
+        <p:nvSpPr>
+          <p:cNvPr id="2" name="Заголовок 1">
+            <a:extLst>
+              <a:ext uri="{FF2B5EF4-FFF2-40B4-BE49-F238E27FC236}">
+                <a16:creationId xmlns:a16="http://schemas.microsoft.com/office/drawing/2014/main" id="{BDC9BE10-D1FA-FE3B-3CDE-11915BBC8AA9}"/>
+              </a:ext>
+            </a:extLst>
+          </p:cNvPr>
+          <p:cNvSpPr>
+            <a:spLocks noGrp="1"/>
+          </p:cNvSpPr>
+          <p:nvPr>
+            <p:ph type="title"/>
+          </p:nvPr>
+        </p:nvSpPr>
+        <p:spPr>
+          <a:xfrm>
+            <a:off x="838200" y="198071"/>
+            <a:ext cx="10515600" cy="725121"/>
+          </a:xfrm>
+        </p:spPr>
+        <p:txBody>
+          <a:bodyPr>
+            <a:normAutofit fontScale="90000"/>
+          </a:bodyPr>
+          <a:lstStyle/>
+          <a:p>
+            <a:r>
+              <a:rPr lang="ru-RU" dirty="0">
+                <a:latin typeface="Times New Roman" panose="02020603050405020304" pitchFamily="18" charset="0"/>
+                <a:cs typeface="Times New Roman" panose="02020603050405020304" pitchFamily="18" charset="0"/>
+              </a:rPr>
+              <a:t>Графические результаты работы моделей на собственных данных - 4</a:t>
+            </a:r>
+          </a:p>
+        </p:txBody>
+      </p:sp>
+      <p:sp>
+        <p:nvSpPr>
+          <p:cNvPr id="3" name="Объект 2">
+            <a:extLst>
+              <a:ext uri="{FF2B5EF4-FFF2-40B4-BE49-F238E27FC236}">
+                <a16:creationId xmlns:a16="http://schemas.microsoft.com/office/drawing/2014/main" id="{BC1F23B4-4143-F366-7562-70887AF1B651}"/>
+              </a:ext>
+            </a:extLst>
+          </p:cNvPr>
+          <p:cNvSpPr>
+            <a:spLocks noGrp="1"/>
+          </p:cNvSpPr>
+          <p:nvPr>
+            <p:ph idx="1"/>
+          </p:nvPr>
+        </p:nvSpPr>
+        <p:spPr>
+          <a:xfrm>
+            <a:off x="838200" y="1160585"/>
+            <a:ext cx="10515600" cy="5016378"/>
+          </a:xfrm>
+        </p:spPr>
+        <p:txBody>
+          <a:bodyPr/>
+          <a:lstStyle/>
+          <a:p>
+            <a:r>
+              <a:rPr lang="ru-RU" dirty="0">
+                <a:latin typeface="Times New Roman" panose="02020603050405020304" pitchFamily="18" charset="0"/>
+                <a:cs typeface="Times New Roman" panose="02020603050405020304" pitchFamily="18" charset="0"/>
+              </a:rPr>
+              <a:t>Трансформация класса</a:t>
+            </a:r>
+          </a:p>
+        </p:txBody>
+      </p:sp>
+      <p:sp>
+        <p:nvSpPr>
+          <p:cNvPr id="4" name="Номер слайда 3">
+            <a:extLst>
+              <a:ext uri="{FF2B5EF4-FFF2-40B4-BE49-F238E27FC236}">
+                <a16:creationId xmlns:a16="http://schemas.microsoft.com/office/drawing/2014/main" id="{540CC0A2-5E3A-0763-D6B9-441F0E8AAE10}"/>
+              </a:ext>
+            </a:extLst>
+          </p:cNvPr>
+          <p:cNvSpPr>
+            <a:spLocks noGrp="1"/>
+          </p:cNvSpPr>
+          <p:nvPr>
+            <p:ph type="sldNum" sz="quarter" idx="12"/>
+          </p:nvPr>
+        </p:nvSpPr>
+        <p:spPr/>
+        <p:txBody>
+          <a:bodyPr/>
+          <a:lstStyle/>
+          <a:p>
+            <a:fld id="{DD52A6CB-90DA-4351-BF49-99661FABD7B0}" type="slidenum">
+              <a:rPr lang="ru-RU" smtClean="0"/>
+              <a:t>20</a:t>
+            </a:fld>
+            <a:endParaRPr lang="ru-RU"/>
+          </a:p>
+        </p:txBody>
+      </p:sp>
+      <p:sp>
+        <p:nvSpPr>
+          <p:cNvPr id="7" name="Rectangle 4">
+            <a:extLst>
+              <a:ext uri="{FF2B5EF4-FFF2-40B4-BE49-F238E27FC236}">
+                <a16:creationId xmlns:a16="http://schemas.microsoft.com/office/drawing/2014/main" id="{EF4DAFAE-10EC-8899-8C59-5F680386C086}"/>
+              </a:ext>
+            </a:extLst>
+          </p:cNvPr>
+          <p:cNvSpPr>
+            <a:spLocks noChangeArrowheads="1"/>
+          </p:cNvSpPr>
+          <p:nvPr/>
+        </p:nvSpPr>
+        <p:spPr bwMode="auto">
+          <a:xfrm>
+            <a:off x="3342681" y="3703967"/>
+            <a:ext cx="5506636" cy="230832"/>
+          </a:xfrm>
+          <a:prstGeom prst="rect">
+            <a:avLst/>
+          </a:prstGeom>
+          <a:noFill/>
+          <a:ln>
+            <a:noFill/>
+          </a:ln>
+          <a:effectLst/>
+          <a:extLst>
+            <a:ext uri="{909E8E84-426E-40DD-AFC4-6F175D3DCCD1}">
+              <a14:hiddenFill xmlns:a14="http://schemas.microsoft.com/office/drawing/2010/main">
+                <a:solidFill>
+                  <a:schemeClr val="accent1"/>
+                </a:solidFill>
+              </a14:hiddenFill>
+            </a:ext>
+            <a:ext uri="{91240B29-F687-4F45-9708-019B960494DF}">
+              <a14:hiddenLine xmlns:a14="http://schemas.microsoft.com/office/drawing/2010/main" w="9525">
+                <a:solidFill>
+                  <a:schemeClr val="tx1"/>
+                </a:solidFill>
+                <a:miter lim="800000"/>
+                <a:headEnd/>
+                <a:tailEnd/>
+              </a14:hiddenLine>
+            </a:ext>
+            <a:ext uri="{AF507438-7753-43E0-B8FC-AC1667EBCBE1}">
+              <a14:hiddenEffects xmlns:a14="http://schemas.microsoft.com/office/drawing/2010/main">
+                <a:effectLst>
+                  <a:outerShdw dist="35921" dir="2700000" algn="ctr" rotWithShape="0">
+                    <a:schemeClr val="bg2"/>
+                  </a:outerShdw>
+                </a:effectLst>
+              </a14:hiddenEffects>
+            </a:ext>
+          </a:extLst>
+        </p:spPr>
+        <p:txBody>
+          <a:bodyPr vert="horz" wrap="none" lIns="91440" tIns="45720" rIns="91440" bIns="45720" numCol="1" anchor="ctr" anchorCtr="0" compatLnSpc="1">
+            <a:prstTxWarp prst="textNoShape">
+              <a:avLst/>
+            </a:prstTxWarp>
+            <a:spAutoFit/>
+          </a:bodyPr>
+          <a:lstStyle>
+            <a:lvl1pPr eaLnBrk="0" fontAlgn="base" hangingPunct="0">
+              <a:spcBef>
+                <a:spcPct val="0"/>
+              </a:spcBef>
+              <a:spcAft>
+                <a:spcPct val="0"/>
+              </a:spcAft>
+              <a:defRPr>
+                <a:solidFill>
+                  <a:schemeClr val="tx1"/>
+                </a:solidFill>
+                <a:latin typeface="Arial" panose="020B0604020202020204" pitchFamily="34" charset="0"/>
+              </a:defRPr>
+            </a:lvl1pPr>
+            <a:lvl2pPr eaLnBrk="0" fontAlgn="base" hangingPunct="0">
+              <a:spcBef>
+                <a:spcPct val="0"/>
+              </a:spcBef>
+              <a:spcAft>
+                <a:spcPct val="0"/>
+              </a:spcAft>
+              <a:defRPr>
+                <a:solidFill>
+                  <a:schemeClr val="tx1"/>
+                </a:solidFill>
+                <a:latin typeface="Arial" panose="020B0604020202020204" pitchFamily="34" charset="0"/>
+              </a:defRPr>
+            </a:lvl2pPr>
+            <a:lvl3pPr eaLnBrk="0" fontAlgn="base" hangingPunct="0">
+              <a:spcBef>
+                <a:spcPct val="0"/>
+              </a:spcBef>
+              <a:spcAft>
+                <a:spcPct val="0"/>
+              </a:spcAft>
+              <a:defRPr>
+                <a:solidFill>
+                  <a:schemeClr val="tx1"/>
+                </a:solidFill>
+                <a:latin typeface="Arial" panose="020B0604020202020204" pitchFamily="34" charset="0"/>
+              </a:defRPr>
+            </a:lvl3pPr>
+            <a:lvl4pPr eaLnBrk="0" fontAlgn="base" hangingPunct="0">
+              <a:spcBef>
+                <a:spcPct val="0"/>
+              </a:spcBef>
+              <a:spcAft>
+                <a:spcPct val="0"/>
+              </a:spcAft>
+              <a:defRPr>
+                <a:solidFill>
+                  <a:schemeClr val="tx1"/>
+                </a:solidFill>
+                <a:latin typeface="Arial" panose="020B0604020202020204" pitchFamily="34" charset="0"/>
+              </a:defRPr>
+            </a:lvl4pPr>
+            <a:lvl5pPr eaLnBrk="0" fontAlgn="base" hangingPunct="0">
+              <a:spcBef>
+                <a:spcPct val="0"/>
+              </a:spcBef>
+              <a:spcAft>
+                <a:spcPct val="0"/>
+              </a:spcAft>
+              <a:defRPr>
+                <a:solidFill>
+                  <a:schemeClr val="tx1"/>
+                </a:solidFill>
+                <a:latin typeface="Arial" panose="020B0604020202020204" pitchFamily="34" charset="0"/>
+              </a:defRPr>
+            </a:lvl5pPr>
+            <a:lvl6pPr eaLnBrk="0" fontAlgn="base" hangingPunct="0">
+              <a:spcBef>
+                <a:spcPct val="0"/>
+              </a:spcBef>
+              <a:spcAft>
+                <a:spcPct val="0"/>
+              </a:spcAft>
+              <a:defRPr>
+                <a:solidFill>
+                  <a:schemeClr val="tx1"/>
+                </a:solidFill>
+                <a:latin typeface="Arial" panose="020B0604020202020204" pitchFamily="34" charset="0"/>
+              </a:defRPr>
+            </a:lvl6pPr>
+            <a:lvl7pPr eaLnBrk="0" fontAlgn="base" hangingPunct="0">
+              <a:spcBef>
+                <a:spcPct val="0"/>
+              </a:spcBef>
+              <a:spcAft>
+                <a:spcPct val="0"/>
+              </a:spcAft>
+              <a:defRPr>
+                <a:solidFill>
+                  <a:schemeClr val="tx1"/>
+                </a:solidFill>
+                <a:latin typeface="Arial" panose="020B0604020202020204" pitchFamily="34" charset="0"/>
+              </a:defRPr>
+            </a:lvl7pPr>
+            <a:lvl8pPr eaLnBrk="0" fontAlgn="base" hangingPunct="0">
+              <a:spcBef>
+                <a:spcPct val="0"/>
+              </a:spcBef>
+              <a:spcAft>
+                <a:spcPct val="0"/>
+              </a:spcAft>
+              <a:defRPr>
+                <a:solidFill>
+                  <a:schemeClr val="tx1"/>
+                </a:solidFill>
+                <a:latin typeface="Arial" panose="020B0604020202020204" pitchFamily="34" charset="0"/>
+              </a:defRPr>
+            </a:lvl8pPr>
+            <a:lvl9pPr eaLnBrk="0" fontAlgn="base" hangingPunct="0">
+              <a:spcBef>
+                <a:spcPct val="0"/>
+              </a:spcBef>
+              <a:spcAft>
+                <a:spcPct val="0"/>
+              </a:spcAft>
+              <a:defRPr>
+                <a:solidFill>
+                  <a:schemeClr val="tx1"/>
+                </a:solidFill>
+                <a:latin typeface="Arial" panose="020B0604020202020204" pitchFamily="34" charset="0"/>
+              </a:defRPr>
+            </a:lvl9pPr>
+          </a:lstStyle>
+          <a:p>
+            <a:pPr marL="0" marR="0" lvl="0" indent="0" algn="l" defTabSz="914400" rtl="0" eaLnBrk="0" fontAlgn="base" latinLnBrk="0" hangingPunct="0">
+              <a:lnSpc>
+                <a:spcPct val="100000"/>
+              </a:lnSpc>
+              <a:spcBef>
+                <a:spcPct val="0"/>
+              </a:spcBef>
+              <a:spcAft>
+                <a:spcPct val="0"/>
+              </a:spcAft>
+              <a:buClrTx/>
+              <a:buSzTx/>
+              <a:buFontTx/>
+              <a:buNone/>
+              <a:tabLst/>
+            </a:pPr>
+            <a:r>
+              <a:rPr kumimoji="0" lang="ru-RU" altLang="ru-RU" sz="900" b="0" i="1" u="none" strike="noStrike" cap="none" normalizeH="0" baseline="0" dirty="0">
+                <a:ln>
+                  <a:noFill/>
+                </a:ln>
+                <a:solidFill>
+                  <a:srgbClr val="44546A"/>
+                </a:solidFill>
+                <a:effectLst/>
+                <a:latin typeface="Calibri" panose="020F0502020204030204" pitchFamily="34" charset="0"/>
+                <a:ea typeface="Calibri" panose="020F0502020204030204" pitchFamily="34" charset="0"/>
+                <a:cs typeface="Times New Roman" panose="02020603050405020304" pitchFamily="18" charset="0"/>
+              </a:rPr>
+              <a:t>Графики кривой </a:t>
+            </a:r>
+            <a:r>
+              <a:rPr kumimoji="0" lang="en-US" altLang="ru-RU" sz="900" b="0" i="1" u="none" strike="noStrike" cap="none" normalizeH="0" baseline="0" dirty="0">
+                <a:ln>
+                  <a:noFill/>
+                </a:ln>
+                <a:solidFill>
+                  <a:srgbClr val="44546A"/>
+                </a:solidFill>
+                <a:effectLst/>
+                <a:latin typeface="Calibri" panose="020F0502020204030204" pitchFamily="34" charset="0"/>
+                <a:ea typeface="Calibri" panose="020F0502020204030204" pitchFamily="34" charset="0"/>
+                <a:cs typeface="Times New Roman" panose="02020603050405020304" pitchFamily="18" charset="0"/>
+              </a:rPr>
+              <a:t>QINI</a:t>
+            </a:r>
+            <a:r>
+              <a:rPr kumimoji="0" lang="ru-RU" altLang="ru-RU" sz="900" b="0" i="1" u="none" strike="noStrike" cap="none" normalizeH="0" baseline="0" dirty="0">
+                <a:ln>
+                  <a:noFill/>
+                </a:ln>
+                <a:solidFill>
+                  <a:srgbClr val="44546A"/>
+                </a:solidFill>
+                <a:effectLst/>
+                <a:latin typeface="Calibri" panose="020F0502020204030204" pitchFamily="34" charset="0"/>
+                <a:ea typeface="Calibri" panose="020F0502020204030204" pitchFamily="34" charset="0"/>
+                <a:cs typeface="Times New Roman" panose="02020603050405020304" pitchFamily="18" charset="0"/>
+              </a:rPr>
+              <a:t> и </a:t>
+            </a:r>
+            <a:r>
+              <a:rPr kumimoji="0" lang="en-US" altLang="ru-RU" sz="900" b="0" i="1" u="none" strike="noStrike" cap="none" normalizeH="0" baseline="0" dirty="0">
+                <a:ln>
+                  <a:noFill/>
+                </a:ln>
+                <a:solidFill>
+                  <a:srgbClr val="44546A"/>
+                </a:solidFill>
+                <a:effectLst/>
+                <a:latin typeface="Calibri" panose="020F0502020204030204" pitchFamily="34" charset="0"/>
+                <a:ea typeface="Calibri" panose="020F0502020204030204" pitchFamily="34" charset="0"/>
+                <a:cs typeface="Times New Roman" panose="02020603050405020304" pitchFamily="18" charset="0"/>
+              </a:rPr>
+              <a:t>UpLift </a:t>
+            </a:r>
+            <a:r>
+              <a:rPr kumimoji="0" lang="ru-RU" altLang="ru-RU" sz="900" b="0" i="1" u="none" strike="noStrike" cap="none" normalizeH="0" baseline="0" dirty="0">
+                <a:ln>
+                  <a:noFill/>
+                </a:ln>
+                <a:solidFill>
+                  <a:srgbClr val="44546A"/>
+                </a:solidFill>
+                <a:effectLst/>
+                <a:latin typeface="Calibri" panose="020F0502020204030204" pitchFamily="34" charset="0"/>
+                <a:ea typeface="Calibri" panose="020F0502020204030204" pitchFamily="34" charset="0"/>
+                <a:cs typeface="Times New Roman" panose="02020603050405020304" pitchFamily="18" charset="0"/>
+              </a:rPr>
+              <a:t>для результатов моделирования с трансформацией класса в лучшем случае</a:t>
+            </a:r>
+            <a:endParaRPr kumimoji="0" lang="ru-RU" altLang="ru-RU" sz="800" b="0" i="0" u="none" strike="noStrike" cap="none" normalizeH="0" baseline="0" dirty="0">
+              <a:ln>
+                <a:noFill/>
+              </a:ln>
+              <a:solidFill>
+                <a:schemeClr val="tx1"/>
+              </a:solidFill>
+              <a:effectLst/>
+            </a:endParaRPr>
+          </a:p>
+        </p:txBody>
+      </p:sp>
+      <p:sp>
+        <p:nvSpPr>
+          <p:cNvPr id="8" name="Rectangle 5">
+            <a:extLst>
+              <a:ext uri="{FF2B5EF4-FFF2-40B4-BE49-F238E27FC236}">
+                <a16:creationId xmlns:a16="http://schemas.microsoft.com/office/drawing/2014/main" id="{0486E1B4-BDD4-E556-8027-DDA74CCB29CF}"/>
+              </a:ext>
+            </a:extLst>
+          </p:cNvPr>
+          <p:cNvSpPr>
+            <a:spLocks noChangeArrowheads="1"/>
+          </p:cNvSpPr>
+          <p:nvPr/>
+        </p:nvSpPr>
+        <p:spPr bwMode="auto">
+          <a:xfrm>
+            <a:off x="3301999" y="6327687"/>
+            <a:ext cx="5588000" cy="230832"/>
+          </a:xfrm>
+          <a:prstGeom prst="rect">
+            <a:avLst/>
+          </a:prstGeom>
+          <a:noFill/>
+          <a:ln>
+            <a:noFill/>
+          </a:ln>
+          <a:effectLst/>
+          <a:extLst>
+            <a:ext uri="{909E8E84-426E-40DD-AFC4-6F175D3DCCD1}">
+              <a14:hiddenFill xmlns:a14="http://schemas.microsoft.com/office/drawing/2010/main">
+                <a:solidFill>
+                  <a:schemeClr val="accent1"/>
+                </a:solidFill>
+              </a14:hiddenFill>
+            </a:ext>
+            <a:ext uri="{91240B29-F687-4F45-9708-019B960494DF}">
+              <a14:hiddenLine xmlns:a14="http://schemas.microsoft.com/office/drawing/2010/main" w="9525">
+                <a:solidFill>
+                  <a:schemeClr val="tx1"/>
+                </a:solidFill>
+                <a:miter lim="800000"/>
+                <a:headEnd/>
+                <a:tailEnd/>
+              </a14:hiddenLine>
+            </a:ext>
+            <a:ext uri="{AF507438-7753-43E0-B8FC-AC1667EBCBE1}">
+              <a14:hiddenEffects xmlns:a14="http://schemas.microsoft.com/office/drawing/2010/main">
+                <a:effectLst>
+                  <a:outerShdw dist="35921" dir="2700000" algn="ctr" rotWithShape="0">
+                    <a:schemeClr val="bg2"/>
+                  </a:outerShdw>
+                </a:effectLst>
+              </a14:hiddenEffects>
+            </a:ext>
+          </a:extLst>
+        </p:spPr>
+        <p:txBody>
+          <a:bodyPr vert="horz" wrap="square" lIns="91440" tIns="45720" rIns="91440" bIns="45720" numCol="1" anchor="ctr" anchorCtr="0" compatLnSpc="1">
+            <a:prstTxWarp prst="textNoShape">
+              <a:avLst/>
+            </a:prstTxWarp>
+            <a:spAutoFit/>
+          </a:bodyPr>
+          <a:lstStyle/>
+          <a:p>
+            <a:pPr marL="0" marR="0" lvl="0" indent="0" algn="ctr" defTabSz="914400" rtl="0" eaLnBrk="0" fontAlgn="base" latinLnBrk="0" hangingPunct="0">
+              <a:lnSpc>
+                <a:spcPct val="100000"/>
+              </a:lnSpc>
+              <a:spcBef>
+                <a:spcPct val="0"/>
+              </a:spcBef>
+              <a:spcAft>
+                <a:spcPct val="0"/>
+              </a:spcAft>
+              <a:buClrTx/>
+              <a:buSzTx/>
+              <a:buFontTx/>
+              <a:buNone/>
+              <a:tabLst/>
+            </a:pPr>
+            <a:r>
+              <a:rPr kumimoji="0" lang="ru-RU" altLang="ru-RU" sz="900" b="0" i="1" u="none" strike="noStrike" cap="none" normalizeH="0" baseline="0" dirty="0">
+                <a:ln>
+                  <a:noFill/>
+                </a:ln>
+                <a:solidFill>
+                  <a:srgbClr val="44546A"/>
+                </a:solidFill>
+                <a:effectLst/>
+                <a:latin typeface="Calibri" panose="020F0502020204030204" pitchFamily="34" charset="0"/>
+                <a:ea typeface="Calibri" panose="020F0502020204030204" pitchFamily="34" charset="0"/>
+                <a:cs typeface="Times New Roman" panose="02020603050405020304" pitchFamily="18" charset="0"/>
+              </a:rPr>
+              <a:t>Графики кривой QINI и </a:t>
+            </a:r>
+            <a:r>
+              <a:rPr kumimoji="0" lang="ru-RU" altLang="ru-RU" sz="900" b="0" i="1" u="none" strike="noStrike" cap="none" normalizeH="0" baseline="0" dirty="0" err="1">
+                <a:ln>
+                  <a:noFill/>
+                </a:ln>
+                <a:solidFill>
+                  <a:srgbClr val="44546A"/>
+                </a:solidFill>
+                <a:effectLst/>
+                <a:latin typeface="Calibri" panose="020F0502020204030204" pitchFamily="34" charset="0"/>
+                <a:ea typeface="Calibri" panose="020F0502020204030204" pitchFamily="34" charset="0"/>
+                <a:cs typeface="Times New Roman" panose="02020603050405020304" pitchFamily="18" charset="0"/>
+              </a:rPr>
+              <a:t>UpLift</a:t>
+            </a:r>
+            <a:r>
+              <a:rPr kumimoji="0" lang="ru-RU" altLang="ru-RU" sz="900" b="0" i="1" u="none" strike="noStrike" cap="none" normalizeH="0" baseline="0" dirty="0">
+                <a:ln>
+                  <a:noFill/>
+                </a:ln>
+                <a:solidFill>
+                  <a:srgbClr val="44546A"/>
+                </a:solidFill>
+                <a:effectLst/>
+                <a:latin typeface="Calibri" panose="020F0502020204030204" pitchFamily="34" charset="0"/>
+                <a:ea typeface="Calibri" panose="020F0502020204030204" pitchFamily="34" charset="0"/>
+                <a:cs typeface="Times New Roman" panose="02020603050405020304" pitchFamily="18" charset="0"/>
+              </a:rPr>
+              <a:t> для результатов моделирования с трансформацией класса в худшем случае</a:t>
+            </a:r>
+            <a:endParaRPr kumimoji="0" lang="ru-RU" altLang="ru-RU" sz="1800" b="0" i="0" u="none" strike="noStrike" cap="none" normalizeH="0" baseline="0" dirty="0">
+              <a:ln>
+                <a:noFill/>
+              </a:ln>
+              <a:solidFill>
+                <a:schemeClr val="tx1"/>
+              </a:solidFill>
+              <a:effectLst/>
+              <a:latin typeface="Arial" panose="020B0604020202020204" pitchFamily="34" charset="0"/>
+            </a:endParaRPr>
+          </a:p>
+        </p:txBody>
+      </p:sp>
+      <p:pic>
+        <p:nvPicPr>
+          <p:cNvPr id="11" name="Рисунок 10">
+            <a:extLst>
+              <a:ext uri="{FF2B5EF4-FFF2-40B4-BE49-F238E27FC236}">
+                <a16:creationId xmlns:a16="http://schemas.microsoft.com/office/drawing/2014/main" id="{A8C70172-EFBD-5C23-7F0D-66E2D404797C}"/>
+              </a:ext>
+            </a:extLst>
+          </p:cNvPr>
+          <p:cNvPicPr>
+            <a:picLocks noChangeAspect="1"/>
+          </p:cNvPicPr>
+          <p:nvPr/>
+        </p:nvPicPr>
+        <p:blipFill>
+          <a:blip r:embed="rId2"/>
+          <a:stretch>
+            <a:fillRect/>
+          </a:stretch>
+        </p:blipFill>
+        <p:spPr>
+          <a:xfrm>
+            <a:off x="3038474" y="1640641"/>
+            <a:ext cx="6120130" cy="2056765"/>
+          </a:xfrm>
+          <a:prstGeom prst="rect">
+            <a:avLst/>
+          </a:prstGeom>
+        </p:spPr>
+      </p:pic>
+      <p:pic>
+        <p:nvPicPr>
+          <p:cNvPr id="12" name="Рисунок 11">
+            <a:extLst>
+              <a:ext uri="{FF2B5EF4-FFF2-40B4-BE49-F238E27FC236}">
+                <a16:creationId xmlns:a16="http://schemas.microsoft.com/office/drawing/2014/main" id="{0A6F41DA-F375-AC27-6BB2-6B8F98551F2A}"/>
+              </a:ext>
+            </a:extLst>
+          </p:cNvPr>
+          <p:cNvPicPr>
+            <a:picLocks noChangeAspect="1"/>
+          </p:cNvPicPr>
+          <p:nvPr/>
+        </p:nvPicPr>
+        <p:blipFill>
+          <a:blip r:embed="rId3"/>
+          <a:stretch>
+            <a:fillRect/>
+          </a:stretch>
+        </p:blipFill>
+        <p:spPr>
+          <a:xfrm>
+            <a:off x="3035934" y="4321722"/>
+            <a:ext cx="6120130" cy="2056765"/>
+          </a:xfrm>
+          <a:prstGeom prst="rect">
+            <a:avLst/>
+          </a:prstGeom>
+        </p:spPr>
+      </p:pic>
+    </p:spTree>
+    <p:extLst>
+      <p:ext uri="{BB962C8B-B14F-4D97-AF65-F5344CB8AC3E}">
+        <p14:creationId xmlns:p14="http://schemas.microsoft.com/office/powerpoint/2010/main" val="2364917996"/>
+      </p:ext>
+    </p:extLst>
+  </p:cSld>
+  <p:clrMapOvr>
+    <a:masterClrMapping/>
+  </p:clrMapOvr>
+</p:sld>
+</file>
+
+<file path=ppt/slides/slide21.xml><?xml version="1.0" encoding="utf-8"?>
+<p:sld xmlns:a="http://schemas.openxmlformats.org/drawingml/2006/main" xmlns:r="http://schemas.openxmlformats.org/officeDocument/2006/relationships" xmlns:p="http://schemas.openxmlformats.org/presentationml/2006/main">
+  <p:cSld>
+    <p:spTree>
+      <p:nvGrpSpPr>
+        <p:cNvPr id="1" name=""/>
+        <p:cNvGrpSpPr/>
+        <p:nvPr/>
+      </p:nvGrpSpPr>
+      <p:grpSpPr>
+        <a:xfrm>
+          <a:off x="0" y="0"/>
+          <a:ext cx="0" cy="0"/>
+          <a:chOff x="0" y="0"/>
+          <a:chExt cx="0" cy="0"/>
+        </a:xfrm>
+      </p:grpSpPr>
+      <p:sp>
+        <p:nvSpPr>
+          <p:cNvPr id="2" name="Заголовок 1">
+            <a:extLst>
+              <a:ext uri="{FF2B5EF4-FFF2-40B4-BE49-F238E27FC236}">
+                <a16:creationId xmlns:a16="http://schemas.microsoft.com/office/drawing/2014/main" id="{BDC9BE10-D1FA-FE3B-3CDE-11915BBC8AA9}"/>
+              </a:ext>
+            </a:extLst>
+          </p:cNvPr>
+          <p:cNvSpPr>
+            <a:spLocks noGrp="1"/>
+          </p:cNvSpPr>
+          <p:nvPr>
+            <p:ph type="title"/>
+          </p:nvPr>
+        </p:nvSpPr>
+        <p:spPr>
+          <a:xfrm>
+            <a:off x="838200" y="198071"/>
+            <a:ext cx="10515600" cy="725121"/>
+          </a:xfrm>
+        </p:spPr>
+        <p:txBody>
+          <a:bodyPr>
+            <a:normAutofit fontScale="90000"/>
+          </a:bodyPr>
+          <a:lstStyle/>
+          <a:p>
+            <a:r>
+              <a:rPr lang="ru-RU" dirty="0">
+                <a:latin typeface="Times New Roman" panose="02020603050405020304" pitchFamily="18" charset="0"/>
+                <a:cs typeface="Times New Roman" panose="02020603050405020304" pitchFamily="18" charset="0"/>
+              </a:rPr>
+              <a:t>Графические результаты работы моделей на собственных данных - 5</a:t>
+            </a:r>
+          </a:p>
+        </p:txBody>
+      </p:sp>
+      <p:sp>
+        <p:nvSpPr>
+          <p:cNvPr id="3" name="Объект 2">
+            <a:extLst>
+              <a:ext uri="{FF2B5EF4-FFF2-40B4-BE49-F238E27FC236}">
+                <a16:creationId xmlns:a16="http://schemas.microsoft.com/office/drawing/2014/main" id="{BC1F23B4-4143-F366-7562-70887AF1B651}"/>
+              </a:ext>
+            </a:extLst>
+          </p:cNvPr>
+          <p:cNvSpPr>
+            <a:spLocks noGrp="1"/>
+          </p:cNvSpPr>
+          <p:nvPr>
+            <p:ph idx="1"/>
+          </p:nvPr>
+        </p:nvSpPr>
+        <p:spPr>
+          <a:xfrm>
+            <a:off x="838200" y="1160585"/>
+            <a:ext cx="10515600" cy="5016378"/>
+          </a:xfrm>
+        </p:spPr>
+        <p:txBody>
+          <a:bodyPr/>
+          <a:lstStyle/>
+          <a:p>
+            <a:r>
+              <a:rPr lang="ru-RU" dirty="0">
+                <a:latin typeface="Times New Roman" panose="02020603050405020304" pitchFamily="18" charset="0"/>
+                <a:cs typeface="Times New Roman" panose="02020603050405020304" pitchFamily="18" charset="0"/>
+              </a:rPr>
+              <a:t>Трансформация класса с переходом к задаче регрессии</a:t>
+            </a:r>
+          </a:p>
+        </p:txBody>
+      </p:sp>
+      <p:sp>
+        <p:nvSpPr>
+          <p:cNvPr id="4" name="Номер слайда 3">
+            <a:extLst>
+              <a:ext uri="{FF2B5EF4-FFF2-40B4-BE49-F238E27FC236}">
+                <a16:creationId xmlns:a16="http://schemas.microsoft.com/office/drawing/2014/main" id="{540CC0A2-5E3A-0763-D6B9-441F0E8AAE10}"/>
+              </a:ext>
+            </a:extLst>
+          </p:cNvPr>
+          <p:cNvSpPr>
+            <a:spLocks noGrp="1"/>
+          </p:cNvSpPr>
+          <p:nvPr>
+            <p:ph type="sldNum" sz="quarter" idx="12"/>
+          </p:nvPr>
+        </p:nvSpPr>
+        <p:spPr/>
+        <p:txBody>
+          <a:bodyPr/>
+          <a:lstStyle/>
+          <a:p>
+            <a:fld id="{DD52A6CB-90DA-4351-BF49-99661FABD7B0}" type="slidenum">
+              <a:rPr lang="ru-RU" smtClean="0"/>
+              <a:t>21</a:t>
+            </a:fld>
+            <a:endParaRPr lang="ru-RU"/>
+          </a:p>
+        </p:txBody>
+      </p:sp>
+      <p:sp>
+        <p:nvSpPr>
+          <p:cNvPr id="7" name="Rectangle 4">
+            <a:extLst>
+              <a:ext uri="{FF2B5EF4-FFF2-40B4-BE49-F238E27FC236}">
+                <a16:creationId xmlns:a16="http://schemas.microsoft.com/office/drawing/2014/main" id="{EF4DAFAE-10EC-8899-8C59-5F680386C086}"/>
+              </a:ext>
+            </a:extLst>
+          </p:cNvPr>
+          <p:cNvSpPr>
+            <a:spLocks noChangeArrowheads="1"/>
+          </p:cNvSpPr>
+          <p:nvPr/>
+        </p:nvSpPr>
+        <p:spPr bwMode="auto">
+          <a:xfrm>
+            <a:off x="3342681" y="3703967"/>
+            <a:ext cx="5506636" cy="230832"/>
+          </a:xfrm>
+          <a:prstGeom prst="rect">
+            <a:avLst/>
+          </a:prstGeom>
+          <a:noFill/>
+          <a:ln>
+            <a:noFill/>
+          </a:ln>
+          <a:effectLst/>
+          <a:extLst>
+            <a:ext uri="{909E8E84-426E-40DD-AFC4-6F175D3DCCD1}">
+              <a14:hiddenFill xmlns:a14="http://schemas.microsoft.com/office/drawing/2010/main">
+                <a:solidFill>
+                  <a:schemeClr val="accent1"/>
+                </a:solidFill>
+              </a14:hiddenFill>
+            </a:ext>
+            <a:ext uri="{91240B29-F687-4F45-9708-019B960494DF}">
+              <a14:hiddenLine xmlns:a14="http://schemas.microsoft.com/office/drawing/2010/main" w="9525">
+                <a:solidFill>
+                  <a:schemeClr val="tx1"/>
+                </a:solidFill>
+                <a:miter lim="800000"/>
+                <a:headEnd/>
+                <a:tailEnd/>
+              </a14:hiddenLine>
+            </a:ext>
+            <a:ext uri="{AF507438-7753-43E0-B8FC-AC1667EBCBE1}">
+              <a14:hiddenEffects xmlns:a14="http://schemas.microsoft.com/office/drawing/2010/main">
+                <a:effectLst>
+                  <a:outerShdw dist="35921" dir="2700000" algn="ctr" rotWithShape="0">
+                    <a:schemeClr val="bg2"/>
+                  </a:outerShdw>
+                </a:effectLst>
+              </a14:hiddenEffects>
+            </a:ext>
+          </a:extLst>
+        </p:spPr>
+        <p:txBody>
+          <a:bodyPr vert="horz" wrap="none" lIns="91440" tIns="45720" rIns="91440" bIns="45720" numCol="1" anchor="ctr" anchorCtr="0" compatLnSpc="1">
+            <a:prstTxWarp prst="textNoShape">
+              <a:avLst/>
+            </a:prstTxWarp>
+            <a:spAutoFit/>
+          </a:bodyPr>
+          <a:lstStyle>
+            <a:lvl1pPr eaLnBrk="0" fontAlgn="base" hangingPunct="0">
+              <a:spcBef>
+                <a:spcPct val="0"/>
+              </a:spcBef>
+              <a:spcAft>
+                <a:spcPct val="0"/>
+              </a:spcAft>
+              <a:defRPr>
+                <a:solidFill>
+                  <a:schemeClr val="tx1"/>
+                </a:solidFill>
+                <a:latin typeface="Arial" panose="020B0604020202020204" pitchFamily="34" charset="0"/>
+              </a:defRPr>
+            </a:lvl1pPr>
+            <a:lvl2pPr eaLnBrk="0" fontAlgn="base" hangingPunct="0">
+              <a:spcBef>
+                <a:spcPct val="0"/>
+              </a:spcBef>
+              <a:spcAft>
+                <a:spcPct val="0"/>
+              </a:spcAft>
+              <a:defRPr>
+                <a:solidFill>
+                  <a:schemeClr val="tx1"/>
+                </a:solidFill>
+                <a:latin typeface="Arial" panose="020B0604020202020204" pitchFamily="34" charset="0"/>
+              </a:defRPr>
+            </a:lvl2pPr>
+            <a:lvl3pPr eaLnBrk="0" fontAlgn="base" hangingPunct="0">
+              <a:spcBef>
+                <a:spcPct val="0"/>
+              </a:spcBef>
+              <a:spcAft>
+                <a:spcPct val="0"/>
+              </a:spcAft>
+              <a:defRPr>
+                <a:solidFill>
+                  <a:schemeClr val="tx1"/>
+                </a:solidFill>
+                <a:latin typeface="Arial" panose="020B0604020202020204" pitchFamily="34" charset="0"/>
+              </a:defRPr>
+            </a:lvl3pPr>
+            <a:lvl4pPr eaLnBrk="0" fontAlgn="base" hangingPunct="0">
+              <a:spcBef>
+                <a:spcPct val="0"/>
+              </a:spcBef>
+              <a:spcAft>
+                <a:spcPct val="0"/>
+              </a:spcAft>
+              <a:defRPr>
+                <a:solidFill>
+                  <a:schemeClr val="tx1"/>
+                </a:solidFill>
+                <a:latin typeface="Arial" panose="020B0604020202020204" pitchFamily="34" charset="0"/>
+              </a:defRPr>
+            </a:lvl4pPr>
+            <a:lvl5pPr eaLnBrk="0" fontAlgn="base" hangingPunct="0">
+              <a:spcBef>
+                <a:spcPct val="0"/>
+              </a:spcBef>
+              <a:spcAft>
+                <a:spcPct val="0"/>
+              </a:spcAft>
+              <a:defRPr>
+                <a:solidFill>
+                  <a:schemeClr val="tx1"/>
+                </a:solidFill>
+                <a:latin typeface="Arial" panose="020B0604020202020204" pitchFamily="34" charset="0"/>
+              </a:defRPr>
+            </a:lvl5pPr>
+            <a:lvl6pPr eaLnBrk="0" fontAlgn="base" hangingPunct="0">
+              <a:spcBef>
+                <a:spcPct val="0"/>
+              </a:spcBef>
+              <a:spcAft>
+                <a:spcPct val="0"/>
+              </a:spcAft>
+              <a:defRPr>
+                <a:solidFill>
+                  <a:schemeClr val="tx1"/>
+                </a:solidFill>
+                <a:latin typeface="Arial" panose="020B0604020202020204" pitchFamily="34" charset="0"/>
+              </a:defRPr>
+            </a:lvl6pPr>
+            <a:lvl7pPr eaLnBrk="0" fontAlgn="base" hangingPunct="0">
+              <a:spcBef>
+                <a:spcPct val="0"/>
+              </a:spcBef>
+              <a:spcAft>
+                <a:spcPct val="0"/>
+              </a:spcAft>
+              <a:defRPr>
+                <a:solidFill>
+                  <a:schemeClr val="tx1"/>
+                </a:solidFill>
+                <a:latin typeface="Arial" panose="020B0604020202020204" pitchFamily="34" charset="0"/>
+              </a:defRPr>
+            </a:lvl7pPr>
+            <a:lvl8pPr eaLnBrk="0" fontAlgn="base" hangingPunct="0">
+              <a:spcBef>
+                <a:spcPct val="0"/>
+              </a:spcBef>
+              <a:spcAft>
+                <a:spcPct val="0"/>
+              </a:spcAft>
+              <a:defRPr>
+                <a:solidFill>
+                  <a:schemeClr val="tx1"/>
+                </a:solidFill>
+                <a:latin typeface="Arial" panose="020B0604020202020204" pitchFamily="34" charset="0"/>
+              </a:defRPr>
+            </a:lvl8pPr>
+            <a:lvl9pPr eaLnBrk="0" fontAlgn="base" hangingPunct="0">
+              <a:spcBef>
+                <a:spcPct val="0"/>
+              </a:spcBef>
+              <a:spcAft>
+                <a:spcPct val="0"/>
+              </a:spcAft>
+              <a:defRPr>
+                <a:solidFill>
+                  <a:schemeClr val="tx1"/>
+                </a:solidFill>
+                <a:latin typeface="Arial" panose="020B0604020202020204" pitchFamily="34" charset="0"/>
+              </a:defRPr>
+            </a:lvl9pPr>
+          </a:lstStyle>
+          <a:p>
+            <a:pPr marL="0" marR="0" lvl="0" indent="0" algn="l" defTabSz="914400" rtl="0" eaLnBrk="0" fontAlgn="base" latinLnBrk="0" hangingPunct="0">
+              <a:lnSpc>
+                <a:spcPct val="100000"/>
+              </a:lnSpc>
+              <a:spcBef>
+                <a:spcPct val="0"/>
+              </a:spcBef>
+              <a:spcAft>
+                <a:spcPct val="0"/>
+              </a:spcAft>
+              <a:buClrTx/>
+              <a:buSzTx/>
+              <a:buFontTx/>
+              <a:buNone/>
+              <a:tabLst/>
+            </a:pPr>
+            <a:r>
+              <a:rPr kumimoji="0" lang="ru-RU" altLang="ru-RU" sz="900" b="0" i="1" u="none" strike="noStrike" cap="none" normalizeH="0" baseline="0" dirty="0">
+                <a:ln>
+                  <a:noFill/>
+                </a:ln>
+                <a:solidFill>
+                  <a:srgbClr val="44546A"/>
+                </a:solidFill>
+                <a:effectLst/>
+                <a:latin typeface="Calibri" panose="020F0502020204030204" pitchFamily="34" charset="0"/>
+                <a:ea typeface="Calibri" panose="020F0502020204030204" pitchFamily="34" charset="0"/>
+                <a:cs typeface="Times New Roman" panose="02020603050405020304" pitchFamily="18" charset="0"/>
+              </a:rPr>
+              <a:t>Графики кривой </a:t>
+            </a:r>
+            <a:r>
+              <a:rPr kumimoji="0" lang="en-US" altLang="ru-RU" sz="900" b="0" i="1" u="none" strike="noStrike" cap="none" normalizeH="0" baseline="0" dirty="0">
+                <a:ln>
+                  <a:noFill/>
+                </a:ln>
+                <a:solidFill>
+                  <a:srgbClr val="44546A"/>
+                </a:solidFill>
+                <a:effectLst/>
+                <a:latin typeface="Calibri" panose="020F0502020204030204" pitchFamily="34" charset="0"/>
+                <a:ea typeface="Calibri" panose="020F0502020204030204" pitchFamily="34" charset="0"/>
+                <a:cs typeface="Times New Roman" panose="02020603050405020304" pitchFamily="18" charset="0"/>
+              </a:rPr>
+              <a:t>QINI</a:t>
+            </a:r>
+            <a:r>
+              <a:rPr kumimoji="0" lang="ru-RU" altLang="ru-RU" sz="900" b="0" i="1" u="none" strike="noStrike" cap="none" normalizeH="0" baseline="0" dirty="0">
+                <a:ln>
+                  <a:noFill/>
+                </a:ln>
+                <a:solidFill>
+                  <a:srgbClr val="44546A"/>
+                </a:solidFill>
+                <a:effectLst/>
+                <a:latin typeface="Calibri" panose="020F0502020204030204" pitchFamily="34" charset="0"/>
+                <a:ea typeface="Calibri" panose="020F0502020204030204" pitchFamily="34" charset="0"/>
+                <a:cs typeface="Times New Roman" panose="02020603050405020304" pitchFamily="18" charset="0"/>
+              </a:rPr>
+              <a:t> и </a:t>
+            </a:r>
+            <a:r>
+              <a:rPr kumimoji="0" lang="en-US" altLang="ru-RU" sz="900" b="0" i="1" u="none" strike="noStrike" cap="none" normalizeH="0" baseline="0" dirty="0">
+                <a:ln>
+                  <a:noFill/>
+                </a:ln>
+                <a:solidFill>
+                  <a:srgbClr val="44546A"/>
+                </a:solidFill>
+                <a:effectLst/>
+                <a:latin typeface="Calibri" panose="020F0502020204030204" pitchFamily="34" charset="0"/>
+                <a:ea typeface="Calibri" panose="020F0502020204030204" pitchFamily="34" charset="0"/>
+                <a:cs typeface="Times New Roman" panose="02020603050405020304" pitchFamily="18" charset="0"/>
+              </a:rPr>
+              <a:t>UpLift </a:t>
+            </a:r>
+            <a:r>
+              <a:rPr kumimoji="0" lang="ru-RU" altLang="ru-RU" sz="900" b="0" i="1" u="none" strike="noStrike" cap="none" normalizeH="0" baseline="0" dirty="0">
+                <a:ln>
+                  <a:noFill/>
+                </a:ln>
+                <a:solidFill>
+                  <a:srgbClr val="44546A"/>
+                </a:solidFill>
+                <a:effectLst/>
+                <a:latin typeface="Calibri" panose="020F0502020204030204" pitchFamily="34" charset="0"/>
+                <a:ea typeface="Calibri" panose="020F0502020204030204" pitchFamily="34" charset="0"/>
+                <a:cs typeface="Times New Roman" panose="02020603050405020304" pitchFamily="18" charset="0"/>
+              </a:rPr>
+              <a:t>для результатов моделирования с трансформацией класса в лучшем случае</a:t>
+            </a:r>
+            <a:endParaRPr kumimoji="0" lang="ru-RU" altLang="ru-RU" sz="800" b="0" i="0" u="none" strike="noStrike" cap="none" normalizeH="0" baseline="0" dirty="0">
+              <a:ln>
+                <a:noFill/>
+              </a:ln>
+              <a:solidFill>
+                <a:schemeClr val="tx1"/>
+              </a:solidFill>
+              <a:effectLst/>
+            </a:endParaRPr>
+          </a:p>
+        </p:txBody>
+      </p:sp>
+      <p:sp>
+        <p:nvSpPr>
+          <p:cNvPr id="8" name="Rectangle 5">
+            <a:extLst>
+              <a:ext uri="{FF2B5EF4-FFF2-40B4-BE49-F238E27FC236}">
+                <a16:creationId xmlns:a16="http://schemas.microsoft.com/office/drawing/2014/main" id="{0486E1B4-BDD4-E556-8027-DDA74CCB29CF}"/>
+              </a:ext>
+            </a:extLst>
+          </p:cNvPr>
+          <p:cNvSpPr>
+            <a:spLocks noChangeArrowheads="1"/>
+          </p:cNvSpPr>
+          <p:nvPr/>
+        </p:nvSpPr>
+        <p:spPr bwMode="auto">
+          <a:xfrm>
+            <a:off x="3301999" y="6327687"/>
+            <a:ext cx="5588000" cy="230832"/>
+          </a:xfrm>
+          <a:prstGeom prst="rect">
+            <a:avLst/>
+          </a:prstGeom>
+          <a:noFill/>
+          <a:ln>
+            <a:noFill/>
+          </a:ln>
+          <a:effectLst/>
+          <a:extLst>
+            <a:ext uri="{909E8E84-426E-40DD-AFC4-6F175D3DCCD1}">
+              <a14:hiddenFill xmlns:a14="http://schemas.microsoft.com/office/drawing/2010/main">
+                <a:solidFill>
+                  <a:schemeClr val="accent1"/>
+                </a:solidFill>
+              </a14:hiddenFill>
+            </a:ext>
+            <a:ext uri="{91240B29-F687-4F45-9708-019B960494DF}">
+              <a14:hiddenLine xmlns:a14="http://schemas.microsoft.com/office/drawing/2010/main" w="9525">
+                <a:solidFill>
+                  <a:schemeClr val="tx1"/>
+                </a:solidFill>
+                <a:miter lim="800000"/>
+                <a:headEnd/>
+                <a:tailEnd/>
+              </a14:hiddenLine>
+            </a:ext>
+            <a:ext uri="{AF507438-7753-43E0-B8FC-AC1667EBCBE1}">
+              <a14:hiddenEffects xmlns:a14="http://schemas.microsoft.com/office/drawing/2010/main">
+                <a:effectLst>
+                  <a:outerShdw dist="35921" dir="2700000" algn="ctr" rotWithShape="0">
+                    <a:schemeClr val="bg2"/>
+                  </a:outerShdw>
+                </a:effectLst>
+              </a14:hiddenEffects>
+            </a:ext>
+          </a:extLst>
+        </p:spPr>
+        <p:txBody>
+          <a:bodyPr vert="horz" wrap="square" lIns="91440" tIns="45720" rIns="91440" bIns="45720" numCol="1" anchor="ctr" anchorCtr="0" compatLnSpc="1">
+            <a:prstTxWarp prst="textNoShape">
+              <a:avLst/>
+            </a:prstTxWarp>
+            <a:spAutoFit/>
+          </a:bodyPr>
+          <a:lstStyle/>
+          <a:p>
+            <a:pPr marL="0" marR="0" lvl="0" indent="0" algn="ctr" defTabSz="914400" rtl="0" eaLnBrk="0" fontAlgn="base" latinLnBrk="0" hangingPunct="0">
+              <a:lnSpc>
+                <a:spcPct val="100000"/>
+              </a:lnSpc>
+              <a:spcBef>
+                <a:spcPct val="0"/>
+              </a:spcBef>
+              <a:spcAft>
+                <a:spcPct val="0"/>
+              </a:spcAft>
+              <a:buClrTx/>
+              <a:buSzTx/>
+              <a:buFontTx/>
+              <a:buNone/>
+              <a:tabLst/>
+            </a:pPr>
+            <a:r>
+              <a:rPr kumimoji="0" lang="ru-RU" altLang="ru-RU" sz="900" b="0" i="1" u="none" strike="noStrike" cap="none" normalizeH="0" baseline="0" dirty="0">
+                <a:ln>
+                  <a:noFill/>
+                </a:ln>
+                <a:solidFill>
+                  <a:srgbClr val="44546A"/>
+                </a:solidFill>
+                <a:effectLst/>
+                <a:latin typeface="Calibri" panose="020F0502020204030204" pitchFamily="34" charset="0"/>
+                <a:ea typeface="Calibri" panose="020F0502020204030204" pitchFamily="34" charset="0"/>
+                <a:cs typeface="Times New Roman" panose="02020603050405020304" pitchFamily="18" charset="0"/>
+              </a:rPr>
+              <a:t>Графики кривой QINI и </a:t>
+            </a:r>
+            <a:r>
+              <a:rPr kumimoji="0" lang="ru-RU" altLang="ru-RU" sz="900" b="0" i="1" u="none" strike="noStrike" cap="none" normalizeH="0" baseline="0" dirty="0" err="1">
+                <a:ln>
+                  <a:noFill/>
+                </a:ln>
+                <a:solidFill>
+                  <a:srgbClr val="44546A"/>
+                </a:solidFill>
+                <a:effectLst/>
+                <a:latin typeface="Calibri" panose="020F0502020204030204" pitchFamily="34" charset="0"/>
+                <a:ea typeface="Calibri" panose="020F0502020204030204" pitchFamily="34" charset="0"/>
+                <a:cs typeface="Times New Roman" panose="02020603050405020304" pitchFamily="18" charset="0"/>
+              </a:rPr>
+              <a:t>UpLift</a:t>
+            </a:r>
+            <a:r>
+              <a:rPr kumimoji="0" lang="ru-RU" altLang="ru-RU" sz="900" b="0" i="1" u="none" strike="noStrike" cap="none" normalizeH="0" baseline="0" dirty="0">
+                <a:ln>
+                  <a:noFill/>
+                </a:ln>
+                <a:solidFill>
+                  <a:srgbClr val="44546A"/>
+                </a:solidFill>
+                <a:effectLst/>
+                <a:latin typeface="Calibri" panose="020F0502020204030204" pitchFamily="34" charset="0"/>
+                <a:ea typeface="Calibri" panose="020F0502020204030204" pitchFamily="34" charset="0"/>
+                <a:cs typeface="Times New Roman" panose="02020603050405020304" pitchFamily="18" charset="0"/>
+              </a:rPr>
+              <a:t> для результатов моделирования с трансформацией класса в худшем случае</a:t>
+            </a:r>
+            <a:endParaRPr kumimoji="0" lang="ru-RU" altLang="ru-RU" sz="1800" b="0" i="0" u="none" strike="noStrike" cap="none" normalizeH="0" baseline="0" dirty="0">
+              <a:ln>
+                <a:noFill/>
+              </a:ln>
+              <a:solidFill>
+                <a:schemeClr val="tx1"/>
+              </a:solidFill>
+              <a:effectLst/>
+              <a:latin typeface="Arial" panose="020B0604020202020204" pitchFamily="34" charset="0"/>
+            </a:endParaRPr>
+          </a:p>
+        </p:txBody>
+      </p:sp>
+      <p:pic>
+        <p:nvPicPr>
+          <p:cNvPr id="5" name="Рисунок 4">
+            <a:extLst>
+              <a:ext uri="{FF2B5EF4-FFF2-40B4-BE49-F238E27FC236}">
+                <a16:creationId xmlns:a16="http://schemas.microsoft.com/office/drawing/2014/main" id="{C9EF97DD-30D0-288D-960F-5A170BF5C7F0}"/>
+              </a:ext>
+            </a:extLst>
+          </p:cNvPr>
+          <p:cNvPicPr>
+            <a:picLocks noChangeAspect="1"/>
+          </p:cNvPicPr>
+          <p:nvPr/>
+        </p:nvPicPr>
+        <p:blipFill>
+          <a:blip r:embed="rId2"/>
+          <a:stretch>
+            <a:fillRect/>
+          </a:stretch>
+        </p:blipFill>
+        <p:spPr>
+          <a:xfrm>
+            <a:off x="3035934" y="1647202"/>
+            <a:ext cx="6120130" cy="2056765"/>
+          </a:xfrm>
+          <a:prstGeom prst="rect">
+            <a:avLst/>
+          </a:prstGeom>
+        </p:spPr>
+      </p:pic>
+      <p:pic>
+        <p:nvPicPr>
+          <p:cNvPr id="6" name="Рисунок 5">
+            <a:extLst>
+              <a:ext uri="{FF2B5EF4-FFF2-40B4-BE49-F238E27FC236}">
+                <a16:creationId xmlns:a16="http://schemas.microsoft.com/office/drawing/2014/main" id="{B67FBE5D-B080-0CE5-9E14-1063C7CC3042}"/>
+              </a:ext>
+            </a:extLst>
+          </p:cNvPr>
+          <p:cNvPicPr>
+            <a:picLocks noChangeAspect="1"/>
+          </p:cNvPicPr>
+          <p:nvPr/>
+        </p:nvPicPr>
+        <p:blipFill>
+          <a:blip r:embed="rId3"/>
+          <a:stretch>
+            <a:fillRect/>
+          </a:stretch>
+        </p:blipFill>
+        <p:spPr>
+          <a:xfrm>
+            <a:off x="3035934" y="4285253"/>
+            <a:ext cx="6120130" cy="2056765"/>
+          </a:xfrm>
+          <a:prstGeom prst="rect">
+            <a:avLst/>
+          </a:prstGeom>
+        </p:spPr>
+      </p:pic>
+    </p:spTree>
+    <p:extLst>
+      <p:ext uri="{BB962C8B-B14F-4D97-AF65-F5344CB8AC3E}">
+        <p14:creationId xmlns:p14="http://schemas.microsoft.com/office/powerpoint/2010/main" val="3255387973"/>
+      </p:ext>
+    </p:extLst>
+  </p:cSld>
+  <p:clrMapOvr>
+    <a:masterClrMapping/>
+  </p:clrMapOvr>
+</p:sld>
+</file>
+
+<file path=ppt/slides/slide22.xml><?xml version="1.0" encoding="utf-8"?>
+<p:sld xmlns:a="http://schemas.openxmlformats.org/drawingml/2006/main" xmlns:r="http://schemas.openxmlformats.org/officeDocument/2006/relationships" xmlns:p="http://schemas.openxmlformats.org/presentationml/2006/main">
+  <p:cSld>
+    <p:spTree>
+      <p:nvGrpSpPr>
+        <p:cNvPr id="1" name=""/>
+        <p:cNvGrpSpPr/>
+        <p:nvPr/>
+      </p:nvGrpSpPr>
+      <p:grpSpPr>
+        <a:xfrm>
+          <a:off x="0" y="0"/>
+          <a:ext cx="0" cy="0"/>
+          <a:chOff x="0" y="0"/>
+          <a:chExt cx="0" cy="0"/>
+        </a:xfrm>
+      </p:grpSpPr>
+      <p:sp>
+        <p:nvSpPr>
+          <p:cNvPr id="2" name="Заголовок 1">
+            <a:extLst>
+              <a:ext uri="{FF2B5EF4-FFF2-40B4-BE49-F238E27FC236}">
+                <a16:creationId xmlns:a16="http://schemas.microsoft.com/office/drawing/2014/main" id="{BDC9BE10-D1FA-FE3B-3CDE-11915BBC8AA9}"/>
+              </a:ext>
+            </a:extLst>
+          </p:cNvPr>
+          <p:cNvSpPr>
+            <a:spLocks noGrp="1"/>
+          </p:cNvSpPr>
+          <p:nvPr>
+            <p:ph type="title"/>
+          </p:nvPr>
+        </p:nvSpPr>
+        <p:spPr>
+          <a:xfrm>
+            <a:off x="838200" y="198071"/>
+            <a:ext cx="10515600" cy="725121"/>
+          </a:xfrm>
+        </p:spPr>
+        <p:txBody>
+          <a:bodyPr>
+            <a:normAutofit fontScale="90000"/>
+          </a:bodyPr>
+          <a:lstStyle/>
+          <a:p>
+            <a:r>
+              <a:rPr lang="ru-RU" dirty="0">
+                <a:latin typeface="Times New Roman" panose="02020603050405020304" pitchFamily="18" charset="0"/>
+                <a:cs typeface="Times New Roman" panose="02020603050405020304" pitchFamily="18" charset="0"/>
+              </a:rPr>
+              <a:t>Графические результаты работы моделей на собственных данных - 6</a:t>
+            </a:r>
+          </a:p>
+        </p:txBody>
+      </p:sp>
+      <p:sp>
+        <p:nvSpPr>
+          <p:cNvPr id="3" name="Объект 2">
+            <a:extLst>
+              <a:ext uri="{FF2B5EF4-FFF2-40B4-BE49-F238E27FC236}">
+                <a16:creationId xmlns:a16="http://schemas.microsoft.com/office/drawing/2014/main" id="{BC1F23B4-4143-F366-7562-70887AF1B651}"/>
+              </a:ext>
+            </a:extLst>
+          </p:cNvPr>
+          <p:cNvSpPr>
+            <a:spLocks noGrp="1"/>
+          </p:cNvSpPr>
+          <p:nvPr>
+            <p:ph idx="1"/>
+          </p:nvPr>
+        </p:nvSpPr>
+        <p:spPr>
+          <a:xfrm>
+            <a:off x="838200" y="1160585"/>
+            <a:ext cx="10515600" cy="572423"/>
+          </a:xfrm>
+        </p:spPr>
+        <p:txBody>
+          <a:bodyPr>
+            <a:normAutofit/>
+          </a:bodyPr>
+          <a:lstStyle/>
+          <a:p>
+            <a:r>
+              <a:rPr lang="ru-RU" dirty="0">
+                <a:latin typeface="Times New Roman" panose="02020603050405020304" pitchFamily="18" charset="0"/>
+                <a:cs typeface="Times New Roman" panose="02020603050405020304" pitchFamily="18" charset="0"/>
+              </a:rPr>
+              <a:t>Лучший </a:t>
+            </a:r>
+            <a:r>
+              <a:rPr lang="en-US" dirty="0" err="1">
+                <a:latin typeface="Times New Roman" panose="02020603050405020304" pitchFamily="18" charset="0"/>
+                <a:cs typeface="Times New Roman" panose="02020603050405020304" pitchFamily="18" charset="0"/>
+              </a:rPr>
+              <a:t>PipeLine</a:t>
+            </a:r>
+            <a:r>
+              <a:rPr lang="ru-RU" dirty="0">
+                <a:latin typeface="Times New Roman" panose="02020603050405020304" pitchFamily="18" charset="0"/>
+                <a:cs typeface="Times New Roman" panose="02020603050405020304" pitchFamily="18" charset="0"/>
+              </a:rPr>
+              <a:t> для структуры с одной моделью</a:t>
+            </a:r>
+          </a:p>
+        </p:txBody>
+      </p:sp>
+      <p:sp>
+        <p:nvSpPr>
+          <p:cNvPr id="4" name="Номер слайда 3">
+            <a:extLst>
+              <a:ext uri="{FF2B5EF4-FFF2-40B4-BE49-F238E27FC236}">
+                <a16:creationId xmlns:a16="http://schemas.microsoft.com/office/drawing/2014/main" id="{540CC0A2-5E3A-0763-D6B9-441F0E8AAE10}"/>
+              </a:ext>
+            </a:extLst>
+          </p:cNvPr>
+          <p:cNvSpPr>
+            <a:spLocks noGrp="1"/>
+          </p:cNvSpPr>
+          <p:nvPr>
+            <p:ph type="sldNum" sz="quarter" idx="12"/>
+          </p:nvPr>
+        </p:nvSpPr>
+        <p:spPr/>
+        <p:txBody>
+          <a:bodyPr/>
+          <a:lstStyle/>
+          <a:p>
+            <a:fld id="{DD52A6CB-90DA-4351-BF49-99661FABD7B0}" type="slidenum">
+              <a:rPr lang="ru-RU" smtClean="0"/>
+              <a:t>22</a:t>
+            </a:fld>
+            <a:endParaRPr lang="ru-RU"/>
+          </a:p>
+        </p:txBody>
+      </p:sp>
+      <p:sp>
+        <p:nvSpPr>
+          <p:cNvPr id="9" name="Rectangle 4">
+            <a:extLst>
+              <a:ext uri="{FF2B5EF4-FFF2-40B4-BE49-F238E27FC236}">
+                <a16:creationId xmlns:a16="http://schemas.microsoft.com/office/drawing/2014/main" id="{38E013D2-16CB-9A4E-BF1F-0AF6B86C614B}"/>
+              </a:ext>
+            </a:extLst>
+          </p:cNvPr>
+          <p:cNvSpPr>
+            <a:spLocks noChangeArrowheads="1"/>
+          </p:cNvSpPr>
+          <p:nvPr/>
+        </p:nvSpPr>
+        <p:spPr bwMode="auto">
+          <a:xfrm>
+            <a:off x="3613588" y="3763857"/>
+            <a:ext cx="4964821" cy="230832"/>
+          </a:xfrm>
+          <a:prstGeom prst="rect">
+            <a:avLst/>
+          </a:prstGeom>
+          <a:noFill/>
+          <a:ln>
+            <a:noFill/>
+          </a:ln>
+          <a:effectLst/>
+          <a:extLst>
+            <a:ext uri="{909E8E84-426E-40DD-AFC4-6F175D3DCCD1}">
+              <a14:hiddenFill xmlns:a14="http://schemas.microsoft.com/office/drawing/2010/main">
+                <a:solidFill>
+                  <a:schemeClr val="accent1"/>
+                </a:solidFill>
+              </a14:hiddenFill>
+            </a:ext>
+            <a:ext uri="{91240B29-F687-4F45-9708-019B960494DF}">
+              <a14:hiddenLine xmlns:a14="http://schemas.microsoft.com/office/drawing/2010/main" w="9525">
+                <a:solidFill>
+                  <a:schemeClr val="tx1"/>
+                </a:solidFill>
+                <a:miter lim="800000"/>
+                <a:headEnd/>
+                <a:tailEnd/>
+              </a14:hiddenLine>
+            </a:ext>
+            <a:ext uri="{AF507438-7753-43E0-B8FC-AC1667EBCBE1}">
+              <a14:hiddenEffects xmlns:a14="http://schemas.microsoft.com/office/drawing/2010/main">
+                <a:effectLst>
+                  <a:outerShdw dist="35921" dir="2700000" algn="ctr" rotWithShape="0">
+                    <a:schemeClr val="bg2"/>
+                  </a:outerShdw>
+                </a:effectLst>
+              </a14:hiddenEffects>
+            </a:ext>
+          </a:extLst>
+        </p:spPr>
+        <p:txBody>
+          <a:bodyPr vert="horz" wrap="none" lIns="91440" tIns="45720" rIns="91440" bIns="45720" numCol="1" anchor="ctr" anchorCtr="0" compatLnSpc="1">
+            <a:prstTxWarp prst="textNoShape">
+              <a:avLst/>
+            </a:prstTxWarp>
+            <a:spAutoFit/>
+          </a:bodyPr>
+          <a:lstStyle>
+            <a:lvl1pPr eaLnBrk="0" fontAlgn="base" hangingPunct="0">
+              <a:spcBef>
+                <a:spcPct val="0"/>
+              </a:spcBef>
+              <a:spcAft>
+                <a:spcPct val="0"/>
+              </a:spcAft>
+              <a:defRPr>
+                <a:solidFill>
+                  <a:schemeClr val="tx1"/>
+                </a:solidFill>
+                <a:latin typeface="Arial" panose="020B0604020202020204" pitchFamily="34" charset="0"/>
+              </a:defRPr>
+            </a:lvl1pPr>
+            <a:lvl2pPr eaLnBrk="0" fontAlgn="base" hangingPunct="0">
+              <a:spcBef>
+                <a:spcPct val="0"/>
+              </a:spcBef>
+              <a:spcAft>
+                <a:spcPct val="0"/>
+              </a:spcAft>
+              <a:defRPr>
+                <a:solidFill>
+                  <a:schemeClr val="tx1"/>
+                </a:solidFill>
+                <a:latin typeface="Arial" panose="020B0604020202020204" pitchFamily="34" charset="0"/>
+              </a:defRPr>
+            </a:lvl2pPr>
+            <a:lvl3pPr eaLnBrk="0" fontAlgn="base" hangingPunct="0">
+              <a:spcBef>
+                <a:spcPct val="0"/>
+              </a:spcBef>
+              <a:spcAft>
+                <a:spcPct val="0"/>
+              </a:spcAft>
+              <a:defRPr>
+                <a:solidFill>
+                  <a:schemeClr val="tx1"/>
+                </a:solidFill>
+                <a:latin typeface="Arial" panose="020B0604020202020204" pitchFamily="34" charset="0"/>
+              </a:defRPr>
+            </a:lvl3pPr>
+            <a:lvl4pPr eaLnBrk="0" fontAlgn="base" hangingPunct="0">
+              <a:spcBef>
+                <a:spcPct val="0"/>
+              </a:spcBef>
+              <a:spcAft>
+                <a:spcPct val="0"/>
+              </a:spcAft>
+              <a:defRPr>
+                <a:solidFill>
+                  <a:schemeClr val="tx1"/>
+                </a:solidFill>
+                <a:latin typeface="Arial" panose="020B0604020202020204" pitchFamily="34" charset="0"/>
+              </a:defRPr>
+            </a:lvl4pPr>
+            <a:lvl5pPr eaLnBrk="0" fontAlgn="base" hangingPunct="0">
+              <a:spcBef>
+                <a:spcPct val="0"/>
+              </a:spcBef>
+              <a:spcAft>
+                <a:spcPct val="0"/>
+              </a:spcAft>
+              <a:defRPr>
+                <a:solidFill>
+                  <a:schemeClr val="tx1"/>
+                </a:solidFill>
+                <a:latin typeface="Arial" panose="020B0604020202020204" pitchFamily="34" charset="0"/>
+              </a:defRPr>
+            </a:lvl5pPr>
+            <a:lvl6pPr eaLnBrk="0" fontAlgn="base" hangingPunct="0">
+              <a:spcBef>
+                <a:spcPct val="0"/>
+              </a:spcBef>
+              <a:spcAft>
+                <a:spcPct val="0"/>
+              </a:spcAft>
+              <a:defRPr>
+                <a:solidFill>
+                  <a:schemeClr val="tx1"/>
+                </a:solidFill>
+                <a:latin typeface="Arial" panose="020B0604020202020204" pitchFamily="34" charset="0"/>
+              </a:defRPr>
+            </a:lvl6pPr>
+            <a:lvl7pPr eaLnBrk="0" fontAlgn="base" hangingPunct="0">
+              <a:spcBef>
+                <a:spcPct val="0"/>
+              </a:spcBef>
+              <a:spcAft>
+                <a:spcPct val="0"/>
+              </a:spcAft>
+              <a:defRPr>
+                <a:solidFill>
+                  <a:schemeClr val="tx1"/>
+                </a:solidFill>
+                <a:latin typeface="Arial" panose="020B0604020202020204" pitchFamily="34" charset="0"/>
+              </a:defRPr>
+            </a:lvl7pPr>
+            <a:lvl8pPr eaLnBrk="0" fontAlgn="base" hangingPunct="0">
+              <a:spcBef>
+                <a:spcPct val="0"/>
+              </a:spcBef>
+              <a:spcAft>
+                <a:spcPct val="0"/>
+              </a:spcAft>
+              <a:defRPr>
+                <a:solidFill>
+                  <a:schemeClr val="tx1"/>
+                </a:solidFill>
+                <a:latin typeface="Arial" panose="020B0604020202020204" pitchFamily="34" charset="0"/>
+              </a:defRPr>
+            </a:lvl8pPr>
+            <a:lvl9pPr eaLnBrk="0" fontAlgn="base" hangingPunct="0">
+              <a:spcBef>
+                <a:spcPct val="0"/>
+              </a:spcBef>
+              <a:spcAft>
+                <a:spcPct val="0"/>
+              </a:spcAft>
+              <a:defRPr>
+                <a:solidFill>
+                  <a:schemeClr val="tx1"/>
+                </a:solidFill>
+                <a:latin typeface="Arial" panose="020B0604020202020204" pitchFamily="34" charset="0"/>
+              </a:defRPr>
+            </a:lvl9pPr>
+          </a:lstStyle>
+          <a:p>
+            <a:pPr marL="0" marR="0" lvl="0" indent="0" algn="l" defTabSz="914400" rtl="0" eaLnBrk="0" fontAlgn="base" latinLnBrk="0" hangingPunct="0">
+              <a:lnSpc>
+                <a:spcPct val="100000"/>
+              </a:lnSpc>
+              <a:spcBef>
+                <a:spcPct val="0"/>
+              </a:spcBef>
+              <a:spcAft>
+                <a:spcPct val="0"/>
+              </a:spcAft>
+              <a:buClrTx/>
+              <a:buSzTx/>
+              <a:buFontTx/>
+              <a:buNone/>
+              <a:tabLst/>
+            </a:pPr>
+            <a:r>
+              <a:rPr kumimoji="0" lang="ru-RU" altLang="ru-RU" sz="900" b="0" i="1" u="none" strike="noStrike" cap="none" normalizeH="0" baseline="0" dirty="0">
+                <a:ln>
+                  <a:noFill/>
+                </a:ln>
+                <a:solidFill>
+                  <a:srgbClr val="44546A"/>
+                </a:solidFill>
+                <a:effectLst/>
+                <a:latin typeface="Calibri" panose="020F0502020204030204" pitchFamily="34" charset="0"/>
+                <a:ea typeface="Calibri" panose="020F0502020204030204" pitchFamily="34" charset="0"/>
+                <a:cs typeface="Times New Roman" panose="02020603050405020304" pitchFamily="18" charset="0"/>
+              </a:rPr>
+              <a:t>Графики кривой </a:t>
+            </a:r>
+            <a:r>
+              <a:rPr kumimoji="0" lang="en-US" altLang="ru-RU" sz="900" b="0" i="1" u="none" strike="noStrike" cap="none" normalizeH="0" baseline="0" dirty="0">
+                <a:ln>
+                  <a:noFill/>
+                </a:ln>
+                <a:solidFill>
+                  <a:srgbClr val="44546A"/>
+                </a:solidFill>
+                <a:effectLst/>
+                <a:latin typeface="Calibri" panose="020F0502020204030204" pitchFamily="34" charset="0"/>
+                <a:ea typeface="Calibri" panose="020F0502020204030204" pitchFamily="34" charset="0"/>
+                <a:cs typeface="Times New Roman" panose="02020603050405020304" pitchFamily="18" charset="0"/>
+              </a:rPr>
+              <a:t>QINI</a:t>
+            </a:r>
+            <a:r>
+              <a:rPr kumimoji="0" lang="ru-RU" altLang="ru-RU" sz="900" b="0" i="1" u="none" strike="noStrike" cap="none" normalizeH="0" baseline="0" dirty="0">
+                <a:ln>
+                  <a:noFill/>
+                </a:ln>
+                <a:solidFill>
+                  <a:srgbClr val="44546A"/>
+                </a:solidFill>
+                <a:effectLst/>
+                <a:latin typeface="Calibri" panose="020F0502020204030204" pitchFamily="34" charset="0"/>
+                <a:ea typeface="Calibri" panose="020F0502020204030204" pitchFamily="34" charset="0"/>
+                <a:cs typeface="Times New Roman" panose="02020603050405020304" pitchFamily="18" charset="0"/>
+              </a:rPr>
+              <a:t> и </a:t>
+            </a:r>
+            <a:r>
+              <a:rPr kumimoji="0" lang="en-US" altLang="ru-RU" sz="900" b="0" i="1" u="none" strike="noStrike" cap="none" normalizeH="0" baseline="0" dirty="0">
+                <a:ln>
+                  <a:noFill/>
+                </a:ln>
+                <a:solidFill>
+                  <a:srgbClr val="44546A"/>
+                </a:solidFill>
+                <a:effectLst/>
+                <a:latin typeface="Calibri" panose="020F0502020204030204" pitchFamily="34" charset="0"/>
+                <a:ea typeface="Calibri" panose="020F0502020204030204" pitchFamily="34" charset="0"/>
+                <a:cs typeface="Times New Roman" panose="02020603050405020304" pitchFamily="18" charset="0"/>
+              </a:rPr>
+              <a:t>UpLift </a:t>
+            </a:r>
+            <a:r>
+              <a:rPr kumimoji="0" lang="ru-RU" altLang="ru-RU" sz="900" b="0" i="1" u="none" strike="noStrike" cap="none" normalizeH="0" baseline="0" dirty="0">
+                <a:ln>
+                  <a:noFill/>
+                </a:ln>
+                <a:solidFill>
+                  <a:srgbClr val="44546A"/>
+                </a:solidFill>
+                <a:effectLst/>
+                <a:latin typeface="Calibri" panose="020F0502020204030204" pitchFamily="34" charset="0"/>
+                <a:ea typeface="Calibri" panose="020F0502020204030204" pitchFamily="34" charset="0"/>
+                <a:cs typeface="Times New Roman" panose="02020603050405020304" pitchFamily="18" charset="0"/>
+              </a:rPr>
+              <a:t>для результатов моделирования одной моделью в лучшем случае</a:t>
+            </a:r>
+            <a:endParaRPr kumimoji="0" lang="ru-RU" altLang="ru-RU" sz="800" b="0" i="0" u="none" strike="noStrike" cap="none" normalizeH="0" baseline="0" dirty="0">
+              <a:ln>
+                <a:noFill/>
+              </a:ln>
+              <a:solidFill>
+                <a:schemeClr val="tx1"/>
+              </a:solidFill>
+              <a:effectLst/>
+            </a:endParaRPr>
+          </a:p>
+        </p:txBody>
+      </p:sp>
+      <p:sp>
+        <p:nvSpPr>
+          <p:cNvPr id="10" name="Rectangle 5">
+            <a:extLst>
+              <a:ext uri="{FF2B5EF4-FFF2-40B4-BE49-F238E27FC236}">
+                <a16:creationId xmlns:a16="http://schemas.microsoft.com/office/drawing/2014/main" id="{82A37233-8D3D-87FB-5D62-8A72EA7A8B8C}"/>
+              </a:ext>
+            </a:extLst>
+          </p:cNvPr>
+          <p:cNvSpPr>
+            <a:spLocks noChangeArrowheads="1"/>
+          </p:cNvSpPr>
+          <p:nvPr/>
+        </p:nvSpPr>
+        <p:spPr bwMode="auto">
+          <a:xfrm>
+            <a:off x="3395132" y="6327687"/>
+            <a:ext cx="5588000" cy="230832"/>
+          </a:xfrm>
+          <a:prstGeom prst="rect">
+            <a:avLst/>
+          </a:prstGeom>
+          <a:noFill/>
+          <a:ln>
+            <a:noFill/>
+          </a:ln>
+          <a:effectLst/>
+          <a:extLst>
+            <a:ext uri="{909E8E84-426E-40DD-AFC4-6F175D3DCCD1}">
+              <a14:hiddenFill xmlns:a14="http://schemas.microsoft.com/office/drawing/2010/main">
+                <a:solidFill>
+                  <a:schemeClr val="accent1"/>
+                </a:solidFill>
+              </a14:hiddenFill>
+            </a:ext>
+            <a:ext uri="{91240B29-F687-4F45-9708-019B960494DF}">
+              <a14:hiddenLine xmlns:a14="http://schemas.microsoft.com/office/drawing/2010/main" w="9525">
+                <a:solidFill>
+                  <a:schemeClr val="tx1"/>
+                </a:solidFill>
+                <a:miter lim="800000"/>
+                <a:headEnd/>
+                <a:tailEnd/>
+              </a14:hiddenLine>
+            </a:ext>
+            <a:ext uri="{AF507438-7753-43E0-B8FC-AC1667EBCBE1}">
+              <a14:hiddenEffects xmlns:a14="http://schemas.microsoft.com/office/drawing/2010/main">
+                <a:effectLst>
+                  <a:outerShdw dist="35921" dir="2700000" algn="ctr" rotWithShape="0">
+                    <a:schemeClr val="bg2"/>
+                  </a:outerShdw>
+                </a:effectLst>
+              </a14:hiddenEffects>
+            </a:ext>
+          </a:extLst>
+        </p:spPr>
+        <p:txBody>
+          <a:bodyPr vert="horz" wrap="square" lIns="91440" tIns="45720" rIns="91440" bIns="45720" numCol="1" anchor="ctr" anchorCtr="0" compatLnSpc="1">
+            <a:prstTxWarp prst="textNoShape">
+              <a:avLst/>
+            </a:prstTxWarp>
+            <a:spAutoFit/>
+          </a:bodyPr>
+          <a:lstStyle/>
+          <a:p>
+            <a:pPr marL="0" marR="0" lvl="0" indent="0" algn="ctr" defTabSz="914400" rtl="0" eaLnBrk="0" fontAlgn="base" latinLnBrk="0" hangingPunct="0">
+              <a:lnSpc>
+                <a:spcPct val="100000"/>
+              </a:lnSpc>
+              <a:spcBef>
+                <a:spcPct val="0"/>
+              </a:spcBef>
+              <a:spcAft>
+                <a:spcPct val="0"/>
+              </a:spcAft>
+              <a:buClrTx/>
+              <a:buSzTx/>
+              <a:buFontTx/>
+              <a:buNone/>
+              <a:tabLst/>
+            </a:pPr>
+            <a:r>
+              <a:rPr kumimoji="0" lang="ru-RU" altLang="ru-RU" sz="900" b="0" i="1" u="none" strike="noStrike" cap="none" normalizeH="0" baseline="0" dirty="0">
+                <a:ln>
+                  <a:noFill/>
+                </a:ln>
+                <a:solidFill>
+                  <a:srgbClr val="44546A"/>
+                </a:solidFill>
+                <a:effectLst/>
+                <a:latin typeface="Calibri" panose="020F0502020204030204" pitchFamily="34" charset="0"/>
+                <a:ea typeface="Calibri" panose="020F0502020204030204" pitchFamily="34" charset="0"/>
+                <a:cs typeface="Times New Roman" panose="02020603050405020304" pitchFamily="18" charset="0"/>
+              </a:rPr>
+              <a:t>Графики кривой QINI и </a:t>
+            </a:r>
+            <a:r>
+              <a:rPr kumimoji="0" lang="ru-RU" altLang="ru-RU" sz="900" b="0" i="1" u="none" strike="noStrike" cap="none" normalizeH="0" baseline="0" dirty="0" err="1">
+                <a:ln>
+                  <a:noFill/>
+                </a:ln>
+                <a:solidFill>
+                  <a:srgbClr val="44546A"/>
+                </a:solidFill>
+                <a:effectLst/>
+                <a:latin typeface="Calibri" panose="020F0502020204030204" pitchFamily="34" charset="0"/>
+                <a:ea typeface="Calibri" panose="020F0502020204030204" pitchFamily="34" charset="0"/>
+                <a:cs typeface="Times New Roman" panose="02020603050405020304" pitchFamily="18" charset="0"/>
+              </a:rPr>
+              <a:t>UpLift</a:t>
+            </a:r>
+            <a:r>
+              <a:rPr kumimoji="0" lang="ru-RU" altLang="ru-RU" sz="900" b="0" i="1" u="none" strike="noStrike" cap="none" normalizeH="0" baseline="0" dirty="0">
+                <a:ln>
+                  <a:noFill/>
+                </a:ln>
+                <a:solidFill>
+                  <a:srgbClr val="44546A"/>
+                </a:solidFill>
+                <a:effectLst/>
+                <a:latin typeface="Calibri" panose="020F0502020204030204" pitchFamily="34" charset="0"/>
+                <a:ea typeface="Calibri" panose="020F0502020204030204" pitchFamily="34" charset="0"/>
+                <a:cs typeface="Times New Roman" panose="02020603050405020304" pitchFamily="18" charset="0"/>
+              </a:rPr>
+              <a:t> для результатов моделирования одной моделью в худшем случае</a:t>
+            </a:r>
+            <a:endParaRPr kumimoji="0" lang="ru-RU" altLang="ru-RU" sz="1800" b="0" i="0" u="none" strike="noStrike" cap="none" normalizeH="0" baseline="0" dirty="0">
+              <a:ln>
+                <a:noFill/>
+              </a:ln>
+              <a:solidFill>
+                <a:schemeClr val="tx1"/>
+              </a:solidFill>
+              <a:effectLst/>
+              <a:latin typeface="Arial" panose="020B0604020202020204" pitchFamily="34" charset="0"/>
+            </a:endParaRPr>
+          </a:p>
+        </p:txBody>
+      </p:sp>
+      <p:pic>
+        <p:nvPicPr>
+          <p:cNvPr id="11" name="Рисунок 10">
+            <a:extLst>
+              <a:ext uri="{FF2B5EF4-FFF2-40B4-BE49-F238E27FC236}">
+                <a16:creationId xmlns:a16="http://schemas.microsoft.com/office/drawing/2014/main" id="{5984D912-83F0-6866-7282-B46C752CB9E0}"/>
+              </a:ext>
+            </a:extLst>
+          </p:cNvPr>
+          <p:cNvPicPr>
+            <a:picLocks noChangeAspect="1"/>
+          </p:cNvPicPr>
+          <p:nvPr/>
+        </p:nvPicPr>
+        <p:blipFill>
+          <a:blip r:embed="rId2"/>
+          <a:stretch>
+            <a:fillRect/>
+          </a:stretch>
+        </p:blipFill>
+        <p:spPr>
+          <a:xfrm>
+            <a:off x="3035934" y="1692761"/>
+            <a:ext cx="6120130" cy="2056765"/>
+          </a:xfrm>
+          <a:prstGeom prst="rect">
+            <a:avLst/>
+          </a:prstGeom>
+        </p:spPr>
+      </p:pic>
+      <p:pic>
+        <p:nvPicPr>
+          <p:cNvPr id="12" name="Рисунок 11">
+            <a:extLst>
+              <a:ext uri="{FF2B5EF4-FFF2-40B4-BE49-F238E27FC236}">
+                <a16:creationId xmlns:a16="http://schemas.microsoft.com/office/drawing/2014/main" id="{98A57946-51AD-8B0D-C1DA-0DC4631E7C18}"/>
+              </a:ext>
+            </a:extLst>
+          </p:cNvPr>
+          <p:cNvPicPr>
+            <a:picLocks noChangeAspect="1"/>
+          </p:cNvPicPr>
+          <p:nvPr/>
+        </p:nvPicPr>
+        <p:blipFill>
+          <a:blip r:embed="rId3"/>
+          <a:stretch>
+            <a:fillRect/>
+          </a:stretch>
+        </p:blipFill>
+        <p:spPr>
+          <a:xfrm>
+            <a:off x="3035934" y="4263576"/>
+            <a:ext cx="6120130" cy="2049780"/>
+          </a:xfrm>
+          <a:prstGeom prst="rect">
+            <a:avLst/>
+          </a:prstGeom>
+        </p:spPr>
+      </p:pic>
+    </p:spTree>
+    <p:extLst>
+      <p:ext uri="{BB962C8B-B14F-4D97-AF65-F5344CB8AC3E}">
+        <p14:creationId xmlns:p14="http://schemas.microsoft.com/office/powerpoint/2010/main" val="3226921770"/>
+      </p:ext>
+    </p:extLst>
+  </p:cSld>
+  <p:clrMapOvr>
+    <a:masterClrMapping/>
+  </p:clrMapOvr>
+</p:sld>
+</file>
+
+<file path=ppt/slides/slide23.xml><?xml version="1.0" encoding="utf-8"?>
+<p:sld xmlns:a="http://schemas.openxmlformats.org/drawingml/2006/main" xmlns:r="http://schemas.openxmlformats.org/officeDocument/2006/relationships" xmlns:p="http://schemas.openxmlformats.org/presentationml/2006/main">
+  <p:cSld>
+    <p:spTree>
+      <p:nvGrpSpPr>
+        <p:cNvPr id="1" name=""/>
+        <p:cNvGrpSpPr/>
+        <p:nvPr/>
+      </p:nvGrpSpPr>
+      <p:grpSpPr>
+        <a:xfrm>
+          <a:off x="0" y="0"/>
+          <a:ext cx="0" cy="0"/>
+          <a:chOff x="0" y="0"/>
+          <a:chExt cx="0" cy="0"/>
+        </a:xfrm>
+      </p:grpSpPr>
+      <p:sp>
+        <p:nvSpPr>
+          <p:cNvPr id="2" name="Заголовок 1">
+            <a:extLst>
+              <a:ext uri="{FF2B5EF4-FFF2-40B4-BE49-F238E27FC236}">
+                <a16:creationId xmlns:a16="http://schemas.microsoft.com/office/drawing/2014/main" id="{BDC9BE10-D1FA-FE3B-3CDE-11915BBC8AA9}"/>
+              </a:ext>
+            </a:extLst>
+          </p:cNvPr>
+          <p:cNvSpPr>
+            <a:spLocks noGrp="1"/>
+          </p:cNvSpPr>
+          <p:nvPr>
+            <p:ph type="title"/>
+          </p:nvPr>
+        </p:nvSpPr>
+        <p:spPr>
+          <a:xfrm>
+            <a:off x="838200" y="198071"/>
+            <a:ext cx="10515600" cy="725121"/>
+          </a:xfrm>
+        </p:spPr>
+        <p:txBody>
+          <a:bodyPr>
+            <a:normAutofit fontScale="90000"/>
+          </a:bodyPr>
+          <a:lstStyle/>
+          <a:p>
+            <a:r>
+              <a:rPr lang="ru-RU" dirty="0">
+                <a:latin typeface="Times New Roman" panose="02020603050405020304" pitchFamily="18" charset="0"/>
+                <a:cs typeface="Times New Roman" panose="02020603050405020304" pitchFamily="18" charset="0"/>
+              </a:rPr>
+              <a:t>Графические результаты работы моделей на собственных данных - 7</a:t>
+            </a:r>
+          </a:p>
+        </p:txBody>
+      </p:sp>
+      <p:sp>
+        <p:nvSpPr>
+          <p:cNvPr id="3" name="Объект 2">
+            <a:extLst>
+              <a:ext uri="{FF2B5EF4-FFF2-40B4-BE49-F238E27FC236}">
+                <a16:creationId xmlns:a16="http://schemas.microsoft.com/office/drawing/2014/main" id="{BC1F23B4-4143-F366-7562-70887AF1B651}"/>
+              </a:ext>
+            </a:extLst>
+          </p:cNvPr>
+          <p:cNvSpPr>
+            <a:spLocks noGrp="1"/>
+          </p:cNvSpPr>
+          <p:nvPr>
+            <p:ph idx="1"/>
+          </p:nvPr>
+        </p:nvSpPr>
+        <p:spPr>
+          <a:xfrm>
+            <a:off x="838200" y="1160586"/>
+            <a:ext cx="10515600" cy="365126"/>
+          </a:xfrm>
+        </p:spPr>
+        <p:txBody>
+          <a:bodyPr>
+            <a:normAutofit fontScale="77500" lnSpcReduction="20000"/>
+          </a:bodyPr>
+          <a:lstStyle/>
+          <a:p>
+            <a:r>
+              <a:rPr lang="ru-RU" dirty="0">
+                <a:latin typeface="Times New Roman" panose="02020603050405020304" pitchFamily="18" charset="0"/>
+                <a:cs typeface="Times New Roman" panose="02020603050405020304" pitchFamily="18" charset="0"/>
+              </a:rPr>
+              <a:t>Лучший </a:t>
+            </a:r>
+            <a:r>
+              <a:rPr lang="en-US" dirty="0" err="1">
+                <a:latin typeface="Times New Roman" panose="02020603050405020304" pitchFamily="18" charset="0"/>
+                <a:cs typeface="Times New Roman" panose="02020603050405020304" pitchFamily="18" charset="0"/>
+              </a:rPr>
+              <a:t>PipeLine</a:t>
+            </a:r>
+            <a:r>
+              <a:rPr lang="ru-RU" dirty="0">
+                <a:latin typeface="Times New Roman" panose="02020603050405020304" pitchFamily="18" charset="0"/>
+                <a:cs typeface="Times New Roman" panose="02020603050405020304" pitchFamily="18" charset="0"/>
+              </a:rPr>
+              <a:t> для структуры с трансформацией класса к задаче с регрессией</a:t>
+            </a:r>
+          </a:p>
+        </p:txBody>
+      </p:sp>
+      <p:sp>
+        <p:nvSpPr>
+          <p:cNvPr id="4" name="Номер слайда 3">
+            <a:extLst>
+              <a:ext uri="{FF2B5EF4-FFF2-40B4-BE49-F238E27FC236}">
+                <a16:creationId xmlns:a16="http://schemas.microsoft.com/office/drawing/2014/main" id="{540CC0A2-5E3A-0763-D6B9-441F0E8AAE10}"/>
+              </a:ext>
+            </a:extLst>
+          </p:cNvPr>
+          <p:cNvSpPr>
+            <a:spLocks noGrp="1"/>
+          </p:cNvSpPr>
+          <p:nvPr>
+            <p:ph type="sldNum" sz="quarter" idx="12"/>
+          </p:nvPr>
+        </p:nvSpPr>
+        <p:spPr/>
+        <p:txBody>
+          <a:bodyPr/>
+          <a:lstStyle/>
+          <a:p>
+            <a:fld id="{DD52A6CB-90DA-4351-BF49-99661FABD7B0}" type="slidenum">
+              <a:rPr lang="ru-RU" smtClean="0"/>
+              <a:t>23</a:t>
+            </a:fld>
+            <a:endParaRPr lang="ru-RU"/>
+          </a:p>
+        </p:txBody>
+      </p:sp>
+      <p:sp>
+        <p:nvSpPr>
+          <p:cNvPr id="9" name="Rectangle 4">
+            <a:extLst>
+              <a:ext uri="{FF2B5EF4-FFF2-40B4-BE49-F238E27FC236}">
+                <a16:creationId xmlns:a16="http://schemas.microsoft.com/office/drawing/2014/main" id="{38E013D2-16CB-9A4E-BF1F-0AF6B86C614B}"/>
+              </a:ext>
+            </a:extLst>
+          </p:cNvPr>
+          <p:cNvSpPr>
+            <a:spLocks noChangeArrowheads="1"/>
+          </p:cNvSpPr>
+          <p:nvPr/>
+        </p:nvSpPr>
+        <p:spPr bwMode="auto">
+          <a:xfrm>
+            <a:off x="3355505" y="3710199"/>
+            <a:ext cx="5480988" cy="230832"/>
+          </a:xfrm>
+          <a:prstGeom prst="rect">
+            <a:avLst/>
+          </a:prstGeom>
+          <a:noFill/>
+          <a:ln>
+            <a:noFill/>
+          </a:ln>
+          <a:effectLst/>
+          <a:extLst>
+            <a:ext uri="{909E8E84-426E-40DD-AFC4-6F175D3DCCD1}">
+              <a14:hiddenFill xmlns:a14="http://schemas.microsoft.com/office/drawing/2010/main">
+                <a:solidFill>
+                  <a:schemeClr val="accent1"/>
+                </a:solidFill>
+              </a14:hiddenFill>
+            </a:ext>
+            <a:ext uri="{91240B29-F687-4F45-9708-019B960494DF}">
+              <a14:hiddenLine xmlns:a14="http://schemas.microsoft.com/office/drawing/2010/main" w="9525">
+                <a:solidFill>
+                  <a:schemeClr val="tx1"/>
+                </a:solidFill>
+                <a:miter lim="800000"/>
+                <a:headEnd/>
+                <a:tailEnd/>
+              </a14:hiddenLine>
+            </a:ext>
+            <a:ext uri="{AF507438-7753-43E0-B8FC-AC1667EBCBE1}">
+              <a14:hiddenEffects xmlns:a14="http://schemas.microsoft.com/office/drawing/2010/main">
+                <a:effectLst>
+                  <a:outerShdw dist="35921" dir="2700000" algn="ctr" rotWithShape="0">
+                    <a:schemeClr val="bg2"/>
+                  </a:outerShdw>
+                </a:effectLst>
+              </a14:hiddenEffects>
+            </a:ext>
+          </a:extLst>
+        </p:spPr>
+        <p:txBody>
+          <a:bodyPr vert="horz" wrap="none" lIns="91440" tIns="45720" rIns="91440" bIns="45720" numCol="1" anchor="ctr" anchorCtr="0" compatLnSpc="1">
+            <a:prstTxWarp prst="textNoShape">
+              <a:avLst/>
+            </a:prstTxWarp>
+            <a:spAutoFit/>
+          </a:bodyPr>
+          <a:lstStyle>
+            <a:lvl1pPr eaLnBrk="0" fontAlgn="base" hangingPunct="0">
+              <a:spcBef>
+                <a:spcPct val="0"/>
+              </a:spcBef>
+              <a:spcAft>
+                <a:spcPct val="0"/>
+              </a:spcAft>
+              <a:defRPr>
+                <a:solidFill>
+                  <a:schemeClr val="tx1"/>
+                </a:solidFill>
+                <a:latin typeface="Arial" panose="020B0604020202020204" pitchFamily="34" charset="0"/>
+              </a:defRPr>
+            </a:lvl1pPr>
+            <a:lvl2pPr eaLnBrk="0" fontAlgn="base" hangingPunct="0">
+              <a:spcBef>
+                <a:spcPct val="0"/>
+              </a:spcBef>
+              <a:spcAft>
+                <a:spcPct val="0"/>
+              </a:spcAft>
+              <a:defRPr>
+                <a:solidFill>
+                  <a:schemeClr val="tx1"/>
+                </a:solidFill>
+                <a:latin typeface="Arial" panose="020B0604020202020204" pitchFamily="34" charset="0"/>
+              </a:defRPr>
+            </a:lvl2pPr>
+            <a:lvl3pPr eaLnBrk="0" fontAlgn="base" hangingPunct="0">
+              <a:spcBef>
+                <a:spcPct val="0"/>
+              </a:spcBef>
+              <a:spcAft>
+                <a:spcPct val="0"/>
+              </a:spcAft>
+              <a:defRPr>
+                <a:solidFill>
+                  <a:schemeClr val="tx1"/>
+                </a:solidFill>
+                <a:latin typeface="Arial" panose="020B0604020202020204" pitchFamily="34" charset="0"/>
+              </a:defRPr>
+            </a:lvl3pPr>
+            <a:lvl4pPr eaLnBrk="0" fontAlgn="base" hangingPunct="0">
+              <a:spcBef>
+                <a:spcPct val="0"/>
+              </a:spcBef>
+              <a:spcAft>
+                <a:spcPct val="0"/>
+              </a:spcAft>
+              <a:defRPr>
+                <a:solidFill>
+                  <a:schemeClr val="tx1"/>
+                </a:solidFill>
+                <a:latin typeface="Arial" panose="020B0604020202020204" pitchFamily="34" charset="0"/>
+              </a:defRPr>
+            </a:lvl4pPr>
+            <a:lvl5pPr eaLnBrk="0" fontAlgn="base" hangingPunct="0">
+              <a:spcBef>
+                <a:spcPct val="0"/>
+              </a:spcBef>
+              <a:spcAft>
+                <a:spcPct val="0"/>
+              </a:spcAft>
+              <a:defRPr>
+                <a:solidFill>
+                  <a:schemeClr val="tx1"/>
+                </a:solidFill>
+                <a:latin typeface="Arial" panose="020B0604020202020204" pitchFamily="34" charset="0"/>
+              </a:defRPr>
+            </a:lvl5pPr>
+            <a:lvl6pPr eaLnBrk="0" fontAlgn="base" hangingPunct="0">
+              <a:spcBef>
+                <a:spcPct val="0"/>
+              </a:spcBef>
+              <a:spcAft>
+                <a:spcPct val="0"/>
+              </a:spcAft>
+              <a:defRPr>
+                <a:solidFill>
+                  <a:schemeClr val="tx1"/>
+                </a:solidFill>
+                <a:latin typeface="Arial" panose="020B0604020202020204" pitchFamily="34" charset="0"/>
+              </a:defRPr>
+            </a:lvl6pPr>
+            <a:lvl7pPr eaLnBrk="0" fontAlgn="base" hangingPunct="0">
+              <a:spcBef>
+                <a:spcPct val="0"/>
+              </a:spcBef>
+              <a:spcAft>
+                <a:spcPct val="0"/>
+              </a:spcAft>
+              <a:defRPr>
+                <a:solidFill>
+                  <a:schemeClr val="tx1"/>
+                </a:solidFill>
+                <a:latin typeface="Arial" panose="020B0604020202020204" pitchFamily="34" charset="0"/>
+              </a:defRPr>
+            </a:lvl7pPr>
+            <a:lvl8pPr eaLnBrk="0" fontAlgn="base" hangingPunct="0">
+              <a:spcBef>
+                <a:spcPct val="0"/>
+              </a:spcBef>
+              <a:spcAft>
+                <a:spcPct val="0"/>
+              </a:spcAft>
+              <a:defRPr>
+                <a:solidFill>
+                  <a:schemeClr val="tx1"/>
+                </a:solidFill>
+                <a:latin typeface="Arial" panose="020B0604020202020204" pitchFamily="34" charset="0"/>
+              </a:defRPr>
+            </a:lvl8pPr>
+            <a:lvl9pPr eaLnBrk="0" fontAlgn="base" hangingPunct="0">
+              <a:spcBef>
+                <a:spcPct val="0"/>
+              </a:spcBef>
+              <a:spcAft>
+                <a:spcPct val="0"/>
+              </a:spcAft>
+              <a:defRPr>
+                <a:solidFill>
+                  <a:schemeClr val="tx1"/>
+                </a:solidFill>
+                <a:latin typeface="Arial" panose="020B0604020202020204" pitchFamily="34" charset="0"/>
+              </a:defRPr>
+            </a:lvl9pPr>
+          </a:lstStyle>
+          <a:p>
+            <a:pPr marL="0" marR="0" lvl="0" indent="0" algn="l" defTabSz="914400" rtl="0" eaLnBrk="0" fontAlgn="base" latinLnBrk="0" hangingPunct="0">
+              <a:lnSpc>
+                <a:spcPct val="100000"/>
+              </a:lnSpc>
+              <a:spcBef>
+                <a:spcPct val="0"/>
+              </a:spcBef>
+              <a:spcAft>
+                <a:spcPct val="0"/>
+              </a:spcAft>
+              <a:buClrTx/>
+              <a:buSzTx/>
+              <a:buFontTx/>
+              <a:buNone/>
+              <a:tabLst/>
+            </a:pPr>
+            <a:r>
+              <a:rPr kumimoji="0" lang="ru-RU" altLang="ru-RU" sz="900" b="0" i="1" u="none" strike="noStrike" cap="none" normalizeH="0" baseline="0" dirty="0">
+                <a:ln>
+                  <a:noFill/>
+                </a:ln>
+                <a:solidFill>
+                  <a:srgbClr val="44546A"/>
+                </a:solidFill>
+                <a:effectLst/>
+                <a:latin typeface="Calibri" panose="020F0502020204030204" pitchFamily="34" charset="0"/>
+                <a:ea typeface="Calibri" panose="020F0502020204030204" pitchFamily="34" charset="0"/>
+                <a:cs typeface="Times New Roman" panose="02020603050405020304" pitchFamily="18" charset="0"/>
+              </a:rPr>
+              <a:t>Графики кривой </a:t>
+            </a:r>
+            <a:r>
+              <a:rPr kumimoji="0" lang="en-US" altLang="ru-RU" sz="900" b="0" i="1" u="none" strike="noStrike" cap="none" normalizeH="0" baseline="0" dirty="0">
+                <a:ln>
+                  <a:noFill/>
+                </a:ln>
+                <a:solidFill>
+                  <a:srgbClr val="44546A"/>
+                </a:solidFill>
+                <a:effectLst/>
+                <a:latin typeface="Calibri" panose="020F0502020204030204" pitchFamily="34" charset="0"/>
+                <a:ea typeface="Calibri" panose="020F0502020204030204" pitchFamily="34" charset="0"/>
+                <a:cs typeface="Times New Roman" panose="02020603050405020304" pitchFamily="18" charset="0"/>
+              </a:rPr>
+              <a:t>QINI</a:t>
+            </a:r>
+            <a:r>
+              <a:rPr kumimoji="0" lang="ru-RU" altLang="ru-RU" sz="900" b="0" i="1" u="none" strike="noStrike" cap="none" normalizeH="0" baseline="0" dirty="0">
+                <a:ln>
+                  <a:noFill/>
+                </a:ln>
+                <a:solidFill>
+                  <a:srgbClr val="44546A"/>
+                </a:solidFill>
+                <a:effectLst/>
+                <a:latin typeface="Calibri" panose="020F0502020204030204" pitchFamily="34" charset="0"/>
+                <a:ea typeface="Calibri" panose="020F0502020204030204" pitchFamily="34" charset="0"/>
+                <a:cs typeface="Times New Roman" panose="02020603050405020304" pitchFamily="18" charset="0"/>
+              </a:rPr>
+              <a:t> и </a:t>
+            </a:r>
+            <a:r>
+              <a:rPr kumimoji="0" lang="en-US" altLang="ru-RU" sz="900" b="0" i="1" u="none" strike="noStrike" cap="none" normalizeH="0" baseline="0" dirty="0">
+                <a:ln>
+                  <a:noFill/>
+                </a:ln>
+                <a:solidFill>
+                  <a:srgbClr val="44546A"/>
+                </a:solidFill>
+                <a:effectLst/>
+                <a:latin typeface="Calibri" panose="020F0502020204030204" pitchFamily="34" charset="0"/>
+                <a:ea typeface="Calibri" panose="020F0502020204030204" pitchFamily="34" charset="0"/>
+                <a:cs typeface="Times New Roman" panose="02020603050405020304" pitchFamily="18" charset="0"/>
+              </a:rPr>
+              <a:t>UpLift </a:t>
+            </a:r>
+            <a:r>
+              <a:rPr kumimoji="0" lang="ru-RU" altLang="ru-RU" sz="900" b="0" i="1" u="none" strike="noStrike" cap="none" normalizeH="0" baseline="0" dirty="0">
+                <a:ln>
+                  <a:noFill/>
+                </a:ln>
+                <a:solidFill>
+                  <a:srgbClr val="44546A"/>
+                </a:solidFill>
+                <a:effectLst/>
+                <a:latin typeface="Calibri" panose="020F0502020204030204" pitchFamily="34" charset="0"/>
+                <a:ea typeface="Calibri" panose="020F0502020204030204" pitchFamily="34" charset="0"/>
+                <a:cs typeface="Times New Roman" panose="02020603050405020304" pitchFamily="18" charset="0"/>
+              </a:rPr>
+              <a:t>для результатов моделирования с трансформацией класса в лучшем случае</a:t>
+            </a:r>
+            <a:endParaRPr kumimoji="0" lang="ru-RU" altLang="ru-RU" sz="800" b="0" i="0" u="none" strike="noStrike" cap="none" normalizeH="0" baseline="0" dirty="0">
+              <a:ln>
+                <a:noFill/>
+              </a:ln>
+              <a:solidFill>
+                <a:schemeClr val="tx1"/>
+              </a:solidFill>
+              <a:effectLst/>
+            </a:endParaRPr>
+          </a:p>
+        </p:txBody>
+      </p:sp>
+      <p:sp>
+        <p:nvSpPr>
+          <p:cNvPr id="10" name="Rectangle 5">
+            <a:extLst>
+              <a:ext uri="{FF2B5EF4-FFF2-40B4-BE49-F238E27FC236}">
+                <a16:creationId xmlns:a16="http://schemas.microsoft.com/office/drawing/2014/main" id="{82A37233-8D3D-87FB-5D62-8A72EA7A8B8C}"/>
+              </a:ext>
+            </a:extLst>
+          </p:cNvPr>
+          <p:cNvSpPr>
+            <a:spLocks noChangeArrowheads="1"/>
+          </p:cNvSpPr>
+          <p:nvPr/>
+        </p:nvSpPr>
+        <p:spPr bwMode="auto">
+          <a:xfrm>
+            <a:off x="3301999" y="6337079"/>
+            <a:ext cx="5588000" cy="230832"/>
+          </a:xfrm>
+          <a:prstGeom prst="rect">
+            <a:avLst/>
+          </a:prstGeom>
+          <a:noFill/>
+          <a:ln>
+            <a:noFill/>
+          </a:ln>
+          <a:effectLst/>
+          <a:extLst>
+            <a:ext uri="{909E8E84-426E-40DD-AFC4-6F175D3DCCD1}">
+              <a14:hiddenFill xmlns:a14="http://schemas.microsoft.com/office/drawing/2010/main">
+                <a:solidFill>
+                  <a:schemeClr val="accent1"/>
+                </a:solidFill>
+              </a14:hiddenFill>
+            </a:ext>
+            <a:ext uri="{91240B29-F687-4F45-9708-019B960494DF}">
+              <a14:hiddenLine xmlns:a14="http://schemas.microsoft.com/office/drawing/2010/main" w="9525">
+                <a:solidFill>
+                  <a:schemeClr val="tx1"/>
+                </a:solidFill>
+                <a:miter lim="800000"/>
+                <a:headEnd/>
+                <a:tailEnd/>
+              </a14:hiddenLine>
+            </a:ext>
+            <a:ext uri="{AF507438-7753-43E0-B8FC-AC1667EBCBE1}">
+              <a14:hiddenEffects xmlns:a14="http://schemas.microsoft.com/office/drawing/2010/main">
+                <a:effectLst>
+                  <a:outerShdw dist="35921" dir="2700000" algn="ctr" rotWithShape="0">
+                    <a:schemeClr val="bg2"/>
+                  </a:outerShdw>
+                </a:effectLst>
+              </a14:hiddenEffects>
+            </a:ext>
+          </a:extLst>
+        </p:spPr>
+        <p:txBody>
+          <a:bodyPr vert="horz" wrap="square" lIns="91440" tIns="45720" rIns="91440" bIns="45720" numCol="1" anchor="ctr" anchorCtr="0" compatLnSpc="1">
+            <a:prstTxWarp prst="textNoShape">
+              <a:avLst/>
+            </a:prstTxWarp>
+            <a:spAutoFit/>
+          </a:bodyPr>
+          <a:lstStyle/>
+          <a:p>
+            <a:pPr marL="0" marR="0" lvl="0" indent="0" algn="ctr" defTabSz="914400" rtl="0" eaLnBrk="0" fontAlgn="base" latinLnBrk="0" hangingPunct="0">
+              <a:lnSpc>
+                <a:spcPct val="100000"/>
+              </a:lnSpc>
+              <a:spcBef>
+                <a:spcPct val="0"/>
+              </a:spcBef>
+              <a:spcAft>
+                <a:spcPct val="0"/>
+              </a:spcAft>
+              <a:buClrTx/>
+              <a:buSzTx/>
+              <a:buFontTx/>
+              <a:buNone/>
+              <a:tabLst/>
+            </a:pPr>
+            <a:r>
+              <a:rPr kumimoji="0" lang="ru-RU" altLang="ru-RU" sz="900" b="0" i="1" u="none" strike="noStrike" cap="none" normalizeH="0" baseline="0" dirty="0">
+                <a:ln>
+                  <a:noFill/>
+                </a:ln>
+                <a:solidFill>
+                  <a:srgbClr val="44546A"/>
+                </a:solidFill>
+                <a:effectLst/>
+                <a:latin typeface="Calibri" panose="020F0502020204030204" pitchFamily="34" charset="0"/>
+                <a:ea typeface="Calibri" panose="020F0502020204030204" pitchFamily="34" charset="0"/>
+                <a:cs typeface="Times New Roman" panose="02020603050405020304" pitchFamily="18" charset="0"/>
+              </a:rPr>
+              <a:t>Графики кривой QINI и </a:t>
+            </a:r>
+            <a:r>
+              <a:rPr kumimoji="0" lang="ru-RU" altLang="ru-RU" sz="900" b="0" i="1" u="none" strike="noStrike" cap="none" normalizeH="0" baseline="0" dirty="0" err="1">
+                <a:ln>
+                  <a:noFill/>
+                </a:ln>
+                <a:solidFill>
+                  <a:srgbClr val="44546A"/>
+                </a:solidFill>
+                <a:effectLst/>
+                <a:latin typeface="Calibri" panose="020F0502020204030204" pitchFamily="34" charset="0"/>
+                <a:ea typeface="Calibri" panose="020F0502020204030204" pitchFamily="34" charset="0"/>
+                <a:cs typeface="Times New Roman" panose="02020603050405020304" pitchFamily="18" charset="0"/>
+              </a:rPr>
+              <a:t>UpLift</a:t>
+            </a:r>
+            <a:r>
+              <a:rPr kumimoji="0" lang="ru-RU" altLang="ru-RU" sz="900" b="0" i="1" u="none" strike="noStrike" cap="none" normalizeH="0" baseline="0" dirty="0">
+                <a:ln>
+                  <a:noFill/>
+                </a:ln>
+                <a:solidFill>
+                  <a:srgbClr val="44546A"/>
+                </a:solidFill>
+                <a:effectLst/>
+                <a:latin typeface="Calibri" panose="020F0502020204030204" pitchFamily="34" charset="0"/>
+                <a:ea typeface="Calibri" panose="020F0502020204030204" pitchFamily="34" charset="0"/>
+                <a:cs typeface="Times New Roman" panose="02020603050405020304" pitchFamily="18" charset="0"/>
+              </a:rPr>
+              <a:t> для результатов моделирования с трансформацией класса в худшем случае</a:t>
+            </a:r>
+            <a:endParaRPr kumimoji="0" lang="ru-RU" altLang="ru-RU" sz="1800" b="0" i="0" u="none" strike="noStrike" cap="none" normalizeH="0" baseline="0" dirty="0">
+              <a:ln>
+                <a:noFill/>
+              </a:ln>
+              <a:solidFill>
+                <a:schemeClr val="tx1"/>
+              </a:solidFill>
+              <a:effectLst/>
+              <a:latin typeface="Arial" panose="020B0604020202020204" pitchFamily="34" charset="0"/>
+            </a:endParaRPr>
+          </a:p>
+        </p:txBody>
+      </p:sp>
+      <p:pic>
+        <p:nvPicPr>
+          <p:cNvPr id="5" name="Рисунок 4">
+            <a:extLst>
+              <a:ext uri="{FF2B5EF4-FFF2-40B4-BE49-F238E27FC236}">
+                <a16:creationId xmlns:a16="http://schemas.microsoft.com/office/drawing/2014/main" id="{444B88EC-B203-3BBF-3565-9CC16BBCDAA1}"/>
+              </a:ext>
+            </a:extLst>
+          </p:cNvPr>
+          <p:cNvPicPr>
+            <a:picLocks noChangeAspect="1"/>
+          </p:cNvPicPr>
+          <p:nvPr/>
+        </p:nvPicPr>
+        <p:blipFill>
+          <a:blip r:embed="rId2"/>
+          <a:stretch>
+            <a:fillRect/>
+          </a:stretch>
+        </p:blipFill>
+        <p:spPr>
+          <a:xfrm>
+            <a:off x="3035934" y="1678834"/>
+            <a:ext cx="6120130" cy="2056765"/>
+          </a:xfrm>
+          <a:prstGeom prst="rect">
+            <a:avLst/>
+          </a:prstGeom>
+        </p:spPr>
+      </p:pic>
+      <p:pic>
+        <p:nvPicPr>
+          <p:cNvPr id="6" name="Рисунок 5">
+            <a:extLst>
+              <a:ext uri="{FF2B5EF4-FFF2-40B4-BE49-F238E27FC236}">
+                <a16:creationId xmlns:a16="http://schemas.microsoft.com/office/drawing/2014/main" id="{B1837DE5-055F-4B7E-D8FF-6E18DC076C65}"/>
+              </a:ext>
+            </a:extLst>
+          </p:cNvPr>
+          <p:cNvPicPr>
+            <a:picLocks noChangeAspect="1"/>
+          </p:cNvPicPr>
+          <p:nvPr/>
+        </p:nvPicPr>
+        <p:blipFill>
+          <a:blip r:embed="rId3"/>
+          <a:stretch>
+            <a:fillRect/>
+          </a:stretch>
+        </p:blipFill>
+        <p:spPr>
+          <a:xfrm>
+            <a:off x="3035934" y="4280314"/>
+            <a:ext cx="6120130" cy="2056765"/>
+          </a:xfrm>
+          <a:prstGeom prst="rect">
+            <a:avLst/>
+          </a:prstGeom>
+        </p:spPr>
+      </p:pic>
+    </p:spTree>
+    <p:extLst>
+      <p:ext uri="{BB962C8B-B14F-4D97-AF65-F5344CB8AC3E}">
+        <p14:creationId xmlns:p14="http://schemas.microsoft.com/office/powerpoint/2010/main" val="2402784206"/>
+      </p:ext>
+    </p:extLst>
+  </p:cSld>
+  <p:clrMapOvr>
+    <a:masterClrMapping/>
+  </p:clrMapOvr>
+</p:sld>
+</file>
+
 <file path=ppt/slides/slide3.xml><?xml version="1.0" encoding="utf-8"?>
 <p:sld xmlns:a="http://schemas.openxmlformats.org/drawingml/2006/main" xmlns:r="http://schemas.openxmlformats.org/officeDocument/2006/relationships" xmlns:p="http://schemas.openxmlformats.org/presentationml/2006/main">
   <p:cSld>
@@ -8158,18 +12461,11 @@
               <a:t>алгоритм </a:t>
             </a:r>
             <a:r>
-              <a:rPr lang="en-US" sz="2400" dirty="0" err="1">
-                <a:latin typeface="Times New Roman" panose="02020603050405020304" pitchFamily="18" charset="0"/>
-                <a:ea typeface="Calibri" panose="020F0502020204030204" pitchFamily="34" charset="0"/>
-              </a:rPr>
-              <a:t>UpLift</a:t>
-            </a:r>
-            <a:r>
               <a:rPr lang="en-US" sz="2400" dirty="0">
                 <a:latin typeface="Times New Roman" panose="02020603050405020304" pitchFamily="18" charset="0"/>
                 <a:ea typeface="Calibri" panose="020F0502020204030204" pitchFamily="34" charset="0"/>
               </a:rPr>
-              <a:t> </a:t>
+              <a:t>UpLift </a:t>
             </a:r>
             <a:r>
               <a:rPr lang="ru-RU" sz="2400" dirty="0">
@@ -8549,18 +12845,11 @@
               <a:t>по </a:t>
             </a:r>
             <a:r>
-              <a:rPr lang="en-US" dirty="0" err="1">
-                <a:latin typeface="Times New Roman" panose="02020603050405020304" pitchFamily="18" charset="0"/>
-                <a:cs typeface="Times New Roman" panose="02020603050405020304" pitchFamily="18" charset="0"/>
-              </a:rPr>
-              <a:t>UpLift</a:t>
-            </a:r>
-            <a:r>
               <a:rPr lang="en-US" dirty="0">
                 <a:latin typeface="Times New Roman" panose="02020603050405020304" pitchFamily="18" charset="0"/>
                 <a:cs typeface="Times New Roman" panose="02020603050405020304" pitchFamily="18" charset="0"/>
               </a:rPr>
-              <a:t> </a:t>
+              <a:t>UpLift </a:t>
             </a:r>
             <a:r>
               <a:rPr lang="ru-RU" dirty="0">
@@ -8832,6 +13121,287 @@
 </file>
 
 <file path=ppt/slides/slide5.xml><?xml version="1.0" encoding="utf-8"?>
+<p:sld xmlns:a="http://schemas.openxmlformats.org/drawingml/2006/main" xmlns:r="http://schemas.openxmlformats.org/officeDocument/2006/relationships" xmlns:p="http://schemas.openxmlformats.org/presentationml/2006/main">
+  <p:cSld>
+    <p:spTree>
+      <p:nvGrpSpPr>
+        <p:cNvPr id="1" name=""/>
+        <p:cNvGrpSpPr/>
+        <p:nvPr/>
+      </p:nvGrpSpPr>
+      <p:grpSpPr>
+        <a:xfrm>
+          <a:off x="0" y="0"/>
+          <a:ext cx="0" cy="0"/>
+          <a:chOff x="0" y="0"/>
+          <a:chExt cx="0" cy="0"/>
+        </a:xfrm>
+      </p:grpSpPr>
+      <p:sp>
+        <p:nvSpPr>
+          <p:cNvPr id="2" name="Заголовок 1">
+            <a:extLst>
+              <a:ext uri="{FF2B5EF4-FFF2-40B4-BE49-F238E27FC236}">
+                <a16:creationId xmlns:a16="http://schemas.microsoft.com/office/drawing/2014/main" id="{A554E992-7788-4807-B214-E83A592BA021}"/>
+              </a:ext>
+            </a:extLst>
+          </p:cNvPr>
+          <p:cNvSpPr>
+            <a:spLocks noGrp="1"/>
+          </p:cNvSpPr>
+          <p:nvPr>
+            <p:ph type="title"/>
+          </p:nvPr>
+        </p:nvSpPr>
+        <p:spPr>
+          <a:xfrm>
+            <a:off x="481495" y="85012"/>
+            <a:ext cx="11710505" cy="609256"/>
+          </a:xfrm>
+        </p:spPr>
+        <p:txBody>
+          <a:bodyPr>
+            <a:normAutofit fontScale="90000"/>
+          </a:bodyPr>
+          <a:lstStyle/>
+          <a:p>
+            <a:r>
+              <a:rPr lang="ru-RU" sz="4000" dirty="0">
+                <a:latin typeface="Times New Roman" panose="02020603050405020304" pitchFamily="18" charset="0"/>
+                <a:cs typeface="Times New Roman" panose="02020603050405020304" pitchFamily="18" charset="0"/>
+              </a:rPr>
+              <a:t>Описание набора данных косметической ретейл компании</a:t>
+            </a:r>
+          </a:p>
+        </p:txBody>
+      </p:sp>
+      <p:sp>
+        <p:nvSpPr>
+          <p:cNvPr id="5" name="TextBox 4">
+            <a:extLst>
+              <a:ext uri="{FF2B5EF4-FFF2-40B4-BE49-F238E27FC236}">
+                <a16:creationId xmlns:a16="http://schemas.microsoft.com/office/drawing/2014/main" id="{21457974-9177-4E93-94F3-5D9BF396588D}"/>
+              </a:ext>
+            </a:extLst>
+          </p:cNvPr>
+          <p:cNvSpPr txBox="1"/>
+          <p:nvPr/>
+        </p:nvSpPr>
+        <p:spPr>
+          <a:xfrm>
+            <a:off x="481494" y="694268"/>
+            <a:ext cx="11558105" cy="1754326"/>
+          </a:xfrm>
+          <a:prstGeom prst="rect">
+            <a:avLst/>
+          </a:prstGeom>
+          <a:noFill/>
+        </p:spPr>
+        <p:txBody>
+          <a:bodyPr wrap="square" rtlCol="0">
+            <a:spAutoFit/>
+          </a:bodyPr>
+          <a:lstStyle/>
+          <a:p>
+            <a:r>
+              <a:rPr lang="ru-RU" dirty="0">
+                <a:latin typeface="Times New Roman" panose="02020603050405020304" pitchFamily="18" charset="0"/>
+                <a:cs typeface="Times New Roman" panose="02020603050405020304" pitchFamily="18" charset="0"/>
+              </a:rPr>
+              <a:t>Источник данных – исторические данные за 4 месяца до момента коммуникации в косметической ретейл компании</a:t>
+            </a:r>
+            <a:endParaRPr lang="en-US" dirty="0">
+              <a:latin typeface="Times New Roman" panose="02020603050405020304" pitchFamily="18" charset="0"/>
+              <a:cs typeface="Times New Roman" panose="02020603050405020304" pitchFamily="18" charset="0"/>
+            </a:endParaRPr>
+          </a:p>
+          <a:p>
+            <a:r>
+              <a:rPr lang="ru-RU" dirty="0">
+                <a:latin typeface="Times New Roman" panose="02020603050405020304" pitchFamily="18" charset="0"/>
+                <a:cs typeface="Times New Roman" panose="02020603050405020304" pitchFamily="18" charset="0"/>
+              </a:rPr>
+              <a:t>Данные</a:t>
+            </a:r>
+            <a:r>
+              <a:rPr lang="en-US" dirty="0">
+                <a:latin typeface="Times New Roman" panose="02020603050405020304" pitchFamily="18" charset="0"/>
+                <a:cs typeface="Times New Roman" panose="02020603050405020304" pitchFamily="18" charset="0"/>
+              </a:rPr>
+              <a:t>:</a:t>
+            </a:r>
+          </a:p>
+          <a:p>
+            <a:pPr marL="742950" lvl="1" indent="-285750">
+              <a:buFont typeface="Arial" panose="020B0604020202020204" pitchFamily="34" charset="0"/>
+              <a:buChar char="•"/>
+            </a:pPr>
+            <a:r>
+              <a:rPr lang="ru-RU" dirty="0">
+                <a:latin typeface="Times New Roman" panose="02020603050405020304" pitchFamily="18" charset="0"/>
+                <a:cs typeface="Times New Roman" panose="02020603050405020304" pitchFamily="18" charset="0"/>
+              </a:rPr>
+              <a:t>Срез покупок за 4 месяца с детализацией до позиций в чеке.</a:t>
+            </a:r>
+          </a:p>
+          <a:p>
+            <a:pPr marL="742950" lvl="1" indent="-285750">
+              <a:buFont typeface="Arial" panose="020B0604020202020204" pitchFamily="34" charset="0"/>
+              <a:buChar char="•"/>
+            </a:pPr>
+            <a:r>
+              <a:rPr lang="ru-RU" dirty="0">
+                <a:latin typeface="Times New Roman" panose="02020603050405020304" pitchFamily="18" charset="0"/>
+                <a:cs typeface="Times New Roman" panose="02020603050405020304" pitchFamily="18" charset="0"/>
+              </a:rPr>
+              <a:t>Клиентская база объемом около 900 тыс. человек</a:t>
+            </a:r>
+          </a:p>
+          <a:p>
+            <a:pPr marL="742950" lvl="1" indent="-285750">
+              <a:buFont typeface="Arial" panose="020B0604020202020204" pitchFamily="34" charset="0"/>
+              <a:buChar char="•"/>
+            </a:pPr>
+            <a:r>
+              <a:rPr lang="ru-RU" dirty="0">
+                <a:latin typeface="Times New Roman" panose="02020603050405020304" pitchFamily="18" charset="0"/>
+                <a:cs typeface="Times New Roman" panose="02020603050405020304" pitchFamily="18" charset="0"/>
+              </a:rPr>
+              <a:t>Набор целевых переменных</a:t>
+            </a:r>
+            <a:r>
+              <a:rPr lang="en-US" dirty="0">
+                <a:latin typeface="Times New Roman" panose="02020603050405020304" pitchFamily="18" charset="0"/>
+                <a:cs typeface="Times New Roman" panose="02020603050405020304" pitchFamily="18" charset="0"/>
+              </a:rPr>
+              <a:t>: </a:t>
+            </a:r>
+            <a:r>
+              <a:rPr lang="ru-RU" dirty="0">
+                <a:latin typeface="Times New Roman" panose="02020603050405020304" pitchFamily="18" charset="0"/>
+                <a:cs typeface="Times New Roman" panose="02020603050405020304" pitchFamily="18" charset="0"/>
+              </a:rPr>
+              <a:t>переменная – флаг воздействия на клиента </a:t>
+            </a:r>
+            <a:r>
+              <a:rPr lang="en-US" dirty="0">
+                <a:latin typeface="Times New Roman" panose="02020603050405020304" pitchFamily="18" charset="0"/>
+                <a:cs typeface="Times New Roman" panose="02020603050405020304" pitchFamily="18" charset="0"/>
+              </a:rPr>
+              <a:t>[0, 1] </a:t>
+            </a:r>
+            <a:r>
+              <a:rPr lang="ru-RU" dirty="0">
+                <a:latin typeface="Times New Roman" panose="02020603050405020304" pitchFamily="18" charset="0"/>
+                <a:cs typeface="Times New Roman" panose="02020603050405020304" pitchFamily="18" charset="0"/>
+              </a:rPr>
+              <a:t>и переменная – флаг выполнения целевого действия.</a:t>
+            </a:r>
+          </a:p>
+        </p:txBody>
+      </p:sp>
+      <p:sp>
+        <p:nvSpPr>
+          <p:cNvPr id="18" name="Номер слайда 17">
+            <a:extLst>
+              <a:ext uri="{FF2B5EF4-FFF2-40B4-BE49-F238E27FC236}">
+                <a16:creationId xmlns:a16="http://schemas.microsoft.com/office/drawing/2014/main" id="{BE349A7F-F3D9-8A23-23E3-6024590252C7}"/>
+              </a:ext>
+            </a:extLst>
+          </p:cNvPr>
+          <p:cNvSpPr>
+            <a:spLocks noGrp="1"/>
+          </p:cNvSpPr>
+          <p:nvPr>
+            <p:ph type="sldNum" sz="quarter" idx="12"/>
+          </p:nvPr>
+        </p:nvSpPr>
+        <p:spPr/>
+        <p:txBody>
+          <a:bodyPr/>
+          <a:lstStyle/>
+          <a:p>
+            <a:fld id="{DD52A6CB-90DA-4351-BF49-99661FABD7B0}" type="slidenum">
+              <a:rPr lang="ru-RU" sz="2000" smtClean="0"/>
+              <a:t>5</a:t>
+            </a:fld>
+            <a:endParaRPr lang="ru-RU" sz="2000" dirty="0"/>
+          </a:p>
+        </p:txBody>
+      </p:sp>
+      <p:pic>
+        <p:nvPicPr>
+          <p:cNvPr id="3" name="Рисунок 2">
+            <a:extLst>
+              <a:ext uri="{FF2B5EF4-FFF2-40B4-BE49-F238E27FC236}">
+                <a16:creationId xmlns:a16="http://schemas.microsoft.com/office/drawing/2014/main" id="{935D3C6F-3239-5211-D07D-BAA24B5E49AD}"/>
+              </a:ext>
+            </a:extLst>
+          </p:cNvPr>
+          <p:cNvPicPr>
+            <a:picLocks noChangeAspect="1"/>
+          </p:cNvPicPr>
+          <p:nvPr/>
+        </p:nvPicPr>
+        <p:blipFill>
+          <a:blip r:embed="rId3"/>
+          <a:stretch>
+            <a:fillRect/>
+          </a:stretch>
+        </p:blipFill>
+        <p:spPr>
+          <a:xfrm>
+            <a:off x="481494" y="2495115"/>
+            <a:ext cx="7937684" cy="2095182"/>
+          </a:xfrm>
+          <a:prstGeom prst="rect">
+            <a:avLst/>
+          </a:prstGeom>
+        </p:spPr>
+      </p:pic>
+      <p:pic>
+        <p:nvPicPr>
+          <p:cNvPr id="4" name="Рисунок 3">
+            <a:extLst>
+              <a:ext uri="{FF2B5EF4-FFF2-40B4-BE49-F238E27FC236}">
+                <a16:creationId xmlns:a16="http://schemas.microsoft.com/office/drawing/2014/main" id="{AAAA693D-CB88-7603-C4FA-FFD9BC58D986}"/>
+              </a:ext>
+            </a:extLst>
+          </p:cNvPr>
+          <p:cNvPicPr>
+            <a:picLocks noChangeAspect="1"/>
+          </p:cNvPicPr>
+          <p:nvPr/>
+        </p:nvPicPr>
+        <p:blipFill rotWithShape="1">
+          <a:blip r:embed="rId4"/>
+          <a:srcRect t="2871"/>
+          <a:stretch/>
+        </p:blipFill>
+        <p:spPr>
+          <a:xfrm>
+            <a:off x="2247659" y="4636818"/>
+            <a:ext cx="8462674" cy="1935959"/>
+          </a:xfrm>
+          <a:prstGeom prst="rect">
+            <a:avLst/>
+          </a:prstGeom>
+        </p:spPr>
+      </p:pic>
+    </p:spTree>
+    <p:extLst>
+      <p:ext uri="{BB962C8B-B14F-4D97-AF65-F5344CB8AC3E}">
+        <p14:creationId xmlns:p14="http://schemas.microsoft.com/office/powerpoint/2010/main" val="835100641"/>
+      </p:ext>
+    </p:extLst>
+  </p:cSld>
+  <p:clrMapOvr>
+    <a:masterClrMapping/>
+  </p:clrMapOvr>
+</p:sld>
+</file>
+
+<file path=ppt/slides/slide6.xml><?xml version="1.0" encoding="utf-8"?>
 <p:sld xmlns:a="http://schemas.openxmlformats.org/drawingml/2006/main" xmlns:r="http://schemas.openxmlformats.org/officeDocument/2006/relationships" xmlns:p="http://schemas.openxmlformats.org/presentationml/2006/main">
   <p:cSld>
     <p:spTree>
@@ -9614,31 +14184,7 @@
                   <a:rPr lang="en-US" sz="1800" dirty="0">
                     <a:latin typeface="Times New Roman" panose="02020603050405020304" pitchFamily="18" charset="0"/>
                   </a:rPr>
-                  <a:t> </a:t>
-                </a:r>
-                <a:r>
-                  <a:rPr lang="en-US" sz="1800" dirty="0" err="1">
-                    <a:latin typeface="Times New Roman" panose="02020603050405020304" pitchFamily="18" charset="0"/>
-                  </a:rPr>
-                  <a:t>UpLift</a:t>
-                </a:r>
-                <a:r>
-                  <a:rPr lang="en-US" sz="1800" dirty="0">
-                    <a:latin typeface="Times New Roman" panose="02020603050405020304" pitchFamily="18" charset="0"/>
-                  </a:rPr>
-                  <a:t> (Weighted Average </a:t>
-                </a:r>
-                <a:r>
-                  <a:rPr lang="en-US" sz="1800" dirty="0" err="1">
-                    <a:latin typeface="Times New Roman" panose="02020603050405020304" pitchFamily="18" charset="0"/>
-                  </a:rPr>
-                  <a:t>UpLift</a:t>
-                </a:r>
-                <a:r>
-                  <a:rPr lang="en-US" sz="1800" dirty="0">
-                    <a:latin typeface="Times New Roman" panose="02020603050405020304" pitchFamily="18" charset="0"/>
-                  </a:rPr>
-                  <a:t>):</a:t>
+                  <a:t> UpLift (Weighted Average UpLift):</a:t>
                 </a:r>
               </a:p>
               <a:p>
@@ -10151,7 +14697,7 @@
                           <a:ea typeface="Calibri" panose="020F0502020204030204" pitchFamily="34" charset="0"/>
                           <a:cs typeface="Times New Roman" panose="02020603050405020304" pitchFamily="18" charset="0"/>
                         </a:rPr>
-                        <m:t>−м интервале проц</m:t>
+                        <m:t>−м интервале проценти</m:t>
                       </m:r>
                       <m:r>
                         <a:rPr lang="ru-RU" sz="1800" i="1">
@@ -10160,7 +14706,7 @@
                           <a:ea typeface="Calibri" panose="020F0502020204030204" pitchFamily="34" charset="0"/>
                           <a:cs typeface="Times New Roman" panose="02020603050405020304" pitchFamily="18" charset="0"/>
                         </a:rPr>
-                        <m:t>ентилей (0%−10%, 11</m:t>
+                        <m:t>лей (0%−10%, 11%−20% и </m:t>
                       </m:r>
                       <m:r>
                         <a:rPr lang="ru-RU" sz="1800" b="0" i="1" smtClean="0">
@@ -10169,7 +14715,7 @@
                           <a:ea typeface="Calibri" panose="020F0502020204030204" pitchFamily="34" charset="0"/>
                           <a:cs typeface="Times New Roman" panose="02020603050405020304" pitchFamily="18" charset="0"/>
                         </a:rPr>
-                        <m:t>%−20% и т.д.).</m:t>
+                        <m:t>т.д.).</m:t>
                       </m:r>
                     </m:oMath>
                   </m:oMathPara>
@@ -10353,7 +14899,7 @@
           <a:p>
             <a:fld id="{DD52A6CB-90DA-4351-BF49-99661FABD7B0}" type="slidenum">
               <a:rPr lang="ru-RU" sz="2000" smtClean="0"/>
-              <a:t>5</a:t>
+              <a:t>6</a:t>
             </a:fld>
             <a:endParaRPr lang="ru-RU" sz="2000" dirty="0"/>
           </a:p>
@@ -10372,7 +14918,7 @@
 </p:sld>
 </file>
 
-<file path=ppt/slides/slide6.xml><?xml version="1.0" encoding="utf-8"?>
+<file path=ppt/slides/slide7.xml><?xml version="1.0" encoding="utf-8"?>
 <p:sld xmlns:a="http://schemas.openxmlformats.org/drawingml/2006/main" xmlns:r="http://schemas.openxmlformats.org/officeDocument/2006/relationships" xmlns:p="http://schemas.openxmlformats.org/presentationml/2006/main">
   <p:cSld>
     <p:spTree>
@@ -10474,22 +15020,13 @@
                   <a:t> кривая (</a:t>
                 </a:r>
                 <a:r>
-                  <a:rPr lang="en-US" sz="1800" dirty="0" err="1">
-                    <a:effectLst/>
-                    <a:latin typeface="Times New Roman" panose="02020603050405020304" pitchFamily="18" charset="0"/>
-                    <a:ea typeface="Times New Roman" panose="02020603050405020304" pitchFamily="18" charset="0"/>
-                    <a:cs typeface="Times New Roman" panose="02020603050405020304" pitchFamily="18" charset="0"/>
-                  </a:rPr>
-                  <a:t>UpLift</a:t>
-                </a:r>
-                <a:r>
                   <a:rPr lang="en-US" sz="1800" dirty="0">
                     <a:effectLst/>
                     <a:latin typeface="Times New Roman" panose="02020603050405020304" pitchFamily="18" charset="0"/>
                     <a:ea typeface="Times New Roman" panose="02020603050405020304" pitchFamily="18" charset="0"/>
                     <a:cs typeface="Times New Roman" panose="02020603050405020304" pitchFamily="18" charset="0"/>
                   </a:rPr>
-                  <a:t> Curve</a:t>
+                  <a:t>UpLift Curve</a:t>
                 </a:r>
                 <a:r>
                   <a:rPr lang="ru-RU" sz="1800" dirty="0">
@@ -13185,7 +17722,7 @@
           <a:p>
             <a:fld id="{DD52A6CB-90DA-4351-BF49-99661FABD7B0}" type="slidenum">
               <a:rPr lang="ru-RU" sz="2000" smtClean="0"/>
-              <a:t>6</a:t>
+              <a:t>7</a:t>
             </a:fld>
             <a:endParaRPr lang="ru-RU" sz="2000" dirty="0"/>
           </a:p>
@@ -13195,152 +17732,6 @@
     <p:extLst>
       <p:ext uri="{BB962C8B-B14F-4D97-AF65-F5344CB8AC3E}">
         <p14:creationId xmlns:p14="http://schemas.microsoft.com/office/powerpoint/2010/main" val="732475588"/>
-      </p:ext>
-    </p:extLst>
-  </p:cSld>
-  <p:clrMapOvr>
-    <a:masterClrMapping/>
-  </p:clrMapOvr>
-</p:sld>
-</file>
-
-<file path=ppt/slides/slide7.xml><?xml version="1.0" encoding="utf-8"?>
-<p:sld xmlns:a="http://schemas.openxmlformats.org/drawingml/2006/main" xmlns:r="http://schemas.openxmlformats.org/officeDocument/2006/relationships" xmlns:p="http://schemas.openxmlformats.org/presentationml/2006/main">
-  <p:cSld>
-    <p:spTree>
-      <p:nvGrpSpPr>
-        <p:cNvPr id="1" name=""/>
-        <p:cNvGrpSpPr/>
-        <p:nvPr/>
-      </p:nvGrpSpPr>
-      <p:grpSpPr>
-        <a:xfrm>
-          <a:off x="0" y="0"/>
-          <a:ext cx="0" cy="0"/>
-          <a:chOff x="0" y="0"/>
-          <a:chExt cx="0" cy="0"/>
-        </a:xfrm>
-      </p:grpSpPr>
-      <p:sp>
-        <p:nvSpPr>
-          <p:cNvPr id="2" name="Заголовок 1">
-            <a:extLst>
-              <a:ext uri="{FF2B5EF4-FFF2-40B4-BE49-F238E27FC236}">
-                <a16:creationId xmlns:a16="http://schemas.microsoft.com/office/drawing/2014/main" id="{A71A4107-51FC-FB11-A7DB-DD47B7B58BE8}"/>
-              </a:ext>
-            </a:extLst>
-          </p:cNvPr>
-          <p:cNvSpPr>
-            <a:spLocks noGrp="1"/>
-          </p:cNvSpPr>
-          <p:nvPr>
-            <p:ph type="title"/>
-          </p:nvPr>
-        </p:nvSpPr>
-        <p:spPr>
-          <a:xfrm>
-            <a:off x="838200" y="118941"/>
-            <a:ext cx="10515600" cy="461352"/>
-          </a:xfrm>
-        </p:spPr>
-        <p:txBody>
-          <a:bodyPr>
-            <a:noAutofit/>
-          </a:bodyPr>
-          <a:lstStyle/>
-          <a:p>
-            <a:r>
-              <a:rPr lang="ru-RU" sz="4000" dirty="0">
-                <a:latin typeface="Times New Roman" panose="02020603050405020304" pitchFamily="18" charset="0"/>
-                <a:cs typeface="Times New Roman" panose="02020603050405020304" pitchFamily="18" charset="0"/>
-              </a:rPr>
-              <a:t>Структуры моделей </a:t>
-            </a:r>
-            <a:r>
-              <a:rPr lang="en-US" sz="4000" dirty="0" err="1">
-                <a:latin typeface="Times New Roman" panose="02020603050405020304" pitchFamily="18" charset="0"/>
-                <a:cs typeface="Times New Roman" panose="02020603050405020304" pitchFamily="18" charset="0"/>
-              </a:rPr>
-              <a:t>UpLift</a:t>
-            </a:r>
-            <a:endParaRPr lang="ru-RU" sz="4000" dirty="0">
-              <a:latin typeface="Times New Roman" panose="02020603050405020304" pitchFamily="18" charset="0"/>
-              <a:cs typeface="Times New Roman" panose="02020603050405020304" pitchFamily="18" charset="0"/>
-            </a:endParaRPr>
-          </a:p>
-        </p:txBody>
-      </p:sp>
-      <p:sp>
-        <p:nvSpPr>
-          <p:cNvPr id="5" name="Объект 4">
-            <a:extLst>
-              <a:ext uri="{FF2B5EF4-FFF2-40B4-BE49-F238E27FC236}">
-                <a16:creationId xmlns:a16="http://schemas.microsoft.com/office/drawing/2014/main" id="{8E307828-F91E-AD5B-1045-FB7269C9D075}"/>
-              </a:ext>
-            </a:extLst>
-          </p:cNvPr>
-          <p:cNvSpPr>
-            <a:spLocks noGrp="1"/>
-          </p:cNvSpPr>
-          <p:nvPr>
-            <p:ph idx="1"/>
-          </p:nvPr>
-        </p:nvSpPr>
-        <p:spPr>
-          <a:xfrm>
-            <a:off x="838200" y="677008"/>
-            <a:ext cx="10515600" cy="5499955"/>
-          </a:xfrm>
-        </p:spPr>
-        <p:txBody>
-          <a:bodyPr/>
-          <a:lstStyle/>
-          <a:p>
-            <a:pPr marL="457200" lvl="1" indent="0">
-              <a:buNone/>
-            </a:pPr>
-            <a:endParaRPr lang="ru-RU" sz="1400" dirty="0">
-              <a:effectLst/>
-              <a:latin typeface="Times New Roman" panose="02020603050405020304" pitchFamily="18" charset="0"/>
-              <a:ea typeface="Times New Roman" panose="02020603050405020304" pitchFamily="18" charset="0"/>
-              <a:cs typeface="Times New Roman" panose="02020603050405020304" pitchFamily="18" charset="0"/>
-            </a:endParaRPr>
-          </a:p>
-        </p:txBody>
-      </p:sp>
-      <p:sp>
-        <p:nvSpPr>
-          <p:cNvPr id="6" name="Номер слайда 5">
-            <a:extLst>
-              <a:ext uri="{FF2B5EF4-FFF2-40B4-BE49-F238E27FC236}">
-                <a16:creationId xmlns:a16="http://schemas.microsoft.com/office/drawing/2014/main" id="{5D32CA80-9B1C-24FA-7114-2B8EA7541462}"/>
-              </a:ext>
-            </a:extLst>
-          </p:cNvPr>
-          <p:cNvSpPr>
-            <a:spLocks noGrp="1"/>
-          </p:cNvSpPr>
-          <p:nvPr>
-            <p:ph type="sldNum" sz="quarter" idx="12"/>
-          </p:nvPr>
-        </p:nvSpPr>
-        <p:spPr/>
-        <p:txBody>
-          <a:bodyPr/>
-          <a:lstStyle/>
-          <a:p>
-            <a:fld id="{DD52A6CB-90DA-4351-BF49-99661FABD7B0}" type="slidenum">
-              <a:rPr lang="ru-RU" sz="2000" smtClean="0"/>
-              <a:t>7</a:t>
-            </a:fld>
-            <a:endParaRPr lang="ru-RU" sz="2000" dirty="0"/>
-          </a:p>
-        </p:txBody>
-      </p:sp>
-    </p:spTree>
-    <p:extLst>
-      <p:ext uri="{BB962C8B-B14F-4D97-AF65-F5344CB8AC3E}">
-        <p14:creationId xmlns:p14="http://schemas.microsoft.com/office/powerpoint/2010/main" val="637627660"/>
       </p:ext>
     </p:extLst>
   </p:cSld>
@@ -13372,7 +17763,7 @@
           <p:cNvPr id="2" name="Заголовок 1">
             <a:extLst>
               <a:ext uri="{FF2B5EF4-FFF2-40B4-BE49-F238E27FC236}">
-                <a16:creationId xmlns:a16="http://schemas.microsoft.com/office/drawing/2014/main" id="{5A9EDCCB-C9F9-D8F2-4BDB-29276D58193A}"/>
+                <a16:creationId xmlns:a16="http://schemas.microsoft.com/office/drawing/2014/main" id="{A71A4107-51FC-FB11-A7DB-DD47B7B58BE8}"/>
               </a:ext>
             </a:extLst>
           </p:cNvPr>
@@ -13383,37 +17774,45 @@
             <p:ph type="title"/>
           </p:nvPr>
         </p:nvSpPr>
-        <p:spPr/>
+        <p:spPr>
+          <a:xfrm>
+            <a:off x="838200" y="118941"/>
+            <a:ext cx="10515600" cy="461352"/>
+          </a:xfrm>
+        </p:spPr>
         <p:txBody>
           <a:bodyPr>
-            <a:normAutofit/>
+            <a:noAutofit/>
           </a:bodyPr>
           <a:lstStyle/>
           <a:p>
             <a:r>
-              <a:rPr lang="ru-RU" sz="4000" dirty="0">
+              <a:rPr lang="ru-RU" sz="3600" dirty="0">
                 <a:latin typeface="Times New Roman" panose="02020603050405020304" pitchFamily="18" charset="0"/>
                 <a:cs typeface="Times New Roman" panose="02020603050405020304" pitchFamily="18" charset="0"/>
               </a:rPr>
-              <a:t>Выбор используемых моделей и исследование их качества работы – </a:t>
-            </a:r>
-            <a:r>
-              <a:rPr lang="en-US" sz="4000" dirty="0">
+              <a:t>Структуры моделей </a:t>
+            </a:r>
+            <a:r>
+              <a:rPr lang="en-US" sz="3600" dirty="0">
                 <a:latin typeface="Times New Roman" panose="02020603050405020304" pitchFamily="18" charset="0"/>
                 <a:cs typeface="Times New Roman" panose="02020603050405020304" pitchFamily="18" charset="0"/>
               </a:rPr>
-              <a:t>X5-Retail.</a:t>
-            </a:r>
-            <a:endParaRPr lang="ru-RU" sz="4000" dirty="0"/>
+              <a:t>UpLift</a:t>
+            </a:r>
+            <a:endParaRPr lang="ru-RU" sz="3600" dirty="0">
+              <a:latin typeface="Times New Roman" panose="02020603050405020304" pitchFamily="18" charset="0"/>
+              <a:cs typeface="Times New Roman" panose="02020603050405020304" pitchFamily="18" charset="0"/>
+            </a:endParaRPr>
           </a:p>
         </p:txBody>
       </p:sp>
       <p:sp>
         <p:nvSpPr>
-          <p:cNvPr id="9" name="Номер слайда 8">
+          <p:cNvPr id="6" name="Номер слайда 5">
             <a:extLst>
               <a:ext uri="{FF2B5EF4-FFF2-40B4-BE49-F238E27FC236}">
-                <a16:creationId xmlns:a16="http://schemas.microsoft.com/office/drawing/2014/main" id="{FC3A69AA-2D2B-5E5A-69DA-0C8CA48C2FC1}"/>
+                <a16:creationId xmlns:a16="http://schemas.microsoft.com/office/drawing/2014/main" id="{5D32CA80-9B1C-24FA-7114-2B8EA7541462}"/>
               </a:ext>
             </a:extLst>
           </p:cNvPr>
@@ -13439,10 +17838,10 @@
       </p:sp>
       <p:pic>
         <p:nvPicPr>
-          <p:cNvPr id="12" name="Рисунок 11">
+          <p:cNvPr id="10" name="Рисунок 9">
             <a:extLst>
               <a:ext uri="{FF2B5EF4-FFF2-40B4-BE49-F238E27FC236}">
-                <a16:creationId xmlns:a16="http://schemas.microsoft.com/office/drawing/2014/main" id="{BD168732-29D6-C5B9-DF5C-BF224BF40912}"/>
+                <a16:creationId xmlns:a16="http://schemas.microsoft.com/office/drawing/2014/main" id="{B2BD0C84-45FD-B67C-25FA-A200BB868E4A}"/>
               </a:ext>
             </a:extLst>
           </p:cNvPr>
@@ -13459,8 +17858,98 @@
         </p:blipFill>
         <p:spPr>
           <a:xfrm>
-            <a:off x="637090" y="1690688"/>
-            <a:ext cx="10917819" cy="1608741"/>
+            <a:off x="228598" y="757766"/>
+            <a:ext cx="5495925" cy="2514600"/>
+          </a:xfrm>
+          <a:prstGeom prst="rect">
+            <a:avLst/>
+          </a:prstGeom>
+        </p:spPr>
+      </p:pic>
+      <p:pic>
+        <p:nvPicPr>
+          <p:cNvPr id="14" name="Рисунок 13">
+            <a:extLst>
+              <a:ext uri="{FF2B5EF4-FFF2-40B4-BE49-F238E27FC236}">
+                <a16:creationId xmlns:a16="http://schemas.microsoft.com/office/drawing/2014/main" id="{49B6CA24-8DA1-5ECE-9C5B-08431080F938}"/>
+              </a:ext>
+            </a:extLst>
+          </p:cNvPr>
+          <p:cNvPicPr>
+            <a:picLocks noChangeAspect="1"/>
+          </p:cNvPicPr>
+          <p:nvPr/>
+        </p:nvPicPr>
+        <p:blipFill>
+          <a:blip r:embed="rId4"/>
+          <a:stretch>
+            <a:fillRect/>
+          </a:stretch>
+        </p:blipFill>
+        <p:spPr>
+          <a:xfrm>
+            <a:off x="6011333" y="757767"/>
+            <a:ext cx="5867400" cy="2533650"/>
+          </a:xfrm>
+          <a:prstGeom prst="rect">
+            <a:avLst/>
+          </a:prstGeom>
+        </p:spPr>
+      </p:pic>
+      <p:pic>
+        <p:nvPicPr>
+          <p:cNvPr id="16" name="Рисунок 15">
+            <a:extLst>
+              <a:ext uri="{FF2B5EF4-FFF2-40B4-BE49-F238E27FC236}">
+                <a16:creationId xmlns:a16="http://schemas.microsoft.com/office/drawing/2014/main" id="{2E11A749-EB4D-108F-3D24-8347F15D7434}"/>
+              </a:ext>
+            </a:extLst>
+          </p:cNvPr>
+          <p:cNvPicPr>
+            <a:picLocks noChangeAspect="1"/>
+          </p:cNvPicPr>
+          <p:nvPr/>
+        </p:nvPicPr>
+        <p:blipFill>
+          <a:blip r:embed="rId5"/>
+          <a:stretch>
+            <a:fillRect/>
+          </a:stretch>
+        </p:blipFill>
+        <p:spPr>
+          <a:xfrm>
+            <a:off x="295274" y="3585634"/>
+            <a:ext cx="5362575" cy="2667000"/>
+          </a:xfrm>
+          <a:prstGeom prst="rect">
+            <a:avLst/>
+          </a:prstGeom>
+        </p:spPr>
+      </p:pic>
+      <p:pic>
+        <p:nvPicPr>
+          <p:cNvPr id="18" name="Рисунок 17">
+            <a:extLst>
+              <a:ext uri="{FF2B5EF4-FFF2-40B4-BE49-F238E27FC236}">
+                <a16:creationId xmlns:a16="http://schemas.microsoft.com/office/drawing/2014/main" id="{0F3F85BF-3D14-714C-6BC9-FD5A2D0E00EA}"/>
+              </a:ext>
+            </a:extLst>
+          </p:cNvPr>
+          <p:cNvPicPr>
+            <a:picLocks noChangeAspect="1"/>
+          </p:cNvPicPr>
+          <p:nvPr/>
+        </p:nvPicPr>
+        <p:blipFill>
+          <a:blip r:embed="rId6"/>
+          <a:stretch>
+            <a:fillRect/>
+          </a:stretch>
+        </p:blipFill>
+        <p:spPr>
+          <a:xfrm>
+            <a:off x="6096000" y="3566584"/>
+            <a:ext cx="4933950" cy="2962275"/>
           </a:xfrm>
           <a:prstGeom prst="rect">
             <a:avLst/>
@@ -13470,7 +17959,7 @@
     </p:spTree>
     <p:extLst>
       <p:ext uri="{BB962C8B-B14F-4D97-AF65-F5344CB8AC3E}">
-        <p14:creationId xmlns:p14="http://schemas.microsoft.com/office/powerpoint/2010/main" val="2713943564"/>
+        <p14:creationId xmlns:p14="http://schemas.microsoft.com/office/powerpoint/2010/main" val="637627660"/>
       </p:ext>
     </p:extLst>
   </p:cSld>
@@ -13525,14 +18014,14 @@
                 <a:latin typeface="Times New Roman" panose="02020603050405020304" pitchFamily="18" charset="0"/>
                 <a:cs typeface="Times New Roman" panose="02020603050405020304" pitchFamily="18" charset="0"/>
               </a:rPr>
-              <a:t>Выбор используемых моделей и исследование их качества работы – собственные данные</a:t>
+              <a:t>Выбор используемых моделей и исследование их качества работы – </a:t>
             </a:r>
             <a:r>
               <a:rPr lang="en-US" sz="4000" dirty="0">
                 <a:latin typeface="Times New Roman" panose="02020603050405020304" pitchFamily="18" charset="0"/>
                 <a:cs typeface="Times New Roman" panose="02020603050405020304" pitchFamily="18" charset="0"/>
               </a:rPr>
-              <a:t>.</a:t>
+              <a:t>X5-Retail.</a:t>
             </a:r>
             <a:endParaRPr lang="ru-RU" sz="4000" dirty="0"/>
           </a:p>
@@ -13572,7 +18061,7 @@
           <p:cNvPr id="12" name="Рисунок 11">
             <a:extLst>
               <a:ext uri="{FF2B5EF4-FFF2-40B4-BE49-F238E27FC236}">
-                <a16:creationId xmlns:a16="http://schemas.microsoft.com/office/drawing/2014/main" id="{99E22416-B5C9-3E40-A0EC-C11AD97BAC5E}"/>
+                <a16:creationId xmlns:a16="http://schemas.microsoft.com/office/drawing/2014/main" id="{BD168732-29D6-C5B9-DF5C-BF224BF40912}"/>
               </a:ext>
             </a:extLst>
           </p:cNvPr>
@@ -13589,8 +18078,8 @@
         </p:blipFill>
         <p:spPr>
           <a:xfrm>
-            <a:off x="643466" y="1690688"/>
-            <a:ext cx="10414000" cy="2105256"/>
+            <a:off x="637090" y="1690688"/>
+            <a:ext cx="10917819" cy="1608741"/>
           </a:xfrm>
           <a:prstGeom prst="rect">
             <a:avLst/>
@@ -13600,7 +18089,7 @@
     </p:spTree>
     <p:extLst>
       <p:ext uri="{BB962C8B-B14F-4D97-AF65-F5344CB8AC3E}">
-        <p14:creationId xmlns:p14="http://schemas.microsoft.com/office/powerpoint/2010/main" val="2472524947"/>
+        <p14:creationId xmlns:p14="http://schemas.microsoft.com/office/powerpoint/2010/main" val="2713943564"/>
       </p:ext>
     </p:extLst>
   </p:cSld>

--- a/Отчет_4_сем/Презентация Фейзуллин 201.pptx
+++ b/Отчет_4_сем/Презентация Фейзуллин 201.pptx
@@ -6002,8 +6002,19 @@
                 <a:latin typeface="Times New Roman" panose="02020603050405020304" pitchFamily="18" charset="0"/>
                 <a:cs typeface="Times New Roman" panose="02020603050405020304" pitchFamily="18" charset="0"/>
               </a:rPr>
-              <a:t>2022</a:t>
-            </a:r>
+              <a:t>202</a:t>
+            </a:r>
+            <a:r>
+              <a:rPr lang="en-US" dirty="0">
+                <a:latin typeface="Times New Roman" panose="02020603050405020304" pitchFamily="18" charset="0"/>
+                <a:cs typeface="Times New Roman" panose="02020603050405020304" pitchFamily="18" charset="0"/>
+              </a:rPr>
+              <a:t>3</a:t>
+            </a:r>
+            <a:endParaRPr lang="ru-RU" dirty="0">
+              <a:latin typeface="Times New Roman" panose="02020603050405020304" pitchFamily="18" charset="0"/>
+              <a:cs typeface="Times New Roman" panose="02020603050405020304" pitchFamily="18" charset="0"/>
+            </a:endParaRPr>
           </a:p>
         </p:txBody>
       </p:sp>
@@ -14697,7 +14708,7 @@
                           <a:ea typeface="Calibri" panose="020F0502020204030204" pitchFamily="34" charset="0"/>
                           <a:cs typeface="Times New Roman" panose="02020603050405020304" pitchFamily="18" charset="0"/>
                         </a:rPr>
-                        <m:t>−м интервале проценти</m:t>
+                        <m:t>−м интервале процентилей </m:t>
                       </m:r>
                       <m:r>
                         <a:rPr lang="ru-RU" sz="1800" i="1">
@@ -14706,16 +14717,7 @@
                           <a:ea typeface="Calibri" panose="020F0502020204030204" pitchFamily="34" charset="0"/>
                           <a:cs typeface="Times New Roman" panose="02020603050405020304" pitchFamily="18" charset="0"/>
                         </a:rPr>
-                        <m:t>лей (0%−10%, 11%−20% и </m:t>
-                      </m:r>
-                      <m:r>
-                        <a:rPr lang="ru-RU" sz="1800" b="0" i="1" smtClean="0">
-                          <a:effectLst/>
-                          <a:latin typeface="Cambria Math" panose="02040503050406030204" pitchFamily="18" charset="0"/>
-                          <a:ea typeface="Calibri" panose="020F0502020204030204" pitchFamily="34" charset="0"/>
-                          <a:cs typeface="Times New Roman" panose="02020603050405020304" pitchFamily="18" charset="0"/>
-                        </a:rPr>
-                        <m:t>т.д.).</m:t>
+                        <m:t>(0%−10%, 11%−20% и т.д.).</m:t>
                       </m:r>
                     </m:oMath>
                   </m:oMathPara>

--- a/Отчет_4_сем/Презентация Фейзуллин 201.pptx
+++ b/Отчет_4_сем/Презентация Фейзуллин 201.pptx
@@ -219,7 +219,7 @@
           <a:p>
             <a:fld id="{8B82A444-7A35-48DA-B328-982FA082261C}" type="datetimeFigureOut">
               <a:rPr lang="ru-RU" smtClean="0"/>
-              <a:t>23.05.2023</a:t>
+              <a:t>02.06.2023</a:t>
             </a:fld>
             <a:endParaRPr lang="ru-RU"/>
           </a:p>
@@ -2750,7 +2750,7 @@
           <a:p>
             <a:fld id="{CE67568C-EEB0-4DC9-AE5A-BF4C8292B1DF}" type="datetime1">
               <a:rPr lang="ru-RU" smtClean="0"/>
-              <a:t>23.05.2023</a:t>
+              <a:t>02.06.2023</a:t>
             </a:fld>
             <a:endParaRPr lang="ru-RU"/>
           </a:p>
@@ -2948,7 +2948,7 @@
           <a:p>
             <a:fld id="{C4BCE22F-461D-4E3B-B90B-D4C17BCF6E04}" type="datetime1">
               <a:rPr lang="ru-RU" smtClean="0"/>
-              <a:t>23.05.2023</a:t>
+              <a:t>02.06.2023</a:t>
             </a:fld>
             <a:endParaRPr lang="ru-RU"/>
           </a:p>
@@ -3156,7 +3156,7 @@
           <a:p>
             <a:fld id="{028FC9C9-A8BF-46D2-98A4-CE15F9706EAE}" type="datetime1">
               <a:rPr lang="ru-RU" smtClean="0"/>
-              <a:t>23.05.2023</a:t>
+              <a:t>02.06.2023</a:t>
             </a:fld>
             <a:endParaRPr lang="ru-RU"/>
           </a:p>
@@ -3354,7 +3354,7 @@
           <a:p>
             <a:fld id="{770671C5-343A-4A74-90BB-AB4D9057279E}" type="datetime1">
               <a:rPr lang="ru-RU" smtClean="0"/>
-              <a:t>23.05.2023</a:t>
+              <a:t>02.06.2023</a:t>
             </a:fld>
             <a:endParaRPr lang="ru-RU"/>
           </a:p>
@@ -3629,7 +3629,7 @@
           <a:p>
             <a:fld id="{28B5E58E-4B59-4D10-9A36-7ED0BF0785C6}" type="datetime1">
               <a:rPr lang="ru-RU" smtClean="0"/>
-              <a:t>23.05.2023</a:t>
+              <a:t>02.06.2023</a:t>
             </a:fld>
             <a:endParaRPr lang="ru-RU"/>
           </a:p>
@@ -3894,7 +3894,7 @@
           <a:p>
             <a:fld id="{DC25EC56-5D0F-4611-9C3E-3F31AA54334B}" type="datetime1">
               <a:rPr lang="ru-RU" smtClean="0"/>
-              <a:t>23.05.2023</a:t>
+              <a:t>02.06.2023</a:t>
             </a:fld>
             <a:endParaRPr lang="ru-RU"/>
           </a:p>
@@ -4306,7 +4306,7 @@
           <a:p>
             <a:fld id="{ED8BC0DC-C970-4224-9EFA-620AE9FAD989}" type="datetime1">
               <a:rPr lang="ru-RU" smtClean="0"/>
-              <a:t>23.05.2023</a:t>
+              <a:t>02.06.2023</a:t>
             </a:fld>
             <a:endParaRPr lang="ru-RU"/>
           </a:p>
@@ -4447,7 +4447,7 @@
           <a:p>
             <a:fld id="{6844A4C7-31A3-4CCF-A082-0BC587FAFA97}" type="datetime1">
               <a:rPr lang="ru-RU" smtClean="0"/>
-              <a:t>23.05.2023</a:t>
+              <a:t>02.06.2023</a:t>
             </a:fld>
             <a:endParaRPr lang="ru-RU"/>
           </a:p>
@@ -4560,7 +4560,7 @@
           <a:p>
             <a:fld id="{F2B5C3C2-8785-490F-A029-E7A1F5933CCC}" type="datetime1">
               <a:rPr lang="ru-RU" smtClean="0"/>
-              <a:t>23.05.2023</a:t>
+              <a:t>02.06.2023</a:t>
             </a:fld>
             <a:endParaRPr lang="ru-RU"/>
           </a:p>
@@ -4871,7 +4871,7 @@
           <a:p>
             <a:fld id="{DC305C70-E31D-40A7-AB55-3CC66D2EF180}" type="datetime1">
               <a:rPr lang="ru-RU" smtClean="0"/>
-              <a:t>23.05.2023</a:t>
+              <a:t>02.06.2023</a:t>
             </a:fld>
             <a:endParaRPr lang="ru-RU"/>
           </a:p>
@@ -5159,7 +5159,7 @@
           <a:p>
             <a:fld id="{36E32BBB-8024-4478-85B9-8FD1214F01FB}" type="datetime1">
               <a:rPr lang="ru-RU" smtClean="0"/>
-              <a:t>23.05.2023</a:t>
+              <a:t>02.06.2023</a:t>
             </a:fld>
             <a:endParaRPr lang="ru-RU"/>
           </a:p>
@@ -5400,7 +5400,7 @@
           <a:p>
             <a:fld id="{4AE75D13-07A0-4EE3-BCA2-6F181395B3CF}" type="datetime1">
               <a:rPr lang="ru-RU" smtClean="0"/>
-              <a:t>23.05.2023</a:t>
+              <a:t>02.06.2023</a:t>
             </a:fld>
             <a:endParaRPr lang="ru-RU"/>
           </a:p>
@@ -5836,8 +5836,8 @@
         </p:nvSpPr>
         <p:spPr>
           <a:xfrm>
-            <a:off x="1198105" y="2911581"/>
-            <a:ext cx="10176769" cy="1463040"/>
+            <a:off x="1076731" y="3429000"/>
+            <a:ext cx="10555365" cy="625415"/>
           </a:xfrm>
         </p:spPr>
         <p:txBody>
@@ -5848,34 +5848,48 @@
           <a:p>
             <a:pPr algn="ctr"/>
             <a:r>
-              <a:rPr lang="ru-RU" sz="3200" dirty="0">
+              <a:rPr lang="ru-RU" sz="2400" dirty="0">
                 <a:latin typeface="Times New Roman" panose="02020603050405020304" pitchFamily="18" charset="0"/>
                 <a:ea typeface="Calibri" panose="020F0502020204030204" pitchFamily="34" charset="0"/>
               </a:rPr>
-              <a:t>Разработка алгоритма </a:t>
-            </a:r>
-            <a:r>
-              <a:rPr lang="en-US" sz="3200" dirty="0">
+              <a:t>Тема</a:t>
+            </a:r>
+            <a:r>
+              <a:rPr lang="en-US" sz="2400" dirty="0">
                 <a:latin typeface="Times New Roman" panose="02020603050405020304" pitchFamily="18" charset="0"/>
                 <a:ea typeface="Calibri" panose="020F0502020204030204" pitchFamily="34" charset="0"/>
               </a:rPr>
-              <a:t>UpLift </a:t>
-            </a:r>
-            <a:r>
-              <a:rPr lang="ru-RU" sz="3200" dirty="0">
+              <a:t>: </a:t>
+            </a:r>
+            <a:r>
+              <a:rPr lang="ru-RU" sz="2400" dirty="0">
                 <a:latin typeface="Times New Roman" panose="02020603050405020304" pitchFamily="18" charset="0"/>
                 <a:ea typeface="Calibri" panose="020F0502020204030204" pitchFamily="34" charset="0"/>
               </a:rPr>
-              <a:t>моделирования для рекламной кампании</a:t>
+              <a:t>«Разработка алгоритма </a:t>
+            </a:r>
+            <a:r>
+              <a:rPr lang="en-US" sz="2400" dirty="0">
+                <a:latin typeface="Times New Roman" panose="02020603050405020304" pitchFamily="18" charset="0"/>
+                <a:ea typeface="Calibri" panose="020F0502020204030204" pitchFamily="34" charset="0"/>
+              </a:rPr>
+              <a:t>UpLift </a:t>
+            </a:r>
+            <a:r>
+              <a:rPr lang="ru-RU" sz="2400" dirty="0">
+                <a:latin typeface="Times New Roman" panose="02020603050405020304" pitchFamily="18" charset="0"/>
+                <a:ea typeface="Calibri" panose="020F0502020204030204" pitchFamily="34" charset="0"/>
+              </a:rPr>
+              <a:t>моделирования для рекламной кампании»</a:t>
             </a:r>
             <a:br>
-              <a:rPr lang="ru-RU" sz="3200" dirty="0">
+              <a:rPr lang="ru-RU" sz="2400" dirty="0">
                 <a:effectLst/>
                 <a:latin typeface="Times New Roman" panose="02020603050405020304" pitchFamily="18" charset="0"/>
                 <a:ea typeface="Calibri" panose="020F0502020204030204" pitchFamily="34" charset="0"/>
               </a:rPr>
             </a:br>
-            <a:endParaRPr lang="ru-RU" sz="3200" dirty="0"/>
+            <a:endParaRPr lang="ru-RU" sz="2400" dirty="0"/>
           </a:p>
         </p:txBody>
       </p:sp>
@@ -5893,8 +5907,8 @@
         </p:nvSpPr>
         <p:spPr>
           <a:xfrm>
-            <a:off x="3646938" y="4424735"/>
-            <a:ext cx="8327255" cy="1831271"/>
+            <a:off x="3586553" y="3647115"/>
+            <a:ext cx="8327255" cy="2754600"/>
           </a:xfrm>
           <a:prstGeom prst="rect">
             <a:avLst/>
@@ -5908,7 +5922,8 @@
           <a:p>
             <a:pPr algn="r"/>
             <a:r>
-              <a:rPr lang="ru-RU" b="1" dirty="0">
+              <a:rPr lang="ru-RU" sz="1400" b="1" dirty="0">
+                <a:latin typeface="Times New Roman" panose="02020603050405020304" pitchFamily="18" charset="0"/>
                 <a:cs typeface="Times New Roman" panose="02020603050405020304" pitchFamily="18" charset="0"/>
               </a:rPr>
               <a:t>Выполнил: </a:t>
@@ -5917,7 +5932,8 @@
           <a:p>
             <a:pPr algn="r"/>
             <a:r>
-              <a:rPr lang="ru-RU" dirty="0">
+              <a:rPr lang="ru-RU" sz="1400" dirty="0">
+                <a:latin typeface="Times New Roman" panose="02020603050405020304" pitchFamily="18" charset="0"/>
                 <a:cs typeface="Times New Roman" panose="02020603050405020304" pitchFamily="18" charset="0"/>
               </a:rPr>
               <a:t>студент группы М8О-201М-21 </a:t>
@@ -5926,10 +5942,11 @@
           <a:p>
             <a:pPr algn="r"/>
             <a:r>
-              <a:rPr lang="ru-RU" dirty="0">
-                <a:cs typeface="Times New Roman" panose="02020603050405020304" pitchFamily="18" charset="0"/>
-              </a:rPr>
-              <a:t>Фейзуллин К.М.</a:t>
+              <a:rPr lang="ru-RU" sz="1400" dirty="0">
+                <a:latin typeface="Times New Roman" panose="02020603050405020304" pitchFamily="18" charset="0"/>
+                <a:cs typeface="Times New Roman" panose="02020603050405020304" pitchFamily="18" charset="0"/>
+              </a:rPr>
+              <a:t>Фейзуллин Кирилл Маратович</a:t>
             </a:r>
           </a:p>
           <a:p>
@@ -5939,7 +5956,8 @@
               </a:spcBef>
             </a:pPr>
             <a:r>
-              <a:rPr lang="ru-RU" b="1" dirty="0">
+              <a:rPr lang="ru-RU" sz="1400" b="1" dirty="0">
+                <a:latin typeface="Times New Roman" panose="02020603050405020304" pitchFamily="18" charset="0"/>
                 <a:cs typeface="Times New Roman" panose="02020603050405020304" pitchFamily="18" charset="0"/>
               </a:rPr>
               <a:t>Научный руководитель: </a:t>
@@ -5948,19 +5966,83 @@
           <a:p>
             <a:pPr algn="r"/>
             <a:r>
-              <a:rPr lang="ru-RU" dirty="0">
-                <a:cs typeface="Times New Roman" panose="02020603050405020304" pitchFamily="18" charset="0"/>
-              </a:rPr>
-              <a:t>к.ф.-м.н., доцент</a:t>
+              <a:rPr lang="ru-RU" sz="1400" dirty="0">
+                <a:latin typeface="Times New Roman" panose="02020603050405020304" pitchFamily="18" charset="0"/>
+                <a:cs typeface="Times New Roman" panose="02020603050405020304" pitchFamily="18" charset="0"/>
+              </a:rPr>
+              <a:t>к.ф.-м.н., доцент, доценты кафедры 804 МАИ</a:t>
             </a:r>
           </a:p>
           <a:p>
             <a:pPr algn="r"/>
             <a:r>
-              <a:rPr lang="ru-RU" dirty="0">
-                <a:cs typeface="Times New Roman" panose="02020603050405020304" pitchFamily="18" charset="0"/>
-              </a:rPr>
-              <a:t>Платонов Е.Н.</a:t>
+              <a:rPr lang="ru-RU" sz="1400" dirty="0">
+                <a:latin typeface="Times New Roman" panose="02020603050405020304" pitchFamily="18" charset="0"/>
+                <a:cs typeface="Times New Roman" panose="02020603050405020304" pitchFamily="18" charset="0"/>
+              </a:rPr>
+              <a:t>Платонов Евгений Николаевич</a:t>
+            </a:r>
+          </a:p>
+          <a:p>
+            <a:pPr algn="r"/>
+            <a:endParaRPr lang="ru-RU" sz="1400" dirty="0">
+              <a:latin typeface="Times New Roman" panose="02020603050405020304" pitchFamily="18" charset="0"/>
+              <a:cs typeface="Times New Roman" panose="02020603050405020304" pitchFamily="18" charset="0"/>
+            </a:endParaRPr>
+          </a:p>
+          <a:p>
+            <a:pPr algn="r"/>
+            <a:r>
+              <a:rPr lang="ru-RU" sz="1400" b="1" dirty="0">
+                <a:latin typeface="Times New Roman" panose="02020603050405020304" pitchFamily="18" charset="0"/>
+                <a:cs typeface="Times New Roman" panose="02020603050405020304" pitchFamily="18" charset="0"/>
+              </a:rPr>
+              <a:t>Рецензент</a:t>
+            </a:r>
+            <a:r>
+              <a:rPr lang="en-US" sz="1400" b="1" dirty="0">
+                <a:latin typeface="Times New Roman" panose="02020603050405020304" pitchFamily="18" charset="0"/>
+                <a:cs typeface="Times New Roman" panose="02020603050405020304" pitchFamily="18" charset="0"/>
+              </a:rPr>
+              <a:t>:</a:t>
+            </a:r>
+          </a:p>
+          <a:p>
+            <a:pPr algn="r"/>
+            <a:r>
+              <a:rPr lang="ru-RU" sz="1400" dirty="0">
+                <a:latin typeface="Times New Roman" panose="02020603050405020304" pitchFamily="18" charset="0"/>
+                <a:cs typeface="Times New Roman" panose="02020603050405020304" pitchFamily="18" charset="0"/>
+              </a:rPr>
+              <a:t>д. ф.-м. н., профессор РАН, ведущий научный сотрудник ФГБУН Института Радиотехники и Электроники имени В.А. Котельникова РАН</a:t>
+            </a:r>
+            <a:endParaRPr lang="en-US" sz="1400" dirty="0">
+              <a:latin typeface="Times New Roman" panose="02020603050405020304" pitchFamily="18" charset="0"/>
+              <a:cs typeface="Times New Roman" panose="02020603050405020304" pitchFamily="18" charset="0"/>
+            </a:endParaRPr>
+          </a:p>
+          <a:p>
+            <a:pPr algn="r"/>
+            <a:r>
+              <a:rPr lang="ru-RU" sz="1400" dirty="0">
+                <a:latin typeface="Times New Roman" panose="02020603050405020304" pitchFamily="18" charset="0"/>
+                <a:cs typeface="Times New Roman" panose="02020603050405020304" pitchFamily="18" charset="0"/>
+              </a:rPr>
+              <a:t>Кузьмин Лев Викторович</a:t>
+            </a:r>
+            <a:endParaRPr lang="en-US" sz="1400" dirty="0">
+              <a:latin typeface="Times New Roman" panose="02020603050405020304" pitchFamily="18" charset="0"/>
+              <a:cs typeface="Times New Roman" panose="02020603050405020304" pitchFamily="18" charset="0"/>
+            </a:endParaRPr>
+          </a:p>
+          <a:p>
+            <a:pPr algn="r"/>
+            <a:r>
+              <a:rPr lang="ru-RU" sz="1400" dirty="0">
+                <a:latin typeface="Times New Roman" panose="02020603050405020304" pitchFamily="18" charset="0"/>
+                <a:cs typeface="Times New Roman" panose="02020603050405020304" pitchFamily="18" charset="0"/>
+              </a:rPr>
+              <a:t>	</a:t>
             </a:r>
           </a:p>
         </p:txBody>
@@ -6604,6 +6686,70 @@
               <a:effectLst/>
               <a:latin typeface="Arial" panose="020B0604020202020204" pitchFamily="34" charset="0"/>
             </a:endParaRPr>
+          </a:p>
+        </p:txBody>
+      </p:sp>
+      <p:sp>
+        <p:nvSpPr>
+          <p:cNvPr id="4" name="TextBox 3">
+            <a:extLst>
+              <a:ext uri="{FF2B5EF4-FFF2-40B4-BE49-F238E27FC236}">
+                <a16:creationId xmlns:a16="http://schemas.microsoft.com/office/drawing/2014/main" id="{9F5ADA16-99A3-041D-6EAC-26FCE93E112B}"/>
+              </a:ext>
+            </a:extLst>
+          </p:cNvPr>
+          <p:cNvSpPr txBox="1"/>
+          <p:nvPr/>
+        </p:nvSpPr>
+        <p:spPr>
+          <a:xfrm>
+            <a:off x="1544128" y="2643666"/>
+            <a:ext cx="9952118" cy="742511"/>
+          </a:xfrm>
+          <a:prstGeom prst="rect">
+            <a:avLst/>
+          </a:prstGeom>
+          <a:noFill/>
+        </p:spPr>
+        <p:txBody>
+          <a:bodyPr wrap="square">
+            <a:spAutoFit/>
+          </a:bodyPr>
+          <a:lstStyle/>
+          <a:p>
+            <a:pPr marL="0" marR="0" lvl="0" indent="0" algn="ctr" defTabSz="914400" rtl="0" eaLnBrk="1" fontAlgn="auto" latinLnBrk="0" hangingPunct="1">
+              <a:lnSpc>
+                <a:spcPct val="150000"/>
+              </a:lnSpc>
+              <a:spcBef>
+                <a:spcPts val="0"/>
+              </a:spcBef>
+              <a:spcAft>
+                <a:spcPts val="0"/>
+              </a:spcAft>
+              <a:buClrTx/>
+              <a:buSzTx/>
+              <a:buFontTx/>
+              <a:buNone/>
+              <a:tabLst/>
+              <a:defRPr/>
+            </a:pPr>
+            <a:r>
+              <a:rPr kumimoji="0" lang="ru-RU" sz="3200" b="1" i="0" u="none" strike="noStrike" kern="1200" cap="none" spc="0" normalizeH="0" baseline="0" noProof="0" dirty="0">
+                <a:ln>
+                  <a:noFill/>
+                </a:ln>
+                <a:solidFill>
+                  <a:prstClr val="black"/>
+                </a:solidFill>
+                <a:effectLst/>
+                <a:uLnTx/>
+                <a:uFillTx/>
+                <a:latin typeface="Times New Roman" panose="02020603050405020304" pitchFamily="18" charset="0"/>
+                <a:cs typeface="Times New Roman" panose="02020603050405020304" pitchFamily="18" charset="0"/>
+              </a:rPr>
+              <a:t>Выпускная квалификационная работа магистра</a:t>
+            </a:r>
           </a:p>
         </p:txBody>
       </p:sp>
@@ -14708,7 +14854,7 @@
                           <a:ea typeface="Calibri" panose="020F0502020204030204" pitchFamily="34" charset="0"/>
                           <a:cs typeface="Times New Roman" panose="02020603050405020304" pitchFamily="18" charset="0"/>
                         </a:rPr>
-                        <m:t>−м интервале процентилей </m:t>
+                        <m:t>−м интервале процентилей (0%−</m:t>
                       </m:r>
                       <m:r>
                         <a:rPr lang="ru-RU" sz="1800" i="1">
@@ -14717,7 +14863,7 @@
                           <a:ea typeface="Calibri" panose="020F0502020204030204" pitchFamily="34" charset="0"/>
                           <a:cs typeface="Times New Roman" panose="02020603050405020304" pitchFamily="18" charset="0"/>
                         </a:rPr>
-                        <m:t>(0%−10%, 11%−20% и т.д.).</m:t>
+                        <m:t>10%, 11%−20% и т.д.).</m:t>
                       </m:r>
                     </m:oMath>
                   </m:oMathPara>
